--- a/MACD_Indicators_Group_2.pptx
+++ b/MACD_Indicators_Group_2.pptx
@@ -4,6 +4,9 @@
   <p:sldMasterIdLst>
     <p:sldMasterId id="2147483648" r:id="rId1"/>
   </p:sldMasterIdLst>
+  <p:notesMasterIdLst>
+    <p:notesMasterId r:id="rId21"/>
+  </p:notesMasterIdLst>
   <p:sldIdLst>
     <p:sldId id="256" r:id="rId2"/>
     <p:sldId id="257" r:id="rId3"/>
@@ -11,13 +14,19 @@
     <p:sldId id="259" r:id="rId5"/>
     <p:sldId id="260" r:id="rId6"/>
     <p:sldId id="261" r:id="rId7"/>
-    <p:sldId id="267" r:id="rId8"/>
-    <p:sldId id="268" r:id="rId9"/>
-    <p:sldId id="262" r:id="rId10"/>
-    <p:sldId id="266" r:id="rId11"/>
-    <p:sldId id="263" r:id="rId12"/>
-    <p:sldId id="264" r:id="rId13"/>
-    <p:sldId id="265" r:id="rId14"/>
+    <p:sldId id="269" r:id="rId8"/>
+    <p:sldId id="270" r:id="rId9"/>
+    <p:sldId id="271" r:id="rId10"/>
+    <p:sldId id="272" r:id="rId11"/>
+    <p:sldId id="267" r:id="rId12"/>
+    <p:sldId id="268" r:id="rId13"/>
+    <p:sldId id="262" r:id="rId14"/>
+    <p:sldId id="274" r:id="rId15"/>
+    <p:sldId id="273" r:id="rId16"/>
+    <p:sldId id="266" r:id="rId17"/>
+    <p:sldId id="263" r:id="rId18"/>
+    <p:sldId id="264" r:id="rId19"/>
+    <p:sldId id="265" r:id="rId20"/>
   </p:sldIdLst>
   <p:sldSz cx="12192000" cy="6858000"/>
   <p:notesSz cx="6858000" cy="9144000"/>
@@ -116,7 +125,490 @@
       </a:defRPr>
     </a:lvl9pPr>
   </p:defaultTextStyle>
+  <p:extLst>
+    <p:ext uri="{EFAFB233-063F-42B5-8137-9DF3F51BA10A}">
+      <p15:sldGuideLst xmlns:p15="http://schemas.microsoft.com/office/powerpoint/2012/main"/>
+    </p:ext>
+  </p:extLst>
 </p:presentation>
+</file>
+
+<file path=ppt/notesMasters/notesMaster1.xml><?xml version="1.0" encoding="utf-8"?>
+<p:notesMaster xmlns:a="http://schemas.openxmlformats.org/drawingml/2006/main" xmlns:r="http://schemas.openxmlformats.org/officeDocument/2006/relationships" xmlns:p="http://schemas.openxmlformats.org/presentationml/2006/main">
+  <p:cSld>
+    <p:bg>
+      <p:bgRef idx="1001">
+        <a:schemeClr val="bg1"/>
+      </p:bgRef>
+    </p:bg>
+    <p:spTree>
+      <p:nvGrpSpPr>
+        <p:cNvPr id="1" name=""/>
+        <p:cNvGrpSpPr/>
+        <p:nvPr/>
+      </p:nvGrpSpPr>
+      <p:grpSpPr>
+        <a:xfrm>
+          <a:off x="0" y="0"/>
+          <a:ext cx="0" cy="0"/>
+          <a:chOff x="0" y="0"/>
+          <a:chExt cx="0" cy="0"/>
+        </a:xfrm>
+      </p:grpSpPr>
+      <p:sp>
+        <p:nvSpPr>
+          <p:cNvPr id="2" name="Header Placeholder 1"/>
+          <p:cNvSpPr>
+            <a:spLocks noGrp="1"/>
+          </p:cNvSpPr>
+          <p:nvPr>
+            <p:ph type="hdr" sz="quarter"/>
+          </p:nvPr>
+        </p:nvSpPr>
+        <p:spPr>
+          <a:xfrm>
+            <a:off x="0" y="0"/>
+            <a:ext cx="2971800" cy="458788"/>
+          </a:xfrm>
+          <a:prstGeom prst="rect">
+            <a:avLst/>
+          </a:prstGeom>
+        </p:spPr>
+        <p:txBody>
+          <a:bodyPr vert="horz" lIns="91440" tIns="45720" rIns="91440" bIns="45720" rtlCol="0"/>
+          <a:lstStyle>
+            <a:lvl1pPr algn="l">
+              <a:defRPr sz="1200"/>
+            </a:lvl1pPr>
+          </a:lstStyle>
+          <a:p>
+            <a:endParaRPr lang="en-US"/>
+          </a:p>
+        </p:txBody>
+      </p:sp>
+      <p:sp>
+        <p:nvSpPr>
+          <p:cNvPr id="3" name="Date Placeholder 2"/>
+          <p:cNvSpPr>
+            <a:spLocks noGrp="1"/>
+          </p:cNvSpPr>
+          <p:nvPr>
+            <p:ph type="dt" idx="1"/>
+          </p:nvPr>
+        </p:nvSpPr>
+        <p:spPr>
+          <a:xfrm>
+            <a:off x="3884613" y="0"/>
+            <a:ext cx="2971800" cy="458788"/>
+          </a:xfrm>
+          <a:prstGeom prst="rect">
+            <a:avLst/>
+          </a:prstGeom>
+        </p:spPr>
+        <p:txBody>
+          <a:bodyPr vert="horz" lIns="91440" tIns="45720" rIns="91440" bIns="45720" rtlCol="0"/>
+          <a:lstStyle>
+            <a:lvl1pPr algn="r">
+              <a:defRPr sz="1200"/>
+            </a:lvl1pPr>
+          </a:lstStyle>
+          <a:p>
+            <a:fld id="{439B18EF-0913-4D1F-A602-DE1ED3B7DBAF}" type="datetimeFigureOut">
+              <a:rPr lang="en-US" smtClean="0"/>
+              <a:t>11/9/2023</a:t>
+            </a:fld>
+            <a:endParaRPr lang="en-US"/>
+          </a:p>
+        </p:txBody>
+      </p:sp>
+      <p:sp>
+        <p:nvSpPr>
+          <p:cNvPr id="4" name="Slide Image Placeholder 3"/>
+          <p:cNvSpPr>
+            <a:spLocks noGrp="1" noRot="1" noChangeAspect="1"/>
+          </p:cNvSpPr>
+          <p:nvPr>
+            <p:ph type="sldImg" idx="2"/>
+          </p:nvPr>
+        </p:nvSpPr>
+        <p:spPr>
+          <a:xfrm>
+            <a:off x="685800" y="1143000"/>
+            <a:ext cx="5486400" cy="3086100"/>
+          </a:xfrm>
+          <a:prstGeom prst="rect">
+            <a:avLst/>
+          </a:prstGeom>
+          <a:noFill/>
+          <a:ln w="12700">
+            <a:solidFill>
+              <a:prstClr val="black"/>
+            </a:solidFill>
+          </a:ln>
+        </p:spPr>
+        <p:txBody>
+          <a:bodyPr vert="horz" lIns="91440" tIns="45720" rIns="91440" bIns="45720" rtlCol="0" anchor="ctr"/>
+          <a:lstStyle/>
+          <a:p>
+            <a:endParaRPr lang="en-US"/>
+          </a:p>
+        </p:txBody>
+      </p:sp>
+      <p:sp>
+        <p:nvSpPr>
+          <p:cNvPr id="5" name="Notes Placeholder 4"/>
+          <p:cNvSpPr>
+            <a:spLocks noGrp="1"/>
+          </p:cNvSpPr>
+          <p:nvPr>
+            <p:ph type="body" sz="quarter" idx="3"/>
+          </p:nvPr>
+        </p:nvSpPr>
+        <p:spPr>
+          <a:xfrm>
+            <a:off x="685800" y="4400550"/>
+            <a:ext cx="5486400" cy="3600450"/>
+          </a:xfrm>
+          <a:prstGeom prst="rect">
+            <a:avLst/>
+          </a:prstGeom>
+        </p:spPr>
+        <p:txBody>
+          <a:bodyPr vert="horz" lIns="91440" tIns="45720" rIns="91440" bIns="45720" rtlCol="0"/>
+          <a:lstStyle/>
+          <a:p>
+            <a:pPr lvl="0"/>
+            <a:r>
+              <a:rPr lang="en-US"/>
+              <a:t>Click to edit Master text styles</a:t>
+            </a:r>
+          </a:p>
+          <a:p>
+            <a:pPr lvl="1"/>
+            <a:r>
+              <a:rPr lang="en-US"/>
+              <a:t>Second level</a:t>
+            </a:r>
+          </a:p>
+          <a:p>
+            <a:pPr lvl="2"/>
+            <a:r>
+              <a:rPr lang="en-US"/>
+              <a:t>Third level</a:t>
+            </a:r>
+          </a:p>
+          <a:p>
+            <a:pPr lvl="3"/>
+            <a:r>
+              <a:rPr lang="en-US"/>
+              <a:t>Fourth level</a:t>
+            </a:r>
+          </a:p>
+          <a:p>
+            <a:pPr lvl="4"/>
+            <a:r>
+              <a:rPr lang="en-US"/>
+              <a:t>Fifth level</a:t>
+            </a:r>
+          </a:p>
+        </p:txBody>
+      </p:sp>
+      <p:sp>
+        <p:nvSpPr>
+          <p:cNvPr id="6" name="Footer Placeholder 5"/>
+          <p:cNvSpPr>
+            <a:spLocks noGrp="1"/>
+          </p:cNvSpPr>
+          <p:nvPr>
+            <p:ph type="ftr" sz="quarter" idx="4"/>
+          </p:nvPr>
+        </p:nvSpPr>
+        <p:spPr>
+          <a:xfrm>
+            <a:off x="0" y="8685213"/>
+            <a:ext cx="2971800" cy="458787"/>
+          </a:xfrm>
+          <a:prstGeom prst="rect">
+            <a:avLst/>
+          </a:prstGeom>
+        </p:spPr>
+        <p:txBody>
+          <a:bodyPr vert="horz" lIns="91440" tIns="45720" rIns="91440" bIns="45720" rtlCol="0" anchor="b"/>
+          <a:lstStyle>
+            <a:lvl1pPr algn="l">
+              <a:defRPr sz="1200"/>
+            </a:lvl1pPr>
+          </a:lstStyle>
+          <a:p>
+            <a:endParaRPr lang="en-US"/>
+          </a:p>
+        </p:txBody>
+      </p:sp>
+      <p:sp>
+        <p:nvSpPr>
+          <p:cNvPr id="7" name="Slide Number Placeholder 6"/>
+          <p:cNvSpPr>
+            <a:spLocks noGrp="1"/>
+          </p:cNvSpPr>
+          <p:nvPr>
+            <p:ph type="sldNum" sz="quarter" idx="5"/>
+          </p:nvPr>
+        </p:nvSpPr>
+        <p:spPr>
+          <a:xfrm>
+            <a:off x="3884613" y="8685213"/>
+            <a:ext cx="2971800" cy="458787"/>
+          </a:xfrm>
+          <a:prstGeom prst="rect">
+            <a:avLst/>
+          </a:prstGeom>
+        </p:spPr>
+        <p:txBody>
+          <a:bodyPr vert="horz" lIns="91440" tIns="45720" rIns="91440" bIns="45720" rtlCol="0" anchor="b"/>
+          <a:lstStyle>
+            <a:lvl1pPr algn="r">
+              <a:defRPr sz="1200"/>
+            </a:lvl1pPr>
+          </a:lstStyle>
+          <a:p>
+            <a:fld id="{44837019-95C0-422C-A198-999875429319}" type="slidenum">
+              <a:rPr lang="en-US" smtClean="0"/>
+              <a:t>‹#›</a:t>
+            </a:fld>
+            <a:endParaRPr lang="en-US"/>
+          </a:p>
+        </p:txBody>
+      </p:sp>
+    </p:spTree>
+    <p:extLst>
+      <p:ext uri="{BB962C8B-B14F-4D97-AF65-F5344CB8AC3E}">
+        <p14:creationId xmlns:p14="http://schemas.microsoft.com/office/powerpoint/2010/main" val="2432484500"/>
+      </p:ext>
+    </p:extLst>
+  </p:cSld>
+  <p:clrMap bg1="lt1" tx1="dk1" bg2="lt2" tx2="dk2" accent1="accent1" accent2="accent2" accent3="accent3" accent4="accent4" accent5="accent5" accent6="accent6" hlink="hlink" folHlink="folHlink"/>
+  <p:notesStyle>
+    <a:lvl1pPr marL="0" algn="l" defTabSz="914400" rtl="0" eaLnBrk="1" latinLnBrk="0" hangingPunct="1">
+      <a:defRPr sz="1200" kern="1200">
+        <a:solidFill>
+          <a:schemeClr val="tx1"/>
+        </a:solidFill>
+        <a:latin typeface="+mn-lt"/>
+        <a:ea typeface="+mn-ea"/>
+        <a:cs typeface="+mn-cs"/>
+      </a:defRPr>
+    </a:lvl1pPr>
+    <a:lvl2pPr marL="457200" algn="l" defTabSz="914400" rtl="0" eaLnBrk="1" latinLnBrk="0" hangingPunct="1">
+      <a:defRPr sz="1200" kern="1200">
+        <a:solidFill>
+          <a:schemeClr val="tx1"/>
+        </a:solidFill>
+        <a:latin typeface="+mn-lt"/>
+        <a:ea typeface="+mn-ea"/>
+        <a:cs typeface="+mn-cs"/>
+      </a:defRPr>
+    </a:lvl2pPr>
+    <a:lvl3pPr marL="914400" algn="l" defTabSz="914400" rtl="0" eaLnBrk="1" latinLnBrk="0" hangingPunct="1">
+      <a:defRPr sz="1200" kern="1200">
+        <a:solidFill>
+          <a:schemeClr val="tx1"/>
+        </a:solidFill>
+        <a:latin typeface="+mn-lt"/>
+        <a:ea typeface="+mn-ea"/>
+        <a:cs typeface="+mn-cs"/>
+      </a:defRPr>
+    </a:lvl3pPr>
+    <a:lvl4pPr marL="1371600" algn="l" defTabSz="914400" rtl="0" eaLnBrk="1" latinLnBrk="0" hangingPunct="1">
+      <a:defRPr sz="1200" kern="1200">
+        <a:solidFill>
+          <a:schemeClr val="tx1"/>
+        </a:solidFill>
+        <a:latin typeface="+mn-lt"/>
+        <a:ea typeface="+mn-ea"/>
+        <a:cs typeface="+mn-cs"/>
+      </a:defRPr>
+    </a:lvl4pPr>
+    <a:lvl5pPr marL="1828800" algn="l" defTabSz="914400" rtl="0" eaLnBrk="1" latinLnBrk="0" hangingPunct="1">
+      <a:defRPr sz="1200" kern="1200">
+        <a:solidFill>
+          <a:schemeClr val="tx1"/>
+        </a:solidFill>
+        <a:latin typeface="+mn-lt"/>
+        <a:ea typeface="+mn-ea"/>
+        <a:cs typeface="+mn-cs"/>
+      </a:defRPr>
+    </a:lvl5pPr>
+    <a:lvl6pPr marL="2286000" algn="l" defTabSz="914400" rtl="0" eaLnBrk="1" latinLnBrk="0" hangingPunct="1">
+      <a:defRPr sz="1200" kern="1200">
+        <a:solidFill>
+          <a:schemeClr val="tx1"/>
+        </a:solidFill>
+        <a:latin typeface="+mn-lt"/>
+        <a:ea typeface="+mn-ea"/>
+        <a:cs typeface="+mn-cs"/>
+      </a:defRPr>
+    </a:lvl6pPr>
+    <a:lvl7pPr marL="2743200" algn="l" defTabSz="914400" rtl="0" eaLnBrk="1" latinLnBrk="0" hangingPunct="1">
+      <a:defRPr sz="1200" kern="1200">
+        <a:solidFill>
+          <a:schemeClr val="tx1"/>
+        </a:solidFill>
+        <a:latin typeface="+mn-lt"/>
+        <a:ea typeface="+mn-ea"/>
+        <a:cs typeface="+mn-cs"/>
+      </a:defRPr>
+    </a:lvl7pPr>
+    <a:lvl8pPr marL="3200400" algn="l" defTabSz="914400" rtl="0" eaLnBrk="1" latinLnBrk="0" hangingPunct="1">
+      <a:defRPr sz="1200" kern="1200">
+        <a:solidFill>
+          <a:schemeClr val="tx1"/>
+        </a:solidFill>
+        <a:latin typeface="+mn-lt"/>
+        <a:ea typeface="+mn-ea"/>
+        <a:cs typeface="+mn-cs"/>
+      </a:defRPr>
+    </a:lvl8pPr>
+    <a:lvl9pPr marL="3657600" algn="l" defTabSz="914400" rtl="0" eaLnBrk="1" latinLnBrk="0" hangingPunct="1">
+      <a:defRPr sz="1200" kern="1200">
+        <a:solidFill>
+          <a:schemeClr val="tx1"/>
+        </a:solidFill>
+        <a:latin typeface="+mn-lt"/>
+        <a:ea typeface="+mn-ea"/>
+        <a:cs typeface="+mn-cs"/>
+      </a:defRPr>
+    </a:lvl9pPr>
+  </p:notesStyle>
+</p:notesMaster>
+</file>
+
+<file path=ppt/notesSlides/notesSlide1.xml><?xml version="1.0" encoding="utf-8"?>
+<p:notes xmlns:a="http://schemas.openxmlformats.org/drawingml/2006/main" xmlns:r="http://schemas.openxmlformats.org/officeDocument/2006/relationships" xmlns:p="http://schemas.openxmlformats.org/presentationml/2006/main">
+  <p:cSld>
+    <p:spTree>
+      <p:nvGrpSpPr>
+        <p:cNvPr id="1" name=""/>
+        <p:cNvGrpSpPr/>
+        <p:nvPr/>
+      </p:nvGrpSpPr>
+      <p:grpSpPr>
+        <a:xfrm>
+          <a:off x="0" y="0"/>
+          <a:ext cx="0" cy="0"/>
+          <a:chOff x="0" y="0"/>
+          <a:chExt cx="0" cy="0"/>
+        </a:xfrm>
+      </p:grpSpPr>
+      <p:sp>
+        <p:nvSpPr>
+          <p:cNvPr id="2" name="Slide Image Placeholder 1"/>
+          <p:cNvSpPr>
+            <a:spLocks noGrp="1" noRot="1" noChangeAspect="1"/>
+          </p:cNvSpPr>
+          <p:nvPr>
+            <p:ph type="sldImg"/>
+          </p:nvPr>
+        </p:nvSpPr>
+        <p:spPr/>
+      </p:sp>
+      <p:sp>
+        <p:nvSpPr>
+          <p:cNvPr id="3" name="Notes Placeholder 2"/>
+          <p:cNvSpPr>
+            <a:spLocks noGrp="1"/>
+          </p:cNvSpPr>
+          <p:nvPr>
+            <p:ph type="body" idx="1"/>
+          </p:nvPr>
+        </p:nvSpPr>
+        <p:spPr/>
+        <p:txBody>
+          <a:bodyPr/>
+          <a:lstStyle/>
+          <a:p>
+            <a:pPr marL="0" marR="0" lvl="0" indent="0" algn="l" defTabSz="914400" rtl="0" eaLnBrk="1" fontAlgn="auto" latinLnBrk="0" hangingPunct="1">
+              <a:lnSpc>
+                <a:spcPct val="100000"/>
+              </a:lnSpc>
+              <a:spcBef>
+                <a:spcPts val="0"/>
+              </a:spcBef>
+              <a:spcAft>
+                <a:spcPts val="0"/>
+              </a:spcAft>
+              <a:buClrTx/>
+              <a:buSzTx/>
+              <a:buFontTx/>
+              <a:buNone/>
+              <a:tabLst/>
+              <a:defRPr/>
+            </a:pPr>
+            <a:r>
+              <a:rPr lang="en-US" b="0" i="1" dirty="0">
+                <a:solidFill>
+                  <a:schemeClr val="bg1">
+                    <a:lumMod val="85000"/>
+                  </a:schemeClr>
+                </a:solidFill>
+                <a:effectLst/>
+                <a:latin typeface="Arial" panose="020B0604020202020204" pitchFamily="34" charset="0"/>
+                <a:cs typeface="Arial" panose="020B0604020202020204" pitchFamily="34" charset="0"/>
+              </a:rPr>
+              <a:t>This project looks at one indicator that you could use for algorithmic trading, which is considering when the MACD crosses the signal line as an indicator of when to buy or sell stocks</a:t>
+            </a:r>
+            <a:r>
+              <a:rPr lang="en-US" b="0" i="0" dirty="0">
+                <a:solidFill>
+                  <a:schemeClr val="bg1">
+                    <a:lumMod val="85000"/>
+                  </a:schemeClr>
+                </a:solidFill>
+                <a:effectLst/>
+                <a:latin typeface="Arial" panose="020B0604020202020204" pitchFamily="34" charset="0"/>
+                <a:cs typeface="Arial" panose="020B0604020202020204" pitchFamily="34" charset="0"/>
+              </a:rPr>
+              <a:t>.</a:t>
+            </a:r>
+          </a:p>
+          <a:p>
+            <a:endParaRPr lang="en-US" dirty="0"/>
+          </a:p>
+        </p:txBody>
+      </p:sp>
+      <p:sp>
+        <p:nvSpPr>
+          <p:cNvPr id="4" name="Slide Number Placeholder 3"/>
+          <p:cNvSpPr>
+            <a:spLocks noGrp="1"/>
+          </p:cNvSpPr>
+          <p:nvPr>
+            <p:ph type="sldNum" sz="quarter" idx="5"/>
+          </p:nvPr>
+        </p:nvSpPr>
+        <p:spPr/>
+        <p:txBody>
+          <a:bodyPr/>
+          <a:lstStyle/>
+          <a:p>
+            <a:fld id="{44837019-95C0-422C-A198-999875429319}" type="slidenum">
+              <a:rPr lang="en-US" smtClean="0"/>
+              <a:t>3</a:t>
+            </a:fld>
+            <a:endParaRPr lang="en-US"/>
+          </a:p>
+        </p:txBody>
+      </p:sp>
+    </p:spTree>
+    <p:extLst>
+      <p:ext uri="{BB962C8B-B14F-4D97-AF65-F5344CB8AC3E}">
+        <p14:creationId xmlns:p14="http://schemas.microsoft.com/office/powerpoint/2010/main" val="2569627304"/>
+      </p:ext>
+    </p:extLst>
+  </p:cSld>
+  <p:clrMapOvr>
+    <a:masterClrMapping/>
+  </p:clrMapOvr>
+</p:notes>
 </file>
 
 <file path=ppt/slideLayouts/slideLayout1.xml><?xml version="1.0" encoding="utf-8"?>
@@ -266,7 +758,7 @@
           <a:p>
             <a:fld id="{C5FB7A86-EF25-4381-A128-19BA6E5932CE}" type="datetimeFigureOut">
               <a:rPr lang="en-US" smtClean="0"/>
-              <a:t>11/7/2023</a:t>
+              <a:t>11/9/2023</a:t>
             </a:fld>
             <a:endParaRPr lang="en-US"/>
           </a:p>
@@ -464,7 +956,7 @@
           <a:p>
             <a:fld id="{C5FB7A86-EF25-4381-A128-19BA6E5932CE}" type="datetimeFigureOut">
               <a:rPr lang="en-US" smtClean="0"/>
-              <a:t>11/7/2023</a:t>
+              <a:t>11/9/2023</a:t>
             </a:fld>
             <a:endParaRPr lang="en-US"/>
           </a:p>
@@ -672,7 +1164,7 @@
           <a:p>
             <a:fld id="{C5FB7A86-EF25-4381-A128-19BA6E5932CE}" type="datetimeFigureOut">
               <a:rPr lang="en-US" smtClean="0"/>
-              <a:t>11/7/2023</a:t>
+              <a:t>11/9/2023</a:t>
             </a:fld>
             <a:endParaRPr lang="en-US"/>
           </a:p>
@@ -870,7 +1362,7 @@
           <a:p>
             <a:fld id="{C5FB7A86-EF25-4381-A128-19BA6E5932CE}" type="datetimeFigureOut">
               <a:rPr lang="en-US" smtClean="0"/>
-              <a:t>11/7/2023</a:t>
+              <a:t>11/9/2023</a:t>
             </a:fld>
             <a:endParaRPr lang="en-US"/>
           </a:p>
@@ -1145,7 +1637,7 @@
           <a:p>
             <a:fld id="{C5FB7A86-EF25-4381-A128-19BA6E5932CE}" type="datetimeFigureOut">
               <a:rPr lang="en-US" smtClean="0"/>
-              <a:t>11/7/2023</a:t>
+              <a:t>11/9/2023</a:t>
             </a:fld>
             <a:endParaRPr lang="en-US"/>
           </a:p>
@@ -1410,7 +1902,7 @@
           <a:p>
             <a:fld id="{C5FB7A86-EF25-4381-A128-19BA6E5932CE}" type="datetimeFigureOut">
               <a:rPr lang="en-US" smtClean="0"/>
-              <a:t>11/7/2023</a:t>
+              <a:t>11/9/2023</a:t>
             </a:fld>
             <a:endParaRPr lang="en-US"/>
           </a:p>
@@ -1822,7 +2314,7 @@
           <a:p>
             <a:fld id="{C5FB7A86-EF25-4381-A128-19BA6E5932CE}" type="datetimeFigureOut">
               <a:rPr lang="en-US" smtClean="0"/>
-              <a:t>11/7/2023</a:t>
+              <a:t>11/9/2023</a:t>
             </a:fld>
             <a:endParaRPr lang="en-US"/>
           </a:p>
@@ -1963,7 +2455,7 @@
           <a:p>
             <a:fld id="{C5FB7A86-EF25-4381-A128-19BA6E5932CE}" type="datetimeFigureOut">
               <a:rPr lang="en-US" smtClean="0"/>
-              <a:t>11/7/2023</a:t>
+              <a:t>11/9/2023</a:t>
             </a:fld>
             <a:endParaRPr lang="en-US"/>
           </a:p>
@@ -2076,7 +2568,7 @@
           <a:p>
             <a:fld id="{C5FB7A86-EF25-4381-A128-19BA6E5932CE}" type="datetimeFigureOut">
               <a:rPr lang="en-US" smtClean="0"/>
-              <a:t>11/7/2023</a:t>
+              <a:t>11/9/2023</a:t>
             </a:fld>
             <a:endParaRPr lang="en-US"/>
           </a:p>
@@ -2387,7 +2879,7 @@
           <a:p>
             <a:fld id="{C5FB7A86-EF25-4381-A128-19BA6E5932CE}" type="datetimeFigureOut">
               <a:rPr lang="en-US" smtClean="0"/>
-              <a:t>11/7/2023</a:t>
+              <a:t>11/9/2023</a:t>
             </a:fld>
             <a:endParaRPr lang="en-US"/>
           </a:p>
@@ -2675,7 +3167,7 @@
           <a:p>
             <a:fld id="{C5FB7A86-EF25-4381-A128-19BA6E5932CE}" type="datetimeFigureOut">
               <a:rPr lang="en-US" smtClean="0"/>
-              <a:t>11/7/2023</a:t>
+              <a:t>11/9/2023</a:t>
             </a:fld>
             <a:endParaRPr lang="en-US"/>
           </a:p>
@@ -2916,7 +3408,7 @@
           <a:p>
             <a:fld id="{C5FB7A86-EF25-4381-A128-19BA6E5932CE}" type="datetimeFigureOut">
               <a:rPr lang="en-US" smtClean="0"/>
-              <a:t>11/7/2023</a:t>
+              <a:t>11/9/2023</a:t>
             </a:fld>
             <a:endParaRPr lang="en-US"/>
           </a:p>
@@ -4170,17 +4662,17 @@
                 <a:latin typeface="Arial" panose="020B0604020202020204" pitchFamily="34" charset="0"/>
                 <a:cs typeface="Arial" panose="020B0604020202020204" pitchFamily="34" charset="0"/>
               </a:rPr>
-              <a:t>Analysis &amp; Outputs</a:t>
-            </a:r>
-          </a:p>
-        </p:txBody>
-      </p:sp>
-      <p:sp>
-        <p:nvSpPr>
-          <p:cNvPr id="12" name="TextBox 11">
-            <a:extLst>
-              <a:ext uri="{FF2B5EF4-FFF2-40B4-BE49-F238E27FC236}">
-                <a16:creationId xmlns:a16="http://schemas.microsoft.com/office/drawing/2014/main" id="{ACF75A3B-1F4A-D0AB-2631-7D9F2F030FDB}"/>
+              <a:t>Materials &amp; Methods</a:t>
+            </a:r>
+          </a:p>
+        </p:txBody>
+      </p:sp>
+      <p:sp>
+        <p:nvSpPr>
+          <p:cNvPr id="7" name="TextBox 6">
+            <a:extLst>
+              <a:ext uri="{FF2B5EF4-FFF2-40B4-BE49-F238E27FC236}">
+                <a16:creationId xmlns:a16="http://schemas.microsoft.com/office/drawing/2014/main" id="{5B8DD3EC-7FEA-D98A-7C9C-30B3444E28F6}"/>
               </a:ext>
             </a:extLst>
           </p:cNvPr>
@@ -4189,8 +4681,8 @@
         </p:nvSpPr>
         <p:spPr>
           <a:xfrm>
-            <a:off x="417910" y="1503805"/>
-            <a:ext cx="6093618" cy="1200329"/>
+            <a:off x="-4054079" y="1364944"/>
+            <a:ext cx="3225404" cy="1754326"/>
           </a:xfrm>
           <a:prstGeom prst="rect">
             <a:avLst/>
@@ -4203,207 +4695,77 @@
           </a:bodyPr>
           <a:lstStyle/>
           <a:p>
-            <a:pPr algn="l"/>
             <a:r>
               <a:rPr lang="en-US" b="0" i="0" dirty="0">
+                <a:effectLst/>
+                <a:latin typeface="Slack-Lato"/>
+              </a:rPr>
+              <a:t>Sam[Data format]</a:t>
+            </a:r>
+          </a:p>
+          <a:p>
+            <a:endParaRPr lang="en-US" dirty="0">
+              <a:latin typeface="Slack-Lato"/>
+            </a:endParaRPr>
+          </a:p>
+          <a:p>
+            <a:r>
+              <a:rPr lang="en-US" dirty="0"/>
+              <a:t>What Data did we use and where did we get it from?</a:t>
+            </a:r>
+          </a:p>
+          <a:p>
+            <a:endParaRPr lang="en-US" dirty="0"/>
+          </a:p>
+          <a:p>
+            <a:r>
+              <a:rPr lang="en-US" dirty="0"/>
+              <a:t>How did we access it?</a:t>
+            </a:r>
+          </a:p>
+        </p:txBody>
+      </p:sp>
+      <p:sp>
+        <p:nvSpPr>
+          <p:cNvPr id="12" name="TextBox 11">
+            <a:extLst>
+              <a:ext uri="{FF2B5EF4-FFF2-40B4-BE49-F238E27FC236}">
+                <a16:creationId xmlns:a16="http://schemas.microsoft.com/office/drawing/2014/main" id="{71E95032-214D-0FF8-37A2-AA93BACC2AA6}"/>
+              </a:ext>
+            </a:extLst>
+          </p:cNvPr>
+          <p:cNvSpPr txBox="1"/>
+          <p:nvPr/>
+        </p:nvSpPr>
+        <p:spPr>
+          <a:xfrm>
+            <a:off x="7886700" y="112991"/>
+            <a:ext cx="4186239" cy="523220"/>
+          </a:xfrm>
+          <a:prstGeom prst="rect">
+            <a:avLst/>
+          </a:prstGeom>
+          <a:noFill/>
+        </p:spPr>
+        <p:txBody>
+          <a:bodyPr wrap="square" rtlCol="0">
+            <a:spAutoFit/>
+          </a:bodyPr>
+          <a:lstStyle/>
+          <a:p>
+            <a:pPr algn="r"/>
+            <a:r>
+              <a:rPr lang="en-US" sz="1400" i="1" dirty="0">
                 <a:solidFill>
                   <a:schemeClr val="bg1">
                     <a:lumMod val="75000"/>
                   </a:schemeClr>
                 </a:solidFill>
-                <a:effectLst/>
-                <a:latin typeface="Slack-Lato"/>
-              </a:rPr>
-              <a:t>Analysis – Michael[SPY] Ryan[AAPL]</a:t>
-            </a:r>
-            <a:br>
-              <a:rPr lang="en-US" b="0" i="0" dirty="0">
-                <a:solidFill>
-                  <a:schemeClr val="bg1">
-                    <a:lumMod val="75000"/>
-                  </a:schemeClr>
-                </a:solidFill>
-                <a:effectLst/>
-                <a:latin typeface="Slack-Lato"/>
-              </a:rPr>
-            </a:br>
-            <a:endParaRPr lang="en-US" b="0" i="0" dirty="0">
-              <a:solidFill>
-                <a:schemeClr val="bg1">
-                  <a:lumMod val="75000"/>
-                </a:schemeClr>
-              </a:solidFill>
-              <a:effectLst/>
-              <a:latin typeface="Slack-Lato"/>
-            </a:endParaRPr>
-          </a:p>
-          <a:p>
-            <a:br>
-              <a:rPr lang="en-US" b="0" i="0" dirty="0">
-                <a:solidFill>
-                  <a:srgbClr val="1D1C1D"/>
-                </a:solidFill>
-                <a:effectLst/>
-                <a:latin typeface="Slack-Lato"/>
-              </a:rPr>
-            </a:br>
-            <a:endParaRPr lang="en-US" dirty="0"/>
-          </a:p>
-        </p:txBody>
-      </p:sp>
-      <p:sp>
-        <p:nvSpPr>
-          <p:cNvPr id="14" name="TextBox 13">
-            <a:extLst>
-              <a:ext uri="{FF2B5EF4-FFF2-40B4-BE49-F238E27FC236}">
-                <a16:creationId xmlns:a16="http://schemas.microsoft.com/office/drawing/2014/main" id="{7053C827-8FBD-BEDA-3521-35F8C6F910B3}"/>
-              </a:ext>
-            </a:extLst>
-          </p:cNvPr>
-          <p:cNvSpPr txBox="1"/>
-          <p:nvPr/>
-        </p:nvSpPr>
-        <p:spPr>
-          <a:xfrm>
-            <a:off x="417910" y="2042107"/>
-            <a:ext cx="6093618" cy="923330"/>
-          </a:xfrm>
-          <a:prstGeom prst="rect">
-            <a:avLst/>
-          </a:prstGeom>
-          <a:noFill/>
-        </p:spPr>
-        <p:txBody>
-          <a:bodyPr wrap="square">
-            <a:spAutoFit/>
-          </a:bodyPr>
-          <a:lstStyle/>
-          <a:p>
-            <a:pPr algn="l"/>
-            <a:r>
-              <a:rPr lang="en-US" b="0" i="0" dirty="0">
-                <a:solidFill>
-                  <a:schemeClr val="bg1">
-                    <a:lumMod val="75000"/>
-                  </a:schemeClr>
-                </a:solidFill>
-                <a:effectLst/>
-                <a:latin typeface="Slack-Lato"/>
-              </a:rPr>
-              <a:t>What were the outputs?</a:t>
-            </a:r>
-            <a:br>
-              <a:rPr lang="en-US" b="0" i="0" dirty="0">
-                <a:solidFill>
-                  <a:schemeClr val="bg1">
-                    <a:lumMod val="75000"/>
-                  </a:schemeClr>
-                </a:solidFill>
-                <a:effectLst/>
-                <a:latin typeface="Slack-Lato"/>
-              </a:rPr>
-            </a:br>
-            <a:endParaRPr lang="en-US" b="0" i="0" dirty="0">
-              <a:solidFill>
-                <a:schemeClr val="bg1">
-                  <a:lumMod val="75000"/>
-                </a:schemeClr>
-              </a:solidFill>
-              <a:effectLst/>
-              <a:latin typeface="Slack-Lato"/>
-            </a:endParaRPr>
-          </a:p>
-          <a:p>
-            <a:pPr algn="l"/>
-            <a:r>
-              <a:rPr lang="en-US" b="0" i="0" dirty="0">
-                <a:solidFill>
-                  <a:schemeClr val="bg1">
-                    <a:lumMod val="75000"/>
-                  </a:schemeClr>
-                </a:solidFill>
-                <a:effectLst/>
-                <a:latin typeface="Slack-Lato"/>
-              </a:rPr>
-              <a:t>What did the outputs tell us?</a:t>
-            </a:r>
-          </a:p>
-        </p:txBody>
-      </p:sp>
-      <p:sp>
-        <p:nvSpPr>
-          <p:cNvPr id="15" name="TextBox 14">
-            <a:extLst>
-              <a:ext uri="{FF2B5EF4-FFF2-40B4-BE49-F238E27FC236}">
-                <a16:creationId xmlns:a16="http://schemas.microsoft.com/office/drawing/2014/main" id="{FCBFDD02-51CC-AC9F-F897-ED1643C6B457}"/>
-              </a:ext>
-            </a:extLst>
-          </p:cNvPr>
-          <p:cNvSpPr txBox="1"/>
-          <p:nvPr/>
-        </p:nvSpPr>
-        <p:spPr>
-          <a:xfrm>
-            <a:off x="7886700" y="112991"/>
-            <a:ext cx="4186239" cy="738664"/>
-          </a:xfrm>
-          <a:prstGeom prst="rect">
-            <a:avLst/>
-          </a:prstGeom>
-          <a:noFill/>
-        </p:spPr>
-        <p:txBody>
-          <a:bodyPr wrap="square" rtlCol="0">
-            <a:spAutoFit/>
-          </a:bodyPr>
-          <a:lstStyle/>
-          <a:p>
-            <a:pPr algn="r"/>
-            <a:r>
-              <a:rPr lang="en-US" sz="1400" dirty="0">
-                <a:solidFill>
-                  <a:schemeClr val="bg1">
-                    <a:lumMod val="75000"/>
-                  </a:schemeClr>
-                </a:solidFill>
-                <a:latin typeface="Times New Roman" panose="02020603050405020304" pitchFamily="18" charset="0"/>
-                <a:cs typeface="Times New Roman" panose="02020603050405020304" pitchFamily="18" charset="0"/>
-              </a:rPr>
-              <a:t>Briefer: Michael </a:t>
-            </a:r>
-            <a:r>
-              <a:rPr lang="en-US" sz="1400" dirty="0" err="1">
-                <a:solidFill>
-                  <a:schemeClr val="bg1">
-                    <a:lumMod val="75000"/>
-                  </a:schemeClr>
-                </a:solidFill>
-                <a:latin typeface="Times New Roman" panose="02020603050405020304" pitchFamily="18" charset="0"/>
-                <a:cs typeface="Times New Roman" panose="02020603050405020304" pitchFamily="18" charset="0"/>
-              </a:rPr>
-              <a:t>Drinkard</a:t>
-            </a:r>
-            <a:endParaRPr lang="en-US" sz="1400" dirty="0">
-              <a:solidFill>
-                <a:schemeClr val="bg1">
-                  <a:lumMod val="75000"/>
-                </a:schemeClr>
-              </a:solidFill>
-              <a:latin typeface="Times New Roman" panose="02020603050405020304" pitchFamily="18" charset="0"/>
-              <a:cs typeface="Times New Roman" panose="02020603050405020304" pitchFamily="18" charset="0"/>
-            </a:endParaRPr>
-          </a:p>
-          <a:p>
-            <a:pPr algn="r"/>
-            <a:endParaRPr lang="en-US" sz="1400" dirty="0">
-              <a:solidFill>
-                <a:schemeClr val="bg1">
-                  <a:lumMod val="75000"/>
-                </a:schemeClr>
-              </a:solidFill>
-              <a:latin typeface="Arial" panose="020B0604020202020204" pitchFamily="34" charset="0"/>
-              <a:cs typeface="Arial" panose="020B0604020202020204" pitchFamily="34" charset="0"/>
-            </a:endParaRPr>
+                <a:latin typeface="Arial" panose="020B0604020202020204" pitchFamily="34" charset="0"/>
+                <a:cs typeface="Arial" panose="020B0604020202020204" pitchFamily="34" charset="0"/>
+              </a:rPr>
+              <a:t>Briefer: Sam Muslin</a:t>
+            </a:r>
           </a:p>
           <a:p>
             <a:pPr algn="r"/>
@@ -4417,10 +4779,83 @@
           </a:p>
         </p:txBody>
       </p:sp>
+      <p:sp>
+        <p:nvSpPr>
+          <p:cNvPr id="10" name="TextBox 9">
+            <a:extLst>
+              <a:ext uri="{FF2B5EF4-FFF2-40B4-BE49-F238E27FC236}">
+                <a16:creationId xmlns:a16="http://schemas.microsoft.com/office/drawing/2014/main" id="{6E406BAA-833B-B14F-A462-6FDF937754D8}"/>
+              </a:ext>
+            </a:extLst>
+          </p:cNvPr>
+          <p:cNvSpPr txBox="1"/>
+          <p:nvPr/>
+        </p:nvSpPr>
+        <p:spPr>
+          <a:xfrm>
+            <a:off x="242892" y="1372666"/>
+            <a:ext cx="5104254" cy="369332"/>
+          </a:xfrm>
+          <a:prstGeom prst="rect">
+            <a:avLst/>
+          </a:prstGeom>
+          <a:noFill/>
+        </p:spPr>
+        <p:txBody>
+          <a:bodyPr wrap="square">
+            <a:spAutoFit/>
+          </a:bodyPr>
+          <a:lstStyle/>
+          <a:p>
+            <a:r>
+              <a:rPr lang="en-US" b="1" dirty="0">
+                <a:solidFill>
+                  <a:schemeClr val="bg1">
+                    <a:lumMod val="85000"/>
+                  </a:schemeClr>
+                </a:solidFill>
+                <a:latin typeface="Arial" panose="020B0604020202020204" pitchFamily="34" charset="0"/>
+                <a:cs typeface="Arial" panose="020B0604020202020204" pitchFamily="34" charset="0"/>
+              </a:rPr>
+              <a:t>ADDING SPY INFORMATION AS A CHECK:</a:t>
+            </a:r>
+          </a:p>
+        </p:txBody>
+      </p:sp>
+      <p:pic>
+        <p:nvPicPr>
+          <p:cNvPr id="6" name="Content Placeholder 8">
+            <a:extLst>
+              <a:ext uri="{FF2B5EF4-FFF2-40B4-BE49-F238E27FC236}">
+                <a16:creationId xmlns:a16="http://schemas.microsoft.com/office/drawing/2014/main" id="{B1EF28EB-A726-CCC4-2471-9D8DCEAC6723}"/>
+              </a:ext>
+            </a:extLst>
+          </p:cNvPr>
+          <p:cNvPicPr>
+            <a:picLocks noChangeAspect="1"/>
+          </p:cNvPicPr>
+          <p:nvPr/>
+        </p:nvPicPr>
+        <p:blipFill>
+          <a:blip r:embed="rId2"/>
+          <a:stretch>
+            <a:fillRect/>
+          </a:stretch>
+        </p:blipFill>
+        <p:spPr>
+          <a:xfrm>
+            <a:off x="2733678" y="1959626"/>
+            <a:ext cx="8328226" cy="3998360"/>
+          </a:xfrm>
+          <a:prstGeom prst="rect">
+            <a:avLst/>
+          </a:prstGeom>
+        </p:spPr>
+      </p:pic>
     </p:spTree>
     <p:extLst>
       <p:ext uri="{BB962C8B-B14F-4D97-AF65-F5344CB8AC3E}">
-        <p14:creationId xmlns:p14="http://schemas.microsoft.com/office/powerpoint/2010/main" val="817477383"/>
+        <p14:creationId xmlns:p14="http://schemas.microsoft.com/office/powerpoint/2010/main" val="3887757629"/>
       </p:ext>
     </p:extLst>
   </p:cSld>
@@ -4687,7 +5122,7 @@
                 <a:latin typeface="Arial" panose="020B0604020202020204" pitchFamily="34" charset="0"/>
                 <a:cs typeface="Arial" panose="020B0604020202020204" pitchFamily="34" charset="0"/>
               </a:rPr>
-              <a:t>Lessons Learned</a:t>
+              <a:t>Materials &amp; Methods</a:t>
             </a:r>
           </a:p>
         </p:txBody>
@@ -4697,7 +5132,7 @@
           <p:cNvPr id="6" name="TextBox 5">
             <a:extLst>
               <a:ext uri="{FF2B5EF4-FFF2-40B4-BE49-F238E27FC236}">
-                <a16:creationId xmlns:a16="http://schemas.microsoft.com/office/drawing/2014/main" id="{B31D4CA7-C4C5-98E5-6FA6-41CDEC2E70A7}"/>
+                <a16:creationId xmlns:a16="http://schemas.microsoft.com/office/drawing/2014/main" id="{1501F23A-E5CC-412B-ED9A-FFCDD8D08EE1}"/>
               </a:ext>
             </a:extLst>
           </p:cNvPr>
@@ -4706,8 +5141,8 @@
         </p:nvSpPr>
         <p:spPr>
           <a:xfrm>
-            <a:off x="7886700" y="112991"/>
-            <a:ext cx="4186239" cy="523220"/>
+            <a:off x="2003822" y="1474384"/>
+            <a:ext cx="8868966" cy="4862870"/>
           </a:xfrm>
           <a:prstGeom prst="rect">
             <a:avLst/>
@@ -4715,44 +5150,369 @@
           <a:noFill/>
         </p:spPr>
         <p:txBody>
-          <a:bodyPr wrap="square" rtlCol="0">
+          <a:bodyPr wrap="square">
             <a:spAutoFit/>
           </a:bodyPr>
           <a:lstStyle/>
           <a:p>
-            <a:pPr algn="r"/>
-            <a:r>
-              <a:rPr lang="en-US" sz="1400" dirty="0">
+            <a:r>
+              <a:rPr lang="en-US" sz="2000" b="1" i="1" dirty="0">
                 <a:solidFill>
                   <a:schemeClr val="bg1">
                     <a:lumMod val="75000"/>
                   </a:schemeClr>
                 </a:solidFill>
-                <a:latin typeface="Times New Roman" panose="02020603050405020304" pitchFamily="18" charset="0"/>
-                <a:cs typeface="Times New Roman" panose="02020603050405020304" pitchFamily="18" charset="0"/>
-              </a:rPr>
-              <a:t>Briefer: Harith </a:t>
-            </a:r>
-            <a:r>
-              <a:rPr lang="en-US" sz="1400" dirty="0" err="1">
-                <a:solidFill>
-                  <a:schemeClr val="bg1">
-                    <a:lumMod val="75000"/>
-                  </a:schemeClr>
-                </a:solidFill>
-                <a:latin typeface="Times New Roman" panose="02020603050405020304" pitchFamily="18" charset="0"/>
-                <a:cs typeface="Times New Roman" panose="02020603050405020304" pitchFamily="18" charset="0"/>
-              </a:rPr>
-              <a:t>Alshuwaykh</a:t>
-            </a:r>
-            <a:endParaRPr lang="en-US" sz="1400" dirty="0">
+                <a:effectLst/>
+                <a:latin typeface="Arial" panose="020B0604020202020204" pitchFamily="34" charset="0"/>
+                <a:cs typeface="Arial" panose="020B0604020202020204" pitchFamily="34" charset="0"/>
+              </a:rPr>
+              <a:t>What formula did we use to process the data?</a:t>
+            </a:r>
+          </a:p>
+          <a:p>
+            <a:endParaRPr lang="en-US" sz="2000" dirty="0">
               <a:solidFill>
                 <a:schemeClr val="bg1">
                   <a:lumMod val="75000"/>
                 </a:schemeClr>
               </a:solidFill>
-              <a:latin typeface="Times New Roman" panose="02020603050405020304" pitchFamily="18" charset="0"/>
-              <a:cs typeface="Times New Roman" panose="02020603050405020304" pitchFamily="18" charset="0"/>
+              <a:latin typeface="Arial" panose="020B0604020202020204" pitchFamily="34" charset="0"/>
+              <a:cs typeface="Arial" panose="020B0604020202020204" pitchFamily="34" charset="0"/>
+            </a:endParaRPr>
+          </a:p>
+          <a:p>
+            <a:pPr marL="342900" indent="-342900">
+              <a:buFont typeface="+mj-lt"/>
+              <a:buAutoNum type="arabicPeriod"/>
+            </a:pPr>
+            <a:r>
+              <a:rPr lang="en-US" b="0" i="0" dirty="0">
+                <a:solidFill>
+                  <a:schemeClr val="bg1">
+                    <a:lumMod val="75000"/>
+                  </a:schemeClr>
+                </a:solidFill>
+                <a:effectLst/>
+                <a:latin typeface="Arial" panose="020B0604020202020204" pitchFamily="34" charset="0"/>
+                <a:cs typeface="Arial" panose="020B0604020202020204" pitchFamily="34" charset="0"/>
+              </a:rPr>
+              <a:t>Select a time period (commonly 12 or 26 periods) for the MACD line. </a:t>
+            </a:r>
+            <a:br>
+              <a:rPr lang="en-US" b="0" i="0" dirty="0">
+                <a:solidFill>
+                  <a:schemeClr val="bg1">
+                    <a:lumMod val="75000"/>
+                  </a:schemeClr>
+                </a:solidFill>
+                <a:effectLst/>
+                <a:latin typeface="Arial" panose="020B0604020202020204" pitchFamily="34" charset="0"/>
+                <a:cs typeface="Arial" panose="020B0604020202020204" pitchFamily="34" charset="0"/>
+              </a:rPr>
+            </a:br>
+            <a:r>
+              <a:rPr lang="en-US" b="0" i="0" dirty="0">
+                <a:solidFill>
+                  <a:schemeClr val="bg1">
+                    <a:lumMod val="75000"/>
+                  </a:schemeClr>
+                </a:solidFill>
+                <a:effectLst/>
+                <a:latin typeface="Arial" panose="020B0604020202020204" pitchFamily="34" charset="0"/>
+                <a:cs typeface="Arial" panose="020B0604020202020204" pitchFamily="34" charset="0"/>
+              </a:rPr>
+              <a:t>Let's assume we choose 12 periods.</a:t>
+            </a:r>
+          </a:p>
+          <a:p>
+            <a:pPr marL="342900" indent="-342900">
+              <a:buFont typeface="+mj-lt"/>
+              <a:buAutoNum type="arabicPeriod"/>
+            </a:pPr>
+            <a:endParaRPr lang="en-US" b="0" i="0" dirty="0">
+              <a:solidFill>
+                <a:schemeClr val="bg1">
+                  <a:lumMod val="75000"/>
+                </a:schemeClr>
+              </a:solidFill>
+              <a:effectLst/>
+              <a:latin typeface="Arial" panose="020B0604020202020204" pitchFamily="34" charset="0"/>
+              <a:cs typeface="Arial" panose="020B0604020202020204" pitchFamily="34" charset="0"/>
+            </a:endParaRPr>
+          </a:p>
+          <a:p>
+            <a:pPr marL="342900" indent="-342900">
+              <a:buFont typeface="+mj-lt"/>
+              <a:buAutoNum type="arabicPeriod"/>
+            </a:pPr>
+            <a:r>
+              <a:rPr lang="en-US" b="0" i="0" dirty="0">
+                <a:solidFill>
+                  <a:schemeClr val="bg1">
+                    <a:lumMod val="75000"/>
+                  </a:schemeClr>
+                </a:solidFill>
+                <a:effectLst/>
+                <a:latin typeface="Arial" panose="020B0604020202020204" pitchFamily="34" charset="0"/>
+                <a:cs typeface="Arial" panose="020B0604020202020204" pitchFamily="34" charset="0"/>
+              </a:rPr>
+              <a:t>Calculate the 12-period exponential moving average (EMA) of  the asset's closing prices.</a:t>
+            </a:r>
+          </a:p>
+          <a:p>
+            <a:pPr marL="342900" indent="-342900">
+              <a:buFont typeface="+mj-lt"/>
+              <a:buAutoNum type="arabicPeriod"/>
+            </a:pPr>
+            <a:endParaRPr lang="en-US" dirty="0">
+              <a:solidFill>
+                <a:schemeClr val="bg1">
+                  <a:lumMod val="75000"/>
+                </a:schemeClr>
+              </a:solidFill>
+              <a:latin typeface="Arial" panose="020B0604020202020204" pitchFamily="34" charset="0"/>
+              <a:cs typeface="Arial" panose="020B0604020202020204" pitchFamily="34" charset="0"/>
+            </a:endParaRPr>
+          </a:p>
+          <a:p>
+            <a:pPr marL="342900" indent="-342900">
+              <a:buFont typeface="+mj-lt"/>
+              <a:buAutoNum type="arabicPeriod"/>
+            </a:pPr>
+            <a:r>
+              <a:rPr lang="en-US" b="0" i="0" dirty="0">
+                <a:solidFill>
+                  <a:schemeClr val="bg1">
+                    <a:lumMod val="75000"/>
+                  </a:schemeClr>
+                </a:solidFill>
+                <a:effectLst/>
+                <a:latin typeface="Arial" panose="020B0604020202020204" pitchFamily="34" charset="0"/>
+                <a:cs typeface="Arial" panose="020B0604020202020204" pitchFamily="34" charset="0"/>
+              </a:rPr>
+              <a:t>Next, select another time period (often 26 periods) for the signal line. </a:t>
+            </a:r>
+            <a:br>
+              <a:rPr lang="en-US" b="0" i="0" dirty="0">
+                <a:solidFill>
+                  <a:schemeClr val="bg1">
+                    <a:lumMod val="75000"/>
+                  </a:schemeClr>
+                </a:solidFill>
+                <a:effectLst/>
+                <a:latin typeface="Arial" panose="020B0604020202020204" pitchFamily="34" charset="0"/>
+                <a:cs typeface="Arial" panose="020B0604020202020204" pitchFamily="34" charset="0"/>
+              </a:rPr>
+            </a:br>
+            <a:r>
+              <a:rPr lang="en-US" b="0" i="0" dirty="0">
+                <a:solidFill>
+                  <a:schemeClr val="bg1">
+                    <a:lumMod val="75000"/>
+                  </a:schemeClr>
+                </a:solidFill>
+                <a:effectLst/>
+                <a:latin typeface="Arial" panose="020B0604020202020204" pitchFamily="34" charset="0"/>
+                <a:cs typeface="Arial" panose="020B0604020202020204" pitchFamily="34" charset="0"/>
+              </a:rPr>
+              <a:t>In this case, we'll use 26 periods.</a:t>
+            </a:r>
+            <a:endParaRPr lang="en-US" dirty="0">
+              <a:solidFill>
+                <a:schemeClr val="bg1">
+                  <a:lumMod val="75000"/>
+                </a:schemeClr>
+              </a:solidFill>
+              <a:latin typeface="Arial" panose="020B0604020202020204" pitchFamily="34" charset="0"/>
+              <a:cs typeface="Arial" panose="020B0604020202020204" pitchFamily="34" charset="0"/>
+            </a:endParaRPr>
+          </a:p>
+          <a:p>
+            <a:pPr marL="342900" indent="-342900">
+              <a:buFont typeface="+mj-lt"/>
+              <a:buAutoNum type="arabicPeriod"/>
+            </a:pPr>
+            <a:endParaRPr lang="en-US" b="0" i="0" dirty="0">
+              <a:solidFill>
+                <a:schemeClr val="bg1">
+                  <a:lumMod val="75000"/>
+                </a:schemeClr>
+              </a:solidFill>
+              <a:effectLst/>
+              <a:latin typeface="Arial" panose="020B0604020202020204" pitchFamily="34" charset="0"/>
+              <a:cs typeface="Arial" panose="020B0604020202020204" pitchFamily="34" charset="0"/>
+            </a:endParaRPr>
+          </a:p>
+          <a:p>
+            <a:pPr marL="342900" indent="-342900">
+              <a:buFont typeface="+mj-lt"/>
+              <a:buAutoNum type="arabicPeriod"/>
+            </a:pPr>
+            <a:r>
+              <a:rPr lang="en-US" b="0" i="0" dirty="0">
+                <a:solidFill>
+                  <a:schemeClr val="bg1">
+                    <a:lumMod val="75000"/>
+                  </a:schemeClr>
+                </a:solidFill>
+                <a:effectLst/>
+                <a:latin typeface="Arial" panose="020B0604020202020204" pitchFamily="34" charset="0"/>
+                <a:cs typeface="Arial" panose="020B0604020202020204" pitchFamily="34" charset="0"/>
+              </a:rPr>
+              <a:t>Calculate the 26-period EMA of the closing prices.</a:t>
+            </a:r>
+          </a:p>
+          <a:p>
+            <a:pPr marL="342900" indent="-342900">
+              <a:buFont typeface="+mj-lt"/>
+              <a:buAutoNum type="arabicPeriod"/>
+            </a:pPr>
+            <a:endParaRPr lang="en-US" dirty="0">
+              <a:solidFill>
+                <a:schemeClr val="bg1">
+                  <a:lumMod val="75000"/>
+                </a:schemeClr>
+              </a:solidFill>
+              <a:latin typeface="Arial" panose="020B0604020202020204" pitchFamily="34" charset="0"/>
+              <a:cs typeface="Arial" panose="020B0604020202020204" pitchFamily="34" charset="0"/>
+            </a:endParaRPr>
+          </a:p>
+          <a:p>
+            <a:pPr marL="342900" indent="-342900">
+              <a:buFont typeface="+mj-lt"/>
+              <a:buAutoNum type="arabicPeriod"/>
+            </a:pPr>
+            <a:r>
+              <a:rPr lang="en-US" b="0" i="0" dirty="0">
+                <a:solidFill>
+                  <a:schemeClr val="bg1">
+                    <a:lumMod val="75000"/>
+                  </a:schemeClr>
+                </a:solidFill>
+                <a:effectLst/>
+                <a:latin typeface="Arial" panose="020B0604020202020204" pitchFamily="34" charset="0"/>
+                <a:cs typeface="Arial" panose="020B0604020202020204" pitchFamily="34" charset="0"/>
+              </a:rPr>
+              <a:t>Subtract the 26-period EMA from the 12-period EMA to get the MACD line value.</a:t>
+            </a:r>
+          </a:p>
+          <a:p>
+            <a:pPr marL="342900" indent="-342900">
+              <a:buFont typeface="+mj-lt"/>
+              <a:buAutoNum type="arabicPeriod"/>
+            </a:pPr>
+            <a:endParaRPr lang="en-US" dirty="0">
+              <a:solidFill>
+                <a:schemeClr val="bg1">
+                  <a:lumMod val="75000"/>
+                </a:schemeClr>
+              </a:solidFill>
+              <a:latin typeface="Arial" panose="020B0604020202020204" pitchFamily="34" charset="0"/>
+              <a:cs typeface="Arial" panose="020B0604020202020204" pitchFamily="34" charset="0"/>
+            </a:endParaRPr>
+          </a:p>
+          <a:p>
+            <a:pPr marL="342900" indent="-342900">
+              <a:buFont typeface="+mj-lt"/>
+              <a:buAutoNum type="arabicPeriod"/>
+            </a:pPr>
+            <a:r>
+              <a:rPr lang="en-US" b="0" i="0" dirty="0">
+                <a:solidFill>
+                  <a:schemeClr val="bg1">
+                    <a:lumMod val="75000"/>
+                  </a:schemeClr>
+                </a:solidFill>
+                <a:effectLst/>
+                <a:latin typeface="Arial" panose="020B0604020202020204" pitchFamily="34" charset="0"/>
+                <a:cs typeface="Arial" panose="020B0604020202020204" pitchFamily="34" charset="0"/>
+              </a:rPr>
+              <a:t>Finally, calculate a 9-period EMA of the MACD line to obtain the signal line.</a:t>
+            </a:r>
+            <a:br>
+              <a:rPr lang="en-US" dirty="0">
+                <a:solidFill>
+                  <a:schemeClr val="bg1">
+                    <a:lumMod val="75000"/>
+                  </a:schemeClr>
+                </a:solidFill>
+                <a:latin typeface="Arial" panose="020B0604020202020204" pitchFamily="34" charset="0"/>
+                <a:cs typeface="Arial" panose="020B0604020202020204" pitchFamily="34" charset="0"/>
+              </a:rPr>
+            </a:br>
+            <a:endParaRPr lang="en-US" dirty="0">
+              <a:solidFill>
+                <a:schemeClr val="bg1">
+                  <a:lumMod val="75000"/>
+                </a:schemeClr>
+              </a:solidFill>
+              <a:latin typeface="Arial" panose="020B0604020202020204" pitchFamily="34" charset="0"/>
+              <a:cs typeface="Arial" panose="020B0604020202020204" pitchFamily="34" charset="0"/>
+            </a:endParaRPr>
+          </a:p>
+        </p:txBody>
+      </p:sp>
+      <p:sp>
+        <p:nvSpPr>
+          <p:cNvPr id="8" name="TextBox 7">
+            <a:extLst>
+              <a:ext uri="{FF2B5EF4-FFF2-40B4-BE49-F238E27FC236}">
+                <a16:creationId xmlns:a16="http://schemas.microsoft.com/office/drawing/2014/main" id="{53E4A057-00E0-45AC-C4DF-4EE06E1D49F3}"/>
+              </a:ext>
+            </a:extLst>
+          </p:cNvPr>
+          <p:cNvSpPr txBox="1"/>
+          <p:nvPr/>
+        </p:nvSpPr>
+        <p:spPr>
+          <a:xfrm>
+            <a:off x="7886700" y="112991"/>
+            <a:ext cx="4186239" cy="523220"/>
+          </a:xfrm>
+          <a:prstGeom prst="rect">
+            <a:avLst/>
+          </a:prstGeom>
+          <a:noFill/>
+        </p:spPr>
+        <p:txBody>
+          <a:bodyPr wrap="square" rtlCol="0">
+            <a:spAutoFit/>
+          </a:bodyPr>
+          <a:lstStyle/>
+          <a:p>
+            <a:pPr algn="r"/>
+            <a:r>
+              <a:rPr lang="en-US" sz="1400" i="1" dirty="0">
+                <a:solidFill>
+                  <a:schemeClr val="bg1">
+                    <a:lumMod val="75000"/>
+                  </a:schemeClr>
+                </a:solidFill>
+                <a:latin typeface="Arial" panose="020B0604020202020204" pitchFamily="34" charset="0"/>
+                <a:cs typeface="Arial" panose="020B0604020202020204" pitchFamily="34" charset="0"/>
+              </a:rPr>
+              <a:t>Briefer: Harith </a:t>
+            </a:r>
+            <a:r>
+              <a:rPr lang="en-US" sz="1400" i="1" dirty="0" err="1">
+                <a:solidFill>
+                  <a:schemeClr val="bg1">
+                    <a:lumMod val="75000"/>
+                  </a:schemeClr>
+                </a:solidFill>
+                <a:latin typeface="Arial" panose="020B0604020202020204" pitchFamily="34" charset="0"/>
+                <a:cs typeface="Arial" panose="020B0604020202020204" pitchFamily="34" charset="0"/>
+              </a:rPr>
+              <a:t>Alshuwaykh</a:t>
+            </a:r>
+            <a:endParaRPr lang="en-US" sz="1400" i="1" dirty="0">
+              <a:solidFill>
+                <a:schemeClr val="bg1">
+                  <a:lumMod val="75000"/>
+                </a:schemeClr>
+              </a:solidFill>
+              <a:latin typeface="Arial" panose="020B0604020202020204" pitchFamily="34" charset="0"/>
+              <a:cs typeface="Arial" panose="020B0604020202020204" pitchFamily="34" charset="0"/>
             </a:endParaRPr>
           </a:p>
           <a:p>
@@ -4770,7 +5530,7 @@
     </p:spTree>
     <p:extLst>
       <p:ext uri="{BB962C8B-B14F-4D97-AF65-F5344CB8AC3E}">
-        <p14:creationId xmlns:p14="http://schemas.microsoft.com/office/powerpoint/2010/main" val="2524113624"/>
+        <p14:creationId xmlns:p14="http://schemas.microsoft.com/office/powerpoint/2010/main" val="1586586338"/>
       </p:ext>
     </p:extLst>
   </p:cSld>
@@ -5015,6 +5775,3125 @@
         <p:spPr>
           <a:xfrm>
             <a:off x="126205" y="541869"/>
+            <a:ext cx="5220941" cy="646331"/>
+          </a:xfrm>
+          <a:prstGeom prst="rect">
+            <a:avLst/>
+          </a:prstGeom>
+          <a:noFill/>
+        </p:spPr>
+        <p:txBody>
+          <a:bodyPr wrap="square">
+            <a:spAutoFit/>
+          </a:bodyPr>
+          <a:lstStyle/>
+          <a:p>
+            <a:pPr algn="r"/>
+            <a:r>
+              <a:rPr lang="en-US" sz="3600" dirty="0">
+                <a:solidFill>
+                  <a:schemeClr val="bg1"/>
+                </a:solidFill>
+                <a:latin typeface="Arial" panose="020B0604020202020204" pitchFamily="34" charset="0"/>
+                <a:cs typeface="Arial" panose="020B0604020202020204" pitchFamily="34" charset="0"/>
+              </a:rPr>
+              <a:t>Materials &amp; Methods</a:t>
+            </a:r>
+          </a:p>
+        </p:txBody>
+      </p:sp>
+      <p:sp>
+        <p:nvSpPr>
+          <p:cNvPr id="10" name="TextBox 9">
+            <a:extLst>
+              <a:ext uri="{FF2B5EF4-FFF2-40B4-BE49-F238E27FC236}">
+                <a16:creationId xmlns:a16="http://schemas.microsoft.com/office/drawing/2014/main" id="{387ED061-CD0A-AA1C-6DB7-AE84826EC15D}"/>
+              </a:ext>
+            </a:extLst>
+          </p:cNvPr>
+          <p:cNvSpPr txBox="1"/>
+          <p:nvPr/>
+        </p:nvSpPr>
+        <p:spPr>
+          <a:xfrm>
+            <a:off x="1414463" y="1720840"/>
+            <a:ext cx="9286875" cy="2585323"/>
+          </a:xfrm>
+          <a:prstGeom prst="rect">
+            <a:avLst/>
+          </a:prstGeom>
+          <a:noFill/>
+        </p:spPr>
+        <p:txBody>
+          <a:bodyPr wrap="square">
+            <a:spAutoFit/>
+          </a:bodyPr>
+          <a:lstStyle/>
+          <a:p>
+            <a:br>
+              <a:rPr lang="en-US" b="0" i="0" dirty="0">
+                <a:solidFill>
+                  <a:schemeClr val="bg1">
+                    <a:lumMod val="75000"/>
+                  </a:schemeClr>
+                </a:solidFill>
+                <a:effectLst/>
+                <a:latin typeface="Arial" panose="020B0604020202020204" pitchFamily="34" charset="0"/>
+              </a:rPr>
+            </a:br>
+            <a:r>
+              <a:rPr lang="en-US" b="0" i="0" dirty="0">
+                <a:solidFill>
+                  <a:srgbClr val="FF0000"/>
+                </a:solidFill>
+                <a:effectLst/>
+                <a:latin typeface="Arial" panose="020B0604020202020204" pitchFamily="34" charset="0"/>
+              </a:rPr>
+              <a:t>Crossovers: </a:t>
+            </a:r>
+            <a:r>
+              <a:rPr lang="en-US" b="0" i="0" dirty="0">
+                <a:solidFill>
+                  <a:schemeClr val="bg1">
+                    <a:lumMod val="75000"/>
+                  </a:schemeClr>
+                </a:solidFill>
+                <a:effectLst/>
+                <a:latin typeface="Arial" panose="020B0604020202020204" pitchFamily="34" charset="0"/>
+              </a:rPr>
+              <a:t>When the </a:t>
+            </a:r>
+            <a:r>
+              <a:rPr lang="en-US" b="0" i="0" dirty="0">
+                <a:solidFill>
+                  <a:srgbClr val="FF0000"/>
+                </a:solidFill>
+                <a:effectLst/>
+                <a:latin typeface="Arial" panose="020B0604020202020204" pitchFamily="34" charset="0"/>
+              </a:rPr>
+              <a:t>MACD line crosses above the signal line</a:t>
+            </a:r>
+            <a:r>
+              <a:rPr lang="en-US" b="0" i="0" dirty="0">
+                <a:solidFill>
+                  <a:schemeClr val="bg1">
+                    <a:lumMod val="75000"/>
+                  </a:schemeClr>
+                </a:solidFill>
+                <a:effectLst/>
+                <a:latin typeface="Arial" panose="020B0604020202020204" pitchFamily="34" charset="0"/>
+              </a:rPr>
+              <a:t>, it generates a </a:t>
+            </a:r>
+            <a:r>
+              <a:rPr lang="en-US" b="0" i="0" dirty="0">
+                <a:solidFill>
+                  <a:srgbClr val="FF0000"/>
+                </a:solidFill>
+                <a:effectLst/>
+                <a:latin typeface="Arial" panose="020B0604020202020204" pitchFamily="34" charset="0"/>
+              </a:rPr>
+              <a:t>bullish signal</a:t>
+            </a:r>
+            <a:r>
+              <a:rPr lang="en-US" b="0" i="0" dirty="0">
+                <a:solidFill>
+                  <a:schemeClr val="bg1">
+                    <a:lumMod val="75000"/>
+                  </a:schemeClr>
+                </a:solidFill>
+                <a:effectLst/>
+                <a:latin typeface="Arial" panose="020B0604020202020204" pitchFamily="34" charset="0"/>
+              </a:rPr>
+              <a:t>, indicating a potential buying opportunity. Conversely, when the </a:t>
+            </a:r>
+            <a:r>
+              <a:rPr lang="en-US" b="0" i="0" dirty="0">
+                <a:solidFill>
+                  <a:schemeClr val="accent1"/>
+                </a:solidFill>
+                <a:effectLst/>
+                <a:latin typeface="Arial" panose="020B0604020202020204" pitchFamily="34" charset="0"/>
+              </a:rPr>
+              <a:t>MACD line crosses below the signal line</a:t>
+            </a:r>
+            <a:r>
+              <a:rPr lang="en-US" b="0" i="0" dirty="0">
+                <a:solidFill>
+                  <a:schemeClr val="bg1">
+                    <a:lumMod val="75000"/>
+                  </a:schemeClr>
+                </a:solidFill>
+                <a:effectLst/>
+                <a:latin typeface="Arial" panose="020B0604020202020204" pitchFamily="34" charset="0"/>
+              </a:rPr>
+              <a:t>, it generates a </a:t>
+            </a:r>
+            <a:r>
+              <a:rPr lang="en-US" b="0" i="0" dirty="0">
+                <a:solidFill>
+                  <a:schemeClr val="accent1"/>
+                </a:solidFill>
+                <a:effectLst/>
+                <a:latin typeface="Arial" panose="020B0604020202020204" pitchFamily="34" charset="0"/>
+              </a:rPr>
+              <a:t>bearish signal</a:t>
+            </a:r>
+            <a:r>
+              <a:rPr lang="en-US" b="0" i="0" dirty="0">
+                <a:solidFill>
+                  <a:schemeClr val="bg1">
+                    <a:lumMod val="75000"/>
+                  </a:schemeClr>
+                </a:solidFill>
+                <a:effectLst/>
+                <a:latin typeface="Arial" panose="020B0604020202020204" pitchFamily="34" charset="0"/>
+              </a:rPr>
+              <a:t>, suggesting a possible selling </a:t>
+            </a:r>
+            <a:br>
+              <a:rPr lang="en-US" dirty="0">
+                <a:solidFill>
+                  <a:schemeClr val="bg1">
+                    <a:lumMod val="75000"/>
+                  </a:schemeClr>
+                </a:solidFill>
+              </a:rPr>
+            </a:br>
+            <a:r>
+              <a:rPr lang="en-US" b="0" i="0" dirty="0">
+                <a:solidFill>
+                  <a:schemeClr val="bg1">
+                    <a:lumMod val="75000"/>
+                  </a:schemeClr>
+                </a:solidFill>
+                <a:effectLst/>
+                <a:latin typeface="Arial" panose="020B0604020202020204" pitchFamily="34" charset="0"/>
+              </a:rPr>
+              <a:t>opportunity.</a:t>
+            </a:r>
+          </a:p>
+          <a:p>
+            <a:br>
+              <a:rPr lang="en-US" dirty="0">
+                <a:solidFill>
+                  <a:schemeClr val="bg1">
+                    <a:lumMod val="75000"/>
+                  </a:schemeClr>
+                </a:solidFill>
+              </a:rPr>
+            </a:br>
+            <a:r>
+              <a:rPr lang="en-US" b="0" i="0" dirty="0">
+                <a:solidFill>
+                  <a:srgbClr val="FF0000"/>
+                </a:solidFill>
+                <a:effectLst/>
+                <a:latin typeface="Arial" panose="020B0604020202020204" pitchFamily="34" charset="0"/>
+              </a:rPr>
+              <a:t>Divergences: </a:t>
+            </a:r>
+            <a:r>
+              <a:rPr lang="en-US" b="0" i="0" dirty="0">
+                <a:solidFill>
+                  <a:schemeClr val="bg1">
+                    <a:lumMod val="75000"/>
+                  </a:schemeClr>
+                </a:solidFill>
+                <a:effectLst/>
+                <a:latin typeface="Arial" panose="020B0604020202020204" pitchFamily="34" charset="0"/>
+              </a:rPr>
+              <a:t>Pay attention to divergences between the MACD and the price action. If the price is making higher highs, but the MACD is making lower highs, it could </a:t>
+            </a:r>
+            <a:br>
+              <a:rPr lang="en-US" dirty="0">
+                <a:solidFill>
+                  <a:schemeClr val="bg1">
+                    <a:lumMod val="75000"/>
+                  </a:schemeClr>
+                </a:solidFill>
+              </a:rPr>
+            </a:br>
+            <a:r>
+              <a:rPr lang="en-US" b="0" i="0" dirty="0">
+                <a:solidFill>
+                  <a:schemeClr val="bg1">
+                    <a:lumMod val="75000"/>
+                  </a:schemeClr>
+                </a:solidFill>
+                <a:effectLst/>
+                <a:latin typeface="Arial" panose="020B0604020202020204" pitchFamily="34" charset="0"/>
+              </a:rPr>
+              <a:t>indicate a </a:t>
+            </a:r>
+            <a:r>
+              <a:rPr lang="en-US" b="0" i="0" dirty="0">
+                <a:solidFill>
+                  <a:schemeClr val="accent4">
+                    <a:lumMod val="60000"/>
+                    <a:lumOff val="40000"/>
+                  </a:schemeClr>
+                </a:solidFill>
+                <a:effectLst/>
+                <a:latin typeface="Arial" panose="020B0604020202020204" pitchFamily="34" charset="0"/>
+              </a:rPr>
+              <a:t>weakening trend </a:t>
+            </a:r>
+            <a:r>
+              <a:rPr lang="en-US" b="0" i="0" dirty="0">
+                <a:solidFill>
+                  <a:schemeClr val="bg1">
+                    <a:lumMod val="75000"/>
+                  </a:schemeClr>
+                </a:solidFill>
+                <a:effectLst/>
+                <a:latin typeface="Arial" panose="020B0604020202020204" pitchFamily="34" charset="0"/>
+              </a:rPr>
+              <a:t>and a possible </a:t>
+            </a:r>
+            <a:r>
+              <a:rPr lang="en-US" b="0" i="0" dirty="0">
+                <a:solidFill>
+                  <a:schemeClr val="accent4">
+                    <a:lumMod val="60000"/>
+                    <a:lumOff val="40000"/>
+                  </a:schemeClr>
+                </a:solidFill>
+                <a:effectLst/>
+                <a:latin typeface="Arial" panose="020B0604020202020204" pitchFamily="34" charset="0"/>
+              </a:rPr>
+              <a:t>trend reversal.</a:t>
+            </a:r>
+            <a:endParaRPr lang="en-US" dirty="0">
+              <a:solidFill>
+                <a:schemeClr val="accent4">
+                  <a:lumMod val="60000"/>
+                  <a:lumOff val="40000"/>
+                </a:schemeClr>
+              </a:solidFill>
+            </a:endParaRPr>
+          </a:p>
+        </p:txBody>
+      </p:sp>
+      <p:sp>
+        <p:nvSpPr>
+          <p:cNvPr id="12" name="TextBox 11">
+            <a:extLst>
+              <a:ext uri="{FF2B5EF4-FFF2-40B4-BE49-F238E27FC236}">
+                <a16:creationId xmlns:a16="http://schemas.microsoft.com/office/drawing/2014/main" id="{2A592B42-F315-3190-CB5D-8C1DCCA1B6DA}"/>
+              </a:ext>
+            </a:extLst>
+          </p:cNvPr>
+          <p:cNvSpPr txBox="1"/>
+          <p:nvPr/>
+        </p:nvSpPr>
+        <p:spPr>
+          <a:xfrm>
+            <a:off x="7886699" y="128587"/>
+            <a:ext cx="4186239" cy="523220"/>
+          </a:xfrm>
+          <a:prstGeom prst="rect">
+            <a:avLst/>
+          </a:prstGeom>
+          <a:noFill/>
+        </p:spPr>
+        <p:txBody>
+          <a:bodyPr wrap="square" rtlCol="0">
+            <a:spAutoFit/>
+          </a:bodyPr>
+          <a:lstStyle/>
+          <a:p>
+            <a:pPr algn="r"/>
+            <a:r>
+              <a:rPr lang="en-US" sz="1400" i="1" dirty="0">
+                <a:solidFill>
+                  <a:schemeClr val="bg1">
+                    <a:lumMod val="75000"/>
+                  </a:schemeClr>
+                </a:solidFill>
+                <a:latin typeface="Arial" panose="020B0604020202020204" pitchFamily="34" charset="0"/>
+                <a:cs typeface="Arial" panose="020B0604020202020204" pitchFamily="34" charset="0"/>
+              </a:rPr>
+              <a:t>Briefer: Harith </a:t>
+            </a:r>
+            <a:r>
+              <a:rPr lang="en-US" sz="1400" i="1" dirty="0" err="1">
+                <a:solidFill>
+                  <a:schemeClr val="bg1">
+                    <a:lumMod val="75000"/>
+                  </a:schemeClr>
+                </a:solidFill>
+                <a:latin typeface="Arial" panose="020B0604020202020204" pitchFamily="34" charset="0"/>
+                <a:cs typeface="Arial" panose="020B0604020202020204" pitchFamily="34" charset="0"/>
+              </a:rPr>
+              <a:t>Alshuwaykh</a:t>
+            </a:r>
+            <a:endParaRPr lang="en-US" sz="1400" i="1" dirty="0">
+              <a:solidFill>
+                <a:schemeClr val="bg1">
+                  <a:lumMod val="75000"/>
+                </a:schemeClr>
+              </a:solidFill>
+              <a:latin typeface="Arial" panose="020B0604020202020204" pitchFamily="34" charset="0"/>
+              <a:cs typeface="Arial" panose="020B0604020202020204" pitchFamily="34" charset="0"/>
+            </a:endParaRPr>
+          </a:p>
+          <a:p>
+            <a:pPr algn="r"/>
+            <a:endParaRPr lang="en-US" sz="1400" dirty="0">
+              <a:solidFill>
+                <a:schemeClr val="bg1"/>
+              </a:solidFill>
+              <a:latin typeface="Arial" panose="020B0604020202020204" pitchFamily="34" charset="0"/>
+              <a:cs typeface="Arial" panose="020B0604020202020204" pitchFamily="34" charset="0"/>
+            </a:endParaRPr>
+          </a:p>
+        </p:txBody>
+      </p:sp>
+    </p:spTree>
+    <p:extLst>
+      <p:ext uri="{BB962C8B-B14F-4D97-AF65-F5344CB8AC3E}">
+        <p14:creationId xmlns:p14="http://schemas.microsoft.com/office/powerpoint/2010/main" val="3783468360"/>
+      </p:ext>
+    </p:extLst>
+  </p:cSld>
+  <p:clrMapOvr>
+    <a:masterClrMapping/>
+  </p:clrMapOvr>
+</p:sld>
+</file>
+
+<file path=ppt/slides/slide13.xml><?xml version="1.0" encoding="utf-8"?>
+<p:sld xmlns:a="http://schemas.openxmlformats.org/drawingml/2006/main" xmlns:r="http://schemas.openxmlformats.org/officeDocument/2006/relationships" xmlns:p="http://schemas.openxmlformats.org/presentationml/2006/main">
+  <p:cSld>
+    <p:spTree>
+      <p:nvGrpSpPr>
+        <p:cNvPr id="1" name=""/>
+        <p:cNvGrpSpPr/>
+        <p:nvPr/>
+      </p:nvGrpSpPr>
+      <p:grpSpPr>
+        <a:xfrm>
+          <a:off x="0" y="0"/>
+          <a:ext cx="0" cy="0"/>
+          <a:chOff x="0" y="0"/>
+          <a:chExt cx="0" cy="0"/>
+        </a:xfrm>
+      </p:grpSpPr>
+      <p:sp>
+        <p:nvSpPr>
+          <p:cNvPr id="2" name="Title 1">
+            <a:extLst>
+              <a:ext uri="{FF2B5EF4-FFF2-40B4-BE49-F238E27FC236}">
+                <a16:creationId xmlns:a16="http://schemas.microsoft.com/office/drawing/2014/main" id="{2C01C7FB-7974-6495-C221-8D11C0475C24}"/>
+              </a:ext>
+            </a:extLst>
+          </p:cNvPr>
+          <p:cNvSpPr>
+            <a:spLocks noGrp="1"/>
+          </p:cNvSpPr>
+          <p:nvPr>
+            <p:ph type="title"/>
+          </p:nvPr>
+        </p:nvSpPr>
+        <p:spPr/>
+        <p:txBody>
+          <a:bodyPr/>
+          <a:lstStyle/>
+          <a:p>
+            <a:endParaRPr lang="en-US"/>
+          </a:p>
+        </p:txBody>
+      </p:sp>
+      <p:sp>
+        <p:nvSpPr>
+          <p:cNvPr id="3" name="Content Placeholder 2">
+            <a:extLst>
+              <a:ext uri="{FF2B5EF4-FFF2-40B4-BE49-F238E27FC236}">
+                <a16:creationId xmlns:a16="http://schemas.microsoft.com/office/drawing/2014/main" id="{4733FF64-B905-CF6F-BFC1-107D49805FEA}"/>
+              </a:ext>
+            </a:extLst>
+          </p:cNvPr>
+          <p:cNvSpPr>
+            <a:spLocks noGrp="1"/>
+          </p:cNvSpPr>
+          <p:nvPr>
+            <p:ph idx="1"/>
+          </p:nvPr>
+        </p:nvSpPr>
+        <p:spPr/>
+        <p:txBody>
+          <a:bodyPr/>
+          <a:lstStyle/>
+          <a:p>
+            <a:endParaRPr lang="en-US"/>
+          </a:p>
+        </p:txBody>
+      </p:sp>
+      <p:sp>
+        <p:nvSpPr>
+          <p:cNvPr id="4" name="Rectangle 3">
+            <a:extLst>
+              <a:ext uri="{FF2B5EF4-FFF2-40B4-BE49-F238E27FC236}">
+                <a16:creationId xmlns:a16="http://schemas.microsoft.com/office/drawing/2014/main" id="{1D65FFF8-FDBD-9E73-6E91-C79F67CA9122}"/>
+              </a:ext>
+            </a:extLst>
+          </p:cNvPr>
+          <p:cNvSpPr/>
+          <p:nvPr/>
+        </p:nvSpPr>
+        <p:spPr>
+          <a:xfrm>
+            <a:off x="0" y="0"/>
+            <a:ext cx="12192000" cy="6858000"/>
+          </a:xfrm>
+          <a:prstGeom prst="rect">
+            <a:avLst/>
+          </a:prstGeom>
+          <a:solidFill>
+            <a:schemeClr val="tx1"/>
+          </a:solidFill>
+          <a:ln>
+            <a:noFill/>
+          </a:ln>
+        </p:spPr>
+        <p:style>
+          <a:lnRef idx="2">
+            <a:schemeClr val="accent1">
+              <a:shade val="15000"/>
+            </a:schemeClr>
+          </a:lnRef>
+          <a:fillRef idx="1">
+            <a:schemeClr val="accent1"/>
+          </a:fillRef>
+          <a:effectRef idx="0">
+            <a:schemeClr val="accent1"/>
+          </a:effectRef>
+          <a:fontRef idx="minor">
+            <a:schemeClr val="lt1"/>
+          </a:fontRef>
+        </p:style>
+        <p:txBody>
+          <a:bodyPr rtlCol="0" anchor="ctr"/>
+          <a:lstStyle/>
+          <a:p>
+            <a:pPr algn="ctr"/>
+            <a:endParaRPr lang="en-US"/>
+          </a:p>
+        </p:txBody>
+      </p:sp>
+      <p:sp>
+        <p:nvSpPr>
+          <p:cNvPr id="5" name="Rectangle 4">
+            <a:extLst>
+              <a:ext uri="{FF2B5EF4-FFF2-40B4-BE49-F238E27FC236}">
+                <a16:creationId xmlns:a16="http://schemas.microsoft.com/office/drawing/2014/main" id="{03EBA741-66CB-37F4-E061-7AF35B5FC633}"/>
+              </a:ext>
+            </a:extLst>
+          </p:cNvPr>
+          <p:cNvSpPr/>
+          <p:nvPr/>
+        </p:nvSpPr>
+        <p:spPr>
+          <a:xfrm>
+            <a:off x="114300" y="128587"/>
+            <a:ext cx="11958638" cy="6600825"/>
+          </a:xfrm>
+          <a:prstGeom prst="rect">
+            <a:avLst/>
+          </a:prstGeom>
+          <a:solidFill>
+            <a:schemeClr val="tx1"/>
+          </a:solidFill>
+          <a:ln w="12700">
+            <a:solidFill>
+              <a:schemeClr val="accent2">
+                <a:lumMod val="75000"/>
+              </a:schemeClr>
+            </a:solidFill>
+          </a:ln>
+        </p:spPr>
+        <p:style>
+          <a:lnRef idx="2">
+            <a:schemeClr val="accent1">
+              <a:shade val="15000"/>
+            </a:schemeClr>
+          </a:lnRef>
+          <a:fillRef idx="1">
+            <a:schemeClr val="accent1"/>
+          </a:fillRef>
+          <a:effectRef idx="0">
+            <a:schemeClr val="accent1"/>
+          </a:effectRef>
+          <a:fontRef idx="minor">
+            <a:schemeClr val="lt1"/>
+          </a:fontRef>
+        </p:style>
+        <p:txBody>
+          <a:bodyPr rtlCol="0" anchor="ctr"/>
+          <a:lstStyle/>
+          <a:p>
+            <a:pPr algn="ctr"/>
+            <a:endParaRPr lang="en-US"/>
+          </a:p>
+        </p:txBody>
+      </p:sp>
+      <p:cxnSp>
+        <p:nvCxnSpPr>
+          <p:cNvPr id="9" name="Straight Connector 8">
+            <a:extLst>
+              <a:ext uri="{FF2B5EF4-FFF2-40B4-BE49-F238E27FC236}">
+                <a16:creationId xmlns:a16="http://schemas.microsoft.com/office/drawing/2014/main" id="{1AC673B1-26F6-4416-3E21-C88A8DB70859}"/>
+              </a:ext>
+            </a:extLst>
+          </p:cNvPr>
+          <p:cNvCxnSpPr>
+            <a:cxnSpLocks/>
+          </p:cNvCxnSpPr>
+          <p:nvPr/>
+        </p:nvCxnSpPr>
+        <p:spPr>
+          <a:xfrm>
+            <a:off x="126206" y="1285868"/>
+            <a:ext cx="5220940" cy="11802"/>
+          </a:xfrm>
+          <a:prstGeom prst="line">
+            <a:avLst/>
+          </a:prstGeom>
+          <a:ln w="12700">
+            <a:solidFill>
+              <a:schemeClr val="accent2">
+                <a:lumMod val="75000"/>
+              </a:schemeClr>
+            </a:solidFill>
+          </a:ln>
+        </p:spPr>
+        <p:style>
+          <a:lnRef idx="1">
+            <a:schemeClr val="accent1"/>
+          </a:lnRef>
+          <a:fillRef idx="0">
+            <a:schemeClr val="accent1"/>
+          </a:fillRef>
+          <a:effectRef idx="0">
+            <a:schemeClr val="accent1"/>
+          </a:effectRef>
+          <a:fontRef idx="minor">
+            <a:schemeClr val="tx1"/>
+          </a:fontRef>
+        </p:style>
+      </p:cxnSp>
+      <p:sp>
+        <p:nvSpPr>
+          <p:cNvPr id="11" name="TextBox 10">
+            <a:extLst>
+              <a:ext uri="{FF2B5EF4-FFF2-40B4-BE49-F238E27FC236}">
+                <a16:creationId xmlns:a16="http://schemas.microsoft.com/office/drawing/2014/main" id="{7196FC43-75B8-DCA5-B6C2-A2B4E1C6188B}"/>
+              </a:ext>
+            </a:extLst>
+          </p:cNvPr>
+          <p:cNvSpPr txBox="1"/>
+          <p:nvPr/>
+        </p:nvSpPr>
+        <p:spPr>
+          <a:xfrm>
+            <a:off x="126205" y="541869"/>
+            <a:ext cx="5220941" cy="646331"/>
+          </a:xfrm>
+          <a:prstGeom prst="rect">
+            <a:avLst/>
+          </a:prstGeom>
+          <a:noFill/>
+        </p:spPr>
+        <p:txBody>
+          <a:bodyPr wrap="square">
+            <a:spAutoFit/>
+          </a:bodyPr>
+          <a:lstStyle/>
+          <a:p>
+            <a:pPr algn="r"/>
+            <a:r>
+              <a:rPr lang="en-US" sz="3600" dirty="0">
+                <a:solidFill>
+                  <a:schemeClr val="bg1"/>
+                </a:solidFill>
+                <a:latin typeface="Arial" panose="020B0604020202020204" pitchFamily="34" charset="0"/>
+                <a:cs typeface="Arial" panose="020B0604020202020204" pitchFamily="34" charset="0"/>
+              </a:rPr>
+              <a:t>Analysis &amp; Outputs</a:t>
+            </a:r>
+          </a:p>
+        </p:txBody>
+      </p:sp>
+      <p:sp>
+        <p:nvSpPr>
+          <p:cNvPr id="7" name="TextBox 6">
+            <a:extLst>
+              <a:ext uri="{FF2B5EF4-FFF2-40B4-BE49-F238E27FC236}">
+                <a16:creationId xmlns:a16="http://schemas.microsoft.com/office/drawing/2014/main" id="{24C484EF-37A4-616D-7805-4B1637442430}"/>
+              </a:ext>
+            </a:extLst>
+          </p:cNvPr>
+          <p:cNvSpPr txBox="1"/>
+          <p:nvPr/>
+        </p:nvSpPr>
+        <p:spPr>
+          <a:xfrm>
+            <a:off x="-3525441" y="3306927"/>
+            <a:ext cx="3406379" cy="1477328"/>
+          </a:xfrm>
+          <a:prstGeom prst="rect">
+            <a:avLst/>
+          </a:prstGeom>
+          <a:noFill/>
+        </p:spPr>
+        <p:txBody>
+          <a:bodyPr wrap="square">
+            <a:spAutoFit/>
+          </a:bodyPr>
+          <a:lstStyle/>
+          <a:p>
+            <a:pPr algn="l"/>
+            <a:r>
+              <a:rPr lang="en-US" b="0" i="0" dirty="0">
+                <a:solidFill>
+                  <a:schemeClr val="bg1"/>
+                </a:solidFill>
+                <a:effectLst/>
+                <a:latin typeface="Slack-Lato"/>
+              </a:rPr>
+              <a:t>Analysis – Michael[SPY] Ryan[AAPL]</a:t>
+            </a:r>
+            <a:br>
+              <a:rPr lang="en-US" b="0" i="0" dirty="0">
+                <a:solidFill>
+                  <a:schemeClr val="bg1"/>
+                </a:solidFill>
+                <a:effectLst/>
+                <a:latin typeface="Slack-Lato"/>
+              </a:rPr>
+            </a:br>
+            <a:endParaRPr lang="en-US" b="0" i="0" dirty="0">
+              <a:solidFill>
+                <a:schemeClr val="bg1"/>
+              </a:solidFill>
+              <a:effectLst/>
+              <a:latin typeface="Slack-Lato"/>
+            </a:endParaRPr>
+          </a:p>
+          <a:p>
+            <a:br>
+              <a:rPr lang="en-US" b="0" i="0" dirty="0">
+                <a:solidFill>
+                  <a:srgbClr val="1D1C1D"/>
+                </a:solidFill>
+                <a:effectLst/>
+                <a:latin typeface="Slack-Lato"/>
+              </a:rPr>
+            </a:br>
+            <a:endParaRPr lang="en-US" dirty="0"/>
+          </a:p>
+        </p:txBody>
+      </p:sp>
+      <p:sp>
+        <p:nvSpPr>
+          <p:cNvPr id="8" name="TextBox 7">
+            <a:extLst>
+              <a:ext uri="{FF2B5EF4-FFF2-40B4-BE49-F238E27FC236}">
+                <a16:creationId xmlns:a16="http://schemas.microsoft.com/office/drawing/2014/main" id="{38413B10-3FC5-14EC-7CFD-B97C2E54EE71}"/>
+              </a:ext>
+            </a:extLst>
+          </p:cNvPr>
+          <p:cNvSpPr txBox="1"/>
+          <p:nvPr/>
+        </p:nvSpPr>
+        <p:spPr>
+          <a:xfrm>
+            <a:off x="-2999234" y="2103970"/>
+            <a:ext cx="6093618" cy="923330"/>
+          </a:xfrm>
+          <a:prstGeom prst="rect">
+            <a:avLst/>
+          </a:prstGeom>
+          <a:noFill/>
+        </p:spPr>
+        <p:txBody>
+          <a:bodyPr wrap="square">
+            <a:spAutoFit/>
+          </a:bodyPr>
+          <a:lstStyle/>
+          <a:p>
+            <a:pPr algn="l"/>
+            <a:r>
+              <a:rPr lang="en-US" b="0" i="0" dirty="0">
+                <a:solidFill>
+                  <a:schemeClr val="bg1"/>
+                </a:solidFill>
+                <a:effectLst/>
+                <a:latin typeface="Slack-Lato"/>
+              </a:rPr>
+              <a:t>What were the outputs?</a:t>
+            </a:r>
+            <a:br>
+              <a:rPr lang="en-US" b="0" i="0" dirty="0">
+                <a:solidFill>
+                  <a:schemeClr val="bg1"/>
+                </a:solidFill>
+                <a:effectLst/>
+                <a:latin typeface="Slack-Lato"/>
+              </a:rPr>
+            </a:br>
+            <a:endParaRPr lang="en-US" b="0" i="0" dirty="0">
+              <a:solidFill>
+                <a:schemeClr val="bg1"/>
+              </a:solidFill>
+              <a:effectLst/>
+              <a:latin typeface="Slack-Lato"/>
+            </a:endParaRPr>
+          </a:p>
+          <a:p>
+            <a:pPr algn="l"/>
+            <a:r>
+              <a:rPr lang="en-US" b="0" i="0" dirty="0">
+                <a:solidFill>
+                  <a:schemeClr val="bg1"/>
+                </a:solidFill>
+                <a:effectLst/>
+                <a:latin typeface="Slack-Lato"/>
+              </a:rPr>
+              <a:t>What did the outputs tell us?</a:t>
+            </a:r>
+          </a:p>
+        </p:txBody>
+      </p:sp>
+      <p:sp>
+        <p:nvSpPr>
+          <p:cNvPr id="12" name="TextBox 11">
+            <a:extLst>
+              <a:ext uri="{FF2B5EF4-FFF2-40B4-BE49-F238E27FC236}">
+                <a16:creationId xmlns:a16="http://schemas.microsoft.com/office/drawing/2014/main" id="{0F3E3CE8-0878-0354-74CE-9ACDA279CCCD}"/>
+              </a:ext>
+            </a:extLst>
+          </p:cNvPr>
+          <p:cNvSpPr txBox="1"/>
+          <p:nvPr/>
+        </p:nvSpPr>
+        <p:spPr>
+          <a:xfrm>
+            <a:off x="7886700" y="112991"/>
+            <a:ext cx="4186239" cy="523220"/>
+          </a:xfrm>
+          <a:prstGeom prst="rect">
+            <a:avLst/>
+          </a:prstGeom>
+          <a:noFill/>
+        </p:spPr>
+        <p:txBody>
+          <a:bodyPr wrap="square" rtlCol="0">
+            <a:spAutoFit/>
+          </a:bodyPr>
+          <a:lstStyle/>
+          <a:p>
+            <a:pPr algn="r"/>
+            <a:r>
+              <a:rPr lang="en-US" sz="1400" i="1" dirty="0">
+                <a:solidFill>
+                  <a:schemeClr val="bg1">
+                    <a:lumMod val="75000"/>
+                  </a:schemeClr>
+                </a:solidFill>
+                <a:latin typeface="Arial" panose="020B0604020202020204" pitchFamily="34" charset="0"/>
+                <a:cs typeface="Arial" panose="020B0604020202020204" pitchFamily="34" charset="0"/>
+              </a:rPr>
+              <a:t>Briefer: Ryan Stowers</a:t>
+            </a:r>
+          </a:p>
+          <a:p>
+            <a:pPr algn="r"/>
+            <a:endParaRPr lang="en-US" sz="1400" dirty="0">
+              <a:solidFill>
+                <a:schemeClr val="bg1"/>
+              </a:solidFill>
+              <a:latin typeface="Arial" panose="020B0604020202020204" pitchFamily="34" charset="0"/>
+              <a:cs typeface="Arial" panose="020B0604020202020204" pitchFamily="34" charset="0"/>
+            </a:endParaRPr>
+          </a:p>
+        </p:txBody>
+      </p:sp>
+      <p:sp>
+        <p:nvSpPr>
+          <p:cNvPr id="13" name="TextBox 12">
+            <a:extLst>
+              <a:ext uri="{FF2B5EF4-FFF2-40B4-BE49-F238E27FC236}">
+                <a16:creationId xmlns:a16="http://schemas.microsoft.com/office/drawing/2014/main" id="{5934E4D6-40A6-1091-2230-929980990F95}"/>
+              </a:ext>
+            </a:extLst>
+          </p:cNvPr>
+          <p:cNvSpPr txBox="1"/>
+          <p:nvPr/>
+        </p:nvSpPr>
+        <p:spPr>
+          <a:xfrm>
+            <a:off x="318492" y="1376981"/>
+            <a:ext cx="8076010" cy="369332"/>
+          </a:xfrm>
+          <a:prstGeom prst="rect">
+            <a:avLst/>
+          </a:prstGeom>
+          <a:noFill/>
+        </p:spPr>
+        <p:txBody>
+          <a:bodyPr wrap="square">
+            <a:spAutoFit/>
+          </a:bodyPr>
+          <a:lstStyle/>
+          <a:p>
+            <a:r>
+              <a:rPr lang="en-US" dirty="0">
+                <a:solidFill>
+                  <a:schemeClr val="bg1">
+                    <a:lumMod val="85000"/>
+                  </a:schemeClr>
+                </a:solidFill>
+                <a:latin typeface="Arial" panose="020B0604020202020204" pitchFamily="34" charset="0"/>
+                <a:cs typeface="Arial" panose="020B0604020202020204" pitchFamily="34" charset="0"/>
+              </a:rPr>
+              <a:t>Looking at the first graph is just a display of the closing price for AAPL.</a:t>
+            </a:r>
+          </a:p>
+        </p:txBody>
+      </p:sp>
+      <p:pic>
+        <p:nvPicPr>
+          <p:cNvPr id="15" name="Picture 14">
+            <a:extLst>
+              <a:ext uri="{FF2B5EF4-FFF2-40B4-BE49-F238E27FC236}">
+                <a16:creationId xmlns:a16="http://schemas.microsoft.com/office/drawing/2014/main" id="{56D44CFA-DF69-9C42-AFDE-C1AA560CF521}"/>
+              </a:ext>
+            </a:extLst>
+          </p:cNvPr>
+          <p:cNvPicPr>
+            <a:picLocks noChangeAspect="1"/>
+          </p:cNvPicPr>
+          <p:nvPr/>
+        </p:nvPicPr>
+        <p:blipFill>
+          <a:blip r:embed="rId2"/>
+          <a:stretch>
+            <a:fillRect/>
+          </a:stretch>
+        </p:blipFill>
+        <p:spPr>
+          <a:xfrm>
+            <a:off x="897731" y="1857374"/>
+            <a:ext cx="10515600" cy="4662657"/>
+          </a:xfrm>
+          <a:prstGeom prst="rect">
+            <a:avLst/>
+          </a:prstGeom>
+        </p:spPr>
+      </p:pic>
+    </p:spTree>
+    <p:extLst>
+      <p:ext uri="{BB962C8B-B14F-4D97-AF65-F5344CB8AC3E}">
+        <p14:creationId xmlns:p14="http://schemas.microsoft.com/office/powerpoint/2010/main" val="2011414338"/>
+      </p:ext>
+    </p:extLst>
+  </p:cSld>
+  <p:clrMapOvr>
+    <a:masterClrMapping/>
+  </p:clrMapOvr>
+</p:sld>
+</file>
+
+<file path=ppt/slides/slide14.xml><?xml version="1.0" encoding="utf-8"?>
+<p:sld xmlns:a="http://schemas.openxmlformats.org/drawingml/2006/main" xmlns:r="http://schemas.openxmlformats.org/officeDocument/2006/relationships" xmlns:p="http://schemas.openxmlformats.org/presentationml/2006/main">
+  <p:cSld>
+    <p:spTree>
+      <p:nvGrpSpPr>
+        <p:cNvPr id="1" name=""/>
+        <p:cNvGrpSpPr/>
+        <p:nvPr/>
+      </p:nvGrpSpPr>
+      <p:grpSpPr>
+        <a:xfrm>
+          <a:off x="0" y="0"/>
+          <a:ext cx="0" cy="0"/>
+          <a:chOff x="0" y="0"/>
+          <a:chExt cx="0" cy="0"/>
+        </a:xfrm>
+      </p:grpSpPr>
+      <p:sp>
+        <p:nvSpPr>
+          <p:cNvPr id="2" name="Title 1">
+            <a:extLst>
+              <a:ext uri="{FF2B5EF4-FFF2-40B4-BE49-F238E27FC236}">
+                <a16:creationId xmlns:a16="http://schemas.microsoft.com/office/drawing/2014/main" id="{2C01C7FB-7974-6495-C221-8D11C0475C24}"/>
+              </a:ext>
+            </a:extLst>
+          </p:cNvPr>
+          <p:cNvSpPr>
+            <a:spLocks noGrp="1"/>
+          </p:cNvSpPr>
+          <p:nvPr>
+            <p:ph type="title"/>
+          </p:nvPr>
+        </p:nvSpPr>
+        <p:spPr/>
+        <p:txBody>
+          <a:bodyPr/>
+          <a:lstStyle/>
+          <a:p>
+            <a:endParaRPr lang="en-US"/>
+          </a:p>
+        </p:txBody>
+      </p:sp>
+      <p:sp>
+        <p:nvSpPr>
+          <p:cNvPr id="3" name="Content Placeholder 2">
+            <a:extLst>
+              <a:ext uri="{FF2B5EF4-FFF2-40B4-BE49-F238E27FC236}">
+                <a16:creationId xmlns:a16="http://schemas.microsoft.com/office/drawing/2014/main" id="{4733FF64-B905-CF6F-BFC1-107D49805FEA}"/>
+              </a:ext>
+            </a:extLst>
+          </p:cNvPr>
+          <p:cNvSpPr>
+            <a:spLocks noGrp="1"/>
+          </p:cNvSpPr>
+          <p:nvPr>
+            <p:ph idx="1"/>
+          </p:nvPr>
+        </p:nvSpPr>
+        <p:spPr/>
+        <p:txBody>
+          <a:bodyPr/>
+          <a:lstStyle/>
+          <a:p>
+            <a:endParaRPr lang="en-US"/>
+          </a:p>
+        </p:txBody>
+      </p:sp>
+      <p:sp>
+        <p:nvSpPr>
+          <p:cNvPr id="4" name="Rectangle 3">
+            <a:extLst>
+              <a:ext uri="{FF2B5EF4-FFF2-40B4-BE49-F238E27FC236}">
+                <a16:creationId xmlns:a16="http://schemas.microsoft.com/office/drawing/2014/main" id="{1D65FFF8-FDBD-9E73-6E91-C79F67CA9122}"/>
+              </a:ext>
+            </a:extLst>
+          </p:cNvPr>
+          <p:cNvSpPr/>
+          <p:nvPr/>
+        </p:nvSpPr>
+        <p:spPr>
+          <a:xfrm>
+            <a:off x="0" y="0"/>
+            <a:ext cx="12192000" cy="6858000"/>
+          </a:xfrm>
+          <a:prstGeom prst="rect">
+            <a:avLst/>
+          </a:prstGeom>
+          <a:solidFill>
+            <a:schemeClr val="tx1"/>
+          </a:solidFill>
+          <a:ln>
+            <a:noFill/>
+          </a:ln>
+        </p:spPr>
+        <p:style>
+          <a:lnRef idx="2">
+            <a:schemeClr val="accent1">
+              <a:shade val="15000"/>
+            </a:schemeClr>
+          </a:lnRef>
+          <a:fillRef idx="1">
+            <a:schemeClr val="accent1"/>
+          </a:fillRef>
+          <a:effectRef idx="0">
+            <a:schemeClr val="accent1"/>
+          </a:effectRef>
+          <a:fontRef idx="minor">
+            <a:schemeClr val="lt1"/>
+          </a:fontRef>
+        </p:style>
+        <p:txBody>
+          <a:bodyPr rtlCol="0" anchor="ctr"/>
+          <a:lstStyle/>
+          <a:p>
+            <a:pPr algn="ctr"/>
+            <a:endParaRPr lang="en-US"/>
+          </a:p>
+        </p:txBody>
+      </p:sp>
+      <p:sp>
+        <p:nvSpPr>
+          <p:cNvPr id="5" name="Rectangle 4">
+            <a:extLst>
+              <a:ext uri="{FF2B5EF4-FFF2-40B4-BE49-F238E27FC236}">
+                <a16:creationId xmlns:a16="http://schemas.microsoft.com/office/drawing/2014/main" id="{03EBA741-66CB-37F4-E061-7AF35B5FC633}"/>
+              </a:ext>
+            </a:extLst>
+          </p:cNvPr>
+          <p:cNvSpPr/>
+          <p:nvPr/>
+        </p:nvSpPr>
+        <p:spPr>
+          <a:xfrm>
+            <a:off x="114300" y="128587"/>
+            <a:ext cx="11958638" cy="6600825"/>
+          </a:xfrm>
+          <a:prstGeom prst="rect">
+            <a:avLst/>
+          </a:prstGeom>
+          <a:solidFill>
+            <a:schemeClr val="tx1"/>
+          </a:solidFill>
+          <a:ln w="12700">
+            <a:solidFill>
+              <a:schemeClr val="accent2">
+                <a:lumMod val="75000"/>
+              </a:schemeClr>
+            </a:solidFill>
+          </a:ln>
+        </p:spPr>
+        <p:style>
+          <a:lnRef idx="2">
+            <a:schemeClr val="accent1">
+              <a:shade val="15000"/>
+            </a:schemeClr>
+          </a:lnRef>
+          <a:fillRef idx="1">
+            <a:schemeClr val="accent1"/>
+          </a:fillRef>
+          <a:effectRef idx="0">
+            <a:schemeClr val="accent1"/>
+          </a:effectRef>
+          <a:fontRef idx="minor">
+            <a:schemeClr val="lt1"/>
+          </a:fontRef>
+        </p:style>
+        <p:txBody>
+          <a:bodyPr rtlCol="0" anchor="ctr"/>
+          <a:lstStyle/>
+          <a:p>
+            <a:pPr algn="ctr"/>
+            <a:endParaRPr lang="en-US"/>
+          </a:p>
+        </p:txBody>
+      </p:sp>
+      <p:cxnSp>
+        <p:nvCxnSpPr>
+          <p:cNvPr id="9" name="Straight Connector 8">
+            <a:extLst>
+              <a:ext uri="{FF2B5EF4-FFF2-40B4-BE49-F238E27FC236}">
+                <a16:creationId xmlns:a16="http://schemas.microsoft.com/office/drawing/2014/main" id="{1AC673B1-26F6-4416-3E21-C88A8DB70859}"/>
+              </a:ext>
+            </a:extLst>
+          </p:cNvPr>
+          <p:cNvCxnSpPr>
+            <a:cxnSpLocks/>
+          </p:cNvCxnSpPr>
+          <p:nvPr/>
+        </p:nvCxnSpPr>
+        <p:spPr>
+          <a:xfrm>
+            <a:off x="126206" y="1285868"/>
+            <a:ext cx="5220940" cy="11802"/>
+          </a:xfrm>
+          <a:prstGeom prst="line">
+            <a:avLst/>
+          </a:prstGeom>
+          <a:ln w="12700">
+            <a:solidFill>
+              <a:schemeClr val="accent2">
+                <a:lumMod val="75000"/>
+              </a:schemeClr>
+            </a:solidFill>
+          </a:ln>
+        </p:spPr>
+        <p:style>
+          <a:lnRef idx="1">
+            <a:schemeClr val="accent1"/>
+          </a:lnRef>
+          <a:fillRef idx="0">
+            <a:schemeClr val="accent1"/>
+          </a:fillRef>
+          <a:effectRef idx="0">
+            <a:schemeClr val="accent1"/>
+          </a:effectRef>
+          <a:fontRef idx="minor">
+            <a:schemeClr val="tx1"/>
+          </a:fontRef>
+        </p:style>
+      </p:cxnSp>
+      <p:sp>
+        <p:nvSpPr>
+          <p:cNvPr id="11" name="TextBox 10">
+            <a:extLst>
+              <a:ext uri="{FF2B5EF4-FFF2-40B4-BE49-F238E27FC236}">
+                <a16:creationId xmlns:a16="http://schemas.microsoft.com/office/drawing/2014/main" id="{7196FC43-75B8-DCA5-B6C2-A2B4E1C6188B}"/>
+              </a:ext>
+            </a:extLst>
+          </p:cNvPr>
+          <p:cNvSpPr txBox="1"/>
+          <p:nvPr/>
+        </p:nvSpPr>
+        <p:spPr>
+          <a:xfrm>
+            <a:off x="126205" y="541869"/>
+            <a:ext cx="5220941" cy="646331"/>
+          </a:xfrm>
+          <a:prstGeom prst="rect">
+            <a:avLst/>
+          </a:prstGeom>
+          <a:noFill/>
+        </p:spPr>
+        <p:txBody>
+          <a:bodyPr wrap="square">
+            <a:spAutoFit/>
+          </a:bodyPr>
+          <a:lstStyle/>
+          <a:p>
+            <a:pPr algn="r"/>
+            <a:r>
+              <a:rPr lang="en-US" sz="3600" dirty="0">
+                <a:solidFill>
+                  <a:schemeClr val="bg1"/>
+                </a:solidFill>
+                <a:latin typeface="Arial" panose="020B0604020202020204" pitchFamily="34" charset="0"/>
+                <a:cs typeface="Arial" panose="020B0604020202020204" pitchFamily="34" charset="0"/>
+              </a:rPr>
+              <a:t>Analysis &amp; Outputs</a:t>
+            </a:r>
+          </a:p>
+        </p:txBody>
+      </p:sp>
+      <p:sp>
+        <p:nvSpPr>
+          <p:cNvPr id="7" name="TextBox 6">
+            <a:extLst>
+              <a:ext uri="{FF2B5EF4-FFF2-40B4-BE49-F238E27FC236}">
+                <a16:creationId xmlns:a16="http://schemas.microsoft.com/office/drawing/2014/main" id="{24C484EF-37A4-616D-7805-4B1637442430}"/>
+              </a:ext>
+            </a:extLst>
+          </p:cNvPr>
+          <p:cNvSpPr txBox="1"/>
+          <p:nvPr/>
+        </p:nvSpPr>
+        <p:spPr>
+          <a:xfrm>
+            <a:off x="-3525441" y="3306927"/>
+            <a:ext cx="3406379" cy="1477328"/>
+          </a:xfrm>
+          <a:prstGeom prst="rect">
+            <a:avLst/>
+          </a:prstGeom>
+          <a:noFill/>
+        </p:spPr>
+        <p:txBody>
+          <a:bodyPr wrap="square">
+            <a:spAutoFit/>
+          </a:bodyPr>
+          <a:lstStyle/>
+          <a:p>
+            <a:pPr algn="l"/>
+            <a:r>
+              <a:rPr lang="en-US" b="0" i="0" dirty="0">
+                <a:solidFill>
+                  <a:schemeClr val="bg1"/>
+                </a:solidFill>
+                <a:effectLst/>
+                <a:latin typeface="Slack-Lato"/>
+              </a:rPr>
+              <a:t>Analysis – Michael[SPY] Ryan[AAPL]</a:t>
+            </a:r>
+            <a:br>
+              <a:rPr lang="en-US" b="0" i="0" dirty="0">
+                <a:solidFill>
+                  <a:schemeClr val="bg1"/>
+                </a:solidFill>
+                <a:effectLst/>
+                <a:latin typeface="Slack-Lato"/>
+              </a:rPr>
+            </a:br>
+            <a:endParaRPr lang="en-US" b="0" i="0" dirty="0">
+              <a:solidFill>
+                <a:schemeClr val="bg1"/>
+              </a:solidFill>
+              <a:effectLst/>
+              <a:latin typeface="Slack-Lato"/>
+            </a:endParaRPr>
+          </a:p>
+          <a:p>
+            <a:br>
+              <a:rPr lang="en-US" b="0" i="0" dirty="0">
+                <a:solidFill>
+                  <a:srgbClr val="1D1C1D"/>
+                </a:solidFill>
+                <a:effectLst/>
+                <a:latin typeface="Slack-Lato"/>
+              </a:rPr>
+            </a:br>
+            <a:endParaRPr lang="en-US" dirty="0"/>
+          </a:p>
+        </p:txBody>
+      </p:sp>
+      <p:sp>
+        <p:nvSpPr>
+          <p:cNvPr id="8" name="TextBox 7">
+            <a:extLst>
+              <a:ext uri="{FF2B5EF4-FFF2-40B4-BE49-F238E27FC236}">
+                <a16:creationId xmlns:a16="http://schemas.microsoft.com/office/drawing/2014/main" id="{38413B10-3FC5-14EC-7CFD-B97C2E54EE71}"/>
+              </a:ext>
+            </a:extLst>
+          </p:cNvPr>
+          <p:cNvSpPr txBox="1"/>
+          <p:nvPr/>
+        </p:nvSpPr>
+        <p:spPr>
+          <a:xfrm>
+            <a:off x="-2999234" y="2103970"/>
+            <a:ext cx="6093618" cy="923330"/>
+          </a:xfrm>
+          <a:prstGeom prst="rect">
+            <a:avLst/>
+          </a:prstGeom>
+          <a:noFill/>
+        </p:spPr>
+        <p:txBody>
+          <a:bodyPr wrap="square">
+            <a:spAutoFit/>
+          </a:bodyPr>
+          <a:lstStyle/>
+          <a:p>
+            <a:pPr algn="l"/>
+            <a:r>
+              <a:rPr lang="en-US" b="0" i="0" dirty="0">
+                <a:solidFill>
+                  <a:schemeClr val="bg1"/>
+                </a:solidFill>
+                <a:effectLst/>
+                <a:latin typeface="Slack-Lato"/>
+              </a:rPr>
+              <a:t>What were the outputs?</a:t>
+            </a:r>
+            <a:br>
+              <a:rPr lang="en-US" b="0" i="0" dirty="0">
+                <a:solidFill>
+                  <a:schemeClr val="bg1"/>
+                </a:solidFill>
+                <a:effectLst/>
+                <a:latin typeface="Slack-Lato"/>
+              </a:rPr>
+            </a:br>
+            <a:endParaRPr lang="en-US" b="0" i="0" dirty="0">
+              <a:solidFill>
+                <a:schemeClr val="bg1"/>
+              </a:solidFill>
+              <a:effectLst/>
+              <a:latin typeface="Slack-Lato"/>
+            </a:endParaRPr>
+          </a:p>
+          <a:p>
+            <a:pPr algn="l"/>
+            <a:r>
+              <a:rPr lang="en-US" b="0" i="0" dirty="0">
+                <a:solidFill>
+                  <a:schemeClr val="bg1"/>
+                </a:solidFill>
+                <a:effectLst/>
+                <a:latin typeface="Slack-Lato"/>
+              </a:rPr>
+              <a:t>What did the outputs tell us?</a:t>
+            </a:r>
+          </a:p>
+        </p:txBody>
+      </p:sp>
+      <p:sp>
+        <p:nvSpPr>
+          <p:cNvPr id="12" name="TextBox 11">
+            <a:extLst>
+              <a:ext uri="{FF2B5EF4-FFF2-40B4-BE49-F238E27FC236}">
+                <a16:creationId xmlns:a16="http://schemas.microsoft.com/office/drawing/2014/main" id="{0F3E3CE8-0878-0354-74CE-9ACDA279CCCD}"/>
+              </a:ext>
+            </a:extLst>
+          </p:cNvPr>
+          <p:cNvSpPr txBox="1"/>
+          <p:nvPr/>
+        </p:nvSpPr>
+        <p:spPr>
+          <a:xfrm>
+            <a:off x="7886700" y="112991"/>
+            <a:ext cx="4186239" cy="523220"/>
+          </a:xfrm>
+          <a:prstGeom prst="rect">
+            <a:avLst/>
+          </a:prstGeom>
+          <a:noFill/>
+        </p:spPr>
+        <p:txBody>
+          <a:bodyPr wrap="square" rtlCol="0">
+            <a:spAutoFit/>
+          </a:bodyPr>
+          <a:lstStyle/>
+          <a:p>
+            <a:pPr algn="r"/>
+            <a:r>
+              <a:rPr lang="en-US" sz="1400" i="1" dirty="0">
+                <a:solidFill>
+                  <a:schemeClr val="bg1">
+                    <a:lumMod val="75000"/>
+                  </a:schemeClr>
+                </a:solidFill>
+                <a:latin typeface="Arial" panose="020B0604020202020204" pitchFamily="34" charset="0"/>
+                <a:cs typeface="Arial" panose="020B0604020202020204" pitchFamily="34" charset="0"/>
+              </a:rPr>
+              <a:t>Briefer: Ryan Stowers</a:t>
+            </a:r>
+          </a:p>
+          <a:p>
+            <a:pPr algn="r"/>
+            <a:endParaRPr lang="en-US" sz="1400" dirty="0">
+              <a:solidFill>
+                <a:schemeClr val="bg1"/>
+              </a:solidFill>
+              <a:latin typeface="Arial" panose="020B0604020202020204" pitchFamily="34" charset="0"/>
+              <a:cs typeface="Arial" panose="020B0604020202020204" pitchFamily="34" charset="0"/>
+            </a:endParaRPr>
+          </a:p>
+        </p:txBody>
+      </p:sp>
+      <p:sp>
+        <p:nvSpPr>
+          <p:cNvPr id="13" name="TextBox 12">
+            <a:extLst>
+              <a:ext uri="{FF2B5EF4-FFF2-40B4-BE49-F238E27FC236}">
+                <a16:creationId xmlns:a16="http://schemas.microsoft.com/office/drawing/2014/main" id="{5934E4D6-40A6-1091-2230-929980990F95}"/>
+              </a:ext>
+            </a:extLst>
+          </p:cNvPr>
+          <p:cNvSpPr txBox="1"/>
+          <p:nvPr/>
+        </p:nvSpPr>
+        <p:spPr>
+          <a:xfrm>
+            <a:off x="282178" y="1309008"/>
+            <a:ext cx="11490722" cy="646331"/>
+          </a:xfrm>
+          <a:prstGeom prst="rect">
+            <a:avLst/>
+          </a:prstGeom>
+          <a:noFill/>
+        </p:spPr>
+        <p:txBody>
+          <a:bodyPr wrap="square">
+            <a:spAutoFit/>
+          </a:bodyPr>
+          <a:lstStyle/>
+          <a:p>
+            <a:r>
+              <a:rPr lang="en-US" dirty="0">
+                <a:solidFill>
+                  <a:schemeClr val="bg1">
+                    <a:lumMod val="85000"/>
+                  </a:schemeClr>
+                </a:solidFill>
+                <a:latin typeface="Arial" panose="020B0604020202020204" pitchFamily="34" charset="0"/>
+                <a:cs typeface="Arial" panose="020B0604020202020204" pitchFamily="34" charset="0"/>
+              </a:rPr>
+              <a:t>In this next graph, you can see we added the MACD and signal line. We start off buying at the open, then when the MACD line pass the signal line we sell because the signal line is indicating a downwards trend.</a:t>
+            </a:r>
+          </a:p>
+        </p:txBody>
+      </p:sp>
+      <p:pic>
+        <p:nvPicPr>
+          <p:cNvPr id="14" name="Picture 13">
+            <a:extLst>
+              <a:ext uri="{FF2B5EF4-FFF2-40B4-BE49-F238E27FC236}">
+                <a16:creationId xmlns:a16="http://schemas.microsoft.com/office/drawing/2014/main" id="{40D3834F-3113-E019-F14C-5910E9FD6646}"/>
+              </a:ext>
+            </a:extLst>
+          </p:cNvPr>
+          <p:cNvPicPr>
+            <a:picLocks noChangeAspect="1"/>
+          </p:cNvPicPr>
+          <p:nvPr/>
+        </p:nvPicPr>
+        <p:blipFill>
+          <a:blip r:embed="rId2"/>
+          <a:stretch>
+            <a:fillRect/>
+          </a:stretch>
+        </p:blipFill>
+        <p:spPr>
+          <a:xfrm>
+            <a:off x="1709737" y="2061349"/>
+            <a:ext cx="8767762" cy="4519250"/>
+          </a:xfrm>
+          <a:prstGeom prst="rect">
+            <a:avLst/>
+          </a:prstGeom>
+        </p:spPr>
+      </p:pic>
+    </p:spTree>
+    <p:extLst>
+      <p:ext uri="{BB962C8B-B14F-4D97-AF65-F5344CB8AC3E}">
+        <p14:creationId xmlns:p14="http://schemas.microsoft.com/office/powerpoint/2010/main" val="3297369502"/>
+      </p:ext>
+    </p:extLst>
+  </p:cSld>
+  <p:clrMapOvr>
+    <a:masterClrMapping/>
+  </p:clrMapOvr>
+</p:sld>
+</file>
+
+<file path=ppt/slides/slide15.xml><?xml version="1.0" encoding="utf-8"?>
+<p:sld xmlns:a="http://schemas.openxmlformats.org/drawingml/2006/main" xmlns:r="http://schemas.openxmlformats.org/officeDocument/2006/relationships" xmlns:p="http://schemas.openxmlformats.org/presentationml/2006/main">
+  <p:cSld>
+    <p:spTree>
+      <p:nvGrpSpPr>
+        <p:cNvPr id="1" name=""/>
+        <p:cNvGrpSpPr/>
+        <p:nvPr/>
+      </p:nvGrpSpPr>
+      <p:grpSpPr>
+        <a:xfrm>
+          <a:off x="0" y="0"/>
+          <a:ext cx="0" cy="0"/>
+          <a:chOff x="0" y="0"/>
+          <a:chExt cx="0" cy="0"/>
+        </a:xfrm>
+      </p:grpSpPr>
+      <p:sp>
+        <p:nvSpPr>
+          <p:cNvPr id="2" name="Title 1">
+            <a:extLst>
+              <a:ext uri="{FF2B5EF4-FFF2-40B4-BE49-F238E27FC236}">
+                <a16:creationId xmlns:a16="http://schemas.microsoft.com/office/drawing/2014/main" id="{2C01C7FB-7974-6495-C221-8D11C0475C24}"/>
+              </a:ext>
+            </a:extLst>
+          </p:cNvPr>
+          <p:cNvSpPr>
+            <a:spLocks noGrp="1"/>
+          </p:cNvSpPr>
+          <p:nvPr>
+            <p:ph type="title"/>
+          </p:nvPr>
+        </p:nvSpPr>
+        <p:spPr/>
+        <p:txBody>
+          <a:bodyPr/>
+          <a:lstStyle/>
+          <a:p>
+            <a:endParaRPr lang="en-US"/>
+          </a:p>
+        </p:txBody>
+      </p:sp>
+      <p:sp>
+        <p:nvSpPr>
+          <p:cNvPr id="3" name="Content Placeholder 2">
+            <a:extLst>
+              <a:ext uri="{FF2B5EF4-FFF2-40B4-BE49-F238E27FC236}">
+                <a16:creationId xmlns:a16="http://schemas.microsoft.com/office/drawing/2014/main" id="{4733FF64-B905-CF6F-BFC1-107D49805FEA}"/>
+              </a:ext>
+            </a:extLst>
+          </p:cNvPr>
+          <p:cNvSpPr>
+            <a:spLocks noGrp="1"/>
+          </p:cNvSpPr>
+          <p:nvPr>
+            <p:ph idx="1"/>
+          </p:nvPr>
+        </p:nvSpPr>
+        <p:spPr/>
+        <p:txBody>
+          <a:bodyPr/>
+          <a:lstStyle/>
+          <a:p>
+            <a:endParaRPr lang="en-US"/>
+          </a:p>
+        </p:txBody>
+      </p:sp>
+      <p:sp>
+        <p:nvSpPr>
+          <p:cNvPr id="4" name="Rectangle 3">
+            <a:extLst>
+              <a:ext uri="{FF2B5EF4-FFF2-40B4-BE49-F238E27FC236}">
+                <a16:creationId xmlns:a16="http://schemas.microsoft.com/office/drawing/2014/main" id="{1D65FFF8-FDBD-9E73-6E91-C79F67CA9122}"/>
+              </a:ext>
+            </a:extLst>
+          </p:cNvPr>
+          <p:cNvSpPr/>
+          <p:nvPr/>
+        </p:nvSpPr>
+        <p:spPr>
+          <a:xfrm>
+            <a:off x="0" y="0"/>
+            <a:ext cx="12192000" cy="6858000"/>
+          </a:xfrm>
+          <a:prstGeom prst="rect">
+            <a:avLst/>
+          </a:prstGeom>
+          <a:solidFill>
+            <a:schemeClr val="tx1"/>
+          </a:solidFill>
+          <a:ln>
+            <a:noFill/>
+          </a:ln>
+        </p:spPr>
+        <p:style>
+          <a:lnRef idx="2">
+            <a:schemeClr val="accent1">
+              <a:shade val="15000"/>
+            </a:schemeClr>
+          </a:lnRef>
+          <a:fillRef idx="1">
+            <a:schemeClr val="accent1"/>
+          </a:fillRef>
+          <a:effectRef idx="0">
+            <a:schemeClr val="accent1"/>
+          </a:effectRef>
+          <a:fontRef idx="minor">
+            <a:schemeClr val="lt1"/>
+          </a:fontRef>
+        </p:style>
+        <p:txBody>
+          <a:bodyPr rtlCol="0" anchor="ctr"/>
+          <a:lstStyle/>
+          <a:p>
+            <a:pPr algn="ctr"/>
+            <a:endParaRPr lang="en-US"/>
+          </a:p>
+        </p:txBody>
+      </p:sp>
+      <p:sp>
+        <p:nvSpPr>
+          <p:cNvPr id="5" name="Rectangle 4">
+            <a:extLst>
+              <a:ext uri="{FF2B5EF4-FFF2-40B4-BE49-F238E27FC236}">
+                <a16:creationId xmlns:a16="http://schemas.microsoft.com/office/drawing/2014/main" id="{03EBA741-66CB-37F4-E061-7AF35B5FC633}"/>
+              </a:ext>
+            </a:extLst>
+          </p:cNvPr>
+          <p:cNvSpPr/>
+          <p:nvPr/>
+        </p:nvSpPr>
+        <p:spPr>
+          <a:xfrm>
+            <a:off x="114300" y="128587"/>
+            <a:ext cx="11958638" cy="6600825"/>
+          </a:xfrm>
+          <a:prstGeom prst="rect">
+            <a:avLst/>
+          </a:prstGeom>
+          <a:solidFill>
+            <a:schemeClr val="tx1"/>
+          </a:solidFill>
+          <a:ln w="12700">
+            <a:solidFill>
+              <a:schemeClr val="accent2">
+                <a:lumMod val="75000"/>
+              </a:schemeClr>
+            </a:solidFill>
+          </a:ln>
+        </p:spPr>
+        <p:style>
+          <a:lnRef idx="2">
+            <a:schemeClr val="accent1">
+              <a:shade val="15000"/>
+            </a:schemeClr>
+          </a:lnRef>
+          <a:fillRef idx="1">
+            <a:schemeClr val="accent1"/>
+          </a:fillRef>
+          <a:effectRef idx="0">
+            <a:schemeClr val="accent1"/>
+          </a:effectRef>
+          <a:fontRef idx="minor">
+            <a:schemeClr val="lt1"/>
+          </a:fontRef>
+        </p:style>
+        <p:txBody>
+          <a:bodyPr rtlCol="0" anchor="ctr"/>
+          <a:lstStyle/>
+          <a:p>
+            <a:pPr algn="ctr"/>
+            <a:endParaRPr lang="en-US"/>
+          </a:p>
+        </p:txBody>
+      </p:sp>
+      <p:cxnSp>
+        <p:nvCxnSpPr>
+          <p:cNvPr id="9" name="Straight Connector 8">
+            <a:extLst>
+              <a:ext uri="{FF2B5EF4-FFF2-40B4-BE49-F238E27FC236}">
+                <a16:creationId xmlns:a16="http://schemas.microsoft.com/office/drawing/2014/main" id="{1AC673B1-26F6-4416-3E21-C88A8DB70859}"/>
+              </a:ext>
+            </a:extLst>
+          </p:cNvPr>
+          <p:cNvCxnSpPr>
+            <a:cxnSpLocks/>
+          </p:cNvCxnSpPr>
+          <p:nvPr/>
+        </p:nvCxnSpPr>
+        <p:spPr>
+          <a:xfrm>
+            <a:off x="126206" y="1285868"/>
+            <a:ext cx="5220940" cy="11802"/>
+          </a:xfrm>
+          <a:prstGeom prst="line">
+            <a:avLst/>
+          </a:prstGeom>
+          <a:ln w="12700">
+            <a:solidFill>
+              <a:schemeClr val="accent2">
+                <a:lumMod val="75000"/>
+              </a:schemeClr>
+            </a:solidFill>
+          </a:ln>
+        </p:spPr>
+        <p:style>
+          <a:lnRef idx="1">
+            <a:schemeClr val="accent1"/>
+          </a:lnRef>
+          <a:fillRef idx="0">
+            <a:schemeClr val="accent1"/>
+          </a:fillRef>
+          <a:effectRef idx="0">
+            <a:schemeClr val="accent1"/>
+          </a:effectRef>
+          <a:fontRef idx="minor">
+            <a:schemeClr val="tx1"/>
+          </a:fontRef>
+        </p:style>
+      </p:cxnSp>
+      <p:sp>
+        <p:nvSpPr>
+          <p:cNvPr id="11" name="TextBox 10">
+            <a:extLst>
+              <a:ext uri="{FF2B5EF4-FFF2-40B4-BE49-F238E27FC236}">
+                <a16:creationId xmlns:a16="http://schemas.microsoft.com/office/drawing/2014/main" id="{7196FC43-75B8-DCA5-B6C2-A2B4E1C6188B}"/>
+              </a:ext>
+            </a:extLst>
+          </p:cNvPr>
+          <p:cNvSpPr txBox="1"/>
+          <p:nvPr/>
+        </p:nvSpPr>
+        <p:spPr>
+          <a:xfrm>
+            <a:off x="126205" y="541869"/>
+            <a:ext cx="5220941" cy="646331"/>
+          </a:xfrm>
+          <a:prstGeom prst="rect">
+            <a:avLst/>
+          </a:prstGeom>
+          <a:noFill/>
+        </p:spPr>
+        <p:txBody>
+          <a:bodyPr wrap="square">
+            <a:spAutoFit/>
+          </a:bodyPr>
+          <a:lstStyle/>
+          <a:p>
+            <a:pPr algn="r"/>
+            <a:r>
+              <a:rPr lang="en-US" sz="3600" dirty="0">
+                <a:solidFill>
+                  <a:schemeClr val="bg1"/>
+                </a:solidFill>
+                <a:latin typeface="Arial" panose="020B0604020202020204" pitchFamily="34" charset="0"/>
+                <a:cs typeface="Arial" panose="020B0604020202020204" pitchFamily="34" charset="0"/>
+              </a:rPr>
+              <a:t>Analysis &amp; Outputs</a:t>
+            </a:r>
+          </a:p>
+        </p:txBody>
+      </p:sp>
+      <p:sp>
+        <p:nvSpPr>
+          <p:cNvPr id="7" name="TextBox 6">
+            <a:extLst>
+              <a:ext uri="{FF2B5EF4-FFF2-40B4-BE49-F238E27FC236}">
+                <a16:creationId xmlns:a16="http://schemas.microsoft.com/office/drawing/2014/main" id="{24C484EF-37A4-616D-7805-4B1637442430}"/>
+              </a:ext>
+            </a:extLst>
+          </p:cNvPr>
+          <p:cNvSpPr txBox="1"/>
+          <p:nvPr/>
+        </p:nvSpPr>
+        <p:spPr>
+          <a:xfrm>
+            <a:off x="-3525441" y="3306927"/>
+            <a:ext cx="3406379" cy="1477328"/>
+          </a:xfrm>
+          <a:prstGeom prst="rect">
+            <a:avLst/>
+          </a:prstGeom>
+          <a:noFill/>
+        </p:spPr>
+        <p:txBody>
+          <a:bodyPr wrap="square">
+            <a:spAutoFit/>
+          </a:bodyPr>
+          <a:lstStyle/>
+          <a:p>
+            <a:pPr algn="l"/>
+            <a:r>
+              <a:rPr lang="en-US" b="0" i="0" dirty="0">
+                <a:solidFill>
+                  <a:schemeClr val="bg1"/>
+                </a:solidFill>
+                <a:effectLst/>
+                <a:latin typeface="Slack-Lato"/>
+              </a:rPr>
+              <a:t>Analysis – Michael[SPY] Ryan[AAPL]</a:t>
+            </a:r>
+            <a:br>
+              <a:rPr lang="en-US" b="0" i="0" dirty="0">
+                <a:solidFill>
+                  <a:schemeClr val="bg1"/>
+                </a:solidFill>
+                <a:effectLst/>
+                <a:latin typeface="Slack-Lato"/>
+              </a:rPr>
+            </a:br>
+            <a:endParaRPr lang="en-US" b="0" i="0" dirty="0">
+              <a:solidFill>
+                <a:schemeClr val="bg1"/>
+              </a:solidFill>
+              <a:effectLst/>
+              <a:latin typeface="Slack-Lato"/>
+            </a:endParaRPr>
+          </a:p>
+          <a:p>
+            <a:br>
+              <a:rPr lang="en-US" b="0" i="0" dirty="0">
+                <a:solidFill>
+                  <a:srgbClr val="1D1C1D"/>
+                </a:solidFill>
+                <a:effectLst/>
+                <a:latin typeface="Slack-Lato"/>
+              </a:rPr>
+            </a:br>
+            <a:endParaRPr lang="en-US" dirty="0"/>
+          </a:p>
+        </p:txBody>
+      </p:sp>
+      <p:sp>
+        <p:nvSpPr>
+          <p:cNvPr id="8" name="TextBox 7">
+            <a:extLst>
+              <a:ext uri="{FF2B5EF4-FFF2-40B4-BE49-F238E27FC236}">
+                <a16:creationId xmlns:a16="http://schemas.microsoft.com/office/drawing/2014/main" id="{38413B10-3FC5-14EC-7CFD-B97C2E54EE71}"/>
+              </a:ext>
+            </a:extLst>
+          </p:cNvPr>
+          <p:cNvSpPr txBox="1"/>
+          <p:nvPr/>
+        </p:nvSpPr>
+        <p:spPr>
+          <a:xfrm>
+            <a:off x="-2999234" y="2103970"/>
+            <a:ext cx="6093618" cy="923330"/>
+          </a:xfrm>
+          <a:prstGeom prst="rect">
+            <a:avLst/>
+          </a:prstGeom>
+          <a:noFill/>
+        </p:spPr>
+        <p:txBody>
+          <a:bodyPr wrap="square">
+            <a:spAutoFit/>
+          </a:bodyPr>
+          <a:lstStyle/>
+          <a:p>
+            <a:pPr algn="l"/>
+            <a:r>
+              <a:rPr lang="en-US" b="0" i="0" dirty="0">
+                <a:solidFill>
+                  <a:schemeClr val="bg1"/>
+                </a:solidFill>
+                <a:effectLst/>
+                <a:latin typeface="Slack-Lato"/>
+              </a:rPr>
+              <a:t>What were the outputs?</a:t>
+            </a:r>
+            <a:br>
+              <a:rPr lang="en-US" b="0" i="0" dirty="0">
+                <a:solidFill>
+                  <a:schemeClr val="bg1"/>
+                </a:solidFill>
+                <a:effectLst/>
+                <a:latin typeface="Slack-Lato"/>
+              </a:rPr>
+            </a:br>
+            <a:endParaRPr lang="en-US" b="0" i="0" dirty="0">
+              <a:solidFill>
+                <a:schemeClr val="bg1"/>
+              </a:solidFill>
+              <a:effectLst/>
+              <a:latin typeface="Slack-Lato"/>
+            </a:endParaRPr>
+          </a:p>
+          <a:p>
+            <a:pPr algn="l"/>
+            <a:r>
+              <a:rPr lang="en-US" b="0" i="0" dirty="0">
+                <a:solidFill>
+                  <a:schemeClr val="bg1"/>
+                </a:solidFill>
+                <a:effectLst/>
+                <a:latin typeface="Slack-Lato"/>
+              </a:rPr>
+              <a:t>What did the outputs tell us?</a:t>
+            </a:r>
+          </a:p>
+        </p:txBody>
+      </p:sp>
+      <p:sp>
+        <p:nvSpPr>
+          <p:cNvPr id="12" name="TextBox 11">
+            <a:extLst>
+              <a:ext uri="{FF2B5EF4-FFF2-40B4-BE49-F238E27FC236}">
+                <a16:creationId xmlns:a16="http://schemas.microsoft.com/office/drawing/2014/main" id="{0F3E3CE8-0878-0354-74CE-9ACDA279CCCD}"/>
+              </a:ext>
+            </a:extLst>
+          </p:cNvPr>
+          <p:cNvSpPr txBox="1"/>
+          <p:nvPr/>
+        </p:nvSpPr>
+        <p:spPr>
+          <a:xfrm>
+            <a:off x="7886700" y="112991"/>
+            <a:ext cx="4186239" cy="523220"/>
+          </a:xfrm>
+          <a:prstGeom prst="rect">
+            <a:avLst/>
+          </a:prstGeom>
+          <a:noFill/>
+        </p:spPr>
+        <p:txBody>
+          <a:bodyPr wrap="square" rtlCol="0">
+            <a:spAutoFit/>
+          </a:bodyPr>
+          <a:lstStyle/>
+          <a:p>
+            <a:pPr algn="r"/>
+            <a:r>
+              <a:rPr lang="en-US" sz="1400" i="1" dirty="0">
+                <a:solidFill>
+                  <a:schemeClr val="bg1">
+                    <a:lumMod val="75000"/>
+                  </a:schemeClr>
+                </a:solidFill>
+                <a:latin typeface="Arial" panose="020B0604020202020204" pitchFamily="34" charset="0"/>
+                <a:cs typeface="Arial" panose="020B0604020202020204" pitchFamily="34" charset="0"/>
+              </a:rPr>
+              <a:t>Briefer: Ryan Stowers</a:t>
+            </a:r>
+          </a:p>
+          <a:p>
+            <a:pPr algn="r"/>
+            <a:endParaRPr lang="en-US" sz="1400" dirty="0">
+              <a:solidFill>
+                <a:schemeClr val="bg1"/>
+              </a:solidFill>
+              <a:latin typeface="Arial" panose="020B0604020202020204" pitchFamily="34" charset="0"/>
+              <a:cs typeface="Arial" panose="020B0604020202020204" pitchFamily="34" charset="0"/>
+            </a:endParaRPr>
+          </a:p>
+        </p:txBody>
+      </p:sp>
+      <p:sp>
+        <p:nvSpPr>
+          <p:cNvPr id="13" name="TextBox 12">
+            <a:extLst>
+              <a:ext uri="{FF2B5EF4-FFF2-40B4-BE49-F238E27FC236}">
+                <a16:creationId xmlns:a16="http://schemas.microsoft.com/office/drawing/2014/main" id="{5934E4D6-40A6-1091-2230-929980990F95}"/>
+              </a:ext>
+            </a:extLst>
+          </p:cNvPr>
+          <p:cNvSpPr txBox="1"/>
+          <p:nvPr/>
+        </p:nvSpPr>
+        <p:spPr>
+          <a:xfrm>
+            <a:off x="318492" y="1378036"/>
+            <a:ext cx="11240096" cy="923330"/>
+          </a:xfrm>
+          <a:prstGeom prst="rect">
+            <a:avLst/>
+          </a:prstGeom>
+          <a:noFill/>
+        </p:spPr>
+        <p:txBody>
+          <a:bodyPr wrap="square">
+            <a:spAutoFit/>
+          </a:bodyPr>
+          <a:lstStyle/>
+          <a:p>
+            <a:r>
+              <a:rPr lang="en-US" dirty="0">
+                <a:solidFill>
+                  <a:schemeClr val="bg1">
+                    <a:lumMod val="85000"/>
+                  </a:schemeClr>
+                </a:solidFill>
+                <a:latin typeface="Arial" panose="020B0604020202020204" pitchFamily="34" charset="0"/>
+                <a:cs typeface="Arial" panose="020B0604020202020204" pitchFamily="34" charset="0"/>
+              </a:rPr>
+              <a:t>In this last graph you can see a better picture of when we buy and sell.  For example, we started with buying at the open, then the MACD passes the signal line we sell until it passes it again. At approximately 1:45 the signal line is indicating a upwards trend where we buy until it crosses again to indicate that we sell. </a:t>
+            </a:r>
+          </a:p>
+        </p:txBody>
+      </p:sp>
+      <p:pic>
+        <p:nvPicPr>
+          <p:cNvPr id="14" name="Picture 13">
+            <a:extLst>
+              <a:ext uri="{FF2B5EF4-FFF2-40B4-BE49-F238E27FC236}">
+                <a16:creationId xmlns:a16="http://schemas.microsoft.com/office/drawing/2014/main" id="{91BFAFC5-6049-8A56-A7C9-67686C0F4FDD}"/>
+              </a:ext>
+            </a:extLst>
+          </p:cNvPr>
+          <p:cNvPicPr>
+            <a:picLocks noChangeAspect="1"/>
+          </p:cNvPicPr>
+          <p:nvPr/>
+        </p:nvPicPr>
+        <p:blipFill>
+          <a:blip r:embed="rId2"/>
+          <a:stretch>
+            <a:fillRect/>
+          </a:stretch>
+        </p:blipFill>
+        <p:spPr>
+          <a:xfrm>
+            <a:off x="1984370" y="2381732"/>
+            <a:ext cx="8218495" cy="4189884"/>
+          </a:xfrm>
+          <a:prstGeom prst="rect">
+            <a:avLst/>
+          </a:prstGeom>
+        </p:spPr>
+      </p:pic>
+    </p:spTree>
+    <p:extLst>
+      <p:ext uri="{BB962C8B-B14F-4D97-AF65-F5344CB8AC3E}">
+        <p14:creationId xmlns:p14="http://schemas.microsoft.com/office/powerpoint/2010/main" val="2179045673"/>
+      </p:ext>
+    </p:extLst>
+  </p:cSld>
+  <p:clrMapOvr>
+    <a:masterClrMapping/>
+  </p:clrMapOvr>
+</p:sld>
+</file>
+
+<file path=ppt/slides/slide16.xml><?xml version="1.0" encoding="utf-8"?>
+<p:sld xmlns:a="http://schemas.openxmlformats.org/drawingml/2006/main" xmlns:r="http://schemas.openxmlformats.org/officeDocument/2006/relationships" xmlns:p="http://schemas.openxmlformats.org/presentationml/2006/main">
+  <p:cSld>
+    <p:spTree>
+      <p:nvGrpSpPr>
+        <p:cNvPr id="1" name=""/>
+        <p:cNvGrpSpPr/>
+        <p:nvPr/>
+      </p:nvGrpSpPr>
+      <p:grpSpPr>
+        <a:xfrm>
+          <a:off x="0" y="0"/>
+          <a:ext cx="0" cy="0"/>
+          <a:chOff x="0" y="0"/>
+          <a:chExt cx="0" cy="0"/>
+        </a:xfrm>
+      </p:grpSpPr>
+      <p:sp>
+        <p:nvSpPr>
+          <p:cNvPr id="2" name="Title 1">
+            <a:extLst>
+              <a:ext uri="{FF2B5EF4-FFF2-40B4-BE49-F238E27FC236}">
+                <a16:creationId xmlns:a16="http://schemas.microsoft.com/office/drawing/2014/main" id="{2C01C7FB-7974-6495-C221-8D11C0475C24}"/>
+              </a:ext>
+            </a:extLst>
+          </p:cNvPr>
+          <p:cNvSpPr>
+            <a:spLocks noGrp="1"/>
+          </p:cNvSpPr>
+          <p:nvPr>
+            <p:ph type="title"/>
+          </p:nvPr>
+        </p:nvSpPr>
+        <p:spPr/>
+        <p:txBody>
+          <a:bodyPr/>
+          <a:lstStyle/>
+          <a:p>
+            <a:endParaRPr lang="en-US"/>
+          </a:p>
+        </p:txBody>
+      </p:sp>
+      <p:sp>
+        <p:nvSpPr>
+          <p:cNvPr id="3" name="Content Placeholder 2">
+            <a:extLst>
+              <a:ext uri="{FF2B5EF4-FFF2-40B4-BE49-F238E27FC236}">
+                <a16:creationId xmlns:a16="http://schemas.microsoft.com/office/drawing/2014/main" id="{4733FF64-B905-CF6F-BFC1-107D49805FEA}"/>
+              </a:ext>
+            </a:extLst>
+          </p:cNvPr>
+          <p:cNvSpPr>
+            <a:spLocks noGrp="1"/>
+          </p:cNvSpPr>
+          <p:nvPr>
+            <p:ph idx="1"/>
+          </p:nvPr>
+        </p:nvSpPr>
+        <p:spPr/>
+        <p:txBody>
+          <a:bodyPr/>
+          <a:lstStyle/>
+          <a:p>
+            <a:endParaRPr lang="en-US"/>
+          </a:p>
+        </p:txBody>
+      </p:sp>
+      <p:sp>
+        <p:nvSpPr>
+          <p:cNvPr id="4" name="Rectangle 3">
+            <a:extLst>
+              <a:ext uri="{FF2B5EF4-FFF2-40B4-BE49-F238E27FC236}">
+                <a16:creationId xmlns:a16="http://schemas.microsoft.com/office/drawing/2014/main" id="{1D65FFF8-FDBD-9E73-6E91-C79F67CA9122}"/>
+              </a:ext>
+            </a:extLst>
+          </p:cNvPr>
+          <p:cNvSpPr/>
+          <p:nvPr/>
+        </p:nvSpPr>
+        <p:spPr>
+          <a:xfrm>
+            <a:off x="0" y="0"/>
+            <a:ext cx="12192000" cy="6858000"/>
+          </a:xfrm>
+          <a:prstGeom prst="rect">
+            <a:avLst/>
+          </a:prstGeom>
+          <a:solidFill>
+            <a:schemeClr val="tx1"/>
+          </a:solidFill>
+          <a:ln>
+            <a:noFill/>
+          </a:ln>
+        </p:spPr>
+        <p:style>
+          <a:lnRef idx="2">
+            <a:schemeClr val="accent1">
+              <a:shade val="15000"/>
+            </a:schemeClr>
+          </a:lnRef>
+          <a:fillRef idx="1">
+            <a:schemeClr val="accent1"/>
+          </a:fillRef>
+          <a:effectRef idx="0">
+            <a:schemeClr val="accent1"/>
+          </a:effectRef>
+          <a:fontRef idx="minor">
+            <a:schemeClr val="lt1"/>
+          </a:fontRef>
+        </p:style>
+        <p:txBody>
+          <a:bodyPr rtlCol="0" anchor="ctr"/>
+          <a:lstStyle/>
+          <a:p>
+            <a:pPr algn="ctr"/>
+            <a:endParaRPr lang="en-US"/>
+          </a:p>
+        </p:txBody>
+      </p:sp>
+      <p:sp>
+        <p:nvSpPr>
+          <p:cNvPr id="5" name="Rectangle 4">
+            <a:extLst>
+              <a:ext uri="{FF2B5EF4-FFF2-40B4-BE49-F238E27FC236}">
+                <a16:creationId xmlns:a16="http://schemas.microsoft.com/office/drawing/2014/main" id="{03EBA741-66CB-37F4-E061-7AF35B5FC633}"/>
+              </a:ext>
+            </a:extLst>
+          </p:cNvPr>
+          <p:cNvSpPr/>
+          <p:nvPr/>
+        </p:nvSpPr>
+        <p:spPr>
+          <a:xfrm>
+            <a:off x="114300" y="128587"/>
+            <a:ext cx="11958638" cy="6600825"/>
+          </a:xfrm>
+          <a:prstGeom prst="rect">
+            <a:avLst/>
+          </a:prstGeom>
+          <a:solidFill>
+            <a:schemeClr val="tx1"/>
+          </a:solidFill>
+          <a:ln w="12700">
+            <a:solidFill>
+              <a:schemeClr val="accent2">
+                <a:lumMod val="75000"/>
+              </a:schemeClr>
+            </a:solidFill>
+          </a:ln>
+        </p:spPr>
+        <p:style>
+          <a:lnRef idx="2">
+            <a:schemeClr val="accent1">
+              <a:shade val="15000"/>
+            </a:schemeClr>
+          </a:lnRef>
+          <a:fillRef idx="1">
+            <a:schemeClr val="accent1"/>
+          </a:fillRef>
+          <a:effectRef idx="0">
+            <a:schemeClr val="accent1"/>
+          </a:effectRef>
+          <a:fontRef idx="minor">
+            <a:schemeClr val="lt1"/>
+          </a:fontRef>
+        </p:style>
+        <p:txBody>
+          <a:bodyPr rtlCol="0" anchor="ctr"/>
+          <a:lstStyle/>
+          <a:p>
+            <a:pPr algn="ctr"/>
+            <a:endParaRPr lang="en-US"/>
+          </a:p>
+        </p:txBody>
+      </p:sp>
+      <p:cxnSp>
+        <p:nvCxnSpPr>
+          <p:cNvPr id="9" name="Straight Connector 8">
+            <a:extLst>
+              <a:ext uri="{FF2B5EF4-FFF2-40B4-BE49-F238E27FC236}">
+                <a16:creationId xmlns:a16="http://schemas.microsoft.com/office/drawing/2014/main" id="{1AC673B1-26F6-4416-3E21-C88A8DB70859}"/>
+              </a:ext>
+            </a:extLst>
+          </p:cNvPr>
+          <p:cNvCxnSpPr>
+            <a:cxnSpLocks/>
+          </p:cNvCxnSpPr>
+          <p:nvPr/>
+        </p:nvCxnSpPr>
+        <p:spPr>
+          <a:xfrm>
+            <a:off x="126206" y="1285868"/>
+            <a:ext cx="5220940" cy="11802"/>
+          </a:xfrm>
+          <a:prstGeom prst="line">
+            <a:avLst/>
+          </a:prstGeom>
+          <a:ln w="12700">
+            <a:solidFill>
+              <a:schemeClr val="accent2">
+                <a:lumMod val="75000"/>
+              </a:schemeClr>
+            </a:solidFill>
+          </a:ln>
+        </p:spPr>
+        <p:style>
+          <a:lnRef idx="1">
+            <a:schemeClr val="accent1"/>
+          </a:lnRef>
+          <a:fillRef idx="0">
+            <a:schemeClr val="accent1"/>
+          </a:fillRef>
+          <a:effectRef idx="0">
+            <a:schemeClr val="accent1"/>
+          </a:effectRef>
+          <a:fontRef idx="minor">
+            <a:schemeClr val="tx1"/>
+          </a:fontRef>
+        </p:style>
+      </p:cxnSp>
+      <p:sp>
+        <p:nvSpPr>
+          <p:cNvPr id="11" name="TextBox 10">
+            <a:extLst>
+              <a:ext uri="{FF2B5EF4-FFF2-40B4-BE49-F238E27FC236}">
+                <a16:creationId xmlns:a16="http://schemas.microsoft.com/office/drawing/2014/main" id="{7196FC43-75B8-DCA5-B6C2-A2B4E1C6188B}"/>
+              </a:ext>
+            </a:extLst>
+          </p:cNvPr>
+          <p:cNvSpPr txBox="1"/>
+          <p:nvPr/>
+        </p:nvSpPr>
+        <p:spPr>
+          <a:xfrm>
+            <a:off x="126205" y="541869"/>
+            <a:ext cx="5220941" cy="646331"/>
+          </a:xfrm>
+          <a:prstGeom prst="rect">
+            <a:avLst/>
+          </a:prstGeom>
+          <a:noFill/>
+        </p:spPr>
+        <p:txBody>
+          <a:bodyPr wrap="square">
+            <a:spAutoFit/>
+          </a:bodyPr>
+          <a:lstStyle/>
+          <a:p>
+            <a:pPr algn="r"/>
+            <a:r>
+              <a:rPr lang="en-US" sz="3600" dirty="0">
+                <a:solidFill>
+                  <a:schemeClr val="bg1"/>
+                </a:solidFill>
+                <a:latin typeface="Arial" panose="020B0604020202020204" pitchFamily="34" charset="0"/>
+                <a:cs typeface="Arial" panose="020B0604020202020204" pitchFamily="34" charset="0"/>
+              </a:rPr>
+              <a:t>Analysis &amp; Outputs</a:t>
+            </a:r>
+          </a:p>
+        </p:txBody>
+      </p:sp>
+      <p:sp>
+        <p:nvSpPr>
+          <p:cNvPr id="12" name="TextBox 11">
+            <a:extLst>
+              <a:ext uri="{FF2B5EF4-FFF2-40B4-BE49-F238E27FC236}">
+                <a16:creationId xmlns:a16="http://schemas.microsoft.com/office/drawing/2014/main" id="{ACF75A3B-1F4A-D0AB-2631-7D9F2F030FDB}"/>
+              </a:ext>
+            </a:extLst>
+          </p:cNvPr>
+          <p:cNvSpPr txBox="1"/>
+          <p:nvPr/>
+        </p:nvSpPr>
+        <p:spPr>
+          <a:xfrm>
+            <a:off x="417910" y="1503805"/>
+            <a:ext cx="6093618" cy="1200329"/>
+          </a:xfrm>
+          <a:prstGeom prst="rect">
+            <a:avLst/>
+          </a:prstGeom>
+          <a:noFill/>
+        </p:spPr>
+        <p:txBody>
+          <a:bodyPr wrap="square">
+            <a:spAutoFit/>
+          </a:bodyPr>
+          <a:lstStyle/>
+          <a:p>
+            <a:pPr algn="l"/>
+            <a:r>
+              <a:rPr lang="en-US" b="0" i="0" dirty="0">
+                <a:solidFill>
+                  <a:schemeClr val="bg1">
+                    <a:lumMod val="75000"/>
+                  </a:schemeClr>
+                </a:solidFill>
+                <a:effectLst/>
+                <a:latin typeface="Slack-Lato"/>
+              </a:rPr>
+              <a:t>Analysis – Michael[SPY] Ryan[AAPL]</a:t>
+            </a:r>
+            <a:br>
+              <a:rPr lang="en-US" b="0" i="0" dirty="0">
+                <a:solidFill>
+                  <a:schemeClr val="bg1">
+                    <a:lumMod val="75000"/>
+                  </a:schemeClr>
+                </a:solidFill>
+                <a:effectLst/>
+                <a:latin typeface="Slack-Lato"/>
+              </a:rPr>
+            </a:br>
+            <a:endParaRPr lang="en-US" b="0" i="0" dirty="0">
+              <a:solidFill>
+                <a:schemeClr val="bg1">
+                  <a:lumMod val="75000"/>
+                </a:schemeClr>
+              </a:solidFill>
+              <a:effectLst/>
+              <a:latin typeface="Slack-Lato"/>
+            </a:endParaRPr>
+          </a:p>
+          <a:p>
+            <a:br>
+              <a:rPr lang="en-US" b="0" i="0" dirty="0">
+                <a:solidFill>
+                  <a:srgbClr val="1D1C1D"/>
+                </a:solidFill>
+                <a:effectLst/>
+                <a:latin typeface="Slack-Lato"/>
+              </a:rPr>
+            </a:br>
+            <a:endParaRPr lang="en-US" dirty="0"/>
+          </a:p>
+        </p:txBody>
+      </p:sp>
+      <p:sp>
+        <p:nvSpPr>
+          <p:cNvPr id="14" name="TextBox 13">
+            <a:extLst>
+              <a:ext uri="{FF2B5EF4-FFF2-40B4-BE49-F238E27FC236}">
+                <a16:creationId xmlns:a16="http://schemas.microsoft.com/office/drawing/2014/main" id="{7053C827-8FBD-BEDA-3521-35F8C6F910B3}"/>
+              </a:ext>
+            </a:extLst>
+          </p:cNvPr>
+          <p:cNvSpPr txBox="1"/>
+          <p:nvPr/>
+        </p:nvSpPr>
+        <p:spPr>
+          <a:xfrm>
+            <a:off x="417910" y="2042107"/>
+            <a:ext cx="6093618" cy="923330"/>
+          </a:xfrm>
+          <a:prstGeom prst="rect">
+            <a:avLst/>
+          </a:prstGeom>
+          <a:noFill/>
+        </p:spPr>
+        <p:txBody>
+          <a:bodyPr wrap="square">
+            <a:spAutoFit/>
+          </a:bodyPr>
+          <a:lstStyle/>
+          <a:p>
+            <a:pPr algn="l"/>
+            <a:r>
+              <a:rPr lang="en-US" b="0" i="0" dirty="0">
+                <a:solidFill>
+                  <a:schemeClr val="bg1">
+                    <a:lumMod val="75000"/>
+                  </a:schemeClr>
+                </a:solidFill>
+                <a:effectLst/>
+                <a:latin typeface="Slack-Lato"/>
+              </a:rPr>
+              <a:t>What were the outputs?</a:t>
+            </a:r>
+            <a:br>
+              <a:rPr lang="en-US" b="0" i="0" dirty="0">
+                <a:solidFill>
+                  <a:schemeClr val="bg1">
+                    <a:lumMod val="75000"/>
+                  </a:schemeClr>
+                </a:solidFill>
+                <a:effectLst/>
+                <a:latin typeface="Slack-Lato"/>
+              </a:rPr>
+            </a:br>
+            <a:endParaRPr lang="en-US" b="0" i="0" dirty="0">
+              <a:solidFill>
+                <a:schemeClr val="bg1">
+                  <a:lumMod val="75000"/>
+                </a:schemeClr>
+              </a:solidFill>
+              <a:effectLst/>
+              <a:latin typeface="Slack-Lato"/>
+            </a:endParaRPr>
+          </a:p>
+          <a:p>
+            <a:pPr algn="l"/>
+            <a:r>
+              <a:rPr lang="en-US" b="0" i="0" dirty="0">
+                <a:solidFill>
+                  <a:schemeClr val="bg1">
+                    <a:lumMod val="75000"/>
+                  </a:schemeClr>
+                </a:solidFill>
+                <a:effectLst/>
+                <a:latin typeface="Slack-Lato"/>
+              </a:rPr>
+              <a:t>What did the outputs tell us?</a:t>
+            </a:r>
+          </a:p>
+        </p:txBody>
+      </p:sp>
+      <p:sp>
+        <p:nvSpPr>
+          <p:cNvPr id="15" name="TextBox 14">
+            <a:extLst>
+              <a:ext uri="{FF2B5EF4-FFF2-40B4-BE49-F238E27FC236}">
+                <a16:creationId xmlns:a16="http://schemas.microsoft.com/office/drawing/2014/main" id="{FCBFDD02-51CC-AC9F-F897-ED1643C6B457}"/>
+              </a:ext>
+            </a:extLst>
+          </p:cNvPr>
+          <p:cNvSpPr txBox="1"/>
+          <p:nvPr/>
+        </p:nvSpPr>
+        <p:spPr>
+          <a:xfrm>
+            <a:off x="7886700" y="112991"/>
+            <a:ext cx="4186239" cy="738664"/>
+          </a:xfrm>
+          <a:prstGeom prst="rect">
+            <a:avLst/>
+          </a:prstGeom>
+          <a:noFill/>
+        </p:spPr>
+        <p:txBody>
+          <a:bodyPr wrap="square" rtlCol="0">
+            <a:spAutoFit/>
+          </a:bodyPr>
+          <a:lstStyle/>
+          <a:p>
+            <a:pPr algn="r"/>
+            <a:r>
+              <a:rPr lang="en-US" sz="1400" i="1" dirty="0">
+                <a:solidFill>
+                  <a:schemeClr val="bg1">
+                    <a:lumMod val="75000"/>
+                  </a:schemeClr>
+                </a:solidFill>
+                <a:latin typeface="Arial" panose="020B0604020202020204" pitchFamily="34" charset="0"/>
+                <a:cs typeface="Arial" panose="020B0604020202020204" pitchFamily="34" charset="0"/>
+              </a:rPr>
+              <a:t>Briefer: Michael </a:t>
+            </a:r>
+            <a:r>
+              <a:rPr lang="en-US" sz="1400" i="1" dirty="0" err="1">
+                <a:solidFill>
+                  <a:schemeClr val="bg1">
+                    <a:lumMod val="75000"/>
+                  </a:schemeClr>
+                </a:solidFill>
+                <a:latin typeface="Arial" panose="020B0604020202020204" pitchFamily="34" charset="0"/>
+                <a:cs typeface="Arial" panose="020B0604020202020204" pitchFamily="34" charset="0"/>
+              </a:rPr>
+              <a:t>Drinkard</a:t>
+            </a:r>
+            <a:endParaRPr lang="en-US" sz="1400" i="1" dirty="0">
+              <a:solidFill>
+                <a:schemeClr val="bg1">
+                  <a:lumMod val="75000"/>
+                </a:schemeClr>
+              </a:solidFill>
+              <a:latin typeface="Arial" panose="020B0604020202020204" pitchFamily="34" charset="0"/>
+              <a:cs typeface="Arial" panose="020B0604020202020204" pitchFamily="34" charset="0"/>
+            </a:endParaRPr>
+          </a:p>
+          <a:p>
+            <a:pPr algn="r"/>
+            <a:endParaRPr lang="en-US" sz="1400" dirty="0">
+              <a:solidFill>
+                <a:schemeClr val="bg1">
+                  <a:lumMod val="75000"/>
+                </a:schemeClr>
+              </a:solidFill>
+              <a:latin typeface="Arial" panose="020B0604020202020204" pitchFamily="34" charset="0"/>
+              <a:cs typeface="Arial" panose="020B0604020202020204" pitchFamily="34" charset="0"/>
+            </a:endParaRPr>
+          </a:p>
+          <a:p>
+            <a:pPr algn="r"/>
+            <a:endParaRPr lang="en-US" sz="1400" dirty="0">
+              <a:solidFill>
+                <a:schemeClr val="bg1"/>
+              </a:solidFill>
+              <a:latin typeface="Arial" panose="020B0604020202020204" pitchFamily="34" charset="0"/>
+              <a:cs typeface="Arial" panose="020B0604020202020204" pitchFamily="34" charset="0"/>
+            </a:endParaRPr>
+          </a:p>
+        </p:txBody>
+      </p:sp>
+    </p:spTree>
+    <p:extLst>
+      <p:ext uri="{BB962C8B-B14F-4D97-AF65-F5344CB8AC3E}">
+        <p14:creationId xmlns:p14="http://schemas.microsoft.com/office/powerpoint/2010/main" val="817477383"/>
+      </p:ext>
+    </p:extLst>
+  </p:cSld>
+  <p:clrMapOvr>
+    <a:masterClrMapping/>
+  </p:clrMapOvr>
+</p:sld>
+</file>
+
+<file path=ppt/slides/slide17.xml><?xml version="1.0" encoding="utf-8"?>
+<p:sld xmlns:a="http://schemas.openxmlformats.org/drawingml/2006/main" xmlns:r="http://schemas.openxmlformats.org/officeDocument/2006/relationships" xmlns:p="http://schemas.openxmlformats.org/presentationml/2006/main">
+  <p:cSld>
+    <p:spTree>
+      <p:nvGrpSpPr>
+        <p:cNvPr id="1" name=""/>
+        <p:cNvGrpSpPr/>
+        <p:nvPr/>
+      </p:nvGrpSpPr>
+      <p:grpSpPr>
+        <a:xfrm>
+          <a:off x="0" y="0"/>
+          <a:ext cx="0" cy="0"/>
+          <a:chOff x="0" y="0"/>
+          <a:chExt cx="0" cy="0"/>
+        </a:xfrm>
+      </p:grpSpPr>
+      <p:sp>
+        <p:nvSpPr>
+          <p:cNvPr id="2" name="Title 1">
+            <a:extLst>
+              <a:ext uri="{FF2B5EF4-FFF2-40B4-BE49-F238E27FC236}">
+                <a16:creationId xmlns:a16="http://schemas.microsoft.com/office/drawing/2014/main" id="{2C01C7FB-7974-6495-C221-8D11C0475C24}"/>
+              </a:ext>
+            </a:extLst>
+          </p:cNvPr>
+          <p:cNvSpPr>
+            <a:spLocks noGrp="1"/>
+          </p:cNvSpPr>
+          <p:nvPr>
+            <p:ph type="title"/>
+          </p:nvPr>
+        </p:nvSpPr>
+        <p:spPr/>
+        <p:txBody>
+          <a:bodyPr/>
+          <a:lstStyle/>
+          <a:p>
+            <a:endParaRPr lang="en-US"/>
+          </a:p>
+        </p:txBody>
+      </p:sp>
+      <p:sp>
+        <p:nvSpPr>
+          <p:cNvPr id="3" name="Content Placeholder 2">
+            <a:extLst>
+              <a:ext uri="{FF2B5EF4-FFF2-40B4-BE49-F238E27FC236}">
+                <a16:creationId xmlns:a16="http://schemas.microsoft.com/office/drawing/2014/main" id="{4733FF64-B905-CF6F-BFC1-107D49805FEA}"/>
+              </a:ext>
+            </a:extLst>
+          </p:cNvPr>
+          <p:cNvSpPr>
+            <a:spLocks noGrp="1"/>
+          </p:cNvSpPr>
+          <p:nvPr>
+            <p:ph idx="1"/>
+          </p:nvPr>
+        </p:nvSpPr>
+        <p:spPr/>
+        <p:txBody>
+          <a:bodyPr/>
+          <a:lstStyle/>
+          <a:p>
+            <a:endParaRPr lang="en-US"/>
+          </a:p>
+        </p:txBody>
+      </p:sp>
+      <p:sp>
+        <p:nvSpPr>
+          <p:cNvPr id="4" name="Rectangle 3">
+            <a:extLst>
+              <a:ext uri="{FF2B5EF4-FFF2-40B4-BE49-F238E27FC236}">
+                <a16:creationId xmlns:a16="http://schemas.microsoft.com/office/drawing/2014/main" id="{1D65FFF8-FDBD-9E73-6E91-C79F67CA9122}"/>
+              </a:ext>
+            </a:extLst>
+          </p:cNvPr>
+          <p:cNvSpPr/>
+          <p:nvPr/>
+        </p:nvSpPr>
+        <p:spPr>
+          <a:xfrm>
+            <a:off x="0" y="0"/>
+            <a:ext cx="12192000" cy="6858000"/>
+          </a:xfrm>
+          <a:prstGeom prst="rect">
+            <a:avLst/>
+          </a:prstGeom>
+          <a:solidFill>
+            <a:schemeClr val="tx1"/>
+          </a:solidFill>
+          <a:ln>
+            <a:noFill/>
+          </a:ln>
+        </p:spPr>
+        <p:style>
+          <a:lnRef idx="2">
+            <a:schemeClr val="accent1">
+              <a:shade val="15000"/>
+            </a:schemeClr>
+          </a:lnRef>
+          <a:fillRef idx="1">
+            <a:schemeClr val="accent1"/>
+          </a:fillRef>
+          <a:effectRef idx="0">
+            <a:schemeClr val="accent1"/>
+          </a:effectRef>
+          <a:fontRef idx="minor">
+            <a:schemeClr val="lt1"/>
+          </a:fontRef>
+        </p:style>
+        <p:txBody>
+          <a:bodyPr rtlCol="0" anchor="ctr"/>
+          <a:lstStyle/>
+          <a:p>
+            <a:pPr algn="ctr"/>
+            <a:endParaRPr lang="en-US"/>
+          </a:p>
+        </p:txBody>
+      </p:sp>
+      <p:sp>
+        <p:nvSpPr>
+          <p:cNvPr id="5" name="Rectangle 4">
+            <a:extLst>
+              <a:ext uri="{FF2B5EF4-FFF2-40B4-BE49-F238E27FC236}">
+                <a16:creationId xmlns:a16="http://schemas.microsoft.com/office/drawing/2014/main" id="{03EBA741-66CB-37F4-E061-7AF35B5FC633}"/>
+              </a:ext>
+            </a:extLst>
+          </p:cNvPr>
+          <p:cNvSpPr/>
+          <p:nvPr/>
+        </p:nvSpPr>
+        <p:spPr>
+          <a:xfrm>
+            <a:off x="114300" y="128587"/>
+            <a:ext cx="11958638" cy="6600825"/>
+          </a:xfrm>
+          <a:prstGeom prst="rect">
+            <a:avLst/>
+          </a:prstGeom>
+          <a:solidFill>
+            <a:schemeClr val="tx1"/>
+          </a:solidFill>
+          <a:ln w="12700">
+            <a:solidFill>
+              <a:schemeClr val="accent2">
+                <a:lumMod val="75000"/>
+              </a:schemeClr>
+            </a:solidFill>
+          </a:ln>
+        </p:spPr>
+        <p:style>
+          <a:lnRef idx="2">
+            <a:schemeClr val="accent1">
+              <a:shade val="15000"/>
+            </a:schemeClr>
+          </a:lnRef>
+          <a:fillRef idx="1">
+            <a:schemeClr val="accent1"/>
+          </a:fillRef>
+          <a:effectRef idx="0">
+            <a:schemeClr val="accent1"/>
+          </a:effectRef>
+          <a:fontRef idx="minor">
+            <a:schemeClr val="lt1"/>
+          </a:fontRef>
+        </p:style>
+        <p:txBody>
+          <a:bodyPr rtlCol="0" anchor="ctr"/>
+          <a:lstStyle/>
+          <a:p>
+            <a:pPr algn="ctr"/>
+            <a:endParaRPr lang="en-US"/>
+          </a:p>
+        </p:txBody>
+      </p:sp>
+      <p:cxnSp>
+        <p:nvCxnSpPr>
+          <p:cNvPr id="9" name="Straight Connector 8">
+            <a:extLst>
+              <a:ext uri="{FF2B5EF4-FFF2-40B4-BE49-F238E27FC236}">
+                <a16:creationId xmlns:a16="http://schemas.microsoft.com/office/drawing/2014/main" id="{1AC673B1-26F6-4416-3E21-C88A8DB70859}"/>
+              </a:ext>
+            </a:extLst>
+          </p:cNvPr>
+          <p:cNvCxnSpPr>
+            <a:cxnSpLocks/>
+          </p:cNvCxnSpPr>
+          <p:nvPr/>
+        </p:nvCxnSpPr>
+        <p:spPr>
+          <a:xfrm>
+            <a:off x="126206" y="1285868"/>
+            <a:ext cx="5220940" cy="11802"/>
+          </a:xfrm>
+          <a:prstGeom prst="line">
+            <a:avLst/>
+          </a:prstGeom>
+          <a:ln w="12700">
+            <a:solidFill>
+              <a:schemeClr val="accent2">
+                <a:lumMod val="75000"/>
+              </a:schemeClr>
+            </a:solidFill>
+          </a:ln>
+        </p:spPr>
+        <p:style>
+          <a:lnRef idx="1">
+            <a:schemeClr val="accent1"/>
+          </a:lnRef>
+          <a:fillRef idx="0">
+            <a:schemeClr val="accent1"/>
+          </a:fillRef>
+          <a:effectRef idx="0">
+            <a:schemeClr val="accent1"/>
+          </a:effectRef>
+          <a:fontRef idx="minor">
+            <a:schemeClr val="tx1"/>
+          </a:fontRef>
+        </p:style>
+      </p:cxnSp>
+      <p:sp>
+        <p:nvSpPr>
+          <p:cNvPr id="11" name="TextBox 10">
+            <a:extLst>
+              <a:ext uri="{FF2B5EF4-FFF2-40B4-BE49-F238E27FC236}">
+                <a16:creationId xmlns:a16="http://schemas.microsoft.com/office/drawing/2014/main" id="{7196FC43-75B8-DCA5-B6C2-A2B4E1C6188B}"/>
+              </a:ext>
+            </a:extLst>
+          </p:cNvPr>
+          <p:cNvSpPr txBox="1"/>
+          <p:nvPr/>
+        </p:nvSpPr>
+        <p:spPr>
+          <a:xfrm>
+            <a:off x="126205" y="541869"/>
+            <a:ext cx="5220941" cy="646331"/>
+          </a:xfrm>
+          <a:prstGeom prst="rect">
+            <a:avLst/>
+          </a:prstGeom>
+          <a:noFill/>
+        </p:spPr>
+        <p:txBody>
+          <a:bodyPr wrap="square">
+            <a:spAutoFit/>
+          </a:bodyPr>
+          <a:lstStyle/>
+          <a:p>
+            <a:pPr algn="r"/>
+            <a:r>
+              <a:rPr lang="en-US" sz="3600" dirty="0">
+                <a:solidFill>
+                  <a:schemeClr val="bg1"/>
+                </a:solidFill>
+                <a:latin typeface="Arial" panose="020B0604020202020204" pitchFamily="34" charset="0"/>
+                <a:cs typeface="Arial" panose="020B0604020202020204" pitchFamily="34" charset="0"/>
+              </a:rPr>
+              <a:t>Lessons Learned</a:t>
+            </a:r>
+          </a:p>
+        </p:txBody>
+      </p:sp>
+      <p:sp>
+        <p:nvSpPr>
+          <p:cNvPr id="6" name="TextBox 5">
+            <a:extLst>
+              <a:ext uri="{FF2B5EF4-FFF2-40B4-BE49-F238E27FC236}">
+                <a16:creationId xmlns:a16="http://schemas.microsoft.com/office/drawing/2014/main" id="{B31D4CA7-C4C5-98E5-6FA6-41CDEC2E70A7}"/>
+              </a:ext>
+            </a:extLst>
+          </p:cNvPr>
+          <p:cNvSpPr txBox="1"/>
+          <p:nvPr/>
+        </p:nvSpPr>
+        <p:spPr>
+          <a:xfrm>
+            <a:off x="7886700" y="112991"/>
+            <a:ext cx="4186239" cy="523220"/>
+          </a:xfrm>
+          <a:prstGeom prst="rect">
+            <a:avLst/>
+          </a:prstGeom>
+          <a:noFill/>
+        </p:spPr>
+        <p:txBody>
+          <a:bodyPr wrap="square" rtlCol="0">
+            <a:spAutoFit/>
+          </a:bodyPr>
+          <a:lstStyle/>
+          <a:p>
+            <a:pPr algn="r"/>
+            <a:r>
+              <a:rPr lang="en-US" sz="1400" i="1" dirty="0">
+                <a:solidFill>
+                  <a:schemeClr val="bg1">
+                    <a:lumMod val="75000"/>
+                  </a:schemeClr>
+                </a:solidFill>
+                <a:latin typeface="Arial" panose="020B0604020202020204" pitchFamily="34" charset="0"/>
+                <a:cs typeface="Arial" panose="020B0604020202020204" pitchFamily="34" charset="0"/>
+              </a:rPr>
+              <a:t>Briefer: Harith </a:t>
+            </a:r>
+            <a:r>
+              <a:rPr lang="en-US" sz="1400" i="1" dirty="0" err="1">
+                <a:solidFill>
+                  <a:schemeClr val="bg1">
+                    <a:lumMod val="75000"/>
+                  </a:schemeClr>
+                </a:solidFill>
+                <a:latin typeface="Arial" panose="020B0604020202020204" pitchFamily="34" charset="0"/>
+                <a:cs typeface="Arial" panose="020B0604020202020204" pitchFamily="34" charset="0"/>
+              </a:rPr>
+              <a:t>Alshuwaykh</a:t>
+            </a:r>
+            <a:endParaRPr lang="en-US" sz="1400" i="1" dirty="0">
+              <a:solidFill>
+                <a:schemeClr val="bg1">
+                  <a:lumMod val="75000"/>
+                </a:schemeClr>
+              </a:solidFill>
+              <a:latin typeface="Arial" panose="020B0604020202020204" pitchFamily="34" charset="0"/>
+              <a:cs typeface="Arial" panose="020B0604020202020204" pitchFamily="34" charset="0"/>
+            </a:endParaRPr>
+          </a:p>
+          <a:p>
+            <a:pPr algn="r"/>
+            <a:endParaRPr lang="en-US" sz="1400" dirty="0">
+              <a:solidFill>
+                <a:schemeClr val="bg1"/>
+              </a:solidFill>
+              <a:latin typeface="Arial" panose="020B0604020202020204" pitchFamily="34" charset="0"/>
+              <a:cs typeface="Arial" panose="020B0604020202020204" pitchFamily="34" charset="0"/>
+            </a:endParaRPr>
+          </a:p>
+        </p:txBody>
+      </p:sp>
+    </p:spTree>
+    <p:extLst>
+      <p:ext uri="{BB962C8B-B14F-4D97-AF65-F5344CB8AC3E}">
+        <p14:creationId xmlns:p14="http://schemas.microsoft.com/office/powerpoint/2010/main" val="2524113624"/>
+      </p:ext>
+    </p:extLst>
+  </p:cSld>
+  <p:clrMapOvr>
+    <a:masterClrMapping/>
+  </p:clrMapOvr>
+</p:sld>
+</file>
+
+<file path=ppt/slides/slide18.xml><?xml version="1.0" encoding="utf-8"?>
+<p:sld xmlns:a="http://schemas.openxmlformats.org/drawingml/2006/main" xmlns:r="http://schemas.openxmlformats.org/officeDocument/2006/relationships" xmlns:p="http://schemas.openxmlformats.org/presentationml/2006/main">
+  <p:cSld>
+    <p:spTree>
+      <p:nvGrpSpPr>
+        <p:cNvPr id="1" name=""/>
+        <p:cNvGrpSpPr/>
+        <p:nvPr/>
+      </p:nvGrpSpPr>
+      <p:grpSpPr>
+        <a:xfrm>
+          <a:off x="0" y="0"/>
+          <a:ext cx="0" cy="0"/>
+          <a:chOff x="0" y="0"/>
+          <a:chExt cx="0" cy="0"/>
+        </a:xfrm>
+      </p:grpSpPr>
+      <p:sp>
+        <p:nvSpPr>
+          <p:cNvPr id="2" name="Title 1">
+            <a:extLst>
+              <a:ext uri="{FF2B5EF4-FFF2-40B4-BE49-F238E27FC236}">
+                <a16:creationId xmlns:a16="http://schemas.microsoft.com/office/drawing/2014/main" id="{2C01C7FB-7974-6495-C221-8D11C0475C24}"/>
+              </a:ext>
+            </a:extLst>
+          </p:cNvPr>
+          <p:cNvSpPr>
+            <a:spLocks noGrp="1"/>
+          </p:cNvSpPr>
+          <p:nvPr>
+            <p:ph type="title"/>
+          </p:nvPr>
+        </p:nvSpPr>
+        <p:spPr/>
+        <p:txBody>
+          <a:bodyPr/>
+          <a:lstStyle/>
+          <a:p>
+            <a:endParaRPr lang="en-US"/>
+          </a:p>
+        </p:txBody>
+      </p:sp>
+      <p:sp>
+        <p:nvSpPr>
+          <p:cNvPr id="3" name="Content Placeholder 2">
+            <a:extLst>
+              <a:ext uri="{FF2B5EF4-FFF2-40B4-BE49-F238E27FC236}">
+                <a16:creationId xmlns:a16="http://schemas.microsoft.com/office/drawing/2014/main" id="{4733FF64-B905-CF6F-BFC1-107D49805FEA}"/>
+              </a:ext>
+            </a:extLst>
+          </p:cNvPr>
+          <p:cNvSpPr>
+            <a:spLocks noGrp="1"/>
+          </p:cNvSpPr>
+          <p:nvPr>
+            <p:ph idx="1"/>
+          </p:nvPr>
+        </p:nvSpPr>
+        <p:spPr/>
+        <p:txBody>
+          <a:bodyPr/>
+          <a:lstStyle/>
+          <a:p>
+            <a:endParaRPr lang="en-US"/>
+          </a:p>
+        </p:txBody>
+      </p:sp>
+      <p:sp>
+        <p:nvSpPr>
+          <p:cNvPr id="4" name="Rectangle 3">
+            <a:extLst>
+              <a:ext uri="{FF2B5EF4-FFF2-40B4-BE49-F238E27FC236}">
+                <a16:creationId xmlns:a16="http://schemas.microsoft.com/office/drawing/2014/main" id="{1D65FFF8-FDBD-9E73-6E91-C79F67CA9122}"/>
+              </a:ext>
+            </a:extLst>
+          </p:cNvPr>
+          <p:cNvSpPr/>
+          <p:nvPr/>
+        </p:nvSpPr>
+        <p:spPr>
+          <a:xfrm>
+            <a:off x="0" y="0"/>
+            <a:ext cx="12192000" cy="6858000"/>
+          </a:xfrm>
+          <a:prstGeom prst="rect">
+            <a:avLst/>
+          </a:prstGeom>
+          <a:solidFill>
+            <a:schemeClr val="tx1"/>
+          </a:solidFill>
+          <a:ln>
+            <a:noFill/>
+          </a:ln>
+        </p:spPr>
+        <p:style>
+          <a:lnRef idx="2">
+            <a:schemeClr val="accent1">
+              <a:shade val="15000"/>
+            </a:schemeClr>
+          </a:lnRef>
+          <a:fillRef idx="1">
+            <a:schemeClr val="accent1"/>
+          </a:fillRef>
+          <a:effectRef idx="0">
+            <a:schemeClr val="accent1"/>
+          </a:effectRef>
+          <a:fontRef idx="minor">
+            <a:schemeClr val="lt1"/>
+          </a:fontRef>
+        </p:style>
+        <p:txBody>
+          <a:bodyPr rtlCol="0" anchor="ctr"/>
+          <a:lstStyle/>
+          <a:p>
+            <a:pPr algn="ctr"/>
+            <a:endParaRPr lang="en-US"/>
+          </a:p>
+        </p:txBody>
+      </p:sp>
+      <p:sp>
+        <p:nvSpPr>
+          <p:cNvPr id="5" name="Rectangle 4">
+            <a:extLst>
+              <a:ext uri="{FF2B5EF4-FFF2-40B4-BE49-F238E27FC236}">
+                <a16:creationId xmlns:a16="http://schemas.microsoft.com/office/drawing/2014/main" id="{03EBA741-66CB-37F4-E061-7AF35B5FC633}"/>
+              </a:ext>
+            </a:extLst>
+          </p:cNvPr>
+          <p:cNvSpPr/>
+          <p:nvPr/>
+        </p:nvSpPr>
+        <p:spPr>
+          <a:xfrm>
+            <a:off x="114300" y="128587"/>
+            <a:ext cx="11958638" cy="6600825"/>
+          </a:xfrm>
+          <a:prstGeom prst="rect">
+            <a:avLst/>
+          </a:prstGeom>
+          <a:solidFill>
+            <a:schemeClr val="tx1"/>
+          </a:solidFill>
+          <a:ln w="12700">
+            <a:solidFill>
+              <a:schemeClr val="accent2">
+                <a:lumMod val="75000"/>
+              </a:schemeClr>
+            </a:solidFill>
+          </a:ln>
+        </p:spPr>
+        <p:style>
+          <a:lnRef idx="2">
+            <a:schemeClr val="accent1">
+              <a:shade val="15000"/>
+            </a:schemeClr>
+          </a:lnRef>
+          <a:fillRef idx="1">
+            <a:schemeClr val="accent1"/>
+          </a:fillRef>
+          <a:effectRef idx="0">
+            <a:schemeClr val="accent1"/>
+          </a:effectRef>
+          <a:fontRef idx="minor">
+            <a:schemeClr val="lt1"/>
+          </a:fontRef>
+        </p:style>
+        <p:txBody>
+          <a:bodyPr rtlCol="0" anchor="ctr"/>
+          <a:lstStyle/>
+          <a:p>
+            <a:pPr algn="ctr"/>
+            <a:endParaRPr lang="en-US"/>
+          </a:p>
+        </p:txBody>
+      </p:sp>
+      <p:cxnSp>
+        <p:nvCxnSpPr>
+          <p:cNvPr id="9" name="Straight Connector 8">
+            <a:extLst>
+              <a:ext uri="{FF2B5EF4-FFF2-40B4-BE49-F238E27FC236}">
+                <a16:creationId xmlns:a16="http://schemas.microsoft.com/office/drawing/2014/main" id="{1AC673B1-26F6-4416-3E21-C88A8DB70859}"/>
+              </a:ext>
+            </a:extLst>
+          </p:cNvPr>
+          <p:cNvCxnSpPr>
+            <a:cxnSpLocks/>
+          </p:cNvCxnSpPr>
+          <p:nvPr/>
+        </p:nvCxnSpPr>
+        <p:spPr>
+          <a:xfrm>
+            <a:off x="126206" y="1285868"/>
+            <a:ext cx="5220940" cy="11802"/>
+          </a:xfrm>
+          <a:prstGeom prst="line">
+            <a:avLst/>
+          </a:prstGeom>
+          <a:ln w="12700">
+            <a:solidFill>
+              <a:schemeClr val="accent2">
+                <a:lumMod val="75000"/>
+              </a:schemeClr>
+            </a:solidFill>
+          </a:ln>
+        </p:spPr>
+        <p:style>
+          <a:lnRef idx="1">
+            <a:schemeClr val="accent1"/>
+          </a:lnRef>
+          <a:fillRef idx="0">
+            <a:schemeClr val="accent1"/>
+          </a:fillRef>
+          <a:effectRef idx="0">
+            <a:schemeClr val="accent1"/>
+          </a:effectRef>
+          <a:fontRef idx="minor">
+            <a:schemeClr val="tx1"/>
+          </a:fontRef>
+        </p:style>
+      </p:cxnSp>
+      <p:sp>
+        <p:nvSpPr>
+          <p:cNvPr id="11" name="TextBox 10">
+            <a:extLst>
+              <a:ext uri="{FF2B5EF4-FFF2-40B4-BE49-F238E27FC236}">
+                <a16:creationId xmlns:a16="http://schemas.microsoft.com/office/drawing/2014/main" id="{7196FC43-75B8-DCA5-B6C2-A2B4E1C6188B}"/>
+              </a:ext>
+            </a:extLst>
+          </p:cNvPr>
+          <p:cNvSpPr txBox="1"/>
+          <p:nvPr/>
+        </p:nvSpPr>
+        <p:spPr>
+          <a:xfrm>
+            <a:off x="126205" y="541869"/>
             <a:ext cx="5220941" cy="707886"/>
           </a:xfrm>
           <a:prstGeom prst="rect">
@@ -5162,37 +9041,37 @@
           <a:p>
             <a:pPr algn="r"/>
             <a:r>
-              <a:rPr lang="en-US" sz="1400" dirty="0">
+              <a:rPr lang="en-US" sz="1400" i="1" dirty="0">
                 <a:solidFill>
                   <a:schemeClr val="bg1">
                     <a:lumMod val="75000"/>
                   </a:schemeClr>
                 </a:solidFill>
-                <a:latin typeface="Times New Roman" panose="02020603050405020304" pitchFamily="18" charset="0"/>
-                <a:cs typeface="Times New Roman" panose="02020603050405020304" pitchFamily="18" charset="0"/>
+                <a:latin typeface="Arial" panose="020B0604020202020204" pitchFamily="34" charset="0"/>
+                <a:cs typeface="Arial" panose="020B0604020202020204" pitchFamily="34" charset="0"/>
               </a:rPr>
               <a:t>Briefer: Harith </a:t>
             </a:r>
             <a:r>
-              <a:rPr lang="en-US" sz="1400" dirty="0" err="1">
+              <a:rPr lang="en-US" sz="1400" i="1" dirty="0" err="1">
                 <a:solidFill>
                   <a:schemeClr val="bg1">
                     <a:lumMod val="75000"/>
                   </a:schemeClr>
                 </a:solidFill>
-                <a:latin typeface="Times New Roman" panose="02020603050405020304" pitchFamily="18" charset="0"/>
-                <a:cs typeface="Times New Roman" panose="02020603050405020304" pitchFamily="18" charset="0"/>
+                <a:latin typeface="Arial" panose="020B0604020202020204" pitchFamily="34" charset="0"/>
+                <a:cs typeface="Arial" panose="020B0604020202020204" pitchFamily="34" charset="0"/>
               </a:rPr>
               <a:t>Alshuwaykh</a:t>
             </a:r>
-            <a:endParaRPr lang="en-US" sz="1400" dirty="0">
+            <a:endParaRPr lang="en-US" sz="1400" i="1" dirty="0">
               <a:solidFill>
                 <a:schemeClr val="bg1">
                   <a:lumMod val="75000"/>
                 </a:schemeClr>
               </a:solidFill>
-              <a:latin typeface="Times New Roman" panose="02020603050405020304" pitchFamily="18" charset="0"/>
-              <a:cs typeface="Times New Roman" panose="02020603050405020304" pitchFamily="18" charset="0"/>
+              <a:latin typeface="Arial" panose="020B0604020202020204" pitchFamily="34" charset="0"/>
+              <a:cs typeface="Arial" panose="020B0604020202020204" pitchFamily="34" charset="0"/>
             </a:endParaRPr>
           </a:p>
           <a:p>
@@ -5220,7 +9099,7 @@
 </p:sld>
 </file>
 
-<file path=ppt/slides/slide13.xml><?xml version="1.0" encoding="utf-8"?>
+<file path=ppt/slides/slide19.xml><?xml version="1.0" encoding="utf-8"?>
 <p:sld xmlns:a="http://schemas.openxmlformats.org/drawingml/2006/main" xmlns:r="http://schemas.openxmlformats.org/officeDocument/2006/relationships" xmlns:p="http://schemas.openxmlformats.org/presentationml/2006/main">
   <p:cSld>
     <p:spTree>
@@ -6113,17 +9992,17 @@
                 <a:latin typeface="Arial" panose="020B0604020202020204" pitchFamily="34" charset="0"/>
                 <a:cs typeface="Arial" panose="020B0604020202020204" pitchFamily="34" charset="0"/>
               </a:rPr>
-              <a:t>Executive Summary</a:t>
-            </a:r>
-          </a:p>
-        </p:txBody>
-      </p:sp>
-      <p:sp>
-        <p:nvSpPr>
-          <p:cNvPr id="12" name="TextBox 11">
-            <a:extLst>
-              <a:ext uri="{FF2B5EF4-FFF2-40B4-BE49-F238E27FC236}">
-                <a16:creationId xmlns:a16="http://schemas.microsoft.com/office/drawing/2014/main" id="{AC23B856-CD9C-2D03-C4BD-0E6837DD0EC6}"/>
+              <a:t>Terms Defined</a:t>
+            </a:r>
+          </a:p>
+        </p:txBody>
+      </p:sp>
+      <p:sp>
+        <p:nvSpPr>
+          <p:cNvPr id="13" name="TextBox 12">
+            <a:extLst>
+              <a:ext uri="{FF2B5EF4-FFF2-40B4-BE49-F238E27FC236}">
+                <a16:creationId xmlns:a16="http://schemas.microsoft.com/office/drawing/2014/main" id="{C6953872-7153-48AC-A7C8-56CD5742EB34}"/>
               </a:ext>
             </a:extLst>
           </p:cNvPr>
@@ -6132,8 +10011,62 @@
         </p:nvSpPr>
         <p:spPr>
           <a:xfrm>
-            <a:off x="2433634" y="1825625"/>
-            <a:ext cx="6924676" cy="1754326"/>
+            <a:off x="7886700" y="112991"/>
+            <a:ext cx="4186239" cy="523220"/>
+          </a:xfrm>
+          <a:prstGeom prst="rect">
+            <a:avLst/>
+          </a:prstGeom>
+          <a:noFill/>
+        </p:spPr>
+        <p:txBody>
+          <a:bodyPr wrap="square" rtlCol="0">
+            <a:spAutoFit/>
+          </a:bodyPr>
+          <a:lstStyle/>
+          <a:p>
+            <a:pPr algn="r"/>
+            <a:r>
+              <a:rPr lang="en-US" sz="1400" i="1" dirty="0">
+                <a:solidFill>
+                  <a:schemeClr val="bg1">
+                    <a:lumMod val="75000"/>
+                  </a:schemeClr>
+                </a:solidFill>
+                <a:latin typeface="Arial" panose="020B0604020202020204" pitchFamily="34" charset="0"/>
+                <a:cs typeface="Arial" panose="020B0604020202020204" pitchFamily="34" charset="0"/>
+              </a:rPr>
+              <a:t>Briefer: Erin O’Leary</a:t>
+            </a:r>
+          </a:p>
+          <a:p>
+            <a:pPr algn="r"/>
+            <a:endParaRPr lang="en-US" sz="1400" dirty="0">
+              <a:solidFill>
+                <a:schemeClr val="bg1"/>
+              </a:solidFill>
+              <a:latin typeface="Arial" panose="020B0604020202020204" pitchFamily="34" charset="0"/>
+              <a:cs typeface="Arial" panose="020B0604020202020204" pitchFamily="34" charset="0"/>
+            </a:endParaRPr>
+          </a:p>
+        </p:txBody>
+      </p:sp>
+      <p:sp>
+        <p:nvSpPr>
+          <p:cNvPr id="7" name="TextBox 6">
+            <a:extLst>
+              <a:ext uri="{FF2B5EF4-FFF2-40B4-BE49-F238E27FC236}">
+                <a16:creationId xmlns:a16="http://schemas.microsoft.com/office/drawing/2014/main" id="{C4DAEBEA-FD9A-DB8D-F134-7A2EA15C144B}"/>
+              </a:ext>
+            </a:extLst>
+          </p:cNvPr>
+          <p:cNvSpPr txBox="1"/>
+          <p:nvPr/>
+        </p:nvSpPr>
+        <p:spPr>
+          <a:xfrm>
+            <a:off x="620935" y="1593552"/>
+            <a:ext cx="10945368" cy="4524315"/>
           </a:xfrm>
           <a:prstGeom prst="rect">
             <a:avLst/>
@@ -6146,7 +10079,43 @@
           </a:bodyPr>
           <a:lstStyle/>
           <a:p>
-            <a:endParaRPr lang="en-US" b="0" i="0" dirty="0">
+            <a:r>
+              <a:rPr lang="en-US" sz="1600" b="1" i="0" dirty="0">
+                <a:solidFill>
+                  <a:schemeClr val="bg1">
+                    <a:lumMod val="75000"/>
+                  </a:schemeClr>
+                </a:solidFill>
+                <a:effectLst/>
+                <a:latin typeface="Arial" panose="020B0604020202020204" pitchFamily="34" charset="0"/>
+                <a:cs typeface="Arial" panose="020B0604020202020204" pitchFamily="34" charset="0"/>
+              </a:rPr>
+              <a:t>Moving Average Convergence and Divergence (MACD):  </a:t>
+            </a:r>
+            <a:r>
+              <a:rPr lang="en-US" sz="1600" b="0" i="0" dirty="0">
+                <a:solidFill>
+                  <a:schemeClr val="bg1">
+                    <a:lumMod val="75000"/>
+                  </a:schemeClr>
+                </a:solidFill>
+                <a:effectLst/>
+                <a:latin typeface="Roboto" panose="02000000000000000000" pitchFamily="2" charset="0"/>
+              </a:rPr>
+              <a:t>a trend-following momentum indicator that shows the relationship between two exponential moving averages (EMAs) of a security's price, designed to reveal changes in the strength, direction, momentum, and duration of a trend in a stock's price</a:t>
+            </a:r>
+            <a:r>
+              <a:rPr lang="en-US" sz="1600" dirty="0">
+                <a:solidFill>
+                  <a:schemeClr val="bg1">
+                    <a:lumMod val="75000"/>
+                  </a:schemeClr>
+                </a:solidFill>
+                <a:latin typeface="Roboto" panose="02000000000000000000" pitchFamily="2" charset="0"/>
+              </a:rPr>
+              <a:t>. calculated by subtracting the 26-period exponential moving average (EMA) from the 12-period EMA</a:t>
+            </a:r>
+            <a:endParaRPr lang="en-US" sz="1600" b="0" i="0" dirty="0">
               <a:solidFill>
                 <a:schemeClr val="bg1">
                   <a:lumMod val="75000"/>
@@ -6158,156 +10127,208 @@
             </a:endParaRPr>
           </a:p>
           <a:p>
-            <a:pPr marL="285750" indent="-285750">
-              <a:buFont typeface="Arial" panose="020B0604020202020204" pitchFamily="34" charset="0"/>
-              <a:buChar char="•"/>
-            </a:pPr>
-            <a:r>
-              <a:rPr lang="en-US" b="0" i="0" dirty="0">
-                <a:solidFill>
-                  <a:schemeClr val="bg1">
-                    <a:lumMod val="75000"/>
-                  </a:schemeClr>
-                </a:solidFill>
-                <a:effectLst/>
-                <a:latin typeface="Arial" panose="020B0604020202020204" pitchFamily="34" charset="0"/>
-                <a:cs typeface="Arial" panose="020B0604020202020204" pitchFamily="34" charset="0"/>
-              </a:rPr>
-              <a:t>Moving Average Convergence and Divergence (“MACD”)</a:t>
-            </a:r>
-          </a:p>
-          <a:p>
-            <a:pPr marL="285750" indent="-285750">
-              <a:buFont typeface="Arial" panose="020B0604020202020204" pitchFamily="34" charset="0"/>
-              <a:buChar char="•"/>
-            </a:pPr>
-            <a:r>
-              <a:rPr lang="en-US" dirty="0">
-                <a:solidFill>
-                  <a:schemeClr val="bg1">
-                    <a:lumMod val="75000"/>
-                  </a:schemeClr>
-                </a:solidFill>
-                <a:latin typeface="Arial" panose="020B0604020202020204" pitchFamily="34" charset="0"/>
-                <a:cs typeface="Arial" panose="020B0604020202020204" pitchFamily="34" charset="0"/>
-              </a:rPr>
-              <a:t>Short – “shorting”</a:t>
-            </a:r>
-          </a:p>
-          <a:p>
-            <a:pPr marL="285750" indent="-285750">
-              <a:buFont typeface="Arial" panose="020B0604020202020204" pitchFamily="34" charset="0"/>
-              <a:buChar char="•"/>
-            </a:pPr>
-            <a:r>
-              <a:rPr lang="en-US" dirty="0">
-                <a:solidFill>
-                  <a:schemeClr val="bg1">
-                    <a:lumMod val="75000"/>
-                  </a:schemeClr>
-                </a:solidFill>
-                <a:latin typeface="Arial" panose="020B0604020202020204" pitchFamily="34" charset="0"/>
-                <a:cs typeface="Arial" panose="020B0604020202020204" pitchFamily="34" charset="0"/>
-              </a:rPr>
-              <a:t>Long – Taking a long position</a:t>
-            </a:r>
-          </a:p>
-          <a:p>
-            <a:pPr marL="285750" indent="-285750">
-              <a:buFont typeface="Arial" panose="020B0604020202020204" pitchFamily="34" charset="0"/>
-              <a:buChar char="•"/>
-            </a:pPr>
-            <a:r>
-              <a:rPr lang="en-US" dirty="0">
-                <a:solidFill>
-                  <a:schemeClr val="bg1">
-                    <a:lumMod val="75000"/>
-                  </a:schemeClr>
-                </a:solidFill>
-                <a:latin typeface="Arial" panose="020B0604020202020204" pitchFamily="34" charset="0"/>
-                <a:cs typeface="Arial" panose="020B0604020202020204" pitchFamily="34" charset="0"/>
-              </a:rPr>
-              <a:t>Return on Investment</a:t>
-            </a:r>
-          </a:p>
-          <a:p>
-            <a:pPr marL="285750" indent="-285750">
-              <a:buFont typeface="Arial" panose="020B0604020202020204" pitchFamily="34" charset="0"/>
-              <a:buChar char="•"/>
-            </a:pPr>
-            <a:r>
-              <a:rPr lang="en-US" dirty="0">
-                <a:solidFill>
-                  <a:schemeClr val="bg1">
-                    <a:lumMod val="75000"/>
-                  </a:schemeClr>
-                </a:solidFill>
-                <a:latin typeface="Arial" panose="020B0604020202020204" pitchFamily="34" charset="0"/>
-                <a:cs typeface="Arial" panose="020B0604020202020204" pitchFamily="34" charset="0"/>
-              </a:rPr>
-              <a:t>EWM</a:t>
-            </a:r>
-            <a:endParaRPr lang="en-US" dirty="0">
+            <a:endParaRPr lang="en-US" sz="1600" dirty="0">
               <a:solidFill>
                 <a:schemeClr val="bg1">
                   <a:lumMod val="75000"/>
                 </a:schemeClr>
               </a:solidFill>
+              <a:latin typeface="Arial" panose="020B0604020202020204" pitchFamily="34" charset="0"/>
+              <a:cs typeface="Arial" panose="020B0604020202020204" pitchFamily="34" charset="0"/>
             </a:endParaRPr>
           </a:p>
-        </p:txBody>
-      </p:sp>
-      <p:sp>
-        <p:nvSpPr>
-          <p:cNvPr id="13" name="TextBox 12">
-            <a:extLst>
-              <a:ext uri="{FF2B5EF4-FFF2-40B4-BE49-F238E27FC236}">
-                <a16:creationId xmlns:a16="http://schemas.microsoft.com/office/drawing/2014/main" id="{C6953872-7153-48AC-A7C8-56CD5742EB34}"/>
-              </a:ext>
-            </a:extLst>
-          </p:cNvPr>
-          <p:cNvSpPr txBox="1"/>
-          <p:nvPr/>
-        </p:nvSpPr>
-        <p:spPr>
-          <a:xfrm>
-            <a:off x="7886700" y="112991"/>
-            <a:ext cx="4186239" cy="523220"/>
-          </a:xfrm>
-          <a:prstGeom prst="rect">
-            <a:avLst/>
-          </a:prstGeom>
-          <a:noFill/>
-        </p:spPr>
-        <p:txBody>
-          <a:bodyPr wrap="square" rtlCol="0">
-            <a:spAutoFit/>
-          </a:bodyPr>
-          <a:lstStyle/>
-          <a:p>
-            <a:pPr algn="r"/>
-            <a:r>
-              <a:rPr lang="en-US" sz="1400" dirty="0">
+          <a:p>
+            <a:r>
+              <a:rPr lang="en-US" sz="1600" b="1" dirty="0">
                 <a:solidFill>
                   <a:schemeClr val="bg1">
                     <a:lumMod val="75000"/>
                   </a:schemeClr>
                 </a:solidFill>
-                <a:latin typeface="Times New Roman" panose="02020603050405020304" pitchFamily="18" charset="0"/>
-                <a:cs typeface="Times New Roman" panose="02020603050405020304" pitchFamily="18" charset="0"/>
-              </a:rPr>
-              <a:t>Briefer: Erin O’Leary</a:t>
-            </a:r>
-          </a:p>
-          <a:p>
-            <a:pPr algn="r"/>
-            <a:endParaRPr lang="en-US" sz="1400" dirty="0">
+                <a:latin typeface="Arial" panose="020B0604020202020204" pitchFamily="34" charset="0"/>
+                <a:cs typeface="Arial" panose="020B0604020202020204" pitchFamily="34" charset="0"/>
+              </a:rPr>
+              <a:t>Exponentially Weighted Moving Average (EWMA):  </a:t>
+            </a:r>
+            <a:r>
+              <a:rPr lang="en-US" sz="1600" dirty="0">
+                <a:solidFill>
+                  <a:schemeClr val="bg1">
+                    <a:lumMod val="75000"/>
+                  </a:schemeClr>
+                </a:solidFill>
+                <a:latin typeface="Arial" panose="020B0604020202020204" pitchFamily="34" charset="0"/>
+                <a:cs typeface="Arial" panose="020B0604020202020204" pitchFamily="34" charset="0"/>
+              </a:rPr>
+              <a:t>a quantitative or statistical measure used to model or describe a time series</a:t>
+            </a:r>
+            <a:endParaRPr lang="en-US" sz="1600" b="0" i="0" dirty="0">
               <a:solidFill>
-                <a:schemeClr val="bg1"/>
+                <a:srgbClr val="636E72"/>
+              </a:solidFill>
+              <a:effectLst/>
+              <a:latin typeface="Inter"/>
+            </a:endParaRPr>
+          </a:p>
+          <a:p>
+            <a:endParaRPr lang="en-US" sz="1600" dirty="0">
+              <a:solidFill>
+                <a:schemeClr val="bg1">
+                  <a:lumMod val="75000"/>
+                </a:schemeClr>
               </a:solidFill>
               <a:latin typeface="Arial" panose="020B0604020202020204" pitchFamily="34" charset="0"/>
               <a:cs typeface="Arial" panose="020B0604020202020204" pitchFamily="34" charset="0"/>
             </a:endParaRPr>
+          </a:p>
+          <a:p>
+            <a:r>
+              <a:rPr lang="en-US" sz="1600" b="1" dirty="0">
+                <a:solidFill>
+                  <a:schemeClr val="bg1">
+                    <a:lumMod val="75000"/>
+                  </a:schemeClr>
+                </a:solidFill>
+                <a:latin typeface="Arial" panose="020B0604020202020204" pitchFamily="34" charset="0"/>
+                <a:cs typeface="Arial" panose="020B0604020202020204" pitchFamily="34" charset="0"/>
+              </a:rPr>
+              <a:t>Signal line:  </a:t>
+            </a:r>
+            <a:r>
+              <a:rPr lang="en-US" sz="1600" dirty="0">
+                <a:solidFill>
+                  <a:schemeClr val="bg1">
+                    <a:lumMod val="75000"/>
+                  </a:schemeClr>
+                </a:solidFill>
+                <a:latin typeface="Arial" panose="020B0604020202020204" pitchFamily="34" charset="0"/>
+                <a:cs typeface="Arial" panose="020B0604020202020204" pitchFamily="34" charset="0"/>
+              </a:rPr>
+              <a:t>a nine-period EMA of the MACD line; n</a:t>
+            </a:r>
+            <a:r>
+              <a:rPr lang="en-US" sz="1600" dirty="0">
+                <a:solidFill>
+                  <a:schemeClr val="bg1">
+                    <a:lumMod val="75000"/>
+                  </a:schemeClr>
+                </a:solidFill>
+                <a:latin typeface="Roboto" panose="02000000000000000000" pitchFamily="2" charset="0"/>
+              </a:rPr>
+              <a:t>ormally consist of moving averages used in combination with other technical indicators in order to generate buy or sell signals. Buy signals are usually triggered when a signal line is crossed upwards by the indicator in question and sell signals are triggered when it is crossed downward</a:t>
+            </a:r>
+          </a:p>
+          <a:p>
+            <a:endParaRPr lang="en-US" sz="1600" dirty="0">
+              <a:solidFill>
+                <a:schemeClr val="bg1">
+                  <a:lumMod val="75000"/>
+                </a:schemeClr>
+              </a:solidFill>
+              <a:latin typeface="Arial" panose="020B0604020202020204" pitchFamily="34" charset="0"/>
+              <a:cs typeface="Arial" panose="020B0604020202020204" pitchFamily="34" charset="0"/>
+            </a:endParaRPr>
+          </a:p>
+          <a:p>
+            <a:r>
+              <a:rPr lang="en-US" sz="1600" b="1" dirty="0">
+                <a:solidFill>
+                  <a:schemeClr val="bg1">
+                    <a:lumMod val="75000"/>
+                  </a:schemeClr>
+                </a:solidFill>
+                <a:latin typeface="Arial" panose="020B0604020202020204" pitchFamily="34" charset="0"/>
+                <a:cs typeface="Arial" panose="020B0604020202020204" pitchFamily="34" charset="0"/>
+              </a:rPr>
+              <a:t>Short – “shorting” / “short selling”: </a:t>
+            </a:r>
+            <a:r>
+              <a:rPr lang="en-US" sz="1600" dirty="0">
+                <a:solidFill>
+                  <a:schemeClr val="bg1">
+                    <a:lumMod val="75000"/>
+                  </a:schemeClr>
+                </a:solidFill>
+                <a:latin typeface="Arial" panose="020B0604020202020204" pitchFamily="34" charset="0"/>
+                <a:cs typeface="Arial" panose="020B0604020202020204" pitchFamily="34" charset="0"/>
+              </a:rPr>
+              <a:t>an investment or trading strategy that speculates on the decline in a stock or other security’s price; involves borrowing a security whose price you think is going to fall from your brokerage and selling it on the open market</a:t>
+            </a:r>
+          </a:p>
+          <a:p>
+            <a:endParaRPr lang="en-US" sz="1600" b="1" dirty="0">
+              <a:solidFill>
+                <a:schemeClr val="bg1">
+                  <a:lumMod val="75000"/>
+                </a:schemeClr>
+              </a:solidFill>
+              <a:latin typeface="Arial" panose="020B0604020202020204" pitchFamily="34" charset="0"/>
+              <a:cs typeface="Arial" panose="020B0604020202020204" pitchFamily="34" charset="0"/>
+            </a:endParaRPr>
+          </a:p>
+          <a:p>
+            <a:r>
+              <a:rPr lang="en-US" sz="1600" b="1" dirty="0">
+                <a:solidFill>
+                  <a:schemeClr val="bg1">
+                    <a:lumMod val="75000"/>
+                  </a:schemeClr>
+                </a:solidFill>
+                <a:latin typeface="Arial" panose="020B0604020202020204" pitchFamily="34" charset="0"/>
+                <a:cs typeface="Arial" panose="020B0604020202020204" pitchFamily="34" charset="0"/>
+              </a:rPr>
+              <a:t>Long – “taking a long position”:  </a:t>
+            </a:r>
+            <a:r>
+              <a:rPr lang="en-US" sz="1600" dirty="0">
+                <a:solidFill>
+                  <a:schemeClr val="bg1">
+                    <a:lumMod val="75000"/>
+                  </a:schemeClr>
+                </a:solidFill>
+                <a:latin typeface="Arial" panose="020B0604020202020204" pitchFamily="34" charset="0"/>
+                <a:cs typeface="Arial" panose="020B0604020202020204" pitchFamily="34" charset="0"/>
+              </a:rPr>
+              <a:t>Having a “long” position in a security means that you own the security. Investors maintain “long” security positions in the expectation that the stock will rise in value in the future.</a:t>
+            </a:r>
+          </a:p>
+        </p:txBody>
+      </p:sp>
+      <p:sp>
+        <p:nvSpPr>
+          <p:cNvPr id="14" name="TextBox 13">
+            <a:extLst>
+              <a:ext uri="{FF2B5EF4-FFF2-40B4-BE49-F238E27FC236}">
+                <a16:creationId xmlns:a16="http://schemas.microsoft.com/office/drawing/2014/main" id="{1228D691-48D3-4217-3B0D-D26B1FBA5B59}"/>
+              </a:ext>
+            </a:extLst>
+          </p:cNvPr>
+          <p:cNvSpPr txBox="1"/>
+          <p:nvPr/>
+        </p:nvSpPr>
+        <p:spPr>
+          <a:xfrm>
+            <a:off x="3046810" y="3244334"/>
+            <a:ext cx="6093618" cy="369332"/>
+          </a:xfrm>
+          <a:prstGeom prst="rect">
+            <a:avLst/>
+          </a:prstGeom>
+          <a:noFill/>
+        </p:spPr>
+        <p:txBody>
+          <a:bodyPr wrap="square">
+            <a:spAutoFit/>
+          </a:bodyPr>
+          <a:lstStyle/>
+          <a:p>
+            <a:r>
+              <a:rPr lang="en-US">
+                <a:hlinkClick r:id="rId3"/>
+              </a:rPr>
+              <a:t>Upload files </a:t>
+            </a:r>
+            <a:endParaRPr lang="en-US"/>
           </a:p>
         </p:txBody>
       </p:sp>
@@ -6772,37 +10793,37 @@
           <a:p>
             <a:pPr algn="r"/>
             <a:r>
-              <a:rPr lang="en-US" sz="1400" dirty="0">
+              <a:rPr lang="en-US" sz="1400" i="1" dirty="0">
                 <a:solidFill>
                   <a:schemeClr val="bg1">
                     <a:lumMod val="75000"/>
                   </a:schemeClr>
                 </a:solidFill>
-                <a:latin typeface="Times New Roman" panose="02020603050405020304" pitchFamily="18" charset="0"/>
-                <a:cs typeface="Times New Roman" panose="02020603050405020304" pitchFamily="18" charset="0"/>
+                <a:latin typeface="Arial" panose="020B0604020202020204" pitchFamily="34" charset="0"/>
+                <a:cs typeface="Arial" panose="020B0604020202020204" pitchFamily="34" charset="0"/>
               </a:rPr>
               <a:t>Briefer: Harith </a:t>
             </a:r>
             <a:r>
-              <a:rPr lang="en-US" sz="1400" dirty="0" err="1">
+              <a:rPr lang="en-US" sz="1400" i="1" dirty="0" err="1">
                 <a:solidFill>
                   <a:schemeClr val="bg1">
                     <a:lumMod val="75000"/>
                   </a:schemeClr>
                 </a:solidFill>
-                <a:latin typeface="Times New Roman" panose="02020603050405020304" pitchFamily="18" charset="0"/>
-                <a:cs typeface="Times New Roman" panose="02020603050405020304" pitchFamily="18" charset="0"/>
+                <a:latin typeface="Arial" panose="020B0604020202020204" pitchFamily="34" charset="0"/>
+                <a:cs typeface="Arial" panose="020B0604020202020204" pitchFamily="34" charset="0"/>
               </a:rPr>
               <a:t>Alshuwaykh</a:t>
             </a:r>
-            <a:endParaRPr lang="en-US" sz="1400" dirty="0">
+            <a:endParaRPr lang="en-US" sz="1400" i="1" dirty="0">
               <a:solidFill>
                 <a:schemeClr val="bg1">
                   <a:lumMod val="75000"/>
                 </a:schemeClr>
               </a:solidFill>
-              <a:latin typeface="Times New Roman" panose="02020603050405020304" pitchFamily="18" charset="0"/>
-              <a:cs typeface="Times New Roman" panose="02020603050405020304" pitchFamily="18" charset="0"/>
+              <a:latin typeface="Arial" panose="020B0604020202020204" pitchFamily="34" charset="0"/>
+              <a:cs typeface="Arial" panose="020B0604020202020204" pitchFamily="34" charset="0"/>
             </a:endParaRPr>
           </a:p>
           <a:p>
@@ -7195,37 +11216,37 @@
           <a:p>
             <a:pPr algn="r"/>
             <a:r>
-              <a:rPr lang="en-US" sz="1400" dirty="0">
+              <a:rPr lang="en-US" sz="1400" i="1" dirty="0">
                 <a:solidFill>
                   <a:schemeClr val="bg1">
                     <a:lumMod val="75000"/>
                   </a:schemeClr>
                 </a:solidFill>
-                <a:latin typeface="Times New Roman" panose="02020603050405020304" pitchFamily="18" charset="0"/>
-                <a:cs typeface="Times New Roman" panose="02020603050405020304" pitchFamily="18" charset="0"/>
+                <a:latin typeface="Arial" panose="020B0604020202020204" pitchFamily="34" charset="0"/>
+                <a:cs typeface="Arial" panose="020B0604020202020204" pitchFamily="34" charset="0"/>
               </a:rPr>
               <a:t>Briefer: Michael </a:t>
             </a:r>
             <a:r>
-              <a:rPr lang="en-US" sz="1400" dirty="0" err="1">
+              <a:rPr lang="en-US" sz="1400" i="1" dirty="0" err="1">
                 <a:solidFill>
                   <a:schemeClr val="bg1">
                     <a:lumMod val="75000"/>
                   </a:schemeClr>
                 </a:solidFill>
-                <a:latin typeface="Times New Roman" panose="02020603050405020304" pitchFamily="18" charset="0"/>
-                <a:cs typeface="Times New Roman" panose="02020603050405020304" pitchFamily="18" charset="0"/>
+                <a:latin typeface="Arial" panose="020B0604020202020204" pitchFamily="34" charset="0"/>
+                <a:cs typeface="Arial" panose="020B0604020202020204" pitchFamily="34" charset="0"/>
               </a:rPr>
               <a:t>Drinkard</a:t>
             </a:r>
-            <a:endParaRPr lang="en-US" sz="1400" dirty="0">
+            <a:endParaRPr lang="en-US" sz="1400" i="1" dirty="0">
               <a:solidFill>
                 <a:schemeClr val="bg1">
                   <a:lumMod val="75000"/>
                 </a:schemeClr>
               </a:solidFill>
-              <a:latin typeface="Times New Roman" panose="02020603050405020304" pitchFamily="18" charset="0"/>
-              <a:cs typeface="Times New Roman" panose="02020603050405020304" pitchFamily="18" charset="0"/>
+              <a:latin typeface="Arial" panose="020B0604020202020204" pitchFamily="34" charset="0"/>
+              <a:cs typeface="Arial" panose="020B0604020202020204" pitchFamily="34" charset="0"/>
             </a:endParaRPr>
           </a:p>
           <a:p>
@@ -7529,8 +11550,8 @@
         </p:nvSpPr>
         <p:spPr>
           <a:xfrm>
-            <a:off x="575072" y="1449943"/>
-            <a:ext cx="6093618" cy="1477328"/>
+            <a:off x="-4054079" y="1364944"/>
+            <a:ext cx="3225404" cy="1754326"/>
           </a:xfrm>
           <a:prstGeom prst="rect">
             <a:avLst/>
@@ -7545,9 +11566,6 @@
           <a:p>
             <a:r>
               <a:rPr lang="en-US" b="0" i="0" dirty="0">
-                <a:solidFill>
-                  <a:schemeClr val="bg1"/>
-                </a:solidFill>
                 <a:effectLst/>
                 <a:latin typeface="Slack-Lato"/>
               </a:rPr>
@@ -7556,36 +11574,21 @@
           </a:p>
           <a:p>
             <a:endParaRPr lang="en-US" dirty="0">
-              <a:solidFill>
-                <a:schemeClr val="bg1"/>
-              </a:solidFill>
               <a:latin typeface="Slack-Lato"/>
             </a:endParaRPr>
           </a:p>
           <a:p>
             <a:r>
-              <a:rPr lang="en-US" dirty="0">
-                <a:solidFill>
-                  <a:schemeClr val="bg1"/>
-                </a:solidFill>
-              </a:rPr>
+              <a:rPr lang="en-US" dirty="0"/>
               <a:t>What Data did we use and where did we get it from?</a:t>
             </a:r>
           </a:p>
           <a:p>
-            <a:endParaRPr lang="en-US" dirty="0">
-              <a:solidFill>
-                <a:schemeClr val="bg1"/>
-              </a:solidFill>
-            </a:endParaRPr>
-          </a:p>
-          <a:p>
-            <a:r>
-              <a:rPr lang="en-US" dirty="0">
-                <a:solidFill>
-                  <a:schemeClr val="bg1"/>
-                </a:solidFill>
-              </a:rPr>
+            <a:endParaRPr lang="en-US" dirty="0"/>
+          </a:p>
+          <a:p>
+            <a:r>
+              <a:rPr lang="en-US" dirty="0"/>
               <a:t>How did we access it?</a:t>
             </a:r>
           </a:p>
@@ -7621,14 +11624,14 @@
           <a:p>
             <a:pPr algn="r"/>
             <a:r>
-              <a:rPr lang="en-US" sz="1400" dirty="0">
+              <a:rPr lang="en-US" sz="1400" i="1" dirty="0">
                 <a:solidFill>
                   <a:schemeClr val="bg1">
                     <a:lumMod val="75000"/>
                   </a:schemeClr>
                 </a:solidFill>
-                <a:latin typeface="Times New Roman" panose="02020603050405020304" pitchFamily="18" charset="0"/>
-                <a:cs typeface="Times New Roman" panose="02020603050405020304" pitchFamily="18" charset="0"/>
+                <a:latin typeface="Arial" panose="020B0604020202020204" pitchFamily="34" charset="0"/>
+                <a:cs typeface="Arial" panose="020B0604020202020204" pitchFamily="34" charset="0"/>
               </a:rPr>
               <a:t>Briefer: Sam Muslin</a:t>
             </a:r>
@@ -7642,6 +11645,125 @@
               <a:latin typeface="Arial" panose="020B0604020202020204" pitchFamily="34" charset="0"/>
               <a:cs typeface="Arial" panose="020B0604020202020204" pitchFamily="34" charset="0"/>
             </a:endParaRPr>
+          </a:p>
+        </p:txBody>
+      </p:sp>
+      <p:pic>
+        <p:nvPicPr>
+          <p:cNvPr id="6" name="Picture 5">
+            <a:extLst>
+              <a:ext uri="{FF2B5EF4-FFF2-40B4-BE49-F238E27FC236}">
+                <a16:creationId xmlns:a16="http://schemas.microsoft.com/office/drawing/2014/main" id="{FA4CB755-B693-ACC0-0458-5A0D41CA6C6B}"/>
+              </a:ext>
+            </a:extLst>
+          </p:cNvPr>
+          <p:cNvPicPr>
+            <a:picLocks noChangeAspect="1"/>
+          </p:cNvPicPr>
+          <p:nvPr/>
+        </p:nvPicPr>
+        <p:blipFill>
+          <a:blip r:embed="rId2"/>
+          <a:stretch>
+            <a:fillRect/>
+          </a:stretch>
+        </p:blipFill>
+        <p:spPr>
+          <a:xfrm>
+            <a:off x="2059787" y="2317343"/>
+            <a:ext cx="8077200" cy="4131087"/>
+          </a:xfrm>
+          <a:prstGeom prst="rect">
+            <a:avLst/>
+          </a:prstGeom>
+        </p:spPr>
+      </p:pic>
+      <p:sp>
+        <p:nvSpPr>
+          <p:cNvPr id="10" name="TextBox 9">
+            <a:extLst>
+              <a:ext uri="{FF2B5EF4-FFF2-40B4-BE49-F238E27FC236}">
+                <a16:creationId xmlns:a16="http://schemas.microsoft.com/office/drawing/2014/main" id="{6E406BAA-833B-B14F-A462-6FDF937754D8}"/>
+              </a:ext>
+            </a:extLst>
+          </p:cNvPr>
+          <p:cNvSpPr txBox="1"/>
+          <p:nvPr/>
+        </p:nvSpPr>
+        <p:spPr>
+          <a:xfrm>
+            <a:off x="242892" y="1372666"/>
+            <a:ext cx="2240756" cy="369332"/>
+          </a:xfrm>
+          <a:prstGeom prst="rect">
+            <a:avLst/>
+          </a:prstGeom>
+          <a:noFill/>
+        </p:spPr>
+        <p:txBody>
+          <a:bodyPr wrap="square">
+            <a:spAutoFit/>
+          </a:bodyPr>
+          <a:lstStyle/>
+          <a:p>
+            <a:r>
+              <a:rPr lang="en-US" b="1" dirty="0">
+                <a:solidFill>
+                  <a:schemeClr val="bg1">
+                    <a:lumMod val="85000"/>
+                  </a:schemeClr>
+                </a:solidFill>
+                <a:latin typeface="Arial" panose="020B0604020202020204" pitchFamily="34" charset="0"/>
+                <a:cs typeface="Arial" panose="020B0604020202020204" pitchFamily="34" charset="0"/>
+              </a:rPr>
+              <a:t>Data manipulation: </a:t>
+            </a:r>
+          </a:p>
+        </p:txBody>
+      </p:sp>
+      <p:sp>
+        <p:nvSpPr>
+          <p:cNvPr id="14" name="TextBox 13">
+            <a:extLst>
+              <a:ext uri="{FF2B5EF4-FFF2-40B4-BE49-F238E27FC236}">
+                <a16:creationId xmlns:a16="http://schemas.microsoft.com/office/drawing/2014/main" id="{60E261D6-F75F-3D15-6B4D-B5FEDDA8CB80}"/>
+              </a:ext>
+            </a:extLst>
+          </p:cNvPr>
+          <p:cNvSpPr txBox="1"/>
+          <p:nvPr/>
+        </p:nvSpPr>
+        <p:spPr>
+          <a:xfrm>
+            <a:off x="2021681" y="1729489"/>
+            <a:ext cx="8922543" cy="369332"/>
+          </a:xfrm>
+          <a:prstGeom prst="rect">
+            <a:avLst/>
+          </a:prstGeom>
+          <a:noFill/>
+        </p:spPr>
+        <p:txBody>
+          <a:bodyPr wrap="square">
+            <a:spAutoFit/>
+          </a:bodyPr>
+          <a:lstStyle/>
+          <a:p>
+            <a:pPr marL="45720" indent="0">
+              <a:buNone/>
+            </a:pPr>
+            <a:r>
+              <a:rPr lang="en-US" dirty="0">
+                <a:solidFill>
+                  <a:schemeClr val="bg1">
+                    <a:lumMod val="85000"/>
+                  </a:schemeClr>
+                </a:solidFill>
+                <a:latin typeface="Arial" panose="020B0604020202020204" pitchFamily="34" charset="0"/>
+                <a:cs typeface="Arial" panose="020B0604020202020204" pitchFamily="34" charset="0"/>
+              </a:rPr>
+              <a:t>To begin checking our program we  pulled historical stock data for Apple from Alpaca </a:t>
+            </a:r>
           </a:p>
         </p:txBody>
       </p:sp>
@@ -7922,10 +12044,10 @@
       </p:sp>
       <p:sp>
         <p:nvSpPr>
-          <p:cNvPr id="6" name="TextBox 5">
-            <a:extLst>
-              <a:ext uri="{FF2B5EF4-FFF2-40B4-BE49-F238E27FC236}">
-                <a16:creationId xmlns:a16="http://schemas.microsoft.com/office/drawing/2014/main" id="{1501F23A-E5CC-412B-ED9A-FFCDD8D08EE1}"/>
+          <p:cNvPr id="7" name="TextBox 6">
+            <a:extLst>
+              <a:ext uri="{FF2B5EF4-FFF2-40B4-BE49-F238E27FC236}">
+                <a16:creationId xmlns:a16="http://schemas.microsoft.com/office/drawing/2014/main" id="{5B8DD3EC-7FEA-D98A-7C9C-30B3444E28F6}"/>
               </a:ext>
             </a:extLst>
           </p:cNvPr>
@@ -7934,8 +12056,8 @@
         </p:nvSpPr>
         <p:spPr>
           <a:xfrm>
-            <a:off x="2003822" y="1474384"/>
-            <a:ext cx="8868966" cy="4862870"/>
+            <a:off x="-4054079" y="1364944"/>
+            <a:ext cx="3225404" cy="1754326"/>
           </a:xfrm>
           <a:prstGeom prst="rect">
             <a:avLst/>
@@ -7949,364 +12071,76 @@
           <a:lstStyle/>
           <a:p>
             <a:r>
-              <a:rPr lang="en-US" sz="2000" b="1" i="1" dirty="0">
+              <a:rPr lang="en-US" b="0" i="0" dirty="0">
+                <a:effectLst/>
+                <a:latin typeface="Slack-Lato"/>
+              </a:rPr>
+              <a:t>Sam[Data format]</a:t>
+            </a:r>
+          </a:p>
+          <a:p>
+            <a:endParaRPr lang="en-US" dirty="0">
+              <a:latin typeface="Slack-Lato"/>
+            </a:endParaRPr>
+          </a:p>
+          <a:p>
+            <a:r>
+              <a:rPr lang="en-US" dirty="0"/>
+              <a:t>What Data did we use and where did we get it from?</a:t>
+            </a:r>
+          </a:p>
+          <a:p>
+            <a:endParaRPr lang="en-US" dirty="0"/>
+          </a:p>
+          <a:p>
+            <a:r>
+              <a:rPr lang="en-US" dirty="0"/>
+              <a:t>How did we access it?</a:t>
+            </a:r>
+          </a:p>
+        </p:txBody>
+      </p:sp>
+      <p:sp>
+        <p:nvSpPr>
+          <p:cNvPr id="12" name="TextBox 11">
+            <a:extLst>
+              <a:ext uri="{FF2B5EF4-FFF2-40B4-BE49-F238E27FC236}">
+                <a16:creationId xmlns:a16="http://schemas.microsoft.com/office/drawing/2014/main" id="{71E95032-214D-0FF8-37A2-AA93BACC2AA6}"/>
+              </a:ext>
+            </a:extLst>
+          </p:cNvPr>
+          <p:cNvSpPr txBox="1"/>
+          <p:nvPr/>
+        </p:nvSpPr>
+        <p:spPr>
+          <a:xfrm>
+            <a:off x="7886700" y="112991"/>
+            <a:ext cx="4186239" cy="523220"/>
+          </a:xfrm>
+          <a:prstGeom prst="rect">
+            <a:avLst/>
+          </a:prstGeom>
+          <a:noFill/>
+        </p:spPr>
+        <p:txBody>
+          <a:bodyPr wrap="square" rtlCol="0">
+            <a:spAutoFit/>
+          </a:bodyPr>
+          <a:lstStyle/>
+          <a:p>
+            <a:pPr algn="r"/>
+            <a:r>
+              <a:rPr lang="en-US" sz="1400" i="1" dirty="0">
                 <a:solidFill>
                   <a:schemeClr val="bg1">
                     <a:lumMod val="75000"/>
                   </a:schemeClr>
                 </a:solidFill>
-                <a:effectLst/>
                 <a:latin typeface="Arial" panose="020B0604020202020204" pitchFamily="34" charset="0"/>
                 <a:cs typeface="Arial" panose="020B0604020202020204" pitchFamily="34" charset="0"/>
               </a:rPr>
-              <a:t>What formula did we use to process the data?</a:t>
-            </a:r>
-          </a:p>
-          <a:p>
-            <a:endParaRPr lang="en-US" sz="2000" dirty="0">
-              <a:solidFill>
-                <a:schemeClr val="bg1">
-                  <a:lumMod val="75000"/>
-                </a:schemeClr>
-              </a:solidFill>
-              <a:latin typeface="Arial" panose="020B0604020202020204" pitchFamily="34" charset="0"/>
-              <a:cs typeface="Arial" panose="020B0604020202020204" pitchFamily="34" charset="0"/>
-            </a:endParaRPr>
-          </a:p>
-          <a:p>
-            <a:pPr marL="342900" indent="-342900">
-              <a:buFont typeface="+mj-lt"/>
-              <a:buAutoNum type="arabicPeriod"/>
-            </a:pPr>
-            <a:r>
-              <a:rPr lang="en-US" b="0" i="0" dirty="0">
-                <a:solidFill>
-                  <a:schemeClr val="bg1">
-                    <a:lumMod val="75000"/>
-                  </a:schemeClr>
-                </a:solidFill>
-                <a:effectLst/>
-                <a:latin typeface="Arial" panose="020B0604020202020204" pitchFamily="34" charset="0"/>
-                <a:cs typeface="Arial" panose="020B0604020202020204" pitchFamily="34" charset="0"/>
-              </a:rPr>
-              <a:t>Select a time period (commonly 12 or 26 periods) for the MACD line. </a:t>
-            </a:r>
-            <a:br>
-              <a:rPr lang="en-US" b="0" i="0" dirty="0">
-                <a:solidFill>
-                  <a:schemeClr val="bg1">
-                    <a:lumMod val="75000"/>
-                  </a:schemeClr>
-                </a:solidFill>
-                <a:effectLst/>
-                <a:latin typeface="Arial" panose="020B0604020202020204" pitchFamily="34" charset="0"/>
-                <a:cs typeface="Arial" panose="020B0604020202020204" pitchFamily="34" charset="0"/>
-              </a:rPr>
-            </a:br>
-            <a:r>
-              <a:rPr lang="en-US" b="0" i="0" dirty="0">
-                <a:solidFill>
-                  <a:schemeClr val="bg1">
-                    <a:lumMod val="75000"/>
-                  </a:schemeClr>
-                </a:solidFill>
-                <a:effectLst/>
-                <a:latin typeface="Arial" panose="020B0604020202020204" pitchFamily="34" charset="0"/>
-                <a:cs typeface="Arial" panose="020B0604020202020204" pitchFamily="34" charset="0"/>
-              </a:rPr>
-              <a:t>Let's assume we choose 12 periods.</a:t>
-            </a:r>
-          </a:p>
-          <a:p>
-            <a:pPr marL="342900" indent="-342900">
-              <a:buFont typeface="+mj-lt"/>
-              <a:buAutoNum type="arabicPeriod"/>
-            </a:pPr>
-            <a:endParaRPr lang="en-US" b="0" i="0" dirty="0">
-              <a:solidFill>
-                <a:schemeClr val="bg1">
-                  <a:lumMod val="75000"/>
-                </a:schemeClr>
-              </a:solidFill>
-              <a:effectLst/>
-              <a:latin typeface="Arial" panose="020B0604020202020204" pitchFamily="34" charset="0"/>
-              <a:cs typeface="Arial" panose="020B0604020202020204" pitchFamily="34" charset="0"/>
-            </a:endParaRPr>
-          </a:p>
-          <a:p>
-            <a:pPr marL="342900" indent="-342900">
-              <a:buFont typeface="+mj-lt"/>
-              <a:buAutoNum type="arabicPeriod"/>
-            </a:pPr>
-            <a:r>
-              <a:rPr lang="en-US" b="0" i="0" dirty="0">
-                <a:solidFill>
-                  <a:schemeClr val="bg1">
-                    <a:lumMod val="75000"/>
-                  </a:schemeClr>
-                </a:solidFill>
-                <a:effectLst/>
-                <a:latin typeface="Arial" panose="020B0604020202020204" pitchFamily="34" charset="0"/>
-                <a:cs typeface="Arial" panose="020B0604020202020204" pitchFamily="34" charset="0"/>
-              </a:rPr>
-              <a:t>Calculate the 12-period exponential moving average (EMA) of  the asset's closing prices.</a:t>
-            </a:r>
-          </a:p>
-          <a:p>
-            <a:pPr marL="342900" indent="-342900">
-              <a:buFont typeface="+mj-lt"/>
-              <a:buAutoNum type="arabicPeriod"/>
-            </a:pPr>
-            <a:endParaRPr lang="en-US" dirty="0">
-              <a:solidFill>
-                <a:schemeClr val="bg1">
-                  <a:lumMod val="75000"/>
-                </a:schemeClr>
-              </a:solidFill>
-              <a:latin typeface="Arial" panose="020B0604020202020204" pitchFamily="34" charset="0"/>
-              <a:cs typeface="Arial" panose="020B0604020202020204" pitchFamily="34" charset="0"/>
-            </a:endParaRPr>
-          </a:p>
-          <a:p>
-            <a:pPr marL="342900" indent="-342900">
-              <a:buFont typeface="+mj-lt"/>
-              <a:buAutoNum type="arabicPeriod"/>
-            </a:pPr>
-            <a:r>
-              <a:rPr lang="en-US" b="0" i="0" dirty="0">
-                <a:solidFill>
-                  <a:schemeClr val="bg1">
-                    <a:lumMod val="75000"/>
-                  </a:schemeClr>
-                </a:solidFill>
-                <a:effectLst/>
-                <a:latin typeface="Arial" panose="020B0604020202020204" pitchFamily="34" charset="0"/>
-                <a:cs typeface="Arial" panose="020B0604020202020204" pitchFamily="34" charset="0"/>
-              </a:rPr>
-              <a:t>Next, select another time period (often 26 periods) for the signal line. </a:t>
-            </a:r>
-            <a:br>
-              <a:rPr lang="en-US" b="0" i="0" dirty="0">
-                <a:solidFill>
-                  <a:schemeClr val="bg1">
-                    <a:lumMod val="75000"/>
-                  </a:schemeClr>
-                </a:solidFill>
-                <a:effectLst/>
-                <a:latin typeface="Arial" panose="020B0604020202020204" pitchFamily="34" charset="0"/>
-                <a:cs typeface="Arial" panose="020B0604020202020204" pitchFamily="34" charset="0"/>
-              </a:rPr>
-            </a:br>
-            <a:r>
-              <a:rPr lang="en-US" b="0" i="0" dirty="0">
-                <a:solidFill>
-                  <a:schemeClr val="bg1">
-                    <a:lumMod val="75000"/>
-                  </a:schemeClr>
-                </a:solidFill>
-                <a:effectLst/>
-                <a:latin typeface="Arial" panose="020B0604020202020204" pitchFamily="34" charset="0"/>
-                <a:cs typeface="Arial" panose="020B0604020202020204" pitchFamily="34" charset="0"/>
-              </a:rPr>
-              <a:t>In this case, we'll use 26 periods.</a:t>
-            </a:r>
-            <a:endParaRPr lang="en-US" dirty="0">
-              <a:solidFill>
-                <a:schemeClr val="bg1">
-                  <a:lumMod val="75000"/>
-                </a:schemeClr>
-              </a:solidFill>
-              <a:latin typeface="Arial" panose="020B0604020202020204" pitchFamily="34" charset="0"/>
-              <a:cs typeface="Arial" panose="020B0604020202020204" pitchFamily="34" charset="0"/>
-            </a:endParaRPr>
-          </a:p>
-          <a:p>
-            <a:pPr marL="342900" indent="-342900">
-              <a:buFont typeface="+mj-lt"/>
-              <a:buAutoNum type="arabicPeriod"/>
-            </a:pPr>
-            <a:endParaRPr lang="en-US" b="0" i="0" dirty="0">
-              <a:solidFill>
-                <a:schemeClr val="bg1">
-                  <a:lumMod val="75000"/>
-                </a:schemeClr>
-              </a:solidFill>
-              <a:effectLst/>
-              <a:latin typeface="Arial" panose="020B0604020202020204" pitchFamily="34" charset="0"/>
-              <a:cs typeface="Arial" panose="020B0604020202020204" pitchFamily="34" charset="0"/>
-            </a:endParaRPr>
-          </a:p>
-          <a:p>
-            <a:pPr marL="342900" indent="-342900">
-              <a:buFont typeface="+mj-lt"/>
-              <a:buAutoNum type="arabicPeriod"/>
-            </a:pPr>
-            <a:r>
-              <a:rPr lang="en-US" b="0" i="0" dirty="0">
-                <a:solidFill>
-                  <a:schemeClr val="bg1">
-                    <a:lumMod val="75000"/>
-                  </a:schemeClr>
-                </a:solidFill>
-                <a:effectLst/>
-                <a:latin typeface="Arial" panose="020B0604020202020204" pitchFamily="34" charset="0"/>
-                <a:cs typeface="Arial" panose="020B0604020202020204" pitchFamily="34" charset="0"/>
-              </a:rPr>
-              <a:t>Calculate the 26-period EMA of the closing prices.</a:t>
-            </a:r>
-          </a:p>
-          <a:p>
-            <a:pPr marL="342900" indent="-342900">
-              <a:buFont typeface="+mj-lt"/>
-              <a:buAutoNum type="arabicPeriod"/>
-            </a:pPr>
-            <a:endParaRPr lang="en-US" dirty="0">
-              <a:solidFill>
-                <a:schemeClr val="bg1">
-                  <a:lumMod val="75000"/>
-                </a:schemeClr>
-              </a:solidFill>
-              <a:latin typeface="Arial" panose="020B0604020202020204" pitchFamily="34" charset="0"/>
-              <a:cs typeface="Arial" panose="020B0604020202020204" pitchFamily="34" charset="0"/>
-            </a:endParaRPr>
-          </a:p>
-          <a:p>
-            <a:pPr marL="342900" indent="-342900">
-              <a:buFont typeface="+mj-lt"/>
-              <a:buAutoNum type="arabicPeriod"/>
-            </a:pPr>
-            <a:r>
-              <a:rPr lang="en-US" b="0" i="0" dirty="0">
-                <a:solidFill>
-                  <a:schemeClr val="bg1">
-                    <a:lumMod val="75000"/>
-                  </a:schemeClr>
-                </a:solidFill>
-                <a:effectLst/>
-                <a:latin typeface="Arial" panose="020B0604020202020204" pitchFamily="34" charset="0"/>
-                <a:cs typeface="Arial" panose="020B0604020202020204" pitchFamily="34" charset="0"/>
-              </a:rPr>
-              <a:t>Subtract the 26-period EMA from the 12-period EMA to get the MACD line value.</a:t>
-            </a:r>
-          </a:p>
-          <a:p>
-            <a:pPr marL="342900" indent="-342900">
-              <a:buFont typeface="+mj-lt"/>
-              <a:buAutoNum type="arabicPeriod"/>
-            </a:pPr>
-            <a:endParaRPr lang="en-US" dirty="0">
-              <a:solidFill>
-                <a:schemeClr val="bg1">
-                  <a:lumMod val="75000"/>
-                </a:schemeClr>
-              </a:solidFill>
-              <a:latin typeface="Arial" panose="020B0604020202020204" pitchFamily="34" charset="0"/>
-              <a:cs typeface="Arial" panose="020B0604020202020204" pitchFamily="34" charset="0"/>
-            </a:endParaRPr>
-          </a:p>
-          <a:p>
-            <a:pPr marL="342900" indent="-342900">
-              <a:buFont typeface="+mj-lt"/>
-              <a:buAutoNum type="arabicPeriod"/>
-            </a:pPr>
-            <a:r>
-              <a:rPr lang="en-US" b="0" i="0" dirty="0">
-                <a:solidFill>
-                  <a:schemeClr val="bg1">
-                    <a:lumMod val="75000"/>
-                  </a:schemeClr>
-                </a:solidFill>
-                <a:effectLst/>
-                <a:latin typeface="Arial" panose="020B0604020202020204" pitchFamily="34" charset="0"/>
-                <a:cs typeface="Arial" panose="020B0604020202020204" pitchFamily="34" charset="0"/>
-              </a:rPr>
-              <a:t>Finally, calculate a 9-period EMA of the MACD line to obtain the signal line.</a:t>
-            </a:r>
-            <a:br>
-              <a:rPr lang="en-US" dirty="0">
-                <a:solidFill>
-                  <a:schemeClr val="bg1">
-                    <a:lumMod val="75000"/>
-                  </a:schemeClr>
-                </a:solidFill>
-                <a:latin typeface="Arial" panose="020B0604020202020204" pitchFamily="34" charset="0"/>
-                <a:cs typeface="Arial" panose="020B0604020202020204" pitchFamily="34" charset="0"/>
-              </a:rPr>
-            </a:br>
-            <a:endParaRPr lang="en-US" dirty="0">
-              <a:solidFill>
-                <a:schemeClr val="bg1">
-                  <a:lumMod val="75000"/>
-                </a:schemeClr>
-              </a:solidFill>
-              <a:latin typeface="Arial" panose="020B0604020202020204" pitchFamily="34" charset="0"/>
-              <a:cs typeface="Arial" panose="020B0604020202020204" pitchFamily="34" charset="0"/>
-            </a:endParaRPr>
-          </a:p>
-        </p:txBody>
-      </p:sp>
-      <p:sp>
-        <p:nvSpPr>
-          <p:cNvPr id="8" name="TextBox 7">
-            <a:extLst>
-              <a:ext uri="{FF2B5EF4-FFF2-40B4-BE49-F238E27FC236}">
-                <a16:creationId xmlns:a16="http://schemas.microsoft.com/office/drawing/2014/main" id="{53E4A057-00E0-45AC-C4DF-4EE06E1D49F3}"/>
-              </a:ext>
-            </a:extLst>
-          </p:cNvPr>
-          <p:cNvSpPr txBox="1"/>
-          <p:nvPr/>
-        </p:nvSpPr>
-        <p:spPr>
-          <a:xfrm>
-            <a:off x="7886700" y="112991"/>
-            <a:ext cx="4186239" cy="523220"/>
-          </a:xfrm>
-          <a:prstGeom prst="rect">
-            <a:avLst/>
-          </a:prstGeom>
-          <a:noFill/>
-        </p:spPr>
-        <p:txBody>
-          <a:bodyPr wrap="square" rtlCol="0">
-            <a:spAutoFit/>
-          </a:bodyPr>
-          <a:lstStyle/>
-          <a:p>
-            <a:pPr algn="r"/>
-            <a:r>
-              <a:rPr lang="en-US" sz="1400" dirty="0">
-                <a:solidFill>
-                  <a:schemeClr val="bg1">
-                    <a:lumMod val="75000"/>
-                  </a:schemeClr>
-                </a:solidFill>
-                <a:latin typeface="Times New Roman" panose="02020603050405020304" pitchFamily="18" charset="0"/>
-                <a:cs typeface="Times New Roman" panose="02020603050405020304" pitchFamily="18" charset="0"/>
-              </a:rPr>
-              <a:t>Briefer: Harith </a:t>
-            </a:r>
-            <a:r>
-              <a:rPr lang="en-US" sz="1400" dirty="0" err="1">
-                <a:solidFill>
-                  <a:schemeClr val="bg1">
-                    <a:lumMod val="75000"/>
-                  </a:schemeClr>
-                </a:solidFill>
-                <a:latin typeface="Times New Roman" panose="02020603050405020304" pitchFamily="18" charset="0"/>
-                <a:cs typeface="Times New Roman" panose="02020603050405020304" pitchFamily="18" charset="0"/>
-              </a:rPr>
-              <a:t>Alshuwaykh</a:t>
-            </a:r>
-            <a:endParaRPr lang="en-US" sz="1400" dirty="0">
-              <a:solidFill>
-                <a:schemeClr val="bg1">
-                  <a:lumMod val="75000"/>
-                </a:schemeClr>
-              </a:solidFill>
-              <a:latin typeface="Times New Roman" panose="02020603050405020304" pitchFamily="18" charset="0"/>
-              <a:cs typeface="Times New Roman" panose="02020603050405020304" pitchFamily="18" charset="0"/>
-            </a:endParaRPr>
+              <a:t>Briefer: Sam Muslin</a:t>
+            </a:r>
           </a:p>
           <a:p>
             <a:pPr algn="r"/>
@@ -8320,10 +12154,278 @@
           </a:p>
         </p:txBody>
       </p:sp>
+      <p:sp>
+        <p:nvSpPr>
+          <p:cNvPr id="10" name="TextBox 9">
+            <a:extLst>
+              <a:ext uri="{FF2B5EF4-FFF2-40B4-BE49-F238E27FC236}">
+                <a16:creationId xmlns:a16="http://schemas.microsoft.com/office/drawing/2014/main" id="{6E406BAA-833B-B14F-A462-6FDF937754D8}"/>
+              </a:ext>
+            </a:extLst>
+          </p:cNvPr>
+          <p:cNvSpPr txBox="1"/>
+          <p:nvPr/>
+        </p:nvSpPr>
+        <p:spPr>
+          <a:xfrm>
+            <a:off x="242892" y="1372666"/>
+            <a:ext cx="2971796" cy="369332"/>
+          </a:xfrm>
+          <a:prstGeom prst="rect">
+            <a:avLst/>
+          </a:prstGeom>
+          <a:noFill/>
+        </p:spPr>
+        <p:txBody>
+          <a:bodyPr wrap="square">
+            <a:spAutoFit/>
+          </a:bodyPr>
+          <a:lstStyle/>
+          <a:p>
+            <a:r>
+              <a:rPr lang="en-US" b="1" dirty="0">
+                <a:solidFill>
+                  <a:schemeClr val="bg1">
+                    <a:lumMod val="85000"/>
+                  </a:schemeClr>
+                </a:solidFill>
+                <a:latin typeface="Arial" panose="020B0604020202020204" pitchFamily="34" charset="0"/>
+                <a:cs typeface="Arial" panose="020B0604020202020204" pitchFamily="34" charset="0"/>
+              </a:rPr>
+              <a:t>Data format continued: </a:t>
+            </a:r>
+          </a:p>
+        </p:txBody>
+      </p:sp>
+      <p:sp>
+        <p:nvSpPr>
+          <p:cNvPr id="14" name="TextBox 13">
+            <a:extLst>
+              <a:ext uri="{FF2B5EF4-FFF2-40B4-BE49-F238E27FC236}">
+                <a16:creationId xmlns:a16="http://schemas.microsoft.com/office/drawing/2014/main" id="{60E261D6-F75F-3D15-6B4D-B5FEDDA8CB80}"/>
+              </a:ext>
+            </a:extLst>
+          </p:cNvPr>
+          <p:cNvSpPr txBox="1"/>
+          <p:nvPr/>
+        </p:nvSpPr>
+        <p:spPr>
+          <a:xfrm>
+            <a:off x="1685937" y="1991163"/>
+            <a:ext cx="8615361" cy="646331"/>
+          </a:xfrm>
+          <a:prstGeom prst="rect">
+            <a:avLst/>
+          </a:prstGeom>
+          <a:noFill/>
+        </p:spPr>
+        <p:txBody>
+          <a:bodyPr wrap="square">
+            <a:spAutoFit/>
+          </a:bodyPr>
+          <a:lstStyle/>
+          <a:p>
+            <a:pPr marL="45720" indent="0">
+              <a:buNone/>
+            </a:pPr>
+            <a:r>
+              <a:rPr lang="en-US" dirty="0">
+                <a:solidFill>
+                  <a:schemeClr val="bg1">
+                    <a:lumMod val="85000"/>
+                  </a:schemeClr>
+                </a:solidFill>
+                <a:latin typeface="Arial" panose="020B0604020202020204" pitchFamily="34" charset="0"/>
+                <a:cs typeface="Arial" panose="020B0604020202020204" pitchFamily="34" charset="0"/>
+              </a:rPr>
+              <a:t>We then cleaned the data by dropping columns that do not relate to our function such as </a:t>
+            </a:r>
+            <a:r>
+              <a:rPr lang="en-US" b="0" dirty="0">
+                <a:solidFill>
+                  <a:schemeClr val="bg1">
+                    <a:lumMod val="85000"/>
+                  </a:schemeClr>
+                </a:solidFill>
+                <a:effectLst/>
+                <a:latin typeface="Arial" panose="020B0604020202020204" pitchFamily="34" charset="0"/>
+                <a:cs typeface="Arial" panose="020B0604020202020204" pitchFamily="34" charset="0"/>
+              </a:rPr>
+              <a:t>'high','low','trade_count','open','volume','</a:t>
+            </a:r>
+            <a:r>
+              <a:rPr lang="en-US" b="0" dirty="0" err="1">
+                <a:solidFill>
+                  <a:schemeClr val="bg1">
+                    <a:lumMod val="85000"/>
+                  </a:schemeClr>
+                </a:solidFill>
+                <a:effectLst/>
+                <a:latin typeface="Arial" panose="020B0604020202020204" pitchFamily="34" charset="0"/>
+                <a:cs typeface="Arial" panose="020B0604020202020204" pitchFamily="34" charset="0"/>
+              </a:rPr>
+              <a:t>vwap</a:t>
+            </a:r>
+            <a:r>
+              <a:rPr lang="en-US" b="0" dirty="0">
+                <a:solidFill>
+                  <a:schemeClr val="bg1">
+                    <a:lumMod val="85000"/>
+                  </a:schemeClr>
+                </a:solidFill>
+                <a:effectLst/>
+                <a:latin typeface="Arial" panose="020B0604020202020204" pitchFamily="34" charset="0"/>
+                <a:cs typeface="Arial" panose="020B0604020202020204" pitchFamily="34" charset="0"/>
+              </a:rPr>
+              <a:t>','symbol'</a:t>
+            </a:r>
+          </a:p>
+        </p:txBody>
+      </p:sp>
+      <p:pic>
+        <p:nvPicPr>
+          <p:cNvPr id="13" name="Picture 12">
+            <a:extLst>
+              <a:ext uri="{FF2B5EF4-FFF2-40B4-BE49-F238E27FC236}">
+                <a16:creationId xmlns:a16="http://schemas.microsoft.com/office/drawing/2014/main" id="{69FAC53D-7472-919B-5292-2BA2E0B1D884}"/>
+              </a:ext>
+            </a:extLst>
+          </p:cNvPr>
+          <p:cNvPicPr>
+            <a:picLocks noChangeAspect="1"/>
+          </p:cNvPicPr>
+          <p:nvPr/>
+        </p:nvPicPr>
+        <p:blipFill>
+          <a:blip r:embed="rId2"/>
+          <a:stretch>
+            <a:fillRect/>
+          </a:stretch>
+        </p:blipFill>
+        <p:spPr>
+          <a:xfrm>
+            <a:off x="1614497" y="2687427"/>
+            <a:ext cx="9144000" cy="1070255"/>
+          </a:xfrm>
+          <a:prstGeom prst="rect">
+            <a:avLst/>
+          </a:prstGeom>
+        </p:spPr>
+      </p:pic>
+      <p:sp>
+        <p:nvSpPr>
+          <p:cNvPr id="16" name="TextBox 15">
+            <a:extLst>
+              <a:ext uri="{FF2B5EF4-FFF2-40B4-BE49-F238E27FC236}">
+                <a16:creationId xmlns:a16="http://schemas.microsoft.com/office/drawing/2014/main" id="{772F1DD8-B1DF-169B-EAF2-3E2A885B2ABA}"/>
+              </a:ext>
+            </a:extLst>
+          </p:cNvPr>
+          <p:cNvSpPr txBox="1"/>
+          <p:nvPr/>
+        </p:nvSpPr>
+        <p:spPr>
+          <a:xfrm>
+            <a:off x="1685937" y="4466430"/>
+            <a:ext cx="8143874" cy="646331"/>
+          </a:xfrm>
+          <a:prstGeom prst="rect">
+            <a:avLst/>
+          </a:prstGeom>
+          <a:noFill/>
+        </p:spPr>
+        <p:txBody>
+          <a:bodyPr wrap="square">
+            <a:spAutoFit/>
+          </a:bodyPr>
+          <a:lstStyle/>
+          <a:p>
+            <a:pPr marL="45720" indent="0">
+              <a:buNone/>
+            </a:pPr>
+            <a:r>
+              <a:rPr lang="en-US" dirty="0">
+                <a:solidFill>
+                  <a:schemeClr val="bg1">
+                    <a:lumMod val="85000"/>
+                  </a:schemeClr>
+                </a:solidFill>
+                <a:latin typeface="Arial" panose="020B0604020202020204" pitchFamily="34" charset="0"/>
+                <a:cs typeface="Arial" panose="020B0604020202020204" pitchFamily="34" charset="0"/>
+              </a:rPr>
+              <a:t>We then used our cleaned data to make our different exponential moving averages in order to create our </a:t>
+            </a:r>
+            <a:r>
+              <a:rPr lang="en-US" dirty="0" err="1">
+                <a:solidFill>
+                  <a:schemeClr val="bg1">
+                    <a:lumMod val="85000"/>
+                  </a:schemeClr>
+                </a:solidFill>
+                <a:latin typeface="Arial" panose="020B0604020202020204" pitchFamily="34" charset="0"/>
+                <a:cs typeface="Arial" panose="020B0604020202020204" pitchFamily="34" charset="0"/>
+              </a:rPr>
+              <a:t>macd</a:t>
+            </a:r>
+            <a:r>
+              <a:rPr lang="en-US" dirty="0">
+                <a:solidFill>
+                  <a:schemeClr val="bg1">
+                    <a:lumMod val="85000"/>
+                  </a:schemeClr>
+                </a:solidFill>
+                <a:latin typeface="Arial" panose="020B0604020202020204" pitchFamily="34" charset="0"/>
+                <a:cs typeface="Arial" panose="020B0604020202020204" pitchFamily="34" charset="0"/>
+              </a:rPr>
+              <a:t> line .</a:t>
+            </a:r>
+            <a:endParaRPr lang="en-US" b="0" dirty="0">
+              <a:solidFill>
+                <a:schemeClr val="bg1">
+                  <a:lumMod val="85000"/>
+                </a:schemeClr>
+              </a:solidFill>
+              <a:effectLst/>
+              <a:latin typeface="Arial" panose="020B0604020202020204" pitchFamily="34" charset="0"/>
+              <a:cs typeface="Arial" panose="020B0604020202020204" pitchFamily="34" charset="0"/>
+            </a:endParaRPr>
+          </a:p>
+        </p:txBody>
+      </p:sp>
+      <p:pic>
+        <p:nvPicPr>
+          <p:cNvPr id="17" name="Picture 16">
+            <a:extLst>
+              <a:ext uri="{FF2B5EF4-FFF2-40B4-BE49-F238E27FC236}">
+                <a16:creationId xmlns:a16="http://schemas.microsoft.com/office/drawing/2014/main" id="{3E5FCD0F-EDC3-E048-FBA3-603034F03E13}"/>
+              </a:ext>
+            </a:extLst>
+          </p:cNvPr>
+          <p:cNvPicPr>
+            <a:picLocks noChangeAspect="1"/>
+          </p:cNvPicPr>
+          <p:nvPr/>
+        </p:nvPicPr>
+        <p:blipFill>
+          <a:blip r:embed="rId3"/>
+          <a:stretch>
+            <a:fillRect/>
+          </a:stretch>
+        </p:blipFill>
+        <p:spPr>
+          <a:xfrm>
+            <a:off x="1500193" y="5186217"/>
+            <a:ext cx="8629649" cy="731550"/>
+          </a:xfrm>
+          <a:prstGeom prst="rect">
+            <a:avLst/>
+          </a:prstGeom>
+        </p:spPr>
+      </p:pic>
     </p:spTree>
     <p:extLst>
       <p:ext uri="{BB962C8B-B14F-4D97-AF65-F5344CB8AC3E}">
-        <p14:creationId xmlns:p14="http://schemas.microsoft.com/office/powerpoint/2010/main" val="1586586338"/>
+        <p14:creationId xmlns:p14="http://schemas.microsoft.com/office/powerpoint/2010/main" val="4114163725"/>
       </p:ext>
     </p:extLst>
   </p:cSld>
@@ -8597,10 +12699,10 @@
       </p:sp>
       <p:sp>
         <p:nvSpPr>
-          <p:cNvPr id="10" name="TextBox 9">
-            <a:extLst>
-              <a:ext uri="{FF2B5EF4-FFF2-40B4-BE49-F238E27FC236}">
-                <a16:creationId xmlns:a16="http://schemas.microsoft.com/office/drawing/2014/main" id="{387ED061-CD0A-AA1C-6DB7-AE84826EC15D}"/>
+          <p:cNvPr id="7" name="TextBox 6">
+            <a:extLst>
+              <a:ext uri="{FF2B5EF4-FFF2-40B4-BE49-F238E27FC236}">
+                <a16:creationId xmlns:a16="http://schemas.microsoft.com/office/drawing/2014/main" id="{5B8DD3EC-7FEA-D98A-7C9C-30B3444E28F6}"/>
               </a:ext>
             </a:extLst>
           </p:cNvPr>
@@ -8609,8 +12711,8 @@
         </p:nvSpPr>
         <p:spPr>
           <a:xfrm>
-            <a:off x="1414463" y="1720840"/>
-            <a:ext cx="9286875" cy="2585323"/>
+            <a:off x="-4054079" y="1364944"/>
+            <a:ext cx="3225404" cy="1754326"/>
           </a:xfrm>
           <a:prstGeom prst="rect">
             <a:avLst/>
@@ -8623,313 +12725,77 @@
           </a:bodyPr>
           <a:lstStyle/>
           <a:p>
-            <a:br>
+            <a:r>
               <a:rPr lang="en-US" b="0" i="0" dirty="0">
+                <a:effectLst/>
+                <a:latin typeface="Slack-Lato"/>
+              </a:rPr>
+              <a:t>Sam[Data format]</a:t>
+            </a:r>
+          </a:p>
+          <a:p>
+            <a:endParaRPr lang="en-US" dirty="0">
+              <a:latin typeface="Slack-Lato"/>
+            </a:endParaRPr>
+          </a:p>
+          <a:p>
+            <a:r>
+              <a:rPr lang="en-US" dirty="0"/>
+              <a:t>What Data did we use and where did we get it from?</a:t>
+            </a:r>
+          </a:p>
+          <a:p>
+            <a:endParaRPr lang="en-US" dirty="0"/>
+          </a:p>
+          <a:p>
+            <a:r>
+              <a:rPr lang="en-US" dirty="0"/>
+              <a:t>How did we access it?</a:t>
+            </a:r>
+          </a:p>
+        </p:txBody>
+      </p:sp>
+      <p:sp>
+        <p:nvSpPr>
+          <p:cNvPr id="12" name="TextBox 11">
+            <a:extLst>
+              <a:ext uri="{FF2B5EF4-FFF2-40B4-BE49-F238E27FC236}">
+                <a16:creationId xmlns:a16="http://schemas.microsoft.com/office/drawing/2014/main" id="{71E95032-214D-0FF8-37A2-AA93BACC2AA6}"/>
+              </a:ext>
+            </a:extLst>
+          </p:cNvPr>
+          <p:cNvSpPr txBox="1"/>
+          <p:nvPr/>
+        </p:nvSpPr>
+        <p:spPr>
+          <a:xfrm>
+            <a:off x="7886700" y="112991"/>
+            <a:ext cx="4186239" cy="523220"/>
+          </a:xfrm>
+          <a:prstGeom prst="rect">
+            <a:avLst/>
+          </a:prstGeom>
+          <a:noFill/>
+        </p:spPr>
+        <p:txBody>
+          <a:bodyPr wrap="square" rtlCol="0">
+            <a:spAutoFit/>
+          </a:bodyPr>
+          <a:lstStyle/>
+          <a:p>
+            <a:pPr algn="r"/>
+            <a:r>
+              <a:rPr lang="en-US" sz="1400" i="1" dirty="0">
                 <a:solidFill>
                   <a:schemeClr val="bg1">
                     <a:lumMod val="75000"/>
                   </a:schemeClr>
                 </a:solidFill>
-                <a:effectLst/>
                 <a:latin typeface="Arial" panose="020B0604020202020204" pitchFamily="34" charset="0"/>
-              </a:rPr>
-            </a:br>
-            <a:r>
-              <a:rPr lang="en-US" b="0" i="0" dirty="0">
-                <a:solidFill>
-                  <a:srgbClr val="FF0000"/>
-                </a:solidFill>
-                <a:effectLst/>
-                <a:latin typeface="Arial" panose="020B0604020202020204" pitchFamily="34" charset="0"/>
-              </a:rPr>
-              <a:t>Crossovers: </a:t>
-            </a:r>
-            <a:r>
-              <a:rPr lang="en-US" b="0" i="0" dirty="0">
-                <a:solidFill>
-                  <a:schemeClr val="bg1">
-                    <a:lumMod val="75000"/>
-                  </a:schemeClr>
-                </a:solidFill>
-                <a:effectLst/>
-                <a:latin typeface="Arial" panose="020B0604020202020204" pitchFamily="34" charset="0"/>
-              </a:rPr>
-              <a:t>When the </a:t>
-            </a:r>
-            <a:r>
-              <a:rPr lang="en-US" b="0" i="0" dirty="0">
-                <a:solidFill>
-                  <a:srgbClr val="FF0000"/>
-                </a:solidFill>
-                <a:effectLst/>
-                <a:latin typeface="Arial" panose="020B0604020202020204" pitchFamily="34" charset="0"/>
-              </a:rPr>
-              <a:t>MACD line crosses above the signal line</a:t>
-            </a:r>
-            <a:r>
-              <a:rPr lang="en-US" b="0" i="0" dirty="0">
-                <a:solidFill>
-                  <a:schemeClr val="bg1">
-                    <a:lumMod val="75000"/>
-                  </a:schemeClr>
-                </a:solidFill>
-                <a:effectLst/>
-                <a:latin typeface="Arial" panose="020B0604020202020204" pitchFamily="34" charset="0"/>
-              </a:rPr>
-              <a:t>, it generates a </a:t>
-            </a:r>
-            <a:r>
-              <a:rPr lang="en-US" b="0" i="0" dirty="0">
-                <a:solidFill>
-                  <a:srgbClr val="FF0000"/>
-                </a:solidFill>
-                <a:effectLst/>
-                <a:latin typeface="Arial" panose="020B0604020202020204" pitchFamily="34" charset="0"/>
-              </a:rPr>
-              <a:t>bullish signal</a:t>
-            </a:r>
-            <a:r>
-              <a:rPr lang="en-US" b="0" i="0" dirty="0">
-                <a:solidFill>
-                  <a:schemeClr val="bg1">
-                    <a:lumMod val="75000"/>
-                  </a:schemeClr>
-                </a:solidFill>
-                <a:effectLst/>
-                <a:latin typeface="Arial" panose="020B0604020202020204" pitchFamily="34" charset="0"/>
-              </a:rPr>
-              <a:t>, indicating a potential buying opportunity. Conversely, when the </a:t>
-            </a:r>
-            <a:r>
-              <a:rPr lang="en-US" b="0" i="0" dirty="0">
-                <a:solidFill>
-                  <a:schemeClr val="accent1"/>
-                </a:solidFill>
-                <a:effectLst/>
-                <a:latin typeface="Arial" panose="020B0604020202020204" pitchFamily="34" charset="0"/>
-              </a:rPr>
-              <a:t>MACD line crosses below the signal line</a:t>
-            </a:r>
-            <a:r>
-              <a:rPr lang="en-US" b="0" i="0" dirty="0">
-                <a:solidFill>
-                  <a:schemeClr val="bg1">
-                    <a:lumMod val="75000"/>
-                  </a:schemeClr>
-                </a:solidFill>
-                <a:effectLst/>
-                <a:latin typeface="Arial" panose="020B0604020202020204" pitchFamily="34" charset="0"/>
-              </a:rPr>
-              <a:t>, it generates a </a:t>
-            </a:r>
-            <a:r>
-              <a:rPr lang="en-US" b="0" i="0" dirty="0">
-                <a:solidFill>
-                  <a:schemeClr val="accent1"/>
-                </a:solidFill>
-                <a:effectLst/>
-                <a:latin typeface="Arial" panose="020B0604020202020204" pitchFamily="34" charset="0"/>
-              </a:rPr>
-              <a:t>bearish signal</a:t>
-            </a:r>
-            <a:r>
-              <a:rPr lang="en-US" b="0" i="0" dirty="0">
-                <a:solidFill>
-                  <a:schemeClr val="bg1">
-                    <a:lumMod val="75000"/>
-                  </a:schemeClr>
-                </a:solidFill>
-                <a:effectLst/>
-                <a:latin typeface="Arial" panose="020B0604020202020204" pitchFamily="34" charset="0"/>
-              </a:rPr>
-              <a:t>, suggesting a possible selling </a:t>
-            </a:r>
-            <a:br>
-              <a:rPr lang="en-US" dirty="0">
-                <a:solidFill>
-                  <a:schemeClr val="bg1">
-                    <a:lumMod val="75000"/>
-                  </a:schemeClr>
-                </a:solidFill>
-              </a:rPr>
-            </a:br>
-            <a:r>
-              <a:rPr lang="en-US" b="0" i="0" dirty="0">
-                <a:solidFill>
-                  <a:schemeClr val="bg1">
-                    <a:lumMod val="75000"/>
-                  </a:schemeClr>
-                </a:solidFill>
-                <a:effectLst/>
-                <a:latin typeface="Arial" panose="020B0604020202020204" pitchFamily="34" charset="0"/>
-              </a:rPr>
-              <a:t>opportunity.</a:t>
-            </a:r>
-          </a:p>
-          <a:p>
-            <a:br>
-              <a:rPr lang="en-US" dirty="0">
-                <a:solidFill>
-                  <a:schemeClr val="bg1">
-                    <a:lumMod val="75000"/>
-                  </a:schemeClr>
-                </a:solidFill>
-              </a:rPr>
-            </a:br>
-            <a:r>
-              <a:rPr lang="en-US" b="0" i="0" dirty="0">
-                <a:solidFill>
-                  <a:srgbClr val="FF0000"/>
-                </a:solidFill>
-                <a:effectLst/>
-                <a:latin typeface="Arial" panose="020B0604020202020204" pitchFamily="34" charset="0"/>
-              </a:rPr>
-              <a:t>Divergences: </a:t>
-            </a:r>
-            <a:r>
-              <a:rPr lang="en-US" b="0" i="0" dirty="0">
-                <a:solidFill>
-                  <a:schemeClr val="bg1">
-                    <a:lumMod val="75000"/>
-                  </a:schemeClr>
-                </a:solidFill>
-                <a:effectLst/>
-                <a:latin typeface="Arial" panose="020B0604020202020204" pitchFamily="34" charset="0"/>
-              </a:rPr>
-              <a:t>Pay attention to divergences between the MACD and the price action. If the price is making higher highs, but the MACD is making lower highs, it could </a:t>
-            </a:r>
-            <a:br>
-              <a:rPr lang="en-US" dirty="0">
-                <a:solidFill>
-                  <a:schemeClr val="bg1">
-                    <a:lumMod val="75000"/>
-                  </a:schemeClr>
-                </a:solidFill>
-              </a:rPr>
-            </a:br>
-            <a:r>
-              <a:rPr lang="en-US" b="0" i="0" dirty="0">
-                <a:solidFill>
-                  <a:schemeClr val="bg1">
-                    <a:lumMod val="75000"/>
-                  </a:schemeClr>
-                </a:solidFill>
-                <a:effectLst/>
-                <a:latin typeface="Arial" panose="020B0604020202020204" pitchFamily="34" charset="0"/>
-              </a:rPr>
-              <a:t>indicate a </a:t>
-            </a:r>
-            <a:r>
-              <a:rPr lang="en-US" b="0" i="0" dirty="0">
-                <a:solidFill>
-                  <a:schemeClr val="accent4">
-                    <a:lumMod val="60000"/>
-                    <a:lumOff val="40000"/>
-                  </a:schemeClr>
-                </a:solidFill>
-                <a:effectLst/>
-                <a:latin typeface="Arial" panose="020B0604020202020204" pitchFamily="34" charset="0"/>
-              </a:rPr>
-              <a:t>weakening trend </a:t>
-            </a:r>
-            <a:r>
-              <a:rPr lang="en-US" b="0" i="0" dirty="0">
-                <a:solidFill>
-                  <a:schemeClr val="bg1">
-                    <a:lumMod val="75000"/>
-                  </a:schemeClr>
-                </a:solidFill>
-                <a:effectLst/>
-                <a:latin typeface="Arial" panose="020B0604020202020204" pitchFamily="34" charset="0"/>
-              </a:rPr>
-              <a:t>and a possible </a:t>
-            </a:r>
-            <a:r>
-              <a:rPr lang="en-US" b="0" i="0" dirty="0">
-                <a:solidFill>
-                  <a:schemeClr val="accent4">
-                    <a:lumMod val="60000"/>
-                    <a:lumOff val="40000"/>
-                  </a:schemeClr>
-                </a:solidFill>
-                <a:effectLst/>
-                <a:latin typeface="Arial" panose="020B0604020202020204" pitchFamily="34" charset="0"/>
-              </a:rPr>
-              <a:t>trend reversal.</a:t>
-            </a:r>
-            <a:endParaRPr lang="en-US" dirty="0">
-              <a:solidFill>
-                <a:schemeClr val="accent4">
-                  <a:lumMod val="60000"/>
-                  <a:lumOff val="40000"/>
-                </a:schemeClr>
-              </a:solidFill>
-            </a:endParaRPr>
-          </a:p>
-        </p:txBody>
-      </p:sp>
-      <p:sp>
-        <p:nvSpPr>
-          <p:cNvPr id="12" name="TextBox 11">
-            <a:extLst>
-              <a:ext uri="{FF2B5EF4-FFF2-40B4-BE49-F238E27FC236}">
-                <a16:creationId xmlns:a16="http://schemas.microsoft.com/office/drawing/2014/main" id="{2A592B42-F315-3190-CB5D-8C1DCCA1B6DA}"/>
-              </a:ext>
-            </a:extLst>
-          </p:cNvPr>
-          <p:cNvSpPr txBox="1"/>
-          <p:nvPr/>
-        </p:nvSpPr>
-        <p:spPr>
-          <a:xfrm>
-            <a:off x="7886699" y="128587"/>
-            <a:ext cx="4186239" cy="523220"/>
-          </a:xfrm>
-          <a:prstGeom prst="rect">
-            <a:avLst/>
-          </a:prstGeom>
-          <a:noFill/>
-        </p:spPr>
-        <p:txBody>
-          <a:bodyPr wrap="square" rtlCol="0">
-            <a:spAutoFit/>
-          </a:bodyPr>
-          <a:lstStyle/>
-          <a:p>
-            <a:pPr algn="r"/>
-            <a:r>
-              <a:rPr lang="en-US" sz="1400" dirty="0">
-                <a:solidFill>
-                  <a:schemeClr val="bg1">
-                    <a:lumMod val="75000"/>
-                  </a:schemeClr>
-                </a:solidFill>
-                <a:latin typeface="Times New Roman" panose="02020603050405020304" pitchFamily="18" charset="0"/>
-                <a:cs typeface="Times New Roman" panose="02020603050405020304" pitchFamily="18" charset="0"/>
-              </a:rPr>
-              <a:t>Briefer: Harith </a:t>
-            </a:r>
-            <a:r>
-              <a:rPr lang="en-US" sz="1400" dirty="0" err="1">
-                <a:solidFill>
-                  <a:schemeClr val="bg1">
-                    <a:lumMod val="75000"/>
-                  </a:schemeClr>
-                </a:solidFill>
-                <a:latin typeface="Times New Roman" panose="02020603050405020304" pitchFamily="18" charset="0"/>
-                <a:cs typeface="Times New Roman" panose="02020603050405020304" pitchFamily="18" charset="0"/>
-              </a:rPr>
-              <a:t>Alshuwaykh</a:t>
-            </a:r>
-            <a:endParaRPr lang="en-US" sz="1400" dirty="0">
-              <a:solidFill>
-                <a:schemeClr val="bg1">
-                  <a:lumMod val="75000"/>
-                </a:schemeClr>
-              </a:solidFill>
-              <a:latin typeface="Times New Roman" panose="02020603050405020304" pitchFamily="18" charset="0"/>
-              <a:cs typeface="Times New Roman" panose="02020603050405020304" pitchFamily="18" charset="0"/>
-            </a:endParaRPr>
+                <a:cs typeface="Arial" panose="020B0604020202020204" pitchFamily="34" charset="0"/>
+              </a:rPr>
+              <a:t>Briefer: Sam Muslin</a:t>
+            </a:r>
           </a:p>
           <a:p>
             <a:pPr algn="r"/>
@@ -8943,10 +12809,278 @@
           </a:p>
         </p:txBody>
       </p:sp>
+      <p:sp>
+        <p:nvSpPr>
+          <p:cNvPr id="10" name="TextBox 9">
+            <a:extLst>
+              <a:ext uri="{FF2B5EF4-FFF2-40B4-BE49-F238E27FC236}">
+                <a16:creationId xmlns:a16="http://schemas.microsoft.com/office/drawing/2014/main" id="{6E406BAA-833B-B14F-A462-6FDF937754D8}"/>
+              </a:ext>
+            </a:extLst>
+          </p:cNvPr>
+          <p:cNvSpPr txBox="1"/>
+          <p:nvPr/>
+        </p:nvSpPr>
+        <p:spPr>
+          <a:xfrm>
+            <a:off x="242892" y="1372666"/>
+            <a:ext cx="2971796" cy="369332"/>
+          </a:xfrm>
+          <a:prstGeom prst="rect">
+            <a:avLst/>
+          </a:prstGeom>
+          <a:noFill/>
+        </p:spPr>
+        <p:txBody>
+          <a:bodyPr wrap="square">
+            <a:spAutoFit/>
+          </a:bodyPr>
+          <a:lstStyle/>
+          <a:p>
+            <a:r>
+              <a:rPr lang="en-US" b="1" dirty="0">
+                <a:solidFill>
+                  <a:schemeClr val="bg1">
+                    <a:lumMod val="85000"/>
+                  </a:schemeClr>
+                </a:solidFill>
+                <a:latin typeface="Arial" panose="020B0604020202020204" pitchFamily="34" charset="0"/>
+                <a:cs typeface="Arial" panose="020B0604020202020204" pitchFamily="34" charset="0"/>
+              </a:rPr>
+              <a:t>Data format continued: </a:t>
+            </a:r>
+          </a:p>
+        </p:txBody>
+      </p:sp>
+      <p:sp>
+        <p:nvSpPr>
+          <p:cNvPr id="14" name="TextBox 13">
+            <a:extLst>
+              <a:ext uri="{FF2B5EF4-FFF2-40B4-BE49-F238E27FC236}">
+                <a16:creationId xmlns:a16="http://schemas.microsoft.com/office/drawing/2014/main" id="{60E261D6-F75F-3D15-6B4D-B5FEDDA8CB80}"/>
+              </a:ext>
+            </a:extLst>
+          </p:cNvPr>
+          <p:cNvSpPr txBox="1"/>
+          <p:nvPr/>
+        </p:nvSpPr>
+        <p:spPr>
+          <a:xfrm>
+            <a:off x="1643073" y="1919723"/>
+            <a:ext cx="8615361" cy="369332"/>
+          </a:xfrm>
+          <a:prstGeom prst="rect">
+            <a:avLst/>
+          </a:prstGeom>
+          <a:noFill/>
+        </p:spPr>
+        <p:txBody>
+          <a:bodyPr wrap="square">
+            <a:spAutoFit/>
+          </a:bodyPr>
+          <a:lstStyle/>
+          <a:p>
+            <a:pPr marL="45720" indent="0">
+              <a:buNone/>
+            </a:pPr>
+            <a:r>
+              <a:rPr lang="en-US" dirty="0">
+                <a:solidFill>
+                  <a:schemeClr val="bg1">
+                    <a:lumMod val="85000"/>
+                  </a:schemeClr>
+                </a:solidFill>
+                <a:latin typeface="Arial" panose="020B0604020202020204" pitchFamily="34" charset="0"/>
+                <a:cs typeface="Arial" panose="020B0604020202020204" pitchFamily="34" charset="0"/>
+              </a:rPr>
+              <a:t>We then added our EWMs back to the data frame</a:t>
+            </a:r>
+          </a:p>
+        </p:txBody>
+      </p:sp>
+      <p:sp>
+        <p:nvSpPr>
+          <p:cNvPr id="16" name="TextBox 15">
+            <a:extLst>
+              <a:ext uri="{FF2B5EF4-FFF2-40B4-BE49-F238E27FC236}">
+                <a16:creationId xmlns:a16="http://schemas.microsoft.com/office/drawing/2014/main" id="{772F1DD8-B1DF-169B-EAF2-3E2A885B2ABA}"/>
+              </a:ext>
+            </a:extLst>
+          </p:cNvPr>
+          <p:cNvSpPr txBox="1"/>
+          <p:nvPr/>
+        </p:nvSpPr>
+        <p:spPr>
+          <a:xfrm>
+            <a:off x="1643073" y="3709678"/>
+            <a:ext cx="5143489" cy="369332"/>
+          </a:xfrm>
+          <a:prstGeom prst="rect">
+            <a:avLst/>
+          </a:prstGeom>
+          <a:noFill/>
+        </p:spPr>
+        <p:txBody>
+          <a:bodyPr wrap="square">
+            <a:spAutoFit/>
+          </a:bodyPr>
+          <a:lstStyle/>
+          <a:p>
+            <a:pPr marL="45720" indent="0">
+              <a:buNone/>
+            </a:pPr>
+            <a:r>
+              <a:rPr lang="en-US" dirty="0">
+                <a:solidFill>
+                  <a:schemeClr val="bg1">
+                    <a:lumMod val="85000"/>
+                  </a:schemeClr>
+                </a:solidFill>
+                <a:latin typeface="Arial" panose="020B0604020202020204" pitchFamily="34" charset="0"/>
+                <a:cs typeface="Arial" panose="020B0604020202020204" pitchFamily="34" charset="0"/>
+              </a:rPr>
+              <a:t>We then added our MACD line to the data frame </a:t>
+            </a:r>
+          </a:p>
+        </p:txBody>
+      </p:sp>
+      <p:sp>
+        <p:nvSpPr>
+          <p:cNvPr id="8" name="TextBox 7">
+            <a:extLst>
+              <a:ext uri="{FF2B5EF4-FFF2-40B4-BE49-F238E27FC236}">
+                <a16:creationId xmlns:a16="http://schemas.microsoft.com/office/drawing/2014/main" id="{2A354E05-1687-9D67-4046-07796943CE9C}"/>
+              </a:ext>
+            </a:extLst>
+          </p:cNvPr>
+          <p:cNvSpPr txBox="1"/>
+          <p:nvPr/>
+        </p:nvSpPr>
+        <p:spPr>
+          <a:xfrm>
+            <a:off x="1643073" y="5083298"/>
+            <a:ext cx="8143874" cy="369332"/>
+          </a:xfrm>
+          <a:prstGeom prst="rect">
+            <a:avLst/>
+          </a:prstGeom>
+          <a:noFill/>
+        </p:spPr>
+        <p:txBody>
+          <a:bodyPr wrap="square">
+            <a:spAutoFit/>
+          </a:bodyPr>
+          <a:lstStyle/>
+          <a:p>
+            <a:r>
+              <a:rPr lang="en-US" dirty="0">
+                <a:solidFill>
+                  <a:schemeClr val="bg1">
+                    <a:lumMod val="85000"/>
+                  </a:schemeClr>
+                </a:solidFill>
+                <a:latin typeface="Arial" panose="020B0604020202020204" pitchFamily="34" charset="0"/>
+                <a:cs typeface="Arial" panose="020B0604020202020204" pitchFamily="34" charset="0"/>
+              </a:rPr>
+              <a:t>We then added our signal line to the data frame</a:t>
+            </a:r>
+          </a:p>
+        </p:txBody>
+      </p:sp>
+      <p:pic>
+        <p:nvPicPr>
+          <p:cNvPr id="18" name="Picture 17">
+            <a:extLst>
+              <a:ext uri="{FF2B5EF4-FFF2-40B4-BE49-F238E27FC236}">
+                <a16:creationId xmlns:a16="http://schemas.microsoft.com/office/drawing/2014/main" id="{DBC1BD11-C69A-4983-1EE8-50C28953F7BD}"/>
+              </a:ext>
+            </a:extLst>
+          </p:cNvPr>
+          <p:cNvPicPr>
+            <a:picLocks noChangeAspect="1"/>
+          </p:cNvPicPr>
+          <p:nvPr/>
+        </p:nvPicPr>
+        <p:blipFill>
+          <a:blip r:embed="rId2"/>
+          <a:stretch>
+            <a:fillRect/>
+          </a:stretch>
+        </p:blipFill>
+        <p:spPr>
+          <a:xfrm>
+            <a:off x="1643073" y="2318939"/>
+            <a:ext cx="9840698" cy="895475"/>
+          </a:xfrm>
+          <a:prstGeom prst="rect">
+            <a:avLst/>
+          </a:prstGeom>
+        </p:spPr>
+      </p:pic>
+      <p:pic>
+        <p:nvPicPr>
+          <p:cNvPr id="20" name="Picture 19">
+            <a:extLst>
+              <a:ext uri="{FF2B5EF4-FFF2-40B4-BE49-F238E27FC236}">
+                <a16:creationId xmlns:a16="http://schemas.microsoft.com/office/drawing/2014/main" id="{370361FF-5672-3068-0DF5-F6821E140978}"/>
+              </a:ext>
+            </a:extLst>
+          </p:cNvPr>
+          <p:cNvPicPr>
+            <a:picLocks noChangeAspect="1"/>
+          </p:cNvPicPr>
+          <p:nvPr/>
+        </p:nvPicPr>
+        <p:blipFill>
+          <a:blip r:embed="rId3"/>
+          <a:stretch>
+            <a:fillRect/>
+          </a:stretch>
+        </p:blipFill>
+        <p:spPr>
+          <a:xfrm>
+            <a:off x="1643073" y="4083112"/>
+            <a:ext cx="5582429" cy="447737"/>
+          </a:xfrm>
+          <a:prstGeom prst="rect">
+            <a:avLst/>
+          </a:prstGeom>
+        </p:spPr>
+      </p:pic>
+      <p:pic>
+        <p:nvPicPr>
+          <p:cNvPr id="22" name="Picture 21">
+            <a:extLst>
+              <a:ext uri="{FF2B5EF4-FFF2-40B4-BE49-F238E27FC236}">
+                <a16:creationId xmlns:a16="http://schemas.microsoft.com/office/drawing/2014/main" id="{FDF93EAA-E790-657F-CEA7-147C1AA66749}"/>
+              </a:ext>
+            </a:extLst>
+          </p:cNvPr>
+          <p:cNvPicPr>
+            <a:picLocks noChangeAspect="1"/>
+          </p:cNvPicPr>
+          <p:nvPr/>
+        </p:nvPicPr>
+        <p:blipFill>
+          <a:blip r:embed="rId4"/>
+          <a:stretch>
+            <a:fillRect/>
+          </a:stretch>
+        </p:blipFill>
+        <p:spPr>
+          <a:xfrm>
+            <a:off x="1643073" y="5480681"/>
+            <a:ext cx="6020640" cy="390580"/>
+          </a:xfrm>
+          <a:prstGeom prst="rect">
+            <a:avLst/>
+          </a:prstGeom>
+        </p:spPr>
+      </p:pic>
     </p:spTree>
     <p:extLst>
       <p:ext uri="{BB962C8B-B14F-4D97-AF65-F5344CB8AC3E}">
-        <p14:creationId xmlns:p14="http://schemas.microsoft.com/office/powerpoint/2010/main" val="3783468360"/>
+        <p14:creationId xmlns:p14="http://schemas.microsoft.com/office/powerpoint/2010/main" val="1997918932"/>
       </p:ext>
     </p:extLst>
   </p:cSld>
@@ -9213,7 +13347,7 @@
                 <a:latin typeface="Arial" panose="020B0604020202020204" pitchFamily="34" charset="0"/>
                 <a:cs typeface="Arial" panose="020B0604020202020204" pitchFamily="34" charset="0"/>
               </a:rPr>
-              <a:t>Analysis &amp; Outputs</a:t>
+              <a:t>Materials &amp; Methods</a:t>
             </a:r>
           </a:p>
         </p:txBody>
@@ -9223,7 +13357,7 @@
           <p:cNvPr id="7" name="TextBox 6">
             <a:extLst>
               <a:ext uri="{FF2B5EF4-FFF2-40B4-BE49-F238E27FC236}">
-                <a16:creationId xmlns:a16="http://schemas.microsoft.com/office/drawing/2014/main" id="{24C484EF-37A4-616D-7805-4B1637442430}"/>
+                <a16:creationId xmlns:a16="http://schemas.microsoft.com/office/drawing/2014/main" id="{5B8DD3EC-7FEA-D98A-7C9C-30B3444E28F6}"/>
               </a:ext>
             </a:extLst>
           </p:cNvPr>
@@ -9232,8 +13366,8 @@
         </p:nvSpPr>
         <p:spPr>
           <a:xfrm>
-            <a:off x="460772" y="1601482"/>
-            <a:ext cx="6093618" cy="1200329"/>
+            <a:off x="-4054079" y="1364944"/>
+            <a:ext cx="3225404" cy="1754326"/>
           </a:xfrm>
           <a:prstGeom prst="rect">
             <a:avLst/>
@@ -9246,115 +13380,32 @@
           </a:bodyPr>
           <a:lstStyle/>
           <a:p>
-            <a:pPr algn="l"/>
             <a:r>
               <a:rPr lang="en-US" b="0" i="0" dirty="0">
-                <a:solidFill>
-                  <a:schemeClr val="bg1"/>
-                </a:solidFill>
                 <a:effectLst/>
                 <a:latin typeface="Slack-Lato"/>
               </a:rPr>
-              <a:t>Analysis – Michael[SPY] Ryan[AAPL]</a:t>
-            </a:r>
-            <a:br>
-              <a:rPr lang="en-US" b="0" i="0" dirty="0">
-                <a:solidFill>
-                  <a:schemeClr val="bg1"/>
-                </a:solidFill>
-                <a:effectLst/>
-                <a:latin typeface="Slack-Lato"/>
-              </a:rPr>
-            </a:br>
-            <a:endParaRPr lang="en-US" b="0" i="0" dirty="0">
-              <a:solidFill>
-                <a:schemeClr val="bg1"/>
-              </a:solidFill>
-              <a:effectLst/>
+              <a:t>Sam[Data format]</a:t>
+            </a:r>
+          </a:p>
+          <a:p>
+            <a:endParaRPr lang="en-US" dirty="0">
               <a:latin typeface="Slack-Lato"/>
             </a:endParaRPr>
           </a:p>
           <a:p>
-            <a:br>
-              <a:rPr lang="en-US" b="0" i="0" dirty="0">
-                <a:solidFill>
-                  <a:srgbClr val="1D1C1D"/>
-                </a:solidFill>
-                <a:effectLst/>
-                <a:latin typeface="Slack-Lato"/>
-              </a:rPr>
-            </a:br>
+            <a:r>
+              <a:rPr lang="en-US" dirty="0"/>
+              <a:t>What Data did we use and where did we get it from?</a:t>
+            </a:r>
+          </a:p>
+          <a:p>
             <a:endParaRPr lang="en-US" dirty="0"/>
           </a:p>
-        </p:txBody>
-      </p:sp>
-      <p:sp>
-        <p:nvSpPr>
-          <p:cNvPr id="8" name="TextBox 7">
-            <a:extLst>
-              <a:ext uri="{FF2B5EF4-FFF2-40B4-BE49-F238E27FC236}">
-                <a16:creationId xmlns:a16="http://schemas.microsoft.com/office/drawing/2014/main" id="{38413B10-3FC5-14EC-7CFD-B97C2E54EE71}"/>
-              </a:ext>
-            </a:extLst>
-          </p:cNvPr>
-          <p:cNvSpPr txBox="1"/>
-          <p:nvPr/>
-        </p:nvSpPr>
-        <p:spPr>
-          <a:xfrm>
-            <a:off x="417910" y="2042107"/>
-            <a:ext cx="6093618" cy="923330"/>
-          </a:xfrm>
-          <a:prstGeom prst="rect">
-            <a:avLst/>
-          </a:prstGeom>
-          <a:noFill/>
-        </p:spPr>
-        <p:txBody>
-          <a:bodyPr wrap="square">
-            <a:spAutoFit/>
-          </a:bodyPr>
-          <a:lstStyle/>
-          <a:p>
-            <a:pPr algn="l"/>
-            <a:r>
-              <a:rPr lang="en-US" b="0" i="0" dirty="0">
-                <a:solidFill>
-                  <a:schemeClr val="bg1"/>
-                </a:solidFill>
-                <a:effectLst/>
-                <a:latin typeface="Slack-Lato"/>
-              </a:rPr>
-              <a:t>What were the outputs?</a:t>
-            </a:r>
-            <a:br>
-              <a:rPr lang="en-US" b="0" i="0" dirty="0">
-                <a:solidFill>
-                  <a:schemeClr val="bg1"/>
-                </a:solidFill>
-                <a:effectLst/>
-                <a:latin typeface="Slack-Lato"/>
-              </a:rPr>
-            </a:br>
-            <a:endParaRPr lang="en-US" b="0" i="0" dirty="0">
-              <a:solidFill>
-                <a:schemeClr val="bg1"/>
-              </a:solidFill>
-              <a:effectLst/>
-              <a:latin typeface="Slack-Lato"/>
-            </a:endParaRPr>
-          </a:p>
-          <a:p>
-            <a:pPr algn="l"/>
-            <a:r>
-              <a:rPr lang="en-US" b="0" i="0" dirty="0">
-                <a:solidFill>
-                  <a:schemeClr val="bg1"/>
-                </a:solidFill>
-                <a:effectLst/>
-                <a:latin typeface="Slack-Lato"/>
-              </a:rPr>
-              <a:t>What did the outputs tell us?</a:t>
+          <a:p>
+            <a:r>
+              <a:rPr lang="en-US" dirty="0"/>
+              <a:t>How did we access it?</a:t>
             </a:r>
           </a:p>
         </p:txBody>
@@ -9364,7 +13415,7 @@
           <p:cNvPr id="12" name="TextBox 11">
             <a:extLst>
               <a:ext uri="{FF2B5EF4-FFF2-40B4-BE49-F238E27FC236}">
-                <a16:creationId xmlns:a16="http://schemas.microsoft.com/office/drawing/2014/main" id="{0F3E3CE8-0878-0354-74CE-9ACDA279CCCD}"/>
+                <a16:creationId xmlns:a16="http://schemas.microsoft.com/office/drawing/2014/main" id="{71E95032-214D-0FF8-37A2-AA93BACC2AA6}"/>
               </a:ext>
             </a:extLst>
           </p:cNvPr>
@@ -9389,16 +13440,16 @@
           <a:p>
             <a:pPr algn="r"/>
             <a:r>
-              <a:rPr lang="en-US" sz="1400" dirty="0">
+              <a:rPr lang="en-US" sz="1400" i="1" dirty="0">
                 <a:solidFill>
                   <a:schemeClr val="bg1">
                     <a:lumMod val="75000"/>
                   </a:schemeClr>
                 </a:solidFill>
-                <a:latin typeface="Times New Roman" panose="02020603050405020304" pitchFamily="18" charset="0"/>
-                <a:cs typeface="Times New Roman" panose="02020603050405020304" pitchFamily="18" charset="0"/>
-              </a:rPr>
-              <a:t>Briefer: Ryan Stowers</a:t>
+                <a:latin typeface="Arial" panose="020B0604020202020204" pitchFamily="34" charset="0"/>
+                <a:cs typeface="Arial" panose="020B0604020202020204" pitchFamily="34" charset="0"/>
+              </a:rPr>
+              <a:t>Briefer: Sam Muslin</a:t>
             </a:r>
           </a:p>
           <a:p>
@@ -9413,10 +13464,136 @@
           </a:p>
         </p:txBody>
       </p:sp>
+      <p:sp>
+        <p:nvSpPr>
+          <p:cNvPr id="10" name="TextBox 9">
+            <a:extLst>
+              <a:ext uri="{FF2B5EF4-FFF2-40B4-BE49-F238E27FC236}">
+                <a16:creationId xmlns:a16="http://schemas.microsoft.com/office/drawing/2014/main" id="{6E406BAA-833B-B14F-A462-6FDF937754D8}"/>
+              </a:ext>
+            </a:extLst>
+          </p:cNvPr>
+          <p:cNvSpPr txBox="1"/>
+          <p:nvPr/>
+        </p:nvSpPr>
+        <p:spPr>
+          <a:xfrm>
+            <a:off x="242892" y="1372666"/>
+            <a:ext cx="2971796" cy="369332"/>
+          </a:xfrm>
+          <a:prstGeom prst="rect">
+            <a:avLst/>
+          </a:prstGeom>
+          <a:noFill/>
+        </p:spPr>
+        <p:txBody>
+          <a:bodyPr wrap="square">
+            <a:spAutoFit/>
+          </a:bodyPr>
+          <a:lstStyle/>
+          <a:p>
+            <a:r>
+              <a:rPr lang="en-US" b="1" dirty="0">
+                <a:solidFill>
+                  <a:schemeClr val="bg1">
+                    <a:lumMod val="85000"/>
+                  </a:schemeClr>
+                </a:solidFill>
+                <a:latin typeface="Arial" panose="020B0604020202020204" pitchFamily="34" charset="0"/>
+                <a:cs typeface="Arial" panose="020B0604020202020204" pitchFamily="34" charset="0"/>
+              </a:rPr>
+              <a:t>Data format continued: </a:t>
+            </a:r>
+          </a:p>
+        </p:txBody>
+      </p:sp>
+      <p:sp>
+        <p:nvSpPr>
+          <p:cNvPr id="13" name="TextBox 12">
+            <a:extLst>
+              <a:ext uri="{FF2B5EF4-FFF2-40B4-BE49-F238E27FC236}">
+                <a16:creationId xmlns:a16="http://schemas.microsoft.com/office/drawing/2014/main" id="{5DDB1CC4-D43D-406A-711F-08AF02AF1E39}"/>
+              </a:ext>
+            </a:extLst>
+          </p:cNvPr>
+          <p:cNvSpPr txBox="1"/>
+          <p:nvPr/>
+        </p:nvSpPr>
+        <p:spPr>
+          <a:xfrm>
+            <a:off x="1728790" y="1927226"/>
+            <a:ext cx="8143874" cy="646331"/>
+          </a:xfrm>
+          <a:prstGeom prst="rect">
+            <a:avLst/>
+          </a:prstGeom>
+          <a:noFill/>
+        </p:spPr>
+        <p:txBody>
+          <a:bodyPr wrap="square">
+            <a:spAutoFit/>
+          </a:bodyPr>
+          <a:lstStyle/>
+          <a:p>
+            <a:r>
+              <a:rPr lang="en-US" dirty="0">
+                <a:solidFill>
+                  <a:schemeClr val="bg1">
+                    <a:lumMod val="85000"/>
+                  </a:schemeClr>
+                </a:solidFill>
+                <a:latin typeface="Arial" panose="020B0604020202020204" pitchFamily="34" charset="0"/>
+                <a:cs typeface="Arial" panose="020B0604020202020204" pitchFamily="34" charset="0"/>
+              </a:rPr>
+              <a:t>We then created a returns column in our data frame by calculating the percent change of the close price for each time period. </a:t>
+            </a:r>
+            <a:endParaRPr lang="en-US" b="0" dirty="0">
+              <a:solidFill>
+                <a:schemeClr val="bg1">
+                  <a:lumMod val="85000"/>
+                </a:schemeClr>
+              </a:solidFill>
+              <a:effectLst/>
+              <a:latin typeface="Arial" panose="020B0604020202020204" pitchFamily="34" charset="0"/>
+              <a:cs typeface="Arial" panose="020B0604020202020204" pitchFamily="34" charset="0"/>
+            </a:endParaRPr>
+          </a:p>
+        </p:txBody>
+      </p:sp>
+      <p:pic>
+        <p:nvPicPr>
+          <p:cNvPr id="17" name="Picture 16">
+            <a:extLst>
+              <a:ext uri="{FF2B5EF4-FFF2-40B4-BE49-F238E27FC236}">
+                <a16:creationId xmlns:a16="http://schemas.microsoft.com/office/drawing/2014/main" id="{5B182838-A603-41B8-2391-B83DDD350126}"/>
+              </a:ext>
+            </a:extLst>
+          </p:cNvPr>
+          <p:cNvPicPr>
+            <a:picLocks noChangeAspect="1"/>
+          </p:cNvPicPr>
+          <p:nvPr/>
+        </p:nvPicPr>
+        <p:blipFill>
+          <a:blip r:embed="rId2"/>
+          <a:stretch>
+            <a:fillRect/>
+          </a:stretch>
+        </p:blipFill>
+        <p:spPr>
+          <a:xfrm>
+            <a:off x="1728790" y="2702144"/>
+            <a:ext cx="6687483" cy="419158"/>
+          </a:xfrm>
+          <a:prstGeom prst="rect">
+            <a:avLst/>
+          </a:prstGeom>
+        </p:spPr>
+      </p:pic>
     </p:spTree>
     <p:extLst>
       <p:ext uri="{BB962C8B-B14F-4D97-AF65-F5344CB8AC3E}">
-        <p14:creationId xmlns:p14="http://schemas.microsoft.com/office/powerpoint/2010/main" val="2011414338"/>
+        <p14:creationId xmlns:p14="http://schemas.microsoft.com/office/powerpoint/2010/main" val="2903743940"/>
       </p:ext>
     </p:extLst>
   </p:cSld>
@@ -9719,4 +13896,299 @@
     </a:ext>
   </a:extLst>
 </a:theme>
+</file>
+
+<file path=ppt/theme/theme2.xml><?xml version="1.0" encoding="utf-8"?>
+<a:theme xmlns:a="http://schemas.openxmlformats.org/drawingml/2006/main" name="Office Theme">
+  <a:themeElements>
+    <a:clrScheme name="Office">
+      <a:dk1>
+        <a:sysClr val="windowText" lastClr="000000"/>
+      </a:dk1>
+      <a:lt1>
+        <a:sysClr val="window" lastClr="FFFFFF"/>
+      </a:lt1>
+      <a:dk2>
+        <a:srgbClr val="44546A"/>
+      </a:dk2>
+      <a:lt2>
+        <a:srgbClr val="E7E6E6"/>
+      </a:lt2>
+      <a:accent1>
+        <a:srgbClr val="4472C4"/>
+      </a:accent1>
+      <a:accent2>
+        <a:srgbClr val="ED7D31"/>
+      </a:accent2>
+      <a:accent3>
+        <a:srgbClr val="A5A5A5"/>
+      </a:accent3>
+      <a:accent4>
+        <a:srgbClr val="FFC000"/>
+      </a:accent4>
+      <a:accent5>
+        <a:srgbClr val="5B9BD5"/>
+      </a:accent5>
+      <a:accent6>
+        <a:srgbClr val="70AD47"/>
+      </a:accent6>
+      <a:hlink>
+        <a:srgbClr val="0563C1"/>
+      </a:hlink>
+      <a:folHlink>
+        <a:srgbClr val="954F72"/>
+      </a:folHlink>
+    </a:clrScheme>
+    <a:fontScheme name="Office">
+      <a:majorFont>
+        <a:latin typeface="Calibri Light" panose="020F0302020204030204"/>
+        <a:ea typeface=""/>
+        <a:cs typeface=""/>
+        <a:font script="Jpan" typeface="游ゴシック Light"/>
+        <a:font script="Hang" typeface="맑은 고딕"/>
+        <a:font script="Hans" typeface="等线 Light"/>
+        <a:font script="Hant" typeface="新細明體"/>
+        <a:font script="Arab" typeface="Times New Roman"/>
+        <a:font script="Hebr" typeface="Times New Roman"/>
+        <a:font script="Thai" typeface="Angsana New"/>
+        <a:font script="Ethi" typeface="Nyala"/>
+        <a:font script="Beng" typeface="Vrinda"/>
+        <a:font script="Gujr" typeface="Shruti"/>
+        <a:font script="Khmr" typeface="MoolBoran"/>
+        <a:font script="Knda" typeface="Tunga"/>
+        <a:font script="Guru" typeface="Raavi"/>
+        <a:font script="Cans" typeface="Euphemia"/>
+        <a:font script="Cher" typeface="Plantagenet Cherokee"/>
+        <a:font script="Yiii" typeface="Microsoft Yi Baiti"/>
+        <a:font script="Tibt" typeface="Microsoft Himalaya"/>
+        <a:font script="Thaa" typeface="MV Boli"/>
+        <a:font script="Deva" typeface="Mangal"/>
+        <a:font script="Telu" typeface="Gautami"/>
+        <a:font script="Taml" typeface="Latha"/>
+        <a:font script="Syrc" typeface="Estrangelo Edessa"/>
+        <a:font script="Orya" typeface="Kalinga"/>
+        <a:font script="Mlym" typeface="Kartika"/>
+        <a:font script="Laoo" typeface="DokChampa"/>
+        <a:font script="Sinh" typeface="Iskoola Pota"/>
+        <a:font script="Mong" typeface="Mongolian Baiti"/>
+        <a:font script="Viet" typeface="Times New Roman"/>
+        <a:font script="Uigh" typeface="Microsoft Uighur"/>
+        <a:font script="Geor" typeface="Sylfaen"/>
+        <a:font script="Armn" typeface="Arial"/>
+        <a:font script="Bugi" typeface="Leelawadee UI"/>
+        <a:font script="Bopo" typeface="Microsoft JhengHei"/>
+        <a:font script="Java" typeface="Javanese Text"/>
+        <a:font script="Lisu" typeface="Segoe UI"/>
+        <a:font script="Mymr" typeface="Myanmar Text"/>
+        <a:font script="Nkoo" typeface="Ebrima"/>
+        <a:font script="Olck" typeface="Nirmala UI"/>
+        <a:font script="Osma" typeface="Ebrima"/>
+        <a:font script="Phag" typeface="Phagspa"/>
+        <a:font script="Syrn" typeface="Estrangelo Edessa"/>
+        <a:font script="Syrj" typeface="Estrangelo Edessa"/>
+        <a:font script="Syre" typeface="Estrangelo Edessa"/>
+        <a:font script="Sora" typeface="Nirmala UI"/>
+        <a:font script="Tale" typeface="Microsoft Tai Le"/>
+        <a:font script="Talu" typeface="Microsoft New Tai Lue"/>
+        <a:font script="Tfng" typeface="Ebrima"/>
+      </a:majorFont>
+      <a:minorFont>
+        <a:latin typeface="Calibri" panose="020F0502020204030204"/>
+        <a:ea typeface=""/>
+        <a:cs typeface=""/>
+        <a:font script="Jpan" typeface="游ゴシック"/>
+        <a:font script="Hang" typeface="맑은 고딕"/>
+        <a:font script="Hans" typeface="等线"/>
+        <a:font script="Hant" typeface="新細明體"/>
+        <a:font script="Arab" typeface="Arial"/>
+        <a:font script="Hebr" typeface="Arial"/>
+        <a:font script="Thai" typeface="Cordia New"/>
+        <a:font script="Ethi" typeface="Nyala"/>
+        <a:font script="Beng" typeface="Vrinda"/>
+        <a:font script="Gujr" typeface="Shruti"/>
+        <a:font script="Khmr" typeface="DaunPenh"/>
+        <a:font script="Knda" typeface="Tunga"/>
+        <a:font script="Guru" typeface="Raavi"/>
+        <a:font script="Cans" typeface="Euphemia"/>
+        <a:font script="Cher" typeface="Plantagenet Cherokee"/>
+        <a:font script="Yiii" typeface="Microsoft Yi Baiti"/>
+        <a:font script="Tibt" typeface="Microsoft Himalaya"/>
+        <a:font script="Thaa" typeface="MV Boli"/>
+        <a:font script="Deva" typeface="Mangal"/>
+        <a:font script="Telu" typeface="Gautami"/>
+        <a:font script="Taml" typeface="Latha"/>
+        <a:font script="Syrc" typeface="Estrangelo Edessa"/>
+        <a:font script="Orya" typeface="Kalinga"/>
+        <a:font script="Mlym" typeface="Kartika"/>
+        <a:font script="Laoo" typeface="DokChampa"/>
+        <a:font script="Sinh" typeface="Iskoola Pota"/>
+        <a:font script="Mong" typeface="Mongolian Baiti"/>
+        <a:font script="Viet" typeface="Arial"/>
+        <a:font script="Uigh" typeface="Microsoft Uighur"/>
+        <a:font script="Geor" typeface="Sylfaen"/>
+        <a:font script="Armn" typeface="Arial"/>
+        <a:font script="Bugi" typeface="Leelawadee UI"/>
+        <a:font script="Bopo" typeface="Microsoft JhengHei"/>
+        <a:font script="Java" typeface="Javanese Text"/>
+        <a:font script="Lisu" typeface="Segoe UI"/>
+        <a:font script="Mymr" typeface="Myanmar Text"/>
+        <a:font script="Nkoo" typeface="Ebrima"/>
+        <a:font script="Olck" typeface="Nirmala UI"/>
+        <a:font script="Osma" typeface="Ebrima"/>
+        <a:font script="Phag" typeface="Phagspa"/>
+        <a:font script="Syrn" typeface="Estrangelo Edessa"/>
+        <a:font script="Syrj" typeface="Estrangelo Edessa"/>
+        <a:font script="Syre" typeface="Estrangelo Edessa"/>
+        <a:font script="Sora" typeface="Nirmala UI"/>
+        <a:font script="Tale" typeface="Microsoft Tai Le"/>
+        <a:font script="Talu" typeface="Microsoft New Tai Lue"/>
+        <a:font script="Tfng" typeface="Ebrima"/>
+      </a:minorFont>
+    </a:fontScheme>
+    <a:fmtScheme name="Office">
+      <a:fillStyleLst>
+        <a:solidFill>
+          <a:schemeClr val="phClr"/>
+        </a:solidFill>
+        <a:gradFill rotWithShape="1">
+          <a:gsLst>
+            <a:gs pos="0">
+              <a:schemeClr val="phClr">
+                <a:lumMod val="110000"/>
+                <a:satMod val="105000"/>
+                <a:tint val="67000"/>
+              </a:schemeClr>
+            </a:gs>
+            <a:gs pos="50000">
+              <a:schemeClr val="phClr">
+                <a:lumMod val="105000"/>
+                <a:satMod val="103000"/>
+                <a:tint val="73000"/>
+              </a:schemeClr>
+            </a:gs>
+            <a:gs pos="100000">
+              <a:schemeClr val="phClr">
+                <a:lumMod val="105000"/>
+                <a:satMod val="109000"/>
+                <a:tint val="81000"/>
+              </a:schemeClr>
+            </a:gs>
+          </a:gsLst>
+          <a:lin ang="5400000" scaled="0"/>
+        </a:gradFill>
+        <a:gradFill rotWithShape="1">
+          <a:gsLst>
+            <a:gs pos="0">
+              <a:schemeClr val="phClr">
+                <a:satMod val="103000"/>
+                <a:lumMod val="102000"/>
+                <a:tint val="94000"/>
+              </a:schemeClr>
+            </a:gs>
+            <a:gs pos="50000">
+              <a:schemeClr val="phClr">
+                <a:satMod val="110000"/>
+                <a:lumMod val="100000"/>
+                <a:shade val="100000"/>
+              </a:schemeClr>
+            </a:gs>
+            <a:gs pos="100000">
+              <a:schemeClr val="phClr">
+                <a:lumMod val="99000"/>
+                <a:satMod val="120000"/>
+                <a:shade val="78000"/>
+              </a:schemeClr>
+            </a:gs>
+          </a:gsLst>
+          <a:lin ang="5400000" scaled="0"/>
+        </a:gradFill>
+      </a:fillStyleLst>
+      <a:lnStyleLst>
+        <a:ln w="6350" cap="flat" cmpd="sng" algn="ctr">
+          <a:solidFill>
+            <a:schemeClr val="phClr"/>
+          </a:solidFill>
+          <a:prstDash val="solid"/>
+          <a:miter lim="800000"/>
+        </a:ln>
+        <a:ln w="12700" cap="flat" cmpd="sng" algn="ctr">
+          <a:solidFill>
+            <a:schemeClr val="phClr"/>
+          </a:solidFill>
+          <a:prstDash val="solid"/>
+          <a:miter lim="800000"/>
+        </a:ln>
+        <a:ln w="19050" cap="flat" cmpd="sng" algn="ctr">
+          <a:solidFill>
+            <a:schemeClr val="phClr"/>
+          </a:solidFill>
+          <a:prstDash val="solid"/>
+          <a:miter lim="800000"/>
+        </a:ln>
+      </a:lnStyleLst>
+      <a:effectStyleLst>
+        <a:effectStyle>
+          <a:effectLst/>
+        </a:effectStyle>
+        <a:effectStyle>
+          <a:effectLst/>
+        </a:effectStyle>
+        <a:effectStyle>
+          <a:effectLst>
+            <a:outerShdw blurRad="57150" dist="19050" dir="5400000" algn="ctr" rotWithShape="0">
+              <a:srgbClr val="000000">
+                <a:alpha val="63000"/>
+              </a:srgbClr>
+            </a:outerShdw>
+          </a:effectLst>
+        </a:effectStyle>
+      </a:effectStyleLst>
+      <a:bgFillStyleLst>
+        <a:solidFill>
+          <a:schemeClr val="phClr"/>
+        </a:solidFill>
+        <a:solidFill>
+          <a:schemeClr val="phClr">
+            <a:tint val="95000"/>
+            <a:satMod val="170000"/>
+          </a:schemeClr>
+        </a:solidFill>
+        <a:gradFill rotWithShape="1">
+          <a:gsLst>
+            <a:gs pos="0">
+              <a:schemeClr val="phClr">
+                <a:tint val="93000"/>
+                <a:satMod val="150000"/>
+                <a:shade val="98000"/>
+                <a:lumMod val="102000"/>
+              </a:schemeClr>
+            </a:gs>
+            <a:gs pos="50000">
+              <a:schemeClr val="phClr">
+                <a:tint val="98000"/>
+                <a:satMod val="130000"/>
+                <a:shade val="90000"/>
+                <a:lumMod val="103000"/>
+              </a:schemeClr>
+            </a:gs>
+            <a:gs pos="100000">
+              <a:schemeClr val="phClr">
+                <a:shade val="63000"/>
+                <a:satMod val="120000"/>
+              </a:schemeClr>
+            </a:gs>
+          </a:gsLst>
+          <a:lin ang="5400000" scaled="0"/>
+        </a:gradFill>
+      </a:bgFillStyleLst>
+    </a:fmtScheme>
+  </a:themeElements>
+  <a:objectDefaults/>
+  <a:extraClrSchemeLst/>
+  <a:extLst>
+    <a:ext uri="{05A4C25C-085E-4340-85A3-A5531E510DB2}">
+      <thm15:themeFamily xmlns:thm15="http://schemas.microsoft.com/office/thememl/2012/main" name="Office Theme" id="{62F939B6-93AF-4DB8-9C6B-D6C7DFDC589F}" vid="{4A3C46E8-61CC-4603-A589-7422A47A8E4A}"/>
+    </a:ext>
+  </a:extLst>
+</a:theme>
 </file>
--- a/MACD_Indicators_Group_2.pptx
+++ b/MACD_Indicators_Group_2.pptx
@@ -5,28 +5,30 @@
     <p:sldMasterId id="2147483648" r:id="rId1"/>
   </p:sldMasterIdLst>
   <p:notesMasterIdLst>
-    <p:notesMasterId r:id="rId21"/>
+    <p:notesMasterId r:id="rId23"/>
   </p:notesMasterIdLst>
   <p:sldIdLst>
     <p:sldId id="256" r:id="rId2"/>
     <p:sldId id="257" r:id="rId3"/>
     <p:sldId id="258" r:id="rId4"/>
     <p:sldId id="259" r:id="rId5"/>
-    <p:sldId id="260" r:id="rId6"/>
-    <p:sldId id="261" r:id="rId7"/>
-    <p:sldId id="269" r:id="rId8"/>
-    <p:sldId id="270" r:id="rId9"/>
-    <p:sldId id="271" r:id="rId10"/>
-    <p:sldId id="272" r:id="rId11"/>
-    <p:sldId id="267" r:id="rId12"/>
-    <p:sldId id="268" r:id="rId13"/>
-    <p:sldId id="262" r:id="rId14"/>
-    <p:sldId id="274" r:id="rId15"/>
-    <p:sldId id="273" r:id="rId16"/>
-    <p:sldId id="266" r:id="rId17"/>
-    <p:sldId id="263" r:id="rId18"/>
-    <p:sldId id="264" r:id="rId19"/>
-    <p:sldId id="265" r:id="rId20"/>
+    <p:sldId id="268" r:id="rId6"/>
+    <p:sldId id="275" r:id="rId7"/>
+    <p:sldId id="261" r:id="rId8"/>
+    <p:sldId id="269" r:id="rId9"/>
+    <p:sldId id="277" r:id="rId10"/>
+    <p:sldId id="279" r:id="rId11"/>
+    <p:sldId id="278" r:id="rId12"/>
+    <p:sldId id="271" r:id="rId13"/>
+    <p:sldId id="272" r:id="rId14"/>
+    <p:sldId id="270" r:id="rId15"/>
+    <p:sldId id="262" r:id="rId16"/>
+    <p:sldId id="274" r:id="rId17"/>
+    <p:sldId id="273" r:id="rId18"/>
+    <p:sldId id="266" r:id="rId19"/>
+    <p:sldId id="263" r:id="rId20"/>
+    <p:sldId id="264" r:id="rId21"/>
+    <p:sldId id="265" r:id="rId22"/>
   </p:sldIdLst>
   <p:sldSz cx="12192000" cy="6858000"/>
   <p:notesSz cx="6858000" cy="9144000"/>
@@ -215,7 +217,7 @@
           <a:p>
             <a:fld id="{439B18EF-0913-4D1F-A602-DE1ED3B7DBAF}" type="datetimeFigureOut">
               <a:rPr lang="en-US" smtClean="0"/>
-              <a:t>11/9/2023</a:t>
+              <a:t>11/12/2023</a:t>
             </a:fld>
             <a:endParaRPr lang="en-US"/>
           </a:p>
@@ -526,51 +528,6 @@
           <a:bodyPr/>
           <a:lstStyle/>
           <a:p>
-            <a:pPr marL="0" marR="0" lvl="0" indent="0" algn="l" defTabSz="914400" rtl="0" eaLnBrk="1" fontAlgn="auto" latinLnBrk="0" hangingPunct="1">
-              <a:lnSpc>
-                <a:spcPct val="100000"/>
-              </a:lnSpc>
-              <a:spcBef>
-                <a:spcPts val="0"/>
-              </a:spcBef>
-              <a:spcAft>
-                <a:spcPts val="0"/>
-              </a:spcAft>
-              <a:buClrTx/>
-              <a:buSzTx/>
-              <a:buFontTx/>
-              <a:buNone/>
-              <a:tabLst/>
-              <a:defRPr/>
-            </a:pPr>
-            <a:r>
-              <a:rPr lang="en-US" b="0" i="1" dirty="0">
-                <a:solidFill>
-                  <a:schemeClr val="bg1">
-                    <a:lumMod val="85000"/>
-                  </a:schemeClr>
-                </a:solidFill>
-                <a:effectLst/>
-                <a:latin typeface="Arial" panose="020B0604020202020204" pitchFamily="34" charset="0"/>
-                <a:cs typeface="Arial" panose="020B0604020202020204" pitchFamily="34" charset="0"/>
-              </a:rPr>
-              <a:t>This project looks at one indicator that you could use for algorithmic trading, which is considering when the MACD crosses the signal line as an indicator of when to buy or sell stocks</a:t>
-            </a:r>
-            <a:r>
-              <a:rPr lang="en-US" b="0" i="0" dirty="0">
-                <a:solidFill>
-                  <a:schemeClr val="bg1">
-                    <a:lumMod val="85000"/>
-                  </a:schemeClr>
-                </a:solidFill>
-                <a:effectLst/>
-                <a:latin typeface="Arial" panose="020B0604020202020204" pitchFamily="34" charset="0"/>
-                <a:cs typeface="Arial" panose="020B0604020202020204" pitchFamily="34" charset="0"/>
-              </a:rPr>
-              <a:t>.</a:t>
-            </a:r>
-          </a:p>
-          <a:p>
             <a:endParaRPr lang="en-US" dirty="0"/>
           </a:p>
         </p:txBody>
@@ -602,6 +559,196 @@
     <p:extLst>
       <p:ext uri="{BB962C8B-B14F-4D97-AF65-F5344CB8AC3E}">
         <p14:creationId xmlns:p14="http://schemas.microsoft.com/office/powerpoint/2010/main" val="2569627304"/>
+      </p:ext>
+    </p:extLst>
+  </p:cSld>
+  <p:clrMapOvr>
+    <a:masterClrMapping/>
+  </p:clrMapOvr>
+</p:notes>
+</file>
+
+<file path=ppt/notesSlides/notesSlide2.xml><?xml version="1.0" encoding="utf-8"?>
+<p:notes xmlns:a="http://schemas.openxmlformats.org/drawingml/2006/main" xmlns:r="http://schemas.openxmlformats.org/officeDocument/2006/relationships" xmlns:p="http://schemas.openxmlformats.org/presentationml/2006/main">
+  <p:cSld>
+    <p:spTree>
+      <p:nvGrpSpPr>
+        <p:cNvPr id="1" name=""/>
+        <p:cNvGrpSpPr/>
+        <p:nvPr/>
+      </p:nvGrpSpPr>
+      <p:grpSpPr>
+        <a:xfrm>
+          <a:off x="0" y="0"/>
+          <a:ext cx="0" cy="0"/>
+          <a:chOff x="0" y="0"/>
+          <a:chExt cx="0" cy="0"/>
+        </a:xfrm>
+      </p:grpSpPr>
+      <p:sp>
+        <p:nvSpPr>
+          <p:cNvPr id="2" name="Slide Image Placeholder 1"/>
+          <p:cNvSpPr>
+            <a:spLocks noGrp="1" noRot="1" noChangeAspect="1"/>
+          </p:cNvSpPr>
+          <p:nvPr>
+            <p:ph type="sldImg"/>
+          </p:nvPr>
+        </p:nvSpPr>
+        <p:spPr/>
+      </p:sp>
+      <p:sp>
+        <p:nvSpPr>
+          <p:cNvPr id="3" name="Notes Placeholder 2"/>
+          <p:cNvSpPr>
+            <a:spLocks noGrp="1"/>
+          </p:cNvSpPr>
+          <p:nvPr>
+            <p:ph type="body" idx="1"/>
+          </p:nvPr>
+        </p:nvSpPr>
+        <p:spPr/>
+        <p:txBody>
+          <a:bodyPr/>
+          <a:lstStyle/>
+          <a:p>
+            <a:pPr marL="285750" indent="-285750">
+              <a:buFont typeface="Arial" panose="020B0604020202020204" pitchFamily="34" charset="0"/>
+              <a:buChar char="•"/>
+            </a:pPr>
+            <a:br>
+              <a:rPr lang="en-US" dirty="0">
+                <a:solidFill>
+                  <a:schemeClr val="bg1">
+                    <a:lumMod val="75000"/>
+                  </a:schemeClr>
+                </a:solidFill>
+              </a:rPr>
+            </a:br>
+            <a:endParaRPr lang="en-US" dirty="0">
+              <a:solidFill>
+                <a:schemeClr val="bg1">
+                  <a:lumMod val="75000"/>
+                </a:schemeClr>
+              </a:solidFill>
+            </a:endParaRPr>
+          </a:p>
+          <a:p>
+            <a:endParaRPr lang="en-US" dirty="0"/>
+          </a:p>
+        </p:txBody>
+      </p:sp>
+      <p:sp>
+        <p:nvSpPr>
+          <p:cNvPr id="4" name="Slide Number Placeholder 3"/>
+          <p:cNvSpPr>
+            <a:spLocks noGrp="1"/>
+          </p:cNvSpPr>
+          <p:nvPr>
+            <p:ph type="sldNum" sz="quarter" idx="5"/>
+          </p:nvPr>
+        </p:nvSpPr>
+        <p:spPr/>
+        <p:txBody>
+          <a:bodyPr/>
+          <a:lstStyle/>
+          <a:p>
+            <a:fld id="{44837019-95C0-422C-A198-999875429319}" type="slidenum">
+              <a:rPr lang="en-US" smtClean="0"/>
+              <a:t>4</a:t>
+            </a:fld>
+            <a:endParaRPr lang="en-US"/>
+          </a:p>
+        </p:txBody>
+      </p:sp>
+    </p:spTree>
+    <p:extLst>
+      <p:ext uri="{BB962C8B-B14F-4D97-AF65-F5344CB8AC3E}">
+        <p14:creationId xmlns:p14="http://schemas.microsoft.com/office/powerpoint/2010/main" val="3074608467"/>
+      </p:ext>
+    </p:extLst>
+  </p:cSld>
+  <p:clrMapOvr>
+    <a:masterClrMapping/>
+  </p:clrMapOvr>
+</p:notes>
+</file>
+
+<file path=ppt/notesSlides/notesSlide3.xml><?xml version="1.0" encoding="utf-8"?>
+<p:notes xmlns:a="http://schemas.openxmlformats.org/drawingml/2006/main" xmlns:r="http://schemas.openxmlformats.org/officeDocument/2006/relationships" xmlns:p="http://schemas.openxmlformats.org/presentationml/2006/main">
+  <p:cSld>
+    <p:spTree>
+      <p:nvGrpSpPr>
+        <p:cNvPr id="1" name=""/>
+        <p:cNvGrpSpPr/>
+        <p:nvPr/>
+      </p:nvGrpSpPr>
+      <p:grpSpPr>
+        <a:xfrm>
+          <a:off x="0" y="0"/>
+          <a:ext cx="0" cy="0"/>
+          <a:chOff x="0" y="0"/>
+          <a:chExt cx="0" cy="0"/>
+        </a:xfrm>
+      </p:grpSpPr>
+      <p:sp>
+        <p:nvSpPr>
+          <p:cNvPr id="2" name="Slide Image Placeholder 1"/>
+          <p:cNvSpPr>
+            <a:spLocks noGrp="1" noRot="1" noChangeAspect="1"/>
+          </p:cNvSpPr>
+          <p:nvPr>
+            <p:ph type="sldImg"/>
+          </p:nvPr>
+        </p:nvSpPr>
+        <p:spPr/>
+      </p:sp>
+      <p:sp>
+        <p:nvSpPr>
+          <p:cNvPr id="3" name="Notes Placeholder 2"/>
+          <p:cNvSpPr>
+            <a:spLocks noGrp="1"/>
+          </p:cNvSpPr>
+          <p:nvPr>
+            <p:ph type="body" idx="1"/>
+          </p:nvPr>
+        </p:nvSpPr>
+        <p:spPr/>
+        <p:txBody>
+          <a:bodyPr/>
+          <a:lstStyle/>
+          <a:p>
+            <a:endParaRPr lang="en-US" dirty="0"/>
+          </a:p>
+        </p:txBody>
+      </p:sp>
+      <p:sp>
+        <p:nvSpPr>
+          <p:cNvPr id="4" name="Slide Number Placeholder 3"/>
+          <p:cNvSpPr>
+            <a:spLocks noGrp="1"/>
+          </p:cNvSpPr>
+          <p:nvPr>
+            <p:ph type="sldNum" sz="quarter" idx="5"/>
+          </p:nvPr>
+        </p:nvSpPr>
+        <p:spPr/>
+        <p:txBody>
+          <a:bodyPr/>
+          <a:lstStyle/>
+          <a:p>
+            <a:fld id="{44837019-95C0-422C-A198-999875429319}" type="slidenum">
+              <a:rPr lang="en-US" smtClean="0"/>
+              <a:t>9</a:t>
+            </a:fld>
+            <a:endParaRPr lang="en-US"/>
+          </a:p>
+        </p:txBody>
+      </p:sp>
+    </p:spTree>
+    <p:extLst>
+      <p:ext uri="{BB962C8B-B14F-4D97-AF65-F5344CB8AC3E}">
+        <p14:creationId xmlns:p14="http://schemas.microsoft.com/office/powerpoint/2010/main" val="2966149041"/>
       </p:ext>
     </p:extLst>
   </p:cSld>
@@ -758,7 +905,7 @@
           <a:p>
             <a:fld id="{C5FB7A86-EF25-4381-A128-19BA6E5932CE}" type="datetimeFigureOut">
               <a:rPr lang="en-US" smtClean="0"/>
-              <a:t>11/9/2023</a:t>
+              <a:t>11/12/2023</a:t>
             </a:fld>
             <a:endParaRPr lang="en-US"/>
           </a:p>
@@ -956,7 +1103,7 @@
           <a:p>
             <a:fld id="{C5FB7A86-EF25-4381-A128-19BA6E5932CE}" type="datetimeFigureOut">
               <a:rPr lang="en-US" smtClean="0"/>
-              <a:t>11/9/2023</a:t>
+              <a:t>11/12/2023</a:t>
             </a:fld>
             <a:endParaRPr lang="en-US"/>
           </a:p>
@@ -1164,7 +1311,7 @@
           <a:p>
             <a:fld id="{C5FB7A86-EF25-4381-A128-19BA6E5932CE}" type="datetimeFigureOut">
               <a:rPr lang="en-US" smtClean="0"/>
-              <a:t>11/9/2023</a:t>
+              <a:t>11/12/2023</a:t>
             </a:fld>
             <a:endParaRPr lang="en-US"/>
           </a:p>
@@ -1362,7 +1509,7 @@
           <a:p>
             <a:fld id="{C5FB7A86-EF25-4381-A128-19BA6E5932CE}" type="datetimeFigureOut">
               <a:rPr lang="en-US" smtClean="0"/>
-              <a:t>11/9/2023</a:t>
+              <a:t>11/12/2023</a:t>
             </a:fld>
             <a:endParaRPr lang="en-US"/>
           </a:p>
@@ -1637,7 +1784,7 @@
           <a:p>
             <a:fld id="{C5FB7A86-EF25-4381-A128-19BA6E5932CE}" type="datetimeFigureOut">
               <a:rPr lang="en-US" smtClean="0"/>
-              <a:t>11/9/2023</a:t>
+              <a:t>11/12/2023</a:t>
             </a:fld>
             <a:endParaRPr lang="en-US"/>
           </a:p>
@@ -1902,7 +2049,7 @@
           <a:p>
             <a:fld id="{C5FB7A86-EF25-4381-A128-19BA6E5932CE}" type="datetimeFigureOut">
               <a:rPr lang="en-US" smtClean="0"/>
-              <a:t>11/9/2023</a:t>
+              <a:t>11/12/2023</a:t>
             </a:fld>
             <a:endParaRPr lang="en-US"/>
           </a:p>
@@ -2314,7 +2461,7 @@
           <a:p>
             <a:fld id="{C5FB7A86-EF25-4381-A128-19BA6E5932CE}" type="datetimeFigureOut">
               <a:rPr lang="en-US" smtClean="0"/>
-              <a:t>11/9/2023</a:t>
+              <a:t>11/12/2023</a:t>
             </a:fld>
             <a:endParaRPr lang="en-US"/>
           </a:p>
@@ -2455,7 +2602,7 @@
           <a:p>
             <a:fld id="{C5FB7A86-EF25-4381-A128-19BA6E5932CE}" type="datetimeFigureOut">
               <a:rPr lang="en-US" smtClean="0"/>
-              <a:t>11/9/2023</a:t>
+              <a:t>11/12/2023</a:t>
             </a:fld>
             <a:endParaRPr lang="en-US"/>
           </a:p>
@@ -2568,7 +2715,7 @@
           <a:p>
             <a:fld id="{C5FB7A86-EF25-4381-A128-19BA6E5932CE}" type="datetimeFigureOut">
               <a:rPr lang="en-US" smtClean="0"/>
-              <a:t>11/9/2023</a:t>
+              <a:t>11/12/2023</a:t>
             </a:fld>
             <a:endParaRPr lang="en-US"/>
           </a:p>
@@ -2879,7 +3026,7 @@
           <a:p>
             <a:fld id="{C5FB7A86-EF25-4381-A128-19BA6E5932CE}" type="datetimeFigureOut">
               <a:rPr lang="en-US" smtClean="0"/>
-              <a:t>11/9/2023</a:t>
+              <a:t>11/12/2023</a:t>
             </a:fld>
             <a:endParaRPr lang="en-US"/>
           </a:p>
@@ -3167,7 +3314,7 @@
           <a:p>
             <a:fld id="{C5FB7A86-EF25-4381-A128-19BA6E5932CE}" type="datetimeFigureOut">
               <a:rPr lang="en-US" smtClean="0"/>
-              <a:t>11/9/2023</a:t>
+              <a:t>11/12/2023</a:t>
             </a:fld>
             <a:endParaRPr lang="en-US"/>
           </a:p>
@@ -3408,7 +3555,7 @@
           <a:p>
             <a:fld id="{C5FB7A86-EF25-4381-A128-19BA6E5932CE}" type="datetimeFigureOut">
               <a:rPr lang="en-US" smtClean="0"/>
-              <a:t>11/9/2023</a:t>
+              <a:t>11/12/2023</a:t>
             </a:fld>
             <a:endParaRPr lang="en-US"/>
           </a:p>
@@ -4406,7 +4553,7 @@
 </file>
 
 <file path=ppt/slides/slide10.xml><?xml version="1.0" encoding="utf-8"?>
-<p:sld xmlns:a="http://schemas.openxmlformats.org/drawingml/2006/main" xmlns:r="http://schemas.openxmlformats.org/officeDocument/2006/relationships" xmlns:p="http://schemas.openxmlformats.org/presentationml/2006/main">
+<p:sld xmlns:a="http://schemas.openxmlformats.org/drawingml/2006/main" xmlns:r="http://schemas.openxmlformats.org/officeDocument/2006/relationships" xmlns:p="http://schemas.openxmlformats.org/presentationml/2006/main" show="0">
   <p:cSld>
     <p:spTree>
       <p:nvGrpSpPr>
@@ -4794,7 +4941,7 @@
         <p:spPr>
           <a:xfrm>
             <a:off x="242892" y="1372666"/>
-            <a:ext cx="5104254" cy="369332"/>
+            <a:ext cx="2971796" cy="369332"/>
           </a:xfrm>
           <a:prstGeom prst="rect">
             <a:avLst/>
@@ -4817,17 +4964,152 @@
                 <a:latin typeface="Arial" panose="020B0604020202020204" pitchFamily="34" charset="0"/>
                 <a:cs typeface="Arial" panose="020B0604020202020204" pitchFamily="34" charset="0"/>
               </a:rPr>
-              <a:t>ADDING SPY INFORMATION AS A CHECK:</a:t>
+              <a:t>This was the output: </a:t>
+            </a:r>
+          </a:p>
+        </p:txBody>
+      </p:sp>
+      <p:sp>
+        <p:nvSpPr>
+          <p:cNvPr id="14" name="TextBox 13">
+            <a:extLst>
+              <a:ext uri="{FF2B5EF4-FFF2-40B4-BE49-F238E27FC236}">
+                <a16:creationId xmlns:a16="http://schemas.microsoft.com/office/drawing/2014/main" id="{60E261D6-F75F-3D15-6B4D-B5FEDDA8CB80}"/>
+              </a:ext>
+            </a:extLst>
+          </p:cNvPr>
+          <p:cNvSpPr txBox="1"/>
+          <p:nvPr/>
+        </p:nvSpPr>
+        <p:spPr>
+          <a:xfrm>
+            <a:off x="1643073" y="1919723"/>
+            <a:ext cx="8615361" cy="369332"/>
+          </a:xfrm>
+          <a:prstGeom prst="rect">
+            <a:avLst/>
+          </a:prstGeom>
+          <a:noFill/>
+        </p:spPr>
+        <p:txBody>
+          <a:bodyPr wrap="square">
+            <a:spAutoFit/>
+          </a:bodyPr>
+          <a:lstStyle/>
+          <a:p>
+            <a:pPr marL="45720" indent="0">
+              <a:buNone/>
+            </a:pPr>
+            <a:r>
+              <a:rPr lang="en-US" dirty="0">
+                <a:solidFill>
+                  <a:schemeClr val="bg1">
+                    <a:lumMod val="85000"/>
+                  </a:schemeClr>
+                </a:solidFill>
+                <a:latin typeface="Arial" panose="020B0604020202020204" pitchFamily="34" charset="0"/>
+                <a:cs typeface="Arial" panose="020B0604020202020204" pitchFamily="34" charset="0"/>
+              </a:rPr>
+              <a:t>We then added our EWMs back to the data frame</a:t>
+            </a:r>
+          </a:p>
+        </p:txBody>
+      </p:sp>
+      <p:sp>
+        <p:nvSpPr>
+          <p:cNvPr id="16" name="TextBox 15">
+            <a:extLst>
+              <a:ext uri="{FF2B5EF4-FFF2-40B4-BE49-F238E27FC236}">
+                <a16:creationId xmlns:a16="http://schemas.microsoft.com/office/drawing/2014/main" id="{772F1DD8-B1DF-169B-EAF2-3E2A885B2ABA}"/>
+              </a:ext>
+            </a:extLst>
+          </p:cNvPr>
+          <p:cNvSpPr txBox="1"/>
+          <p:nvPr/>
+        </p:nvSpPr>
+        <p:spPr>
+          <a:xfrm>
+            <a:off x="1643073" y="3709678"/>
+            <a:ext cx="5143489" cy="369332"/>
+          </a:xfrm>
+          <a:prstGeom prst="rect">
+            <a:avLst/>
+          </a:prstGeom>
+          <a:noFill/>
+        </p:spPr>
+        <p:txBody>
+          <a:bodyPr wrap="square">
+            <a:spAutoFit/>
+          </a:bodyPr>
+          <a:lstStyle/>
+          <a:p>
+            <a:pPr marL="45720" indent="0">
+              <a:buNone/>
+            </a:pPr>
+            <a:r>
+              <a:rPr lang="en-US" dirty="0">
+                <a:solidFill>
+                  <a:schemeClr val="bg1">
+                    <a:lumMod val="85000"/>
+                  </a:schemeClr>
+                </a:solidFill>
+                <a:latin typeface="Arial" panose="020B0604020202020204" pitchFamily="34" charset="0"/>
+                <a:cs typeface="Arial" panose="020B0604020202020204" pitchFamily="34" charset="0"/>
+              </a:rPr>
+              <a:t>We then added our MACD line to the data frame </a:t>
+            </a:r>
+          </a:p>
+        </p:txBody>
+      </p:sp>
+      <p:sp>
+        <p:nvSpPr>
+          <p:cNvPr id="8" name="TextBox 7">
+            <a:extLst>
+              <a:ext uri="{FF2B5EF4-FFF2-40B4-BE49-F238E27FC236}">
+                <a16:creationId xmlns:a16="http://schemas.microsoft.com/office/drawing/2014/main" id="{2A354E05-1687-9D67-4046-07796943CE9C}"/>
+              </a:ext>
+            </a:extLst>
+          </p:cNvPr>
+          <p:cNvSpPr txBox="1"/>
+          <p:nvPr/>
+        </p:nvSpPr>
+        <p:spPr>
+          <a:xfrm>
+            <a:off x="1643073" y="5083298"/>
+            <a:ext cx="8143874" cy="369332"/>
+          </a:xfrm>
+          <a:prstGeom prst="rect">
+            <a:avLst/>
+          </a:prstGeom>
+          <a:noFill/>
+        </p:spPr>
+        <p:txBody>
+          <a:bodyPr wrap="square">
+            <a:spAutoFit/>
+          </a:bodyPr>
+          <a:lstStyle/>
+          <a:p>
+            <a:r>
+              <a:rPr lang="en-US" dirty="0">
+                <a:solidFill>
+                  <a:schemeClr val="bg1">
+                    <a:lumMod val="85000"/>
+                  </a:schemeClr>
+                </a:solidFill>
+                <a:latin typeface="Arial" panose="020B0604020202020204" pitchFamily="34" charset="0"/>
+                <a:cs typeface="Arial" panose="020B0604020202020204" pitchFamily="34" charset="0"/>
+              </a:rPr>
+              <a:t>We then added our signal line to the data frame</a:t>
             </a:r>
           </a:p>
         </p:txBody>
       </p:sp>
       <p:pic>
         <p:nvPicPr>
-          <p:cNvPr id="6" name="Content Placeholder 8">
-            <a:extLst>
-              <a:ext uri="{FF2B5EF4-FFF2-40B4-BE49-F238E27FC236}">
-                <a16:creationId xmlns:a16="http://schemas.microsoft.com/office/drawing/2014/main" id="{B1EF28EB-A726-CCC4-2471-9D8DCEAC6723}"/>
+          <p:cNvPr id="18" name="Picture 17">
+            <a:extLst>
+              <a:ext uri="{FF2B5EF4-FFF2-40B4-BE49-F238E27FC236}">
+                <a16:creationId xmlns:a16="http://schemas.microsoft.com/office/drawing/2014/main" id="{DBC1BD11-C69A-4983-1EE8-50C28953F7BD}"/>
               </a:ext>
             </a:extLst>
           </p:cNvPr>
@@ -4844,8 +5126,68 @@
         </p:blipFill>
         <p:spPr>
           <a:xfrm>
-            <a:off x="2733678" y="1959626"/>
-            <a:ext cx="8328226" cy="3998360"/>
+            <a:off x="1643073" y="2318939"/>
+            <a:ext cx="9840698" cy="895475"/>
+          </a:xfrm>
+          <a:prstGeom prst="rect">
+            <a:avLst/>
+          </a:prstGeom>
+        </p:spPr>
+      </p:pic>
+      <p:pic>
+        <p:nvPicPr>
+          <p:cNvPr id="20" name="Picture 19">
+            <a:extLst>
+              <a:ext uri="{FF2B5EF4-FFF2-40B4-BE49-F238E27FC236}">
+                <a16:creationId xmlns:a16="http://schemas.microsoft.com/office/drawing/2014/main" id="{370361FF-5672-3068-0DF5-F6821E140978}"/>
+              </a:ext>
+            </a:extLst>
+          </p:cNvPr>
+          <p:cNvPicPr>
+            <a:picLocks noChangeAspect="1"/>
+          </p:cNvPicPr>
+          <p:nvPr/>
+        </p:nvPicPr>
+        <p:blipFill>
+          <a:blip r:embed="rId3"/>
+          <a:stretch>
+            <a:fillRect/>
+          </a:stretch>
+        </p:blipFill>
+        <p:spPr>
+          <a:xfrm>
+            <a:off x="1643073" y="4083112"/>
+            <a:ext cx="5582429" cy="447737"/>
+          </a:xfrm>
+          <a:prstGeom prst="rect">
+            <a:avLst/>
+          </a:prstGeom>
+        </p:spPr>
+      </p:pic>
+      <p:pic>
+        <p:nvPicPr>
+          <p:cNvPr id="22" name="Picture 21">
+            <a:extLst>
+              <a:ext uri="{FF2B5EF4-FFF2-40B4-BE49-F238E27FC236}">
+                <a16:creationId xmlns:a16="http://schemas.microsoft.com/office/drawing/2014/main" id="{FDF93EAA-E790-657F-CEA7-147C1AA66749}"/>
+              </a:ext>
+            </a:extLst>
+          </p:cNvPr>
+          <p:cNvPicPr>
+            <a:picLocks noChangeAspect="1"/>
+          </p:cNvPicPr>
+          <p:nvPr/>
+        </p:nvPicPr>
+        <p:blipFill>
+          <a:blip r:embed="rId4"/>
+          <a:stretch>
+            <a:fillRect/>
+          </a:stretch>
+        </p:blipFill>
+        <p:spPr>
+          <a:xfrm>
+            <a:off x="1643073" y="5480681"/>
+            <a:ext cx="6020640" cy="390580"/>
           </a:xfrm>
           <a:prstGeom prst="rect">
             <a:avLst/>
@@ -4855,7 +5197,7 @@
     </p:spTree>
     <p:extLst>
       <p:ext uri="{BB962C8B-B14F-4D97-AF65-F5344CB8AC3E}">
-        <p14:creationId xmlns:p14="http://schemas.microsoft.com/office/powerpoint/2010/main" val="3887757629"/>
+        <p14:creationId xmlns:p14="http://schemas.microsoft.com/office/powerpoint/2010/main" val="803760529"/>
       </p:ext>
     </p:extLst>
   </p:cSld>
@@ -4866,7 +5208,7 @@
 </file>
 
 <file path=ppt/slides/slide11.xml><?xml version="1.0" encoding="utf-8"?>
-<p:sld xmlns:a="http://schemas.openxmlformats.org/drawingml/2006/main" xmlns:r="http://schemas.openxmlformats.org/officeDocument/2006/relationships" xmlns:p="http://schemas.openxmlformats.org/presentationml/2006/main">
+<p:sld xmlns:a="http://schemas.openxmlformats.org/drawingml/2006/main" xmlns:r="http://schemas.openxmlformats.org/officeDocument/2006/relationships" xmlns:p="http://schemas.openxmlformats.org/presentationml/2006/main" show="0">
   <p:cSld>
     <p:spTree>
       <p:nvGrpSpPr>
@@ -5129,10 +5471,10 @@
       </p:sp>
       <p:sp>
         <p:nvSpPr>
-          <p:cNvPr id="6" name="TextBox 5">
-            <a:extLst>
-              <a:ext uri="{FF2B5EF4-FFF2-40B4-BE49-F238E27FC236}">
-                <a16:creationId xmlns:a16="http://schemas.microsoft.com/office/drawing/2014/main" id="{1501F23A-E5CC-412B-ED9A-FFCDD8D08EE1}"/>
+          <p:cNvPr id="7" name="TextBox 6">
+            <a:extLst>
+              <a:ext uri="{FF2B5EF4-FFF2-40B4-BE49-F238E27FC236}">
+                <a16:creationId xmlns:a16="http://schemas.microsoft.com/office/drawing/2014/main" id="{5B8DD3EC-7FEA-D98A-7C9C-30B3444E28F6}"/>
               </a:ext>
             </a:extLst>
           </p:cNvPr>
@@ -5141,8 +5483,8 @@
         </p:nvSpPr>
         <p:spPr>
           <a:xfrm>
-            <a:off x="2003822" y="1474384"/>
-            <a:ext cx="8868966" cy="4862870"/>
+            <a:off x="-4054079" y="1364944"/>
+            <a:ext cx="3225404" cy="1754326"/>
           </a:xfrm>
           <a:prstGeom prst="rect">
             <a:avLst/>
@@ -5156,364 +5498,76 @@
           <a:lstStyle/>
           <a:p>
             <a:r>
-              <a:rPr lang="en-US" sz="2000" b="1" i="1" dirty="0">
+              <a:rPr lang="en-US" b="0" i="0" dirty="0">
+                <a:effectLst/>
+                <a:latin typeface="Slack-Lato"/>
+              </a:rPr>
+              <a:t>Sam[Data format]</a:t>
+            </a:r>
+          </a:p>
+          <a:p>
+            <a:endParaRPr lang="en-US" dirty="0">
+              <a:latin typeface="Slack-Lato"/>
+            </a:endParaRPr>
+          </a:p>
+          <a:p>
+            <a:r>
+              <a:rPr lang="en-US" dirty="0"/>
+              <a:t>What Data did we use and where did we get it from?</a:t>
+            </a:r>
+          </a:p>
+          <a:p>
+            <a:endParaRPr lang="en-US" dirty="0"/>
+          </a:p>
+          <a:p>
+            <a:r>
+              <a:rPr lang="en-US" dirty="0"/>
+              <a:t>How did we access it?</a:t>
+            </a:r>
+          </a:p>
+        </p:txBody>
+      </p:sp>
+      <p:sp>
+        <p:nvSpPr>
+          <p:cNvPr id="12" name="TextBox 11">
+            <a:extLst>
+              <a:ext uri="{FF2B5EF4-FFF2-40B4-BE49-F238E27FC236}">
+                <a16:creationId xmlns:a16="http://schemas.microsoft.com/office/drawing/2014/main" id="{71E95032-214D-0FF8-37A2-AA93BACC2AA6}"/>
+              </a:ext>
+            </a:extLst>
+          </p:cNvPr>
+          <p:cNvSpPr txBox="1"/>
+          <p:nvPr/>
+        </p:nvSpPr>
+        <p:spPr>
+          <a:xfrm>
+            <a:off x="7886700" y="112991"/>
+            <a:ext cx="4186239" cy="523220"/>
+          </a:xfrm>
+          <a:prstGeom prst="rect">
+            <a:avLst/>
+          </a:prstGeom>
+          <a:noFill/>
+        </p:spPr>
+        <p:txBody>
+          <a:bodyPr wrap="square" rtlCol="0">
+            <a:spAutoFit/>
+          </a:bodyPr>
+          <a:lstStyle/>
+          <a:p>
+            <a:pPr algn="r"/>
+            <a:r>
+              <a:rPr lang="en-US" sz="1400" i="1" dirty="0">
                 <a:solidFill>
                   <a:schemeClr val="bg1">
                     <a:lumMod val="75000"/>
                   </a:schemeClr>
                 </a:solidFill>
-                <a:effectLst/>
                 <a:latin typeface="Arial" panose="020B0604020202020204" pitchFamily="34" charset="0"/>
                 <a:cs typeface="Arial" panose="020B0604020202020204" pitchFamily="34" charset="0"/>
               </a:rPr>
-              <a:t>What formula did we use to process the data?</a:t>
-            </a:r>
-          </a:p>
-          <a:p>
-            <a:endParaRPr lang="en-US" sz="2000" dirty="0">
-              <a:solidFill>
-                <a:schemeClr val="bg1">
-                  <a:lumMod val="75000"/>
-                </a:schemeClr>
-              </a:solidFill>
-              <a:latin typeface="Arial" panose="020B0604020202020204" pitchFamily="34" charset="0"/>
-              <a:cs typeface="Arial" panose="020B0604020202020204" pitchFamily="34" charset="0"/>
-            </a:endParaRPr>
-          </a:p>
-          <a:p>
-            <a:pPr marL="342900" indent="-342900">
-              <a:buFont typeface="+mj-lt"/>
-              <a:buAutoNum type="arabicPeriod"/>
-            </a:pPr>
-            <a:r>
-              <a:rPr lang="en-US" b="0" i="0" dirty="0">
-                <a:solidFill>
-                  <a:schemeClr val="bg1">
-                    <a:lumMod val="75000"/>
-                  </a:schemeClr>
-                </a:solidFill>
-                <a:effectLst/>
-                <a:latin typeface="Arial" panose="020B0604020202020204" pitchFamily="34" charset="0"/>
-                <a:cs typeface="Arial" panose="020B0604020202020204" pitchFamily="34" charset="0"/>
-              </a:rPr>
-              <a:t>Select a time period (commonly 12 or 26 periods) for the MACD line. </a:t>
-            </a:r>
-            <a:br>
-              <a:rPr lang="en-US" b="0" i="0" dirty="0">
-                <a:solidFill>
-                  <a:schemeClr val="bg1">
-                    <a:lumMod val="75000"/>
-                  </a:schemeClr>
-                </a:solidFill>
-                <a:effectLst/>
-                <a:latin typeface="Arial" panose="020B0604020202020204" pitchFamily="34" charset="0"/>
-                <a:cs typeface="Arial" panose="020B0604020202020204" pitchFamily="34" charset="0"/>
-              </a:rPr>
-            </a:br>
-            <a:r>
-              <a:rPr lang="en-US" b="0" i="0" dirty="0">
-                <a:solidFill>
-                  <a:schemeClr val="bg1">
-                    <a:lumMod val="75000"/>
-                  </a:schemeClr>
-                </a:solidFill>
-                <a:effectLst/>
-                <a:latin typeface="Arial" panose="020B0604020202020204" pitchFamily="34" charset="0"/>
-                <a:cs typeface="Arial" panose="020B0604020202020204" pitchFamily="34" charset="0"/>
-              </a:rPr>
-              <a:t>Let's assume we choose 12 periods.</a:t>
-            </a:r>
-          </a:p>
-          <a:p>
-            <a:pPr marL="342900" indent="-342900">
-              <a:buFont typeface="+mj-lt"/>
-              <a:buAutoNum type="arabicPeriod"/>
-            </a:pPr>
-            <a:endParaRPr lang="en-US" b="0" i="0" dirty="0">
-              <a:solidFill>
-                <a:schemeClr val="bg1">
-                  <a:lumMod val="75000"/>
-                </a:schemeClr>
-              </a:solidFill>
-              <a:effectLst/>
-              <a:latin typeface="Arial" panose="020B0604020202020204" pitchFamily="34" charset="0"/>
-              <a:cs typeface="Arial" panose="020B0604020202020204" pitchFamily="34" charset="0"/>
-            </a:endParaRPr>
-          </a:p>
-          <a:p>
-            <a:pPr marL="342900" indent="-342900">
-              <a:buFont typeface="+mj-lt"/>
-              <a:buAutoNum type="arabicPeriod"/>
-            </a:pPr>
-            <a:r>
-              <a:rPr lang="en-US" b="0" i="0" dirty="0">
-                <a:solidFill>
-                  <a:schemeClr val="bg1">
-                    <a:lumMod val="75000"/>
-                  </a:schemeClr>
-                </a:solidFill>
-                <a:effectLst/>
-                <a:latin typeface="Arial" panose="020B0604020202020204" pitchFamily="34" charset="0"/>
-                <a:cs typeface="Arial" panose="020B0604020202020204" pitchFamily="34" charset="0"/>
-              </a:rPr>
-              <a:t>Calculate the 12-period exponential moving average (EMA) of  the asset's closing prices.</a:t>
-            </a:r>
-          </a:p>
-          <a:p>
-            <a:pPr marL="342900" indent="-342900">
-              <a:buFont typeface="+mj-lt"/>
-              <a:buAutoNum type="arabicPeriod"/>
-            </a:pPr>
-            <a:endParaRPr lang="en-US" dirty="0">
-              <a:solidFill>
-                <a:schemeClr val="bg1">
-                  <a:lumMod val="75000"/>
-                </a:schemeClr>
-              </a:solidFill>
-              <a:latin typeface="Arial" panose="020B0604020202020204" pitchFamily="34" charset="0"/>
-              <a:cs typeface="Arial" panose="020B0604020202020204" pitchFamily="34" charset="0"/>
-            </a:endParaRPr>
-          </a:p>
-          <a:p>
-            <a:pPr marL="342900" indent="-342900">
-              <a:buFont typeface="+mj-lt"/>
-              <a:buAutoNum type="arabicPeriod"/>
-            </a:pPr>
-            <a:r>
-              <a:rPr lang="en-US" b="0" i="0" dirty="0">
-                <a:solidFill>
-                  <a:schemeClr val="bg1">
-                    <a:lumMod val="75000"/>
-                  </a:schemeClr>
-                </a:solidFill>
-                <a:effectLst/>
-                <a:latin typeface="Arial" panose="020B0604020202020204" pitchFamily="34" charset="0"/>
-                <a:cs typeface="Arial" panose="020B0604020202020204" pitchFamily="34" charset="0"/>
-              </a:rPr>
-              <a:t>Next, select another time period (often 26 periods) for the signal line. </a:t>
-            </a:r>
-            <a:br>
-              <a:rPr lang="en-US" b="0" i="0" dirty="0">
-                <a:solidFill>
-                  <a:schemeClr val="bg1">
-                    <a:lumMod val="75000"/>
-                  </a:schemeClr>
-                </a:solidFill>
-                <a:effectLst/>
-                <a:latin typeface="Arial" panose="020B0604020202020204" pitchFamily="34" charset="0"/>
-                <a:cs typeface="Arial" panose="020B0604020202020204" pitchFamily="34" charset="0"/>
-              </a:rPr>
-            </a:br>
-            <a:r>
-              <a:rPr lang="en-US" b="0" i="0" dirty="0">
-                <a:solidFill>
-                  <a:schemeClr val="bg1">
-                    <a:lumMod val="75000"/>
-                  </a:schemeClr>
-                </a:solidFill>
-                <a:effectLst/>
-                <a:latin typeface="Arial" panose="020B0604020202020204" pitchFamily="34" charset="0"/>
-                <a:cs typeface="Arial" panose="020B0604020202020204" pitchFamily="34" charset="0"/>
-              </a:rPr>
-              <a:t>In this case, we'll use 26 periods.</a:t>
-            </a:r>
-            <a:endParaRPr lang="en-US" dirty="0">
-              <a:solidFill>
-                <a:schemeClr val="bg1">
-                  <a:lumMod val="75000"/>
-                </a:schemeClr>
-              </a:solidFill>
-              <a:latin typeface="Arial" panose="020B0604020202020204" pitchFamily="34" charset="0"/>
-              <a:cs typeface="Arial" panose="020B0604020202020204" pitchFamily="34" charset="0"/>
-            </a:endParaRPr>
-          </a:p>
-          <a:p>
-            <a:pPr marL="342900" indent="-342900">
-              <a:buFont typeface="+mj-lt"/>
-              <a:buAutoNum type="arabicPeriod"/>
-            </a:pPr>
-            <a:endParaRPr lang="en-US" b="0" i="0" dirty="0">
-              <a:solidFill>
-                <a:schemeClr val="bg1">
-                  <a:lumMod val="75000"/>
-                </a:schemeClr>
-              </a:solidFill>
-              <a:effectLst/>
-              <a:latin typeface="Arial" panose="020B0604020202020204" pitchFamily="34" charset="0"/>
-              <a:cs typeface="Arial" panose="020B0604020202020204" pitchFamily="34" charset="0"/>
-            </a:endParaRPr>
-          </a:p>
-          <a:p>
-            <a:pPr marL="342900" indent="-342900">
-              <a:buFont typeface="+mj-lt"/>
-              <a:buAutoNum type="arabicPeriod"/>
-            </a:pPr>
-            <a:r>
-              <a:rPr lang="en-US" b="0" i="0" dirty="0">
-                <a:solidFill>
-                  <a:schemeClr val="bg1">
-                    <a:lumMod val="75000"/>
-                  </a:schemeClr>
-                </a:solidFill>
-                <a:effectLst/>
-                <a:latin typeface="Arial" panose="020B0604020202020204" pitchFamily="34" charset="0"/>
-                <a:cs typeface="Arial" panose="020B0604020202020204" pitchFamily="34" charset="0"/>
-              </a:rPr>
-              <a:t>Calculate the 26-period EMA of the closing prices.</a:t>
-            </a:r>
-          </a:p>
-          <a:p>
-            <a:pPr marL="342900" indent="-342900">
-              <a:buFont typeface="+mj-lt"/>
-              <a:buAutoNum type="arabicPeriod"/>
-            </a:pPr>
-            <a:endParaRPr lang="en-US" dirty="0">
-              <a:solidFill>
-                <a:schemeClr val="bg1">
-                  <a:lumMod val="75000"/>
-                </a:schemeClr>
-              </a:solidFill>
-              <a:latin typeface="Arial" panose="020B0604020202020204" pitchFamily="34" charset="0"/>
-              <a:cs typeface="Arial" panose="020B0604020202020204" pitchFamily="34" charset="0"/>
-            </a:endParaRPr>
-          </a:p>
-          <a:p>
-            <a:pPr marL="342900" indent="-342900">
-              <a:buFont typeface="+mj-lt"/>
-              <a:buAutoNum type="arabicPeriod"/>
-            </a:pPr>
-            <a:r>
-              <a:rPr lang="en-US" b="0" i="0" dirty="0">
-                <a:solidFill>
-                  <a:schemeClr val="bg1">
-                    <a:lumMod val="75000"/>
-                  </a:schemeClr>
-                </a:solidFill>
-                <a:effectLst/>
-                <a:latin typeface="Arial" panose="020B0604020202020204" pitchFamily="34" charset="0"/>
-                <a:cs typeface="Arial" panose="020B0604020202020204" pitchFamily="34" charset="0"/>
-              </a:rPr>
-              <a:t>Subtract the 26-period EMA from the 12-period EMA to get the MACD line value.</a:t>
-            </a:r>
-          </a:p>
-          <a:p>
-            <a:pPr marL="342900" indent="-342900">
-              <a:buFont typeface="+mj-lt"/>
-              <a:buAutoNum type="arabicPeriod"/>
-            </a:pPr>
-            <a:endParaRPr lang="en-US" dirty="0">
-              <a:solidFill>
-                <a:schemeClr val="bg1">
-                  <a:lumMod val="75000"/>
-                </a:schemeClr>
-              </a:solidFill>
-              <a:latin typeface="Arial" panose="020B0604020202020204" pitchFamily="34" charset="0"/>
-              <a:cs typeface="Arial" panose="020B0604020202020204" pitchFamily="34" charset="0"/>
-            </a:endParaRPr>
-          </a:p>
-          <a:p>
-            <a:pPr marL="342900" indent="-342900">
-              <a:buFont typeface="+mj-lt"/>
-              <a:buAutoNum type="arabicPeriod"/>
-            </a:pPr>
-            <a:r>
-              <a:rPr lang="en-US" b="0" i="0" dirty="0">
-                <a:solidFill>
-                  <a:schemeClr val="bg1">
-                    <a:lumMod val="75000"/>
-                  </a:schemeClr>
-                </a:solidFill>
-                <a:effectLst/>
-                <a:latin typeface="Arial" panose="020B0604020202020204" pitchFamily="34" charset="0"/>
-                <a:cs typeface="Arial" panose="020B0604020202020204" pitchFamily="34" charset="0"/>
-              </a:rPr>
-              <a:t>Finally, calculate a 9-period EMA of the MACD line to obtain the signal line.</a:t>
-            </a:r>
-            <a:br>
-              <a:rPr lang="en-US" dirty="0">
-                <a:solidFill>
-                  <a:schemeClr val="bg1">
-                    <a:lumMod val="75000"/>
-                  </a:schemeClr>
-                </a:solidFill>
-                <a:latin typeface="Arial" panose="020B0604020202020204" pitchFamily="34" charset="0"/>
-                <a:cs typeface="Arial" panose="020B0604020202020204" pitchFamily="34" charset="0"/>
-              </a:rPr>
-            </a:br>
-            <a:endParaRPr lang="en-US" dirty="0">
-              <a:solidFill>
-                <a:schemeClr val="bg1">
-                  <a:lumMod val="75000"/>
-                </a:schemeClr>
-              </a:solidFill>
-              <a:latin typeface="Arial" panose="020B0604020202020204" pitchFamily="34" charset="0"/>
-              <a:cs typeface="Arial" panose="020B0604020202020204" pitchFamily="34" charset="0"/>
-            </a:endParaRPr>
-          </a:p>
-        </p:txBody>
-      </p:sp>
-      <p:sp>
-        <p:nvSpPr>
-          <p:cNvPr id="8" name="TextBox 7">
-            <a:extLst>
-              <a:ext uri="{FF2B5EF4-FFF2-40B4-BE49-F238E27FC236}">
-                <a16:creationId xmlns:a16="http://schemas.microsoft.com/office/drawing/2014/main" id="{53E4A057-00E0-45AC-C4DF-4EE06E1D49F3}"/>
-              </a:ext>
-            </a:extLst>
-          </p:cNvPr>
-          <p:cNvSpPr txBox="1"/>
-          <p:nvPr/>
-        </p:nvSpPr>
-        <p:spPr>
-          <a:xfrm>
-            <a:off x="7886700" y="112991"/>
-            <a:ext cx="4186239" cy="523220"/>
-          </a:xfrm>
-          <a:prstGeom prst="rect">
-            <a:avLst/>
-          </a:prstGeom>
-          <a:noFill/>
-        </p:spPr>
-        <p:txBody>
-          <a:bodyPr wrap="square" rtlCol="0">
-            <a:spAutoFit/>
-          </a:bodyPr>
-          <a:lstStyle/>
-          <a:p>
-            <a:pPr algn="r"/>
-            <a:r>
-              <a:rPr lang="en-US" sz="1400" i="1" dirty="0">
-                <a:solidFill>
-                  <a:schemeClr val="bg1">
-                    <a:lumMod val="75000"/>
-                  </a:schemeClr>
-                </a:solidFill>
-                <a:latin typeface="Arial" panose="020B0604020202020204" pitchFamily="34" charset="0"/>
-                <a:cs typeface="Arial" panose="020B0604020202020204" pitchFamily="34" charset="0"/>
-              </a:rPr>
-              <a:t>Briefer: Harith </a:t>
-            </a:r>
-            <a:r>
-              <a:rPr lang="en-US" sz="1400" i="1" dirty="0" err="1">
-                <a:solidFill>
-                  <a:schemeClr val="bg1">
-                    <a:lumMod val="75000"/>
-                  </a:schemeClr>
-                </a:solidFill>
-                <a:latin typeface="Arial" panose="020B0604020202020204" pitchFamily="34" charset="0"/>
-                <a:cs typeface="Arial" panose="020B0604020202020204" pitchFamily="34" charset="0"/>
-              </a:rPr>
-              <a:t>Alshuwaykh</a:t>
-            </a:r>
-            <a:endParaRPr lang="en-US" sz="1400" i="1" dirty="0">
-              <a:solidFill>
-                <a:schemeClr val="bg1">
-                  <a:lumMod val="75000"/>
-                </a:schemeClr>
-              </a:solidFill>
-              <a:latin typeface="Arial" panose="020B0604020202020204" pitchFamily="34" charset="0"/>
-              <a:cs typeface="Arial" panose="020B0604020202020204" pitchFamily="34" charset="0"/>
-            </a:endParaRPr>
+              <a:t>Briefer: Sam Muslin</a:t>
+            </a:r>
           </a:p>
           <a:p>
             <a:pPr algn="r"/>
@@ -5527,10 +5581,278 @@
           </a:p>
         </p:txBody>
       </p:sp>
+      <p:sp>
+        <p:nvSpPr>
+          <p:cNvPr id="10" name="TextBox 9">
+            <a:extLst>
+              <a:ext uri="{FF2B5EF4-FFF2-40B4-BE49-F238E27FC236}">
+                <a16:creationId xmlns:a16="http://schemas.microsoft.com/office/drawing/2014/main" id="{6E406BAA-833B-B14F-A462-6FDF937754D8}"/>
+              </a:ext>
+            </a:extLst>
+          </p:cNvPr>
+          <p:cNvSpPr txBox="1"/>
+          <p:nvPr/>
+        </p:nvSpPr>
+        <p:spPr>
+          <a:xfrm>
+            <a:off x="242892" y="1372666"/>
+            <a:ext cx="2971796" cy="369332"/>
+          </a:xfrm>
+          <a:prstGeom prst="rect">
+            <a:avLst/>
+          </a:prstGeom>
+          <a:noFill/>
+        </p:spPr>
+        <p:txBody>
+          <a:bodyPr wrap="square">
+            <a:spAutoFit/>
+          </a:bodyPr>
+          <a:lstStyle/>
+          <a:p>
+            <a:r>
+              <a:rPr lang="en-US" b="1" dirty="0">
+                <a:solidFill>
+                  <a:schemeClr val="bg1">
+                    <a:lumMod val="85000"/>
+                  </a:schemeClr>
+                </a:solidFill>
+                <a:latin typeface="Arial" panose="020B0604020202020204" pitchFamily="34" charset="0"/>
+                <a:cs typeface="Arial" panose="020B0604020202020204" pitchFamily="34" charset="0"/>
+              </a:rPr>
+              <a:t>This was the output: </a:t>
+            </a:r>
+          </a:p>
+        </p:txBody>
+      </p:sp>
+      <p:sp>
+        <p:nvSpPr>
+          <p:cNvPr id="14" name="TextBox 13">
+            <a:extLst>
+              <a:ext uri="{FF2B5EF4-FFF2-40B4-BE49-F238E27FC236}">
+                <a16:creationId xmlns:a16="http://schemas.microsoft.com/office/drawing/2014/main" id="{60E261D6-F75F-3D15-6B4D-B5FEDDA8CB80}"/>
+              </a:ext>
+            </a:extLst>
+          </p:cNvPr>
+          <p:cNvSpPr txBox="1"/>
+          <p:nvPr/>
+        </p:nvSpPr>
+        <p:spPr>
+          <a:xfrm>
+            <a:off x="1643073" y="1919723"/>
+            <a:ext cx="8615361" cy="369332"/>
+          </a:xfrm>
+          <a:prstGeom prst="rect">
+            <a:avLst/>
+          </a:prstGeom>
+          <a:noFill/>
+        </p:spPr>
+        <p:txBody>
+          <a:bodyPr wrap="square">
+            <a:spAutoFit/>
+          </a:bodyPr>
+          <a:lstStyle/>
+          <a:p>
+            <a:pPr marL="45720" indent="0">
+              <a:buNone/>
+            </a:pPr>
+            <a:r>
+              <a:rPr lang="en-US" dirty="0">
+                <a:solidFill>
+                  <a:schemeClr val="bg1">
+                    <a:lumMod val="85000"/>
+                  </a:schemeClr>
+                </a:solidFill>
+                <a:latin typeface="Arial" panose="020B0604020202020204" pitchFamily="34" charset="0"/>
+                <a:cs typeface="Arial" panose="020B0604020202020204" pitchFamily="34" charset="0"/>
+              </a:rPr>
+              <a:t>We then added our EWMs back to the data frame</a:t>
+            </a:r>
+          </a:p>
+        </p:txBody>
+      </p:sp>
+      <p:sp>
+        <p:nvSpPr>
+          <p:cNvPr id="16" name="TextBox 15">
+            <a:extLst>
+              <a:ext uri="{FF2B5EF4-FFF2-40B4-BE49-F238E27FC236}">
+                <a16:creationId xmlns:a16="http://schemas.microsoft.com/office/drawing/2014/main" id="{772F1DD8-B1DF-169B-EAF2-3E2A885B2ABA}"/>
+              </a:ext>
+            </a:extLst>
+          </p:cNvPr>
+          <p:cNvSpPr txBox="1"/>
+          <p:nvPr/>
+        </p:nvSpPr>
+        <p:spPr>
+          <a:xfrm>
+            <a:off x="1643073" y="3709678"/>
+            <a:ext cx="5143489" cy="369332"/>
+          </a:xfrm>
+          <a:prstGeom prst="rect">
+            <a:avLst/>
+          </a:prstGeom>
+          <a:noFill/>
+        </p:spPr>
+        <p:txBody>
+          <a:bodyPr wrap="square">
+            <a:spAutoFit/>
+          </a:bodyPr>
+          <a:lstStyle/>
+          <a:p>
+            <a:pPr marL="45720" indent="0">
+              <a:buNone/>
+            </a:pPr>
+            <a:r>
+              <a:rPr lang="en-US" dirty="0">
+                <a:solidFill>
+                  <a:schemeClr val="bg1">
+                    <a:lumMod val="85000"/>
+                  </a:schemeClr>
+                </a:solidFill>
+                <a:latin typeface="Arial" panose="020B0604020202020204" pitchFamily="34" charset="0"/>
+                <a:cs typeface="Arial" panose="020B0604020202020204" pitchFamily="34" charset="0"/>
+              </a:rPr>
+              <a:t>We then added our MACD line to the data frame </a:t>
+            </a:r>
+          </a:p>
+        </p:txBody>
+      </p:sp>
+      <p:sp>
+        <p:nvSpPr>
+          <p:cNvPr id="8" name="TextBox 7">
+            <a:extLst>
+              <a:ext uri="{FF2B5EF4-FFF2-40B4-BE49-F238E27FC236}">
+                <a16:creationId xmlns:a16="http://schemas.microsoft.com/office/drawing/2014/main" id="{2A354E05-1687-9D67-4046-07796943CE9C}"/>
+              </a:ext>
+            </a:extLst>
+          </p:cNvPr>
+          <p:cNvSpPr txBox="1"/>
+          <p:nvPr/>
+        </p:nvSpPr>
+        <p:spPr>
+          <a:xfrm>
+            <a:off x="1643073" y="5083298"/>
+            <a:ext cx="8143874" cy="369332"/>
+          </a:xfrm>
+          <a:prstGeom prst="rect">
+            <a:avLst/>
+          </a:prstGeom>
+          <a:noFill/>
+        </p:spPr>
+        <p:txBody>
+          <a:bodyPr wrap="square">
+            <a:spAutoFit/>
+          </a:bodyPr>
+          <a:lstStyle/>
+          <a:p>
+            <a:r>
+              <a:rPr lang="en-US" dirty="0">
+                <a:solidFill>
+                  <a:schemeClr val="bg1">
+                    <a:lumMod val="85000"/>
+                  </a:schemeClr>
+                </a:solidFill>
+                <a:latin typeface="Arial" panose="020B0604020202020204" pitchFamily="34" charset="0"/>
+                <a:cs typeface="Arial" panose="020B0604020202020204" pitchFamily="34" charset="0"/>
+              </a:rPr>
+              <a:t>We then added our signal line to the data frame</a:t>
+            </a:r>
+          </a:p>
+        </p:txBody>
+      </p:sp>
+      <p:pic>
+        <p:nvPicPr>
+          <p:cNvPr id="18" name="Picture 17">
+            <a:extLst>
+              <a:ext uri="{FF2B5EF4-FFF2-40B4-BE49-F238E27FC236}">
+                <a16:creationId xmlns:a16="http://schemas.microsoft.com/office/drawing/2014/main" id="{DBC1BD11-C69A-4983-1EE8-50C28953F7BD}"/>
+              </a:ext>
+            </a:extLst>
+          </p:cNvPr>
+          <p:cNvPicPr>
+            <a:picLocks noChangeAspect="1"/>
+          </p:cNvPicPr>
+          <p:nvPr/>
+        </p:nvPicPr>
+        <p:blipFill>
+          <a:blip r:embed="rId2"/>
+          <a:stretch>
+            <a:fillRect/>
+          </a:stretch>
+        </p:blipFill>
+        <p:spPr>
+          <a:xfrm>
+            <a:off x="1643073" y="2318939"/>
+            <a:ext cx="9840698" cy="895475"/>
+          </a:xfrm>
+          <a:prstGeom prst="rect">
+            <a:avLst/>
+          </a:prstGeom>
+        </p:spPr>
+      </p:pic>
+      <p:pic>
+        <p:nvPicPr>
+          <p:cNvPr id="20" name="Picture 19">
+            <a:extLst>
+              <a:ext uri="{FF2B5EF4-FFF2-40B4-BE49-F238E27FC236}">
+                <a16:creationId xmlns:a16="http://schemas.microsoft.com/office/drawing/2014/main" id="{370361FF-5672-3068-0DF5-F6821E140978}"/>
+              </a:ext>
+            </a:extLst>
+          </p:cNvPr>
+          <p:cNvPicPr>
+            <a:picLocks noChangeAspect="1"/>
+          </p:cNvPicPr>
+          <p:nvPr/>
+        </p:nvPicPr>
+        <p:blipFill>
+          <a:blip r:embed="rId3"/>
+          <a:stretch>
+            <a:fillRect/>
+          </a:stretch>
+        </p:blipFill>
+        <p:spPr>
+          <a:xfrm>
+            <a:off x="1643073" y="4083112"/>
+            <a:ext cx="5582429" cy="447737"/>
+          </a:xfrm>
+          <a:prstGeom prst="rect">
+            <a:avLst/>
+          </a:prstGeom>
+        </p:spPr>
+      </p:pic>
+      <p:pic>
+        <p:nvPicPr>
+          <p:cNvPr id="22" name="Picture 21">
+            <a:extLst>
+              <a:ext uri="{FF2B5EF4-FFF2-40B4-BE49-F238E27FC236}">
+                <a16:creationId xmlns:a16="http://schemas.microsoft.com/office/drawing/2014/main" id="{FDF93EAA-E790-657F-CEA7-147C1AA66749}"/>
+              </a:ext>
+            </a:extLst>
+          </p:cNvPr>
+          <p:cNvPicPr>
+            <a:picLocks noChangeAspect="1"/>
+          </p:cNvPicPr>
+          <p:nvPr/>
+        </p:nvPicPr>
+        <p:blipFill>
+          <a:blip r:embed="rId4"/>
+          <a:stretch>
+            <a:fillRect/>
+          </a:stretch>
+        </p:blipFill>
+        <p:spPr>
+          <a:xfrm>
+            <a:off x="1643073" y="5480681"/>
+            <a:ext cx="6020640" cy="390580"/>
+          </a:xfrm>
+          <a:prstGeom prst="rect">
+            <a:avLst/>
+          </a:prstGeom>
+        </p:spPr>
+      </p:pic>
     </p:spTree>
     <p:extLst>
       <p:ext uri="{BB962C8B-B14F-4D97-AF65-F5344CB8AC3E}">
-        <p14:creationId xmlns:p14="http://schemas.microsoft.com/office/powerpoint/2010/main" val="1586586338"/>
+        <p14:creationId xmlns:p14="http://schemas.microsoft.com/office/powerpoint/2010/main" val="155083847"/>
       </p:ext>
     </p:extLst>
   </p:cSld>
@@ -5541,7 +5863,7 @@
 </file>
 
 <file path=ppt/slides/slide12.xml><?xml version="1.0" encoding="utf-8"?>
-<p:sld xmlns:a="http://schemas.openxmlformats.org/drawingml/2006/main" xmlns:r="http://schemas.openxmlformats.org/officeDocument/2006/relationships" xmlns:p="http://schemas.openxmlformats.org/presentationml/2006/main">
+<p:sld xmlns:a="http://schemas.openxmlformats.org/drawingml/2006/main" xmlns:r="http://schemas.openxmlformats.org/officeDocument/2006/relationships" xmlns:p="http://schemas.openxmlformats.org/presentationml/2006/main" show="0">
   <p:cSld>
     <p:spTree>
       <p:nvGrpSpPr>
@@ -5804,10 +6126,10 @@
       </p:sp>
       <p:sp>
         <p:nvSpPr>
-          <p:cNvPr id="10" name="TextBox 9">
-            <a:extLst>
-              <a:ext uri="{FF2B5EF4-FFF2-40B4-BE49-F238E27FC236}">
-                <a16:creationId xmlns:a16="http://schemas.microsoft.com/office/drawing/2014/main" id="{387ED061-CD0A-AA1C-6DB7-AE84826EC15D}"/>
+          <p:cNvPr id="7" name="TextBox 6">
+            <a:extLst>
+              <a:ext uri="{FF2B5EF4-FFF2-40B4-BE49-F238E27FC236}">
+                <a16:creationId xmlns:a16="http://schemas.microsoft.com/office/drawing/2014/main" id="{5B8DD3EC-7FEA-D98A-7C9C-30B3444E28F6}"/>
               </a:ext>
             </a:extLst>
           </p:cNvPr>
@@ -5816,8 +6138,8 @@
         </p:nvSpPr>
         <p:spPr>
           <a:xfrm>
-            <a:off x="1414463" y="1720840"/>
-            <a:ext cx="9286875" cy="2585323"/>
+            <a:off x="-4054079" y="1364944"/>
+            <a:ext cx="3225404" cy="1754326"/>
           </a:xfrm>
           <a:prstGeom prst="rect">
             <a:avLst/>
@@ -5830,313 +6152,77 @@
           </a:bodyPr>
           <a:lstStyle/>
           <a:p>
-            <a:br>
+            <a:r>
               <a:rPr lang="en-US" b="0" i="0" dirty="0">
+                <a:effectLst/>
+                <a:latin typeface="Slack-Lato"/>
+              </a:rPr>
+              <a:t>Sam[Data format]</a:t>
+            </a:r>
+          </a:p>
+          <a:p>
+            <a:endParaRPr lang="en-US" dirty="0">
+              <a:latin typeface="Slack-Lato"/>
+            </a:endParaRPr>
+          </a:p>
+          <a:p>
+            <a:r>
+              <a:rPr lang="en-US" dirty="0"/>
+              <a:t>What Data did we use and where did we get it from?</a:t>
+            </a:r>
+          </a:p>
+          <a:p>
+            <a:endParaRPr lang="en-US" dirty="0"/>
+          </a:p>
+          <a:p>
+            <a:r>
+              <a:rPr lang="en-US" dirty="0"/>
+              <a:t>How did we access it?</a:t>
+            </a:r>
+          </a:p>
+        </p:txBody>
+      </p:sp>
+      <p:sp>
+        <p:nvSpPr>
+          <p:cNvPr id="12" name="TextBox 11">
+            <a:extLst>
+              <a:ext uri="{FF2B5EF4-FFF2-40B4-BE49-F238E27FC236}">
+                <a16:creationId xmlns:a16="http://schemas.microsoft.com/office/drawing/2014/main" id="{71E95032-214D-0FF8-37A2-AA93BACC2AA6}"/>
+              </a:ext>
+            </a:extLst>
+          </p:cNvPr>
+          <p:cNvSpPr txBox="1"/>
+          <p:nvPr/>
+        </p:nvSpPr>
+        <p:spPr>
+          <a:xfrm>
+            <a:off x="7886700" y="112991"/>
+            <a:ext cx="4186239" cy="523220"/>
+          </a:xfrm>
+          <a:prstGeom prst="rect">
+            <a:avLst/>
+          </a:prstGeom>
+          <a:noFill/>
+        </p:spPr>
+        <p:txBody>
+          <a:bodyPr wrap="square" rtlCol="0">
+            <a:spAutoFit/>
+          </a:bodyPr>
+          <a:lstStyle/>
+          <a:p>
+            <a:pPr algn="r"/>
+            <a:r>
+              <a:rPr lang="en-US" sz="1400" i="1" dirty="0">
                 <a:solidFill>
                   <a:schemeClr val="bg1">
                     <a:lumMod val="75000"/>
                   </a:schemeClr>
                 </a:solidFill>
-                <a:effectLst/>
-                <a:latin typeface="Arial" panose="020B0604020202020204" pitchFamily="34" charset="0"/>
-              </a:rPr>
-            </a:br>
-            <a:r>
-              <a:rPr lang="en-US" b="0" i="0" dirty="0">
-                <a:solidFill>
-                  <a:srgbClr val="FF0000"/>
-                </a:solidFill>
-                <a:effectLst/>
-                <a:latin typeface="Arial" panose="020B0604020202020204" pitchFamily="34" charset="0"/>
-              </a:rPr>
-              <a:t>Crossovers: </a:t>
-            </a:r>
-            <a:r>
-              <a:rPr lang="en-US" b="0" i="0" dirty="0">
-                <a:solidFill>
-                  <a:schemeClr val="bg1">
-                    <a:lumMod val="75000"/>
-                  </a:schemeClr>
-                </a:solidFill>
-                <a:effectLst/>
-                <a:latin typeface="Arial" panose="020B0604020202020204" pitchFamily="34" charset="0"/>
-              </a:rPr>
-              <a:t>When the </a:t>
-            </a:r>
-            <a:r>
-              <a:rPr lang="en-US" b="0" i="0" dirty="0">
-                <a:solidFill>
-                  <a:srgbClr val="FF0000"/>
-                </a:solidFill>
-                <a:effectLst/>
-                <a:latin typeface="Arial" panose="020B0604020202020204" pitchFamily="34" charset="0"/>
-              </a:rPr>
-              <a:t>MACD line crosses above the signal line</a:t>
-            </a:r>
-            <a:r>
-              <a:rPr lang="en-US" b="0" i="0" dirty="0">
-                <a:solidFill>
-                  <a:schemeClr val="bg1">
-                    <a:lumMod val="75000"/>
-                  </a:schemeClr>
-                </a:solidFill>
-                <a:effectLst/>
-                <a:latin typeface="Arial" panose="020B0604020202020204" pitchFamily="34" charset="0"/>
-              </a:rPr>
-              <a:t>, it generates a </a:t>
-            </a:r>
-            <a:r>
-              <a:rPr lang="en-US" b="0" i="0" dirty="0">
-                <a:solidFill>
-                  <a:srgbClr val="FF0000"/>
-                </a:solidFill>
-                <a:effectLst/>
-                <a:latin typeface="Arial" panose="020B0604020202020204" pitchFamily="34" charset="0"/>
-              </a:rPr>
-              <a:t>bullish signal</a:t>
-            </a:r>
-            <a:r>
-              <a:rPr lang="en-US" b="0" i="0" dirty="0">
-                <a:solidFill>
-                  <a:schemeClr val="bg1">
-                    <a:lumMod val="75000"/>
-                  </a:schemeClr>
-                </a:solidFill>
-                <a:effectLst/>
-                <a:latin typeface="Arial" panose="020B0604020202020204" pitchFamily="34" charset="0"/>
-              </a:rPr>
-              <a:t>, indicating a potential buying opportunity. Conversely, when the </a:t>
-            </a:r>
-            <a:r>
-              <a:rPr lang="en-US" b="0" i="0" dirty="0">
-                <a:solidFill>
-                  <a:schemeClr val="accent1"/>
-                </a:solidFill>
-                <a:effectLst/>
-                <a:latin typeface="Arial" panose="020B0604020202020204" pitchFamily="34" charset="0"/>
-              </a:rPr>
-              <a:t>MACD line crosses below the signal line</a:t>
-            </a:r>
-            <a:r>
-              <a:rPr lang="en-US" b="0" i="0" dirty="0">
-                <a:solidFill>
-                  <a:schemeClr val="bg1">
-                    <a:lumMod val="75000"/>
-                  </a:schemeClr>
-                </a:solidFill>
-                <a:effectLst/>
-                <a:latin typeface="Arial" panose="020B0604020202020204" pitchFamily="34" charset="0"/>
-              </a:rPr>
-              <a:t>, it generates a </a:t>
-            </a:r>
-            <a:r>
-              <a:rPr lang="en-US" b="0" i="0" dirty="0">
-                <a:solidFill>
-                  <a:schemeClr val="accent1"/>
-                </a:solidFill>
-                <a:effectLst/>
-                <a:latin typeface="Arial" panose="020B0604020202020204" pitchFamily="34" charset="0"/>
-              </a:rPr>
-              <a:t>bearish signal</a:t>
-            </a:r>
-            <a:r>
-              <a:rPr lang="en-US" b="0" i="0" dirty="0">
-                <a:solidFill>
-                  <a:schemeClr val="bg1">
-                    <a:lumMod val="75000"/>
-                  </a:schemeClr>
-                </a:solidFill>
-                <a:effectLst/>
-                <a:latin typeface="Arial" panose="020B0604020202020204" pitchFamily="34" charset="0"/>
-              </a:rPr>
-              <a:t>, suggesting a possible selling </a:t>
-            </a:r>
-            <a:br>
-              <a:rPr lang="en-US" dirty="0">
-                <a:solidFill>
-                  <a:schemeClr val="bg1">
-                    <a:lumMod val="75000"/>
-                  </a:schemeClr>
-                </a:solidFill>
-              </a:rPr>
-            </a:br>
-            <a:r>
-              <a:rPr lang="en-US" b="0" i="0" dirty="0">
-                <a:solidFill>
-                  <a:schemeClr val="bg1">
-                    <a:lumMod val="75000"/>
-                  </a:schemeClr>
-                </a:solidFill>
-                <a:effectLst/>
-                <a:latin typeface="Arial" panose="020B0604020202020204" pitchFamily="34" charset="0"/>
-              </a:rPr>
-              <a:t>opportunity.</a:t>
-            </a:r>
-          </a:p>
-          <a:p>
-            <a:br>
-              <a:rPr lang="en-US" dirty="0">
-                <a:solidFill>
-                  <a:schemeClr val="bg1">
-                    <a:lumMod val="75000"/>
-                  </a:schemeClr>
-                </a:solidFill>
-              </a:rPr>
-            </a:br>
-            <a:r>
-              <a:rPr lang="en-US" b="0" i="0" dirty="0">
-                <a:solidFill>
-                  <a:srgbClr val="FF0000"/>
-                </a:solidFill>
-                <a:effectLst/>
-                <a:latin typeface="Arial" panose="020B0604020202020204" pitchFamily="34" charset="0"/>
-              </a:rPr>
-              <a:t>Divergences: </a:t>
-            </a:r>
-            <a:r>
-              <a:rPr lang="en-US" b="0" i="0" dirty="0">
-                <a:solidFill>
-                  <a:schemeClr val="bg1">
-                    <a:lumMod val="75000"/>
-                  </a:schemeClr>
-                </a:solidFill>
-                <a:effectLst/>
-                <a:latin typeface="Arial" panose="020B0604020202020204" pitchFamily="34" charset="0"/>
-              </a:rPr>
-              <a:t>Pay attention to divergences between the MACD and the price action. If the price is making higher highs, but the MACD is making lower highs, it could </a:t>
-            </a:r>
-            <a:br>
-              <a:rPr lang="en-US" dirty="0">
-                <a:solidFill>
-                  <a:schemeClr val="bg1">
-                    <a:lumMod val="75000"/>
-                  </a:schemeClr>
-                </a:solidFill>
-              </a:rPr>
-            </a:br>
-            <a:r>
-              <a:rPr lang="en-US" b="0" i="0" dirty="0">
-                <a:solidFill>
-                  <a:schemeClr val="bg1">
-                    <a:lumMod val="75000"/>
-                  </a:schemeClr>
-                </a:solidFill>
-                <a:effectLst/>
-                <a:latin typeface="Arial" panose="020B0604020202020204" pitchFamily="34" charset="0"/>
-              </a:rPr>
-              <a:t>indicate a </a:t>
-            </a:r>
-            <a:r>
-              <a:rPr lang="en-US" b="0" i="0" dirty="0">
-                <a:solidFill>
-                  <a:schemeClr val="accent4">
-                    <a:lumMod val="60000"/>
-                    <a:lumOff val="40000"/>
-                  </a:schemeClr>
-                </a:solidFill>
-                <a:effectLst/>
-                <a:latin typeface="Arial" panose="020B0604020202020204" pitchFamily="34" charset="0"/>
-              </a:rPr>
-              <a:t>weakening trend </a:t>
-            </a:r>
-            <a:r>
-              <a:rPr lang="en-US" b="0" i="0" dirty="0">
-                <a:solidFill>
-                  <a:schemeClr val="bg1">
-                    <a:lumMod val="75000"/>
-                  </a:schemeClr>
-                </a:solidFill>
-                <a:effectLst/>
-                <a:latin typeface="Arial" panose="020B0604020202020204" pitchFamily="34" charset="0"/>
-              </a:rPr>
-              <a:t>and a possible </a:t>
-            </a:r>
-            <a:r>
-              <a:rPr lang="en-US" b="0" i="0" dirty="0">
-                <a:solidFill>
-                  <a:schemeClr val="accent4">
-                    <a:lumMod val="60000"/>
-                    <a:lumOff val="40000"/>
-                  </a:schemeClr>
-                </a:solidFill>
-                <a:effectLst/>
-                <a:latin typeface="Arial" panose="020B0604020202020204" pitchFamily="34" charset="0"/>
-              </a:rPr>
-              <a:t>trend reversal.</a:t>
-            </a:r>
-            <a:endParaRPr lang="en-US" dirty="0">
-              <a:solidFill>
-                <a:schemeClr val="accent4">
-                  <a:lumMod val="60000"/>
-                  <a:lumOff val="40000"/>
-                </a:schemeClr>
-              </a:solidFill>
-            </a:endParaRPr>
-          </a:p>
-        </p:txBody>
-      </p:sp>
-      <p:sp>
-        <p:nvSpPr>
-          <p:cNvPr id="12" name="TextBox 11">
-            <a:extLst>
-              <a:ext uri="{FF2B5EF4-FFF2-40B4-BE49-F238E27FC236}">
-                <a16:creationId xmlns:a16="http://schemas.microsoft.com/office/drawing/2014/main" id="{2A592B42-F315-3190-CB5D-8C1DCCA1B6DA}"/>
-              </a:ext>
-            </a:extLst>
-          </p:cNvPr>
-          <p:cNvSpPr txBox="1"/>
-          <p:nvPr/>
-        </p:nvSpPr>
-        <p:spPr>
-          <a:xfrm>
-            <a:off x="7886699" y="128587"/>
-            <a:ext cx="4186239" cy="523220"/>
-          </a:xfrm>
-          <a:prstGeom prst="rect">
-            <a:avLst/>
-          </a:prstGeom>
-          <a:noFill/>
-        </p:spPr>
-        <p:txBody>
-          <a:bodyPr wrap="square" rtlCol="0">
-            <a:spAutoFit/>
-          </a:bodyPr>
-          <a:lstStyle/>
-          <a:p>
-            <a:pPr algn="r"/>
-            <a:r>
-              <a:rPr lang="en-US" sz="1400" i="1" dirty="0">
-                <a:solidFill>
-                  <a:schemeClr val="bg1">
-                    <a:lumMod val="75000"/>
-                  </a:schemeClr>
-                </a:solidFill>
                 <a:latin typeface="Arial" panose="020B0604020202020204" pitchFamily="34" charset="0"/>
                 <a:cs typeface="Arial" panose="020B0604020202020204" pitchFamily="34" charset="0"/>
               </a:rPr>
-              <a:t>Briefer: Harith </a:t>
-            </a:r>
-            <a:r>
-              <a:rPr lang="en-US" sz="1400" i="1" dirty="0" err="1">
-                <a:solidFill>
-                  <a:schemeClr val="bg1">
-                    <a:lumMod val="75000"/>
-                  </a:schemeClr>
-                </a:solidFill>
-                <a:latin typeface="Arial" panose="020B0604020202020204" pitchFamily="34" charset="0"/>
-                <a:cs typeface="Arial" panose="020B0604020202020204" pitchFamily="34" charset="0"/>
-              </a:rPr>
-              <a:t>Alshuwaykh</a:t>
-            </a:r>
-            <a:endParaRPr lang="en-US" sz="1400" i="1" dirty="0">
-              <a:solidFill>
-                <a:schemeClr val="bg1">
-                  <a:lumMod val="75000"/>
-                </a:schemeClr>
-              </a:solidFill>
-              <a:latin typeface="Arial" panose="020B0604020202020204" pitchFamily="34" charset="0"/>
-              <a:cs typeface="Arial" panose="020B0604020202020204" pitchFamily="34" charset="0"/>
-            </a:endParaRPr>
+              <a:t>Briefer: Sam Muslin</a:t>
+            </a:r>
           </a:p>
           <a:p>
             <a:pPr algn="r"/>
@@ -6150,10 +6236,136 @@
           </a:p>
         </p:txBody>
       </p:sp>
+      <p:sp>
+        <p:nvSpPr>
+          <p:cNvPr id="10" name="TextBox 9">
+            <a:extLst>
+              <a:ext uri="{FF2B5EF4-FFF2-40B4-BE49-F238E27FC236}">
+                <a16:creationId xmlns:a16="http://schemas.microsoft.com/office/drawing/2014/main" id="{6E406BAA-833B-B14F-A462-6FDF937754D8}"/>
+              </a:ext>
+            </a:extLst>
+          </p:cNvPr>
+          <p:cNvSpPr txBox="1"/>
+          <p:nvPr/>
+        </p:nvSpPr>
+        <p:spPr>
+          <a:xfrm>
+            <a:off x="242892" y="1372666"/>
+            <a:ext cx="2971796" cy="369332"/>
+          </a:xfrm>
+          <a:prstGeom prst="rect">
+            <a:avLst/>
+          </a:prstGeom>
+          <a:noFill/>
+        </p:spPr>
+        <p:txBody>
+          <a:bodyPr wrap="square">
+            <a:spAutoFit/>
+          </a:bodyPr>
+          <a:lstStyle/>
+          <a:p>
+            <a:r>
+              <a:rPr lang="en-US" b="1" dirty="0">
+                <a:solidFill>
+                  <a:schemeClr val="bg1">
+                    <a:lumMod val="85000"/>
+                  </a:schemeClr>
+                </a:solidFill>
+                <a:latin typeface="Arial" panose="020B0604020202020204" pitchFamily="34" charset="0"/>
+                <a:cs typeface="Arial" panose="020B0604020202020204" pitchFamily="34" charset="0"/>
+              </a:rPr>
+              <a:t>Data format continued: </a:t>
+            </a:r>
+          </a:p>
+        </p:txBody>
+      </p:sp>
+      <p:sp>
+        <p:nvSpPr>
+          <p:cNvPr id="13" name="TextBox 12">
+            <a:extLst>
+              <a:ext uri="{FF2B5EF4-FFF2-40B4-BE49-F238E27FC236}">
+                <a16:creationId xmlns:a16="http://schemas.microsoft.com/office/drawing/2014/main" id="{5DDB1CC4-D43D-406A-711F-08AF02AF1E39}"/>
+              </a:ext>
+            </a:extLst>
+          </p:cNvPr>
+          <p:cNvSpPr txBox="1"/>
+          <p:nvPr/>
+        </p:nvSpPr>
+        <p:spPr>
+          <a:xfrm>
+            <a:off x="1728790" y="1927226"/>
+            <a:ext cx="8143874" cy="646331"/>
+          </a:xfrm>
+          <a:prstGeom prst="rect">
+            <a:avLst/>
+          </a:prstGeom>
+          <a:noFill/>
+        </p:spPr>
+        <p:txBody>
+          <a:bodyPr wrap="square">
+            <a:spAutoFit/>
+          </a:bodyPr>
+          <a:lstStyle/>
+          <a:p>
+            <a:r>
+              <a:rPr lang="en-US" dirty="0">
+                <a:solidFill>
+                  <a:schemeClr val="bg1">
+                    <a:lumMod val="85000"/>
+                  </a:schemeClr>
+                </a:solidFill>
+                <a:latin typeface="Arial" panose="020B0604020202020204" pitchFamily="34" charset="0"/>
+                <a:cs typeface="Arial" panose="020B0604020202020204" pitchFamily="34" charset="0"/>
+              </a:rPr>
+              <a:t>We then created a returns column in our data frame by calculating the percent change of the close price for each time period. </a:t>
+            </a:r>
+            <a:endParaRPr lang="en-US" b="0" dirty="0">
+              <a:solidFill>
+                <a:schemeClr val="bg1">
+                  <a:lumMod val="85000"/>
+                </a:schemeClr>
+              </a:solidFill>
+              <a:effectLst/>
+              <a:latin typeface="Arial" panose="020B0604020202020204" pitchFamily="34" charset="0"/>
+              <a:cs typeface="Arial" panose="020B0604020202020204" pitchFamily="34" charset="0"/>
+            </a:endParaRPr>
+          </a:p>
+        </p:txBody>
+      </p:sp>
+      <p:pic>
+        <p:nvPicPr>
+          <p:cNvPr id="17" name="Picture 16">
+            <a:extLst>
+              <a:ext uri="{FF2B5EF4-FFF2-40B4-BE49-F238E27FC236}">
+                <a16:creationId xmlns:a16="http://schemas.microsoft.com/office/drawing/2014/main" id="{5B182838-A603-41B8-2391-B83DDD350126}"/>
+              </a:ext>
+            </a:extLst>
+          </p:cNvPr>
+          <p:cNvPicPr>
+            <a:picLocks noChangeAspect="1"/>
+          </p:cNvPicPr>
+          <p:nvPr/>
+        </p:nvPicPr>
+        <p:blipFill>
+          <a:blip r:embed="rId2"/>
+          <a:stretch>
+            <a:fillRect/>
+          </a:stretch>
+        </p:blipFill>
+        <p:spPr>
+          <a:xfrm>
+            <a:off x="1728790" y="2702144"/>
+            <a:ext cx="6687483" cy="419158"/>
+          </a:xfrm>
+          <a:prstGeom prst="rect">
+            <a:avLst/>
+          </a:prstGeom>
+        </p:spPr>
+      </p:pic>
     </p:spTree>
     <p:extLst>
       <p:ext uri="{BB962C8B-B14F-4D97-AF65-F5344CB8AC3E}">
-        <p14:creationId xmlns:p14="http://schemas.microsoft.com/office/powerpoint/2010/main" val="3783468360"/>
+        <p14:creationId xmlns:p14="http://schemas.microsoft.com/office/powerpoint/2010/main" val="2903743940"/>
       </p:ext>
     </p:extLst>
   </p:cSld>
@@ -6420,7 +6632,7 @@
                 <a:latin typeface="Arial" panose="020B0604020202020204" pitchFamily="34" charset="0"/>
                 <a:cs typeface="Arial" panose="020B0604020202020204" pitchFamily="34" charset="0"/>
               </a:rPr>
-              <a:t>Analysis &amp; Outputs</a:t>
+              <a:t>Materials &amp; Methods</a:t>
             </a:r>
           </a:p>
         </p:txBody>
@@ -6430,7 +6642,7 @@
           <p:cNvPr id="7" name="TextBox 6">
             <a:extLst>
               <a:ext uri="{FF2B5EF4-FFF2-40B4-BE49-F238E27FC236}">
-                <a16:creationId xmlns:a16="http://schemas.microsoft.com/office/drawing/2014/main" id="{24C484EF-37A4-616D-7805-4B1637442430}"/>
+                <a16:creationId xmlns:a16="http://schemas.microsoft.com/office/drawing/2014/main" id="{5B8DD3EC-7FEA-D98A-7C9C-30B3444E28F6}"/>
               </a:ext>
             </a:extLst>
           </p:cNvPr>
@@ -6439,8 +6651,8 @@
         </p:nvSpPr>
         <p:spPr>
           <a:xfrm>
-            <a:off x="-3525441" y="3306927"/>
-            <a:ext cx="3406379" cy="1477328"/>
+            <a:off x="-4054079" y="1364944"/>
+            <a:ext cx="3225404" cy="1754326"/>
           </a:xfrm>
           <a:prstGeom prst="rect">
             <a:avLst/>
@@ -6453,115 +6665,32 @@
           </a:bodyPr>
           <a:lstStyle/>
           <a:p>
-            <a:pPr algn="l"/>
             <a:r>
               <a:rPr lang="en-US" b="0" i="0" dirty="0">
-                <a:solidFill>
-                  <a:schemeClr val="bg1"/>
-                </a:solidFill>
                 <a:effectLst/>
                 <a:latin typeface="Slack-Lato"/>
               </a:rPr>
-              <a:t>Analysis – Michael[SPY] Ryan[AAPL]</a:t>
-            </a:r>
-            <a:br>
-              <a:rPr lang="en-US" b="0" i="0" dirty="0">
-                <a:solidFill>
-                  <a:schemeClr val="bg1"/>
-                </a:solidFill>
-                <a:effectLst/>
-                <a:latin typeface="Slack-Lato"/>
-              </a:rPr>
-            </a:br>
-            <a:endParaRPr lang="en-US" b="0" i="0" dirty="0">
-              <a:solidFill>
-                <a:schemeClr val="bg1"/>
-              </a:solidFill>
-              <a:effectLst/>
+              <a:t>Sam[Data format]</a:t>
+            </a:r>
+          </a:p>
+          <a:p>
+            <a:endParaRPr lang="en-US" dirty="0">
               <a:latin typeface="Slack-Lato"/>
             </a:endParaRPr>
           </a:p>
           <a:p>
-            <a:br>
-              <a:rPr lang="en-US" b="0" i="0" dirty="0">
-                <a:solidFill>
-                  <a:srgbClr val="1D1C1D"/>
-                </a:solidFill>
-                <a:effectLst/>
-                <a:latin typeface="Slack-Lato"/>
-              </a:rPr>
-            </a:br>
+            <a:r>
+              <a:rPr lang="en-US" dirty="0"/>
+              <a:t>What Data did we use and where did we get it from?</a:t>
+            </a:r>
+          </a:p>
+          <a:p>
             <a:endParaRPr lang="en-US" dirty="0"/>
           </a:p>
-        </p:txBody>
-      </p:sp>
-      <p:sp>
-        <p:nvSpPr>
-          <p:cNvPr id="8" name="TextBox 7">
-            <a:extLst>
-              <a:ext uri="{FF2B5EF4-FFF2-40B4-BE49-F238E27FC236}">
-                <a16:creationId xmlns:a16="http://schemas.microsoft.com/office/drawing/2014/main" id="{38413B10-3FC5-14EC-7CFD-B97C2E54EE71}"/>
-              </a:ext>
-            </a:extLst>
-          </p:cNvPr>
-          <p:cNvSpPr txBox="1"/>
-          <p:nvPr/>
-        </p:nvSpPr>
-        <p:spPr>
-          <a:xfrm>
-            <a:off x="-2999234" y="2103970"/>
-            <a:ext cx="6093618" cy="923330"/>
-          </a:xfrm>
-          <a:prstGeom prst="rect">
-            <a:avLst/>
-          </a:prstGeom>
-          <a:noFill/>
-        </p:spPr>
-        <p:txBody>
-          <a:bodyPr wrap="square">
-            <a:spAutoFit/>
-          </a:bodyPr>
-          <a:lstStyle/>
-          <a:p>
-            <a:pPr algn="l"/>
-            <a:r>
-              <a:rPr lang="en-US" b="0" i="0" dirty="0">
-                <a:solidFill>
-                  <a:schemeClr val="bg1"/>
-                </a:solidFill>
-                <a:effectLst/>
-                <a:latin typeface="Slack-Lato"/>
-              </a:rPr>
-              <a:t>What were the outputs?</a:t>
-            </a:r>
-            <a:br>
-              <a:rPr lang="en-US" b="0" i="0" dirty="0">
-                <a:solidFill>
-                  <a:schemeClr val="bg1"/>
-                </a:solidFill>
-                <a:effectLst/>
-                <a:latin typeface="Slack-Lato"/>
-              </a:rPr>
-            </a:br>
-            <a:endParaRPr lang="en-US" b="0" i="0" dirty="0">
-              <a:solidFill>
-                <a:schemeClr val="bg1"/>
-              </a:solidFill>
-              <a:effectLst/>
-              <a:latin typeface="Slack-Lato"/>
-            </a:endParaRPr>
-          </a:p>
-          <a:p>
-            <a:pPr algn="l"/>
-            <a:r>
-              <a:rPr lang="en-US" b="0" i="0" dirty="0">
-                <a:solidFill>
-                  <a:schemeClr val="bg1"/>
-                </a:solidFill>
-                <a:effectLst/>
-                <a:latin typeface="Slack-Lato"/>
-              </a:rPr>
-              <a:t>What did the outputs tell us?</a:t>
+          <a:p>
+            <a:r>
+              <a:rPr lang="en-US" dirty="0"/>
+              <a:t>How did we access it?</a:t>
             </a:r>
           </a:p>
         </p:txBody>
@@ -6571,7 +6700,7 @@
           <p:cNvPr id="12" name="TextBox 11">
             <a:extLst>
               <a:ext uri="{FF2B5EF4-FFF2-40B4-BE49-F238E27FC236}">
-                <a16:creationId xmlns:a16="http://schemas.microsoft.com/office/drawing/2014/main" id="{0F3E3CE8-0878-0354-74CE-9ACDA279CCCD}"/>
+                <a16:creationId xmlns:a16="http://schemas.microsoft.com/office/drawing/2014/main" id="{71E95032-214D-0FF8-37A2-AA93BACC2AA6}"/>
               </a:ext>
             </a:extLst>
           </p:cNvPr>
@@ -6605,7 +6734,7 @@
                 <a:latin typeface="Arial" panose="020B0604020202020204" pitchFamily="34" charset="0"/>
                 <a:cs typeface="Arial" panose="020B0604020202020204" pitchFamily="34" charset="0"/>
               </a:rPr>
-              <a:t>Briefer: Ryan Stowers</a:t>
+              <a:t>Briefer: Sam Muslin</a:t>
             </a:r>
           </a:p>
           <a:p>
@@ -6622,10 +6751,10 @@
       </p:sp>
       <p:sp>
         <p:nvSpPr>
-          <p:cNvPr id="13" name="TextBox 12">
-            <a:extLst>
-              <a:ext uri="{FF2B5EF4-FFF2-40B4-BE49-F238E27FC236}">
-                <a16:creationId xmlns:a16="http://schemas.microsoft.com/office/drawing/2014/main" id="{5934E4D6-40A6-1091-2230-929980990F95}"/>
+          <p:cNvPr id="10" name="TextBox 9">
+            <a:extLst>
+              <a:ext uri="{FF2B5EF4-FFF2-40B4-BE49-F238E27FC236}">
+                <a16:creationId xmlns:a16="http://schemas.microsoft.com/office/drawing/2014/main" id="{6E406BAA-833B-B14F-A462-6FDF937754D8}"/>
               </a:ext>
             </a:extLst>
           </p:cNvPr>
@@ -6634,8 +6763,8 @@
         </p:nvSpPr>
         <p:spPr>
           <a:xfrm>
-            <a:off x="318492" y="1376981"/>
-            <a:ext cx="8076010" cy="369332"/>
+            <a:off x="242892" y="1372666"/>
+            <a:ext cx="5104254" cy="369332"/>
           </a:xfrm>
           <a:prstGeom prst="rect">
             <a:avLst/>
@@ -6649,7 +6778,7 @@
           <a:lstStyle/>
           <a:p>
             <a:r>
-              <a:rPr lang="en-US" dirty="0">
+              <a:rPr lang="en-US" b="1" dirty="0">
                 <a:solidFill>
                   <a:schemeClr val="bg1">
                     <a:lumMod val="85000"/>
@@ -6658,17 +6787,17 @@
                 <a:latin typeface="Arial" panose="020B0604020202020204" pitchFamily="34" charset="0"/>
                 <a:cs typeface="Arial" panose="020B0604020202020204" pitchFamily="34" charset="0"/>
               </a:rPr>
-              <a:t>Looking at the first graph is just a display of the closing price for AAPL.</a:t>
+              <a:t>ADDING SPY INFORMATION AS A CHECK:</a:t>
             </a:r>
           </a:p>
         </p:txBody>
       </p:sp>
       <p:pic>
         <p:nvPicPr>
-          <p:cNvPr id="15" name="Picture 14">
-            <a:extLst>
-              <a:ext uri="{FF2B5EF4-FFF2-40B4-BE49-F238E27FC236}">
-                <a16:creationId xmlns:a16="http://schemas.microsoft.com/office/drawing/2014/main" id="{56D44CFA-DF69-9C42-AFDE-C1AA560CF521}"/>
+          <p:cNvPr id="6" name="Content Placeholder 8">
+            <a:extLst>
+              <a:ext uri="{FF2B5EF4-FFF2-40B4-BE49-F238E27FC236}">
+                <a16:creationId xmlns:a16="http://schemas.microsoft.com/office/drawing/2014/main" id="{B1EF28EB-A726-CCC4-2471-9D8DCEAC6723}"/>
               </a:ext>
             </a:extLst>
           </p:cNvPr>
@@ -6685,8 +6814,8 @@
         </p:blipFill>
         <p:spPr>
           <a:xfrm>
-            <a:off x="897731" y="1857374"/>
-            <a:ext cx="10515600" cy="4662657"/>
+            <a:off x="2733678" y="1959626"/>
+            <a:ext cx="8328226" cy="3998360"/>
           </a:xfrm>
           <a:prstGeom prst="rect">
             <a:avLst/>
@@ -6696,7 +6825,7 @@
     </p:spTree>
     <p:extLst>
       <p:ext uri="{BB962C8B-B14F-4D97-AF65-F5344CB8AC3E}">
-        <p14:creationId xmlns:p14="http://schemas.microsoft.com/office/powerpoint/2010/main" val="2011414338"/>
+        <p14:creationId xmlns:p14="http://schemas.microsoft.com/office/powerpoint/2010/main" val="3887757629"/>
       </p:ext>
     </p:extLst>
   </p:cSld>
@@ -6963,7 +7092,7 @@
                 <a:latin typeface="Arial" panose="020B0604020202020204" pitchFamily="34" charset="0"/>
                 <a:cs typeface="Arial" panose="020B0604020202020204" pitchFamily="34" charset="0"/>
               </a:rPr>
-              <a:t>Analysis &amp; Outputs</a:t>
+              <a:t>Materials &amp; Methods</a:t>
             </a:r>
           </a:p>
         </p:txBody>
@@ -6973,7 +7102,7 @@
           <p:cNvPr id="7" name="TextBox 6">
             <a:extLst>
               <a:ext uri="{FF2B5EF4-FFF2-40B4-BE49-F238E27FC236}">
-                <a16:creationId xmlns:a16="http://schemas.microsoft.com/office/drawing/2014/main" id="{24C484EF-37A4-616D-7805-4B1637442430}"/>
+                <a16:creationId xmlns:a16="http://schemas.microsoft.com/office/drawing/2014/main" id="{5B8DD3EC-7FEA-D98A-7C9C-30B3444E28F6}"/>
               </a:ext>
             </a:extLst>
           </p:cNvPr>
@@ -6982,8 +7111,8 @@
         </p:nvSpPr>
         <p:spPr>
           <a:xfrm>
-            <a:off x="-3525441" y="3306927"/>
-            <a:ext cx="3406379" cy="1477328"/>
+            <a:off x="-4054079" y="1364944"/>
+            <a:ext cx="3225404" cy="1754326"/>
           </a:xfrm>
           <a:prstGeom prst="rect">
             <a:avLst/>
@@ -6996,115 +7125,32 @@
           </a:bodyPr>
           <a:lstStyle/>
           <a:p>
-            <a:pPr algn="l"/>
             <a:r>
               <a:rPr lang="en-US" b="0" i="0" dirty="0">
-                <a:solidFill>
-                  <a:schemeClr val="bg1"/>
-                </a:solidFill>
                 <a:effectLst/>
                 <a:latin typeface="Slack-Lato"/>
               </a:rPr>
-              <a:t>Analysis – Michael[SPY] Ryan[AAPL]</a:t>
-            </a:r>
-            <a:br>
-              <a:rPr lang="en-US" b="0" i="0" dirty="0">
-                <a:solidFill>
-                  <a:schemeClr val="bg1"/>
-                </a:solidFill>
-                <a:effectLst/>
-                <a:latin typeface="Slack-Lato"/>
-              </a:rPr>
-            </a:br>
-            <a:endParaRPr lang="en-US" b="0" i="0" dirty="0">
-              <a:solidFill>
-                <a:schemeClr val="bg1"/>
-              </a:solidFill>
-              <a:effectLst/>
+              <a:t>Sam[Data format]</a:t>
+            </a:r>
+          </a:p>
+          <a:p>
+            <a:endParaRPr lang="en-US" dirty="0">
               <a:latin typeface="Slack-Lato"/>
             </a:endParaRPr>
           </a:p>
           <a:p>
-            <a:br>
-              <a:rPr lang="en-US" b="0" i="0" dirty="0">
-                <a:solidFill>
-                  <a:srgbClr val="1D1C1D"/>
-                </a:solidFill>
-                <a:effectLst/>
-                <a:latin typeface="Slack-Lato"/>
-              </a:rPr>
-            </a:br>
+            <a:r>
+              <a:rPr lang="en-US" dirty="0"/>
+              <a:t>What Data did we use and where did we get it from?</a:t>
+            </a:r>
+          </a:p>
+          <a:p>
             <a:endParaRPr lang="en-US" dirty="0"/>
           </a:p>
-        </p:txBody>
-      </p:sp>
-      <p:sp>
-        <p:nvSpPr>
-          <p:cNvPr id="8" name="TextBox 7">
-            <a:extLst>
-              <a:ext uri="{FF2B5EF4-FFF2-40B4-BE49-F238E27FC236}">
-                <a16:creationId xmlns:a16="http://schemas.microsoft.com/office/drawing/2014/main" id="{38413B10-3FC5-14EC-7CFD-B97C2E54EE71}"/>
-              </a:ext>
-            </a:extLst>
-          </p:cNvPr>
-          <p:cNvSpPr txBox="1"/>
-          <p:nvPr/>
-        </p:nvSpPr>
-        <p:spPr>
-          <a:xfrm>
-            <a:off x="-2999234" y="2103970"/>
-            <a:ext cx="6093618" cy="923330"/>
-          </a:xfrm>
-          <a:prstGeom prst="rect">
-            <a:avLst/>
-          </a:prstGeom>
-          <a:noFill/>
-        </p:spPr>
-        <p:txBody>
-          <a:bodyPr wrap="square">
-            <a:spAutoFit/>
-          </a:bodyPr>
-          <a:lstStyle/>
-          <a:p>
-            <a:pPr algn="l"/>
-            <a:r>
-              <a:rPr lang="en-US" b="0" i="0" dirty="0">
-                <a:solidFill>
-                  <a:schemeClr val="bg1"/>
-                </a:solidFill>
-                <a:effectLst/>
-                <a:latin typeface="Slack-Lato"/>
-              </a:rPr>
-              <a:t>What were the outputs?</a:t>
-            </a:r>
-            <a:br>
-              <a:rPr lang="en-US" b="0" i="0" dirty="0">
-                <a:solidFill>
-                  <a:schemeClr val="bg1"/>
-                </a:solidFill>
-                <a:effectLst/>
-                <a:latin typeface="Slack-Lato"/>
-              </a:rPr>
-            </a:br>
-            <a:endParaRPr lang="en-US" b="0" i="0" dirty="0">
-              <a:solidFill>
-                <a:schemeClr val="bg1"/>
-              </a:solidFill>
-              <a:effectLst/>
-              <a:latin typeface="Slack-Lato"/>
-            </a:endParaRPr>
-          </a:p>
-          <a:p>
-            <a:pPr algn="l"/>
-            <a:r>
-              <a:rPr lang="en-US" b="0" i="0" dirty="0">
-                <a:solidFill>
-                  <a:schemeClr val="bg1"/>
-                </a:solidFill>
-                <a:effectLst/>
-                <a:latin typeface="Slack-Lato"/>
-              </a:rPr>
-              <a:t>What did the outputs tell us?</a:t>
+          <a:p>
+            <a:r>
+              <a:rPr lang="en-US" dirty="0"/>
+              <a:t>How did we access it?</a:t>
             </a:r>
           </a:p>
         </p:txBody>
@@ -7114,7 +7160,7 @@
           <p:cNvPr id="12" name="TextBox 11">
             <a:extLst>
               <a:ext uri="{FF2B5EF4-FFF2-40B4-BE49-F238E27FC236}">
-                <a16:creationId xmlns:a16="http://schemas.microsoft.com/office/drawing/2014/main" id="{0F3E3CE8-0878-0354-74CE-9ACDA279CCCD}"/>
+                <a16:creationId xmlns:a16="http://schemas.microsoft.com/office/drawing/2014/main" id="{71E95032-214D-0FF8-37A2-AA93BACC2AA6}"/>
               </a:ext>
             </a:extLst>
           </p:cNvPr>
@@ -7148,7 +7194,7 @@
                 <a:latin typeface="Arial" panose="020B0604020202020204" pitchFamily="34" charset="0"/>
                 <a:cs typeface="Arial" panose="020B0604020202020204" pitchFamily="34" charset="0"/>
               </a:rPr>
-              <a:t>Briefer: Ryan Stowers</a:t>
+              <a:t>Briefer: Sam Muslin</a:t>
             </a:r>
           </a:p>
           <a:p>
@@ -7165,10 +7211,10 @@
       </p:sp>
       <p:sp>
         <p:nvSpPr>
-          <p:cNvPr id="13" name="TextBox 12">
-            <a:extLst>
-              <a:ext uri="{FF2B5EF4-FFF2-40B4-BE49-F238E27FC236}">
-                <a16:creationId xmlns:a16="http://schemas.microsoft.com/office/drawing/2014/main" id="{5934E4D6-40A6-1091-2230-929980990F95}"/>
+          <p:cNvPr id="10" name="TextBox 9">
+            <a:extLst>
+              <a:ext uri="{FF2B5EF4-FFF2-40B4-BE49-F238E27FC236}">
+                <a16:creationId xmlns:a16="http://schemas.microsoft.com/office/drawing/2014/main" id="{6E406BAA-833B-B14F-A462-6FDF937754D8}"/>
               </a:ext>
             </a:extLst>
           </p:cNvPr>
@@ -7177,8 +7223,8 @@
         </p:nvSpPr>
         <p:spPr>
           <a:xfrm>
-            <a:off x="282178" y="1309008"/>
-            <a:ext cx="11490722" cy="646331"/>
+            <a:off x="242892" y="1372666"/>
+            <a:ext cx="2971796" cy="369332"/>
           </a:xfrm>
           <a:prstGeom prst="rect">
             <a:avLst/>
@@ -7192,7 +7238,19 @@
           <a:lstStyle/>
           <a:p>
             <a:r>
-              <a:rPr lang="en-US" dirty="0">
+              <a:rPr lang="en-US" b="1" dirty="0">
+                <a:solidFill>
+                  <a:schemeClr val="bg1">
+                    <a:lumMod val="75000"/>
+                  </a:schemeClr>
+                </a:solidFill>
+                <a:latin typeface="Arial" panose="020B0604020202020204" pitchFamily="34" charset="0"/>
+                <a:cs typeface="Arial" panose="020B0604020202020204" pitchFamily="34" charset="0"/>
+              </a:rPr>
+              <a:t>This was the output</a:t>
+            </a:r>
+            <a:r>
+              <a:rPr lang="en-US" b="1" dirty="0">
                 <a:solidFill>
                   <a:schemeClr val="bg1">
                     <a:lumMod val="85000"/>
@@ -7201,17 +7259,17 @@
                 <a:latin typeface="Arial" panose="020B0604020202020204" pitchFamily="34" charset="0"/>
                 <a:cs typeface="Arial" panose="020B0604020202020204" pitchFamily="34" charset="0"/>
               </a:rPr>
-              <a:t>In this next graph, you can see we added the MACD and signal line. We start off buying at the open, then when the MACD line pass the signal line we sell because the signal line is indicating a downwards trend.</a:t>
+              <a:t>: </a:t>
             </a:r>
           </a:p>
         </p:txBody>
       </p:sp>
       <p:pic>
         <p:nvPicPr>
-          <p:cNvPr id="14" name="Picture 13">
-            <a:extLst>
-              <a:ext uri="{FF2B5EF4-FFF2-40B4-BE49-F238E27FC236}">
-                <a16:creationId xmlns:a16="http://schemas.microsoft.com/office/drawing/2014/main" id="{40D3834F-3113-E019-F14C-5910E9FD6646}"/>
+          <p:cNvPr id="13" name="Picture 12">
+            <a:extLst>
+              <a:ext uri="{FF2B5EF4-FFF2-40B4-BE49-F238E27FC236}">
+                <a16:creationId xmlns:a16="http://schemas.microsoft.com/office/drawing/2014/main" id="{8C0A8E9A-C0E7-BC0B-231B-0FD99B3F2DFD}"/>
               </a:ext>
             </a:extLst>
           </p:cNvPr>
@@ -7221,15 +7279,26 @@
           <p:nvPr/>
         </p:nvPicPr>
         <p:blipFill>
-          <a:blip r:embed="rId2"/>
+          <a:blip r:embed="rId2">
+            <a:clrChange>
+              <a:clrFrom>
+                <a:srgbClr val="181818"/>
+              </a:clrFrom>
+              <a:clrTo>
+                <a:srgbClr val="181818">
+                  <a:alpha val="0"/>
+                </a:srgbClr>
+              </a:clrTo>
+            </a:clrChange>
+          </a:blip>
           <a:stretch>
             <a:fillRect/>
           </a:stretch>
         </p:blipFill>
         <p:spPr>
           <a:xfrm>
-            <a:off x="1709737" y="2061349"/>
-            <a:ext cx="8767762" cy="4519250"/>
+            <a:off x="2770945" y="1999197"/>
+            <a:ext cx="6645348" cy="3495816"/>
           </a:xfrm>
           <a:prstGeom prst="rect">
             <a:avLst/>
@@ -7239,7 +7308,7 @@
     </p:spTree>
     <p:extLst>
       <p:ext uri="{BB962C8B-B14F-4D97-AF65-F5344CB8AC3E}">
-        <p14:creationId xmlns:p14="http://schemas.microsoft.com/office/powerpoint/2010/main" val="3297369502"/>
+        <p14:creationId xmlns:p14="http://schemas.microsoft.com/office/powerpoint/2010/main" val="3903667164"/>
       </p:ext>
     </p:extLst>
   </p:cSld>
@@ -7720,8 +7789,8 @@
         </p:nvSpPr>
         <p:spPr>
           <a:xfrm>
-            <a:off x="318492" y="1378036"/>
-            <a:ext cx="11240096" cy="923330"/>
+            <a:off x="318492" y="1376981"/>
+            <a:ext cx="8076010" cy="369332"/>
           </a:xfrm>
           <a:prstGeom prst="rect">
             <a:avLst/>
@@ -7744,17 +7813,17 @@
                 <a:latin typeface="Arial" panose="020B0604020202020204" pitchFamily="34" charset="0"/>
                 <a:cs typeface="Arial" panose="020B0604020202020204" pitchFamily="34" charset="0"/>
               </a:rPr>
-              <a:t>In this last graph you can see a better picture of when we buy and sell.  For example, we started with buying at the open, then the MACD passes the signal line we sell until it passes it again. At approximately 1:45 the signal line is indicating a upwards trend where we buy until it crosses again to indicate that we sell. </a:t>
+              <a:t>A display of the closing price for AAPL.</a:t>
             </a:r>
           </a:p>
         </p:txBody>
       </p:sp>
       <p:pic>
         <p:nvPicPr>
-          <p:cNvPr id="14" name="Picture 13">
-            <a:extLst>
-              <a:ext uri="{FF2B5EF4-FFF2-40B4-BE49-F238E27FC236}">
-                <a16:creationId xmlns:a16="http://schemas.microsoft.com/office/drawing/2014/main" id="{91BFAFC5-6049-8A56-A7C9-67686C0F4FDD}"/>
+          <p:cNvPr id="15" name="Picture 14">
+            <a:extLst>
+              <a:ext uri="{FF2B5EF4-FFF2-40B4-BE49-F238E27FC236}">
+                <a16:creationId xmlns:a16="http://schemas.microsoft.com/office/drawing/2014/main" id="{56D44CFA-DF69-9C42-AFDE-C1AA560CF521}"/>
               </a:ext>
             </a:extLst>
           </p:cNvPr>
@@ -7771,8 +7840,8 @@
         </p:blipFill>
         <p:spPr>
           <a:xfrm>
-            <a:off x="1984370" y="2381732"/>
-            <a:ext cx="8218495" cy="4189884"/>
+            <a:off x="897731" y="1857374"/>
+            <a:ext cx="10515600" cy="4662657"/>
           </a:xfrm>
           <a:prstGeom prst="rect">
             <a:avLst/>
@@ -7782,7 +7851,7 @@
     </p:spTree>
     <p:extLst>
       <p:ext uri="{BB962C8B-B14F-4D97-AF65-F5344CB8AC3E}">
-        <p14:creationId xmlns:p14="http://schemas.microsoft.com/office/powerpoint/2010/main" val="2179045673"/>
+        <p14:creationId xmlns:p14="http://schemas.microsoft.com/office/powerpoint/2010/main" val="2011414338"/>
       </p:ext>
     </p:extLst>
   </p:cSld>
@@ -8056,10 +8125,10 @@
       </p:sp>
       <p:sp>
         <p:nvSpPr>
-          <p:cNvPr id="12" name="TextBox 11">
-            <a:extLst>
-              <a:ext uri="{FF2B5EF4-FFF2-40B4-BE49-F238E27FC236}">
-                <a16:creationId xmlns:a16="http://schemas.microsoft.com/office/drawing/2014/main" id="{ACF75A3B-1F4A-D0AB-2631-7D9F2F030FDB}"/>
+          <p:cNvPr id="7" name="TextBox 6">
+            <a:extLst>
+              <a:ext uri="{FF2B5EF4-FFF2-40B4-BE49-F238E27FC236}">
+                <a16:creationId xmlns:a16="http://schemas.microsoft.com/office/drawing/2014/main" id="{24C484EF-37A4-616D-7805-4B1637442430}"/>
               </a:ext>
             </a:extLst>
           </p:cNvPr>
@@ -8068,8 +8137,8 @@
         </p:nvSpPr>
         <p:spPr>
           <a:xfrm>
-            <a:off x="417910" y="1503805"/>
-            <a:ext cx="6093618" cy="1200329"/>
+            <a:off x="-3525441" y="3306927"/>
+            <a:ext cx="3406379" cy="1477328"/>
           </a:xfrm>
           <a:prstGeom prst="rect">
             <a:avLst/>
@@ -8086,9 +8155,7 @@
             <a:r>
               <a:rPr lang="en-US" b="0" i="0" dirty="0">
                 <a:solidFill>
-                  <a:schemeClr val="bg1">
-                    <a:lumMod val="75000"/>
-                  </a:schemeClr>
+                  <a:schemeClr val="bg1"/>
                 </a:solidFill>
                 <a:effectLst/>
                 <a:latin typeface="Slack-Lato"/>
@@ -8098,9 +8165,7 @@
             <a:br>
               <a:rPr lang="en-US" b="0" i="0" dirty="0">
                 <a:solidFill>
-                  <a:schemeClr val="bg1">
-                    <a:lumMod val="75000"/>
-                  </a:schemeClr>
+                  <a:schemeClr val="bg1"/>
                 </a:solidFill>
                 <a:effectLst/>
                 <a:latin typeface="Slack-Lato"/>
@@ -8108,9 +8173,7 @@
             </a:br>
             <a:endParaRPr lang="en-US" b="0" i="0" dirty="0">
               <a:solidFill>
-                <a:schemeClr val="bg1">
-                  <a:lumMod val="75000"/>
-                </a:schemeClr>
+                <a:schemeClr val="bg1"/>
               </a:solidFill>
               <a:effectLst/>
               <a:latin typeface="Slack-Lato"/>
@@ -8132,10 +8195,10 @@
       </p:sp>
       <p:sp>
         <p:nvSpPr>
-          <p:cNvPr id="14" name="TextBox 13">
-            <a:extLst>
-              <a:ext uri="{FF2B5EF4-FFF2-40B4-BE49-F238E27FC236}">
-                <a16:creationId xmlns:a16="http://schemas.microsoft.com/office/drawing/2014/main" id="{7053C827-8FBD-BEDA-3521-35F8C6F910B3}"/>
+          <p:cNvPr id="8" name="TextBox 7">
+            <a:extLst>
+              <a:ext uri="{FF2B5EF4-FFF2-40B4-BE49-F238E27FC236}">
+                <a16:creationId xmlns:a16="http://schemas.microsoft.com/office/drawing/2014/main" id="{38413B10-3FC5-14EC-7CFD-B97C2E54EE71}"/>
               </a:ext>
             </a:extLst>
           </p:cNvPr>
@@ -8144,7 +8207,7 @@
         </p:nvSpPr>
         <p:spPr>
           <a:xfrm>
-            <a:off x="417910" y="2042107"/>
+            <a:off x="-2999234" y="2103970"/>
             <a:ext cx="6093618" cy="923330"/>
           </a:xfrm>
           <a:prstGeom prst="rect">
@@ -8162,9 +8225,7 @@
             <a:r>
               <a:rPr lang="en-US" b="0" i="0" dirty="0">
                 <a:solidFill>
-                  <a:schemeClr val="bg1">
-                    <a:lumMod val="75000"/>
-                  </a:schemeClr>
+                  <a:schemeClr val="bg1"/>
                 </a:solidFill>
                 <a:effectLst/>
                 <a:latin typeface="Slack-Lato"/>
@@ -8174,9 +8235,7 @@
             <a:br>
               <a:rPr lang="en-US" b="0" i="0" dirty="0">
                 <a:solidFill>
-                  <a:schemeClr val="bg1">
-                    <a:lumMod val="75000"/>
-                  </a:schemeClr>
+                  <a:schemeClr val="bg1"/>
                 </a:solidFill>
                 <a:effectLst/>
                 <a:latin typeface="Slack-Lato"/>
@@ -8184,9 +8243,7 @@
             </a:br>
             <a:endParaRPr lang="en-US" b="0" i="0" dirty="0">
               <a:solidFill>
-                <a:schemeClr val="bg1">
-                  <a:lumMod val="75000"/>
-                </a:schemeClr>
+                <a:schemeClr val="bg1"/>
               </a:solidFill>
               <a:effectLst/>
               <a:latin typeface="Slack-Lato"/>
@@ -8197,92 +8254,57 @@
             <a:r>
               <a:rPr lang="en-US" b="0" i="0" dirty="0">
                 <a:solidFill>
+                  <a:schemeClr val="bg1"/>
+                </a:solidFill>
+                <a:effectLst/>
+                <a:latin typeface="Slack-Lato"/>
+              </a:rPr>
+              <a:t>What did the outputs tell us?</a:t>
+            </a:r>
+          </a:p>
+        </p:txBody>
+      </p:sp>
+      <p:sp>
+        <p:nvSpPr>
+          <p:cNvPr id="12" name="TextBox 11">
+            <a:extLst>
+              <a:ext uri="{FF2B5EF4-FFF2-40B4-BE49-F238E27FC236}">
+                <a16:creationId xmlns:a16="http://schemas.microsoft.com/office/drawing/2014/main" id="{0F3E3CE8-0878-0354-74CE-9ACDA279CCCD}"/>
+              </a:ext>
+            </a:extLst>
+          </p:cNvPr>
+          <p:cNvSpPr txBox="1"/>
+          <p:nvPr/>
+        </p:nvSpPr>
+        <p:spPr>
+          <a:xfrm>
+            <a:off x="7886700" y="112991"/>
+            <a:ext cx="4186239" cy="523220"/>
+          </a:xfrm>
+          <a:prstGeom prst="rect">
+            <a:avLst/>
+          </a:prstGeom>
+          <a:noFill/>
+        </p:spPr>
+        <p:txBody>
+          <a:bodyPr wrap="square" rtlCol="0">
+            <a:spAutoFit/>
+          </a:bodyPr>
+          <a:lstStyle/>
+          <a:p>
+            <a:pPr algn="r"/>
+            <a:r>
+              <a:rPr lang="en-US" sz="1400" i="1" dirty="0">
+                <a:solidFill>
                   <a:schemeClr val="bg1">
                     <a:lumMod val="75000"/>
                   </a:schemeClr>
                 </a:solidFill>
-                <a:effectLst/>
-                <a:latin typeface="Slack-Lato"/>
-              </a:rPr>
-              <a:t>What did the outputs tell us?</a:t>
-            </a:r>
-          </a:p>
-        </p:txBody>
-      </p:sp>
-      <p:sp>
-        <p:nvSpPr>
-          <p:cNvPr id="15" name="TextBox 14">
-            <a:extLst>
-              <a:ext uri="{FF2B5EF4-FFF2-40B4-BE49-F238E27FC236}">
-                <a16:creationId xmlns:a16="http://schemas.microsoft.com/office/drawing/2014/main" id="{FCBFDD02-51CC-AC9F-F897-ED1643C6B457}"/>
-              </a:ext>
-            </a:extLst>
-          </p:cNvPr>
-          <p:cNvSpPr txBox="1"/>
-          <p:nvPr/>
-        </p:nvSpPr>
-        <p:spPr>
-          <a:xfrm>
-            <a:off x="7886700" y="112991"/>
-            <a:ext cx="4186239" cy="738664"/>
-          </a:xfrm>
-          <a:prstGeom prst="rect">
-            <a:avLst/>
-          </a:prstGeom>
-          <a:noFill/>
-        </p:spPr>
-        <p:txBody>
-          <a:bodyPr wrap="square" rtlCol="0">
-            <a:spAutoFit/>
-          </a:bodyPr>
-          <a:lstStyle/>
-          <a:p>
-            <a:pPr algn="r"/>
-            <a:r>
-              <a:rPr lang="en-US" sz="1400" i="1" dirty="0">
-                <a:solidFill>
-                  <a:schemeClr val="bg1">
-                    <a:lumMod val="75000"/>
-                  </a:schemeClr>
-                </a:solidFill>
                 <a:latin typeface="Arial" panose="020B0604020202020204" pitchFamily="34" charset="0"/>
                 <a:cs typeface="Arial" panose="020B0604020202020204" pitchFamily="34" charset="0"/>
               </a:rPr>
-              <a:t>Briefer: Michael </a:t>
-            </a:r>
-            <a:r>
-              <a:rPr lang="en-US" sz="1400" i="1" dirty="0" err="1">
-                <a:solidFill>
-                  <a:schemeClr val="bg1">
-                    <a:lumMod val="75000"/>
-                  </a:schemeClr>
-                </a:solidFill>
-                <a:latin typeface="Arial" panose="020B0604020202020204" pitchFamily="34" charset="0"/>
-                <a:cs typeface="Arial" panose="020B0604020202020204" pitchFamily="34" charset="0"/>
-              </a:rPr>
-              <a:t>Drinkard</a:t>
-            </a:r>
-            <a:endParaRPr lang="en-US" sz="1400" i="1" dirty="0">
-              <a:solidFill>
-                <a:schemeClr val="bg1">
-                  <a:lumMod val="75000"/>
-                </a:schemeClr>
-              </a:solidFill>
-              <a:latin typeface="Arial" panose="020B0604020202020204" pitchFamily="34" charset="0"/>
-              <a:cs typeface="Arial" panose="020B0604020202020204" pitchFamily="34" charset="0"/>
-            </a:endParaRPr>
-          </a:p>
-          <a:p>
-            <a:pPr algn="r"/>
-            <a:endParaRPr lang="en-US" sz="1400" dirty="0">
-              <a:solidFill>
-                <a:schemeClr val="bg1">
-                  <a:lumMod val="75000"/>
-                </a:schemeClr>
-              </a:solidFill>
-              <a:latin typeface="Arial" panose="020B0604020202020204" pitchFamily="34" charset="0"/>
-              <a:cs typeface="Arial" panose="020B0604020202020204" pitchFamily="34" charset="0"/>
-            </a:endParaRPr>
+              <a:t>Briefer: Ryan Stowers</a:t>
+            </a:r>
           </a:p>
           <a:p>
             <a:pPr algn="r"/>
@@ -8296,10 +8318,83 @@
           </a:p>
         </p:txBody>
       </p:sp>
+      <p:sp>
+        <p:nvSpPr>
+          <p:cNvPr id="13" name="TextBox 12">
+            <a:extLst>
+              <a:ext uri="{FF2B5EF4-FFF2-40B4-BE49-F238E27FC236}">
+                <a16:creationId xmlns:a16="http://schemas.microsoft.com/office/drawing/2014/main" id="{5934E4D6-40A6-1091-2230-929980990F95}"/>
+              </a:ext>
+            </a:extLst>
+          </p:cNvPr>
+          <p:cNvSpPr txBox="1"/>
+          <p:nvPr/>
+        </p:nvSpPr>
+        <p:spPr>
+          <a:xfrm>
+            <a:off x="282178" y="1309008"/>
+            <a:ext cx="11490722" cy="646331"/>
+          </a:xfrm>
+          <a:prstGeom prst="rect">
+            <a:avLst/>
+          </a:prstGeom>
+          <a:noFill/>
+        </p:spPr>
+        <p:txBody>
+          <a:bodyPr wrap="square">
+            <a:spAutoFit/>
+          </a:bodyPr>
+          <a:lstStyle/>
+          <a:p>
+            <a:r>
+              <a:rPr lang="en-US" dirty="0">
+                <a:solidFill>
+                  <a:schemeClr val="bg1">
+                    <a:lumMod val="85000"/>
+                  </a:schemeClr>
+                </a:solidFill>
+                <a:latin typeface="Arial" panose="020B0604020202020204" pitchFamily="34" charset="0"/>
+                <a:cs typeface="Arial" panose="020B0604020202020204" pitchFamily="34" charset="0"/>
+              </a:rPr>
+              <a:t>In this next graph, you can see we added the MACD and signal line. We start off buying at the open, then when the MACD line pass the signal line we sell because the signal line is indicating a downwards trend.</a:t>
+            </a:r>
+          </a:p>
+        </p:txBody>
+      </p:sp>
+      <p:pic>
+        <p:nvPicPr>
+          <p:cNvPr id="14" name="Picture 13">
+            <a:extLst>
+              <a:ext uri="{FF2B5EF4-FFF2-40B4-BE49-F238E27FC236}">
+                <a16:creationId xmlns:a16="http://schemas.microsoft.com/office/drawing/2014/main" id="{40D3834F-3113-E019-F14C-5910E9FD6646}"/>
+              </a:ext>
+            </a:extLst>
+          </p:cNvPr>
+          <p:cNvPicPr>
+            <a:picLocks noChangeAspect="1"/>
+          </p:cNvPicPr>
+          <p:nvPr/>
+        </p:nvPicPr>
+        <p:blipFill>
+          <a:blip r:embed="rId2"/>
+          <a:stretch>
+            <a:fillRect/>
+          </a:stretch>
+        </p:blipFill>
+        <p:spPr>
+          <a:xfrm>
+            <a:off x="1709737" y="2061349"/>
+            <a:ext cx="8767762" cy="4519250"/>
+          </a:xfrm>
+          <a:prstGeom prst="rect">
+            <a:avLst/>
+          </a:prstGeom>
+        </p:spPr>
+      </p:pic>
     </p:spTree>
     <p:extLst>
       <p:ext uri="{BB962C8B-B14F-4D97-AF65-F5344CB8AC3E}">
-        <p14:creationId xmlns:p14="http://schemas.microsoft.com/office/powerpoint/2010/main" val="817477383"/>
+        <p14:creationId xmlns:p14="http://schemas.microsoft.com/office/powerpoint/2010/main" val="3297369502"/>
       </p:ext>
     </p:extLst>
   </p:cSld>
@@ -8566,17 +8661,158 @@
                 <a:latin typeface="Arial" panose="020B0604020202020204" pitchFamily="34" charset="0"/>
                 <a:cs typeface="Arial" panose="020B0604020202020204" pitchFamily="34" charset="0"/>
               </a:rPr>
-              <a:t>Lessons Learned</a:t>
-            </a:r>
-          </a:p>
-        </p:txBody>
-      </p:sp>
-      <p:sp>
-        <p:nvSpPr>
-          <p:cNvPr id="6" name="TextBox 5">
-            <a:extLst>
-              <a:ext uri="{FF2B5EF4-FFF2-40B4-BE49-F238E27FC236}">
-                <a16:creationId xmlns:a16="http://schemas.microsoft.com/office/drawing/2014/main" id="{B31D4CA7-C4C5-98E5-6FA6-41CDEC2E70A7}"/>
+              <a:t>Analysis &amp; Outputs</a:t>
+            </a:r>
+          </a:p>
+        </p:txBody>
+      </p:sp>
+      <p:sp>
+        <p:nvSpPr>
+          <p:cNvPr id="7" name="TextBox 6">
+            <a:extLst>
+              <a:ext uri="{FF2B5EF4-FFF2-40B4-BE49-F238E27FC236}">
+                <a16:creationId xmlns:a16="http://schemas.microsoft.com/office/drawing/2014/main" id="{24C484EF-37A4-616D-7805-4B1637442430}"/>
+              </a:ext>
+            </a:extLst>
+          </p:cNvPr>
+          <p:cNvSpPr txBox="1"/>
+          <p:nvPr/>
+        </p:nvSpPr>
+        <p:spPr>
+          <a:xfrm>
+            <a:off x="-3525441" y="3306927"/>
+            <a:ext cx="3406379" cy="1477328"/>
+          </a:xfrm>
+          <a:prstGeom prst="rect">
+            <a:avLst/>
+          </a:prstGeom>
+          <a:noFill/>
+        </p:spPr>
+        <p:txBody>
+          <a:bodyPr wrap="square">
+            <a:spAutoFit/>
+          </a:bodyPr>
+          <a:lstStyle/>
+          <a:p>
+            <a:pPr algn="l"/>
+            <a:r>
+              <a:rPr lang="en-US" b="0" i="0" dirty="0">
+                <a:solidFill>
+                  <a:schemeClr val="bg1"/>
+                </a:solidFill>
+                <a:effectLst/>
+                <a:latin typeface="Slack-Lato"/>
+              </a:rPr>
+              <a:t>Analysis – Michael[SPY] Ryan[AAPL]</a:t>
+            </a:r>
+            <a:br>
+              <a:rPr lang="en-US" b="0" i="0" dirty="0">
+                <a:solidFill>
+                  <a:schemeClr val="bg1"/>
+                </a:solidFill>
+                <a:effectLst/>
+                <a:latin typeface="Slack-Lato"/>
+              </a:rPr>
+            </a:br>
+            <a:endParaRPr lang="en-US" b="0" i="0" dirty="0">
+              <a:solidFill>
+                <a:schemeClr val="bg1"/>
+              </a:solidFill>
+              <a:effectLst/>
+              <a:latin typeface="Slack-Lato"/>
+            </a:endParaRPr>
+          </a:p>
+          <a:p>
+            <a:br>
+              <a:rPr lang="en-US" b="0" i="0" dirty="0">
+                <a:solidFill>
+                  <a:srgbClr val="1D1C1D"/>
+                </a:solidFill>
+                <a:effectLst/>
+                <a:latin typeface="Slack-Lato"/>
+              </a:rPr>
+            </a:br>
+            <a:endParaRPr lang="en-US" dirty="0"/>
+          </a:p>
+        </p:txBody>
+      </p:sp>
+      <p:sp>
+        <p:nvSpPr>
+          <p:cNvPr id="8" name="TextBox 7">
+            <a:extLst>
+              <a:ext uri="{FF2B5EF4-FFF2-40B4-BE49-F238E27FC236}">
+                <a16:creationId xmlns:a16="http://schemas.microsoft.com/office/drawing/2014/main" id="{38413B10-3FC5-14EC-7CFD-B97C2E54EE71}"/>
+              </a:ext>
+            </a:extLst>
+          </p:cNvPr>
+          <p:cNvSpPr txBox="1"/>
+          <p:nvPr/>
+        </p:nvSpPr>
+        <p:spPr>
+          <a:xfrm>
+            <a:off x="-2999234" y="2103970"/>
+            <a:ext cx="6093618" cy="923330"/>
+          </a:xfrm>
+          <a:prstGeom prst="rect">
+            <a:avLst/>
+          </a:prstGeom>
+          <a:noFill/>
+        </p:spPr>
+        <p:txBody>
+          <a:bodyPr wrap="square">
+            <a:spAutoFit/>
+          </a:bodyPr>
+          <a:lstStyle/>
+          <a:p>
+            <a:pPr algn="l"/>
+            <a:r>
+              <a:rPr lang="en-US" b="0" i="0" dirty="0">
+                <a:solidFill>
+                  <a:schemeClr val="bg1"/>
+                </a:solidFill>
+                <a:effectLst/>
+                <a:latin typeface="Slack-Lato"/>
+              </a:rPr>
+              <a:t>What were the outputs?</a:t>
+            </a:r>
+            <a:br>
+              <a:rPr lang="en-US" b="0" i="0" dirty="0">
+                <a:solidFill>
+                  <a:schemeClr val="bg1"/>
+                </a:solidFill>
+                <a:effectLst/>
+                <a:latin typeface="Slack-Lato"/>
+              </a:rPr>
+            </a:br>
+            <a:endParaRPr lang="en-US" b="0" i="0" dirty="0">
+              <a:solidFill>
+                <a:schemeClr val="bg1"/>
+              </a:solidFill>
+              <a:effectLst/>
+              <a:latin typeface="Slack-Lato"/>
+            </a:endParaRPr>
+          </a:p>
+          <a:p>
+            <a:pPr algn="l"/>
+            <a:r>
+              <a:rPr lang="en-US" b="0" i="0" dirty="0">
+                <a:solidFill>
+                  <a:schemeClr val="bg1"/>
+                </a:solidFill>
+                <a:effectLst/>
+                <a:latin typeface="Slack-Lato"/>
+              </a:rPr>
+              <a:t>What did the outputs tell us?</a:t>
+            </a:r>
+          </a:p>
+        </p:txBody>
+      </p:sp>
+      <p:sp>
+        <p:nvSpPr>
+          <p:cNvPr id="12" name="TextBox 11">
+            <a:extLst>
+              <a:ext uri="{FF2B5EF4-FFF2-40B4-BE49-F238E27FC236}">
+                <a16:creationId xmlns:a16="http://schemas.microsoft.com/office/drawing/2014/main" id="{0F3E3CE8-0878-0354-74CE-9ACDA279CCCD}"/>
               </a:ext>
             </a:extLst>
           </p:cNvPr>
@@ -8610,29 +8846,8 @@
                 <a:latin typeface="Arial" panose="020B0604020202020204" pitchFamily="34" charset="0"/>
                 <a:cs typeface="Arial" panose="020B0604020202020204" pitchFamily="34" charset="0"/>
               </a:rPr>
-              <a:t>Briefer: Harith </a:t>
-            </a:r>
-            <a:r>
-              <a:rPr lang="en-US" sz="1400" i="1" dirty="0" err="1">
-                <a:solidFill>
-                  <a:schemeClr val="bg1">
-                    <a:lumMod val="75000"/>
-                  </a:schemeClr>
-                </a:solidFill>
-                <a:latin typeface="Arial" panose="020B0604020202020204" pitchFamily="34" charset="0"/>
-                <a:cs typeface="Arial" panose="020B0604020202020204" pitchFamily="34" charset="0"/>
-              </a:rPr>
-              <a:t>Alshuwaykh</a:t>
-            </a:r>
-            <a:endParaRPr lang="en-US" sz="1400" i="1" dirty="0">
-              <a:solidFill>
-                <a:schemeClr val="bg1">
-                  <a:lumMod val="75000"/>
-                </a:schemeClr>
-              </a:solidFill>
-              <a:latin typeface="Arial" panose="020B0604020202020204" pitchFamily="34" charset="0"/>
-              <a:cs typeface="Arial" panose="020B0604020202020204" pitchFamily="34" charset="0"/>
-            </a:endParaRPr>
+              <a:t>Briefer: Ryan Stowers</a:t>
+            </a:r>
           </a:p>
           <a:p>
             <a:pPr algn="r"/>
@@ -8646,10 +8861,83 @@
           </a:p>
         </p:txBody>
       </p:sp>
+      <p:sp>
+        <p:nvSpPr>
+          <p:cNvPr id="13" name="TextBox 12">
+            <a:extLst>
+              <a:ext uri="{FF2B5EF4-FFF2-40B4-BE49-F238E27FC236}">
+                <a16:creationId xmlns:a16="http://schemas.microsoft.com/office/drawing/2014/main" id="{5934E4D6-40A6-1091-2230-929980990F95}"/>
+              </a:ext>
+            </a:extLst>
+          </p:cNvPr>
+          <p:cNvSpPr txBox="1"/>
+          <p:nvPr/>
+        </p:nvSpPr>
+        <p:spPr>
+          <a:xfrm>
+            <a:off x="318492" y="1378036"/>
+            <a:ext cx="11240096" cy="923330"/>
+          </a:xfrm>
+          <a:prstGeom prst="rect">
+            <a:avLst/>
+          </a:prstGeom>
+          <a:noFill/>
+        </p:spPr>
+        <p:txBody>
+          <a:bodyPr wrap="square">
+            <a:spAutoFit/>
+          </a:bodyPr>
+          <a:lstStyle/>
+          <a:p>
+            <a:r>
+              <a:rPr lang="en-US" dirty="0">
+                <a:solidFill>
+                  <a:schemeClr val="bg1">
+                    <a:lumMod val="85000"/>
+                  </a:schemeClr>
+                </a:solidFill>
+                <a:latin typeface="Arial" panose="020B0604020202020204" pitchFamily="34" charset="0"/>
+                <a:cs typeface="Arial" panose="020B0604020202020204" pitchFamily="34" charset="0"/>
+              </a:rPr>
+              <a:t>In this last graph you can see a better picture of when we buy and sell.  For example, we started with buying at the open, then the MACD passes the signal line we sell until it passes it again. At approximately 1:45 the signal line is indicating a upwards trend where we buy until it crosses again to indicate that we sell. </a:t>
+            </a:r>
+          </a:p>
+        </p:txBody>
+      </p:sp>
+      <p:pic>
+        <p:nvPicPr>
+          <p:cNvPr id="14" name="Picture 13">
+            <a:extLst>
+              <a:ext uri="{FF2B5EF4-FFF2-40B4-BE49-F238E27FC236}">
+                <a16:creationId xmlns:a16="http://schemas.microsoft.com/office/drawing/2014/main" id="{91BFAFC5-6049-8A56-A7C9-67686C0F4FDD}"/>
+              </a:ext>
+            </a:extLst>
+          </p:cNvPr>
+          <p:cNvPicPr>
+            <a:picLocks noChangeAspect="1"/>
+          </p:cNvPicPr>
+          <p:nvPr/>
+        </p:nvPicPr>
+        <p:blipFill>
+          <a:blip r:embed="rId2"/>
+          <a:stretch>
+            <a:fillRect/>
+          </a:stretch>
+        </p:blipFill>
+        <p:spPr>
+          <a:xfrm>
+            <a:off x="1984370" y="2381732"/>
+            <a:ext cx="8218495" cy="4189884"/>
+          </a:xfrm>
+          <a:prstGeom prst="rect">
+            <a:avLst/>
+          </a:prstGeom>
+        </p:spPr>
+      </p:pic>
     </p:spTree>
     <p:extLst>
       <p:ext uri="{BB962C8B-B14F-4D97-AF65-F5344CB8AC3E}">
-        <p14:creationId xmlns:p14="http://schemas.microsoft.com/office/powerpoint/2010/main" val="2524113624"/>
+        <p14:creationId xmlns:p14="http://schemas.microsoft.com/office/powerpoint/2010/main" val="2179045673"/>
       </p:ext>
     </p:extLst>
   </p:cSld>
@@ -8894,7 +9182,7 @@
         <p:spPr>
           <a:xfrm>
             <a:off x="126205" y="541869"/>
-            <a:ext cx="5220941" cy="707886"/>
+            <a:ext cx="5220941" cy="646331"/>
           </a:xfrm>
           <a:prstGeom prst="rect">
             <a:avLst/>
@@ -8909,24 +9197,24 @@
           <a:p>
             <a:pPr algn="r"/>
             <a:r>
-              <a:rPr lang="en-US" sz="4000" dirty="0">
+              <a:rPr lang="en-US" sz="3600" dirty="0">
                 <a:solidFill>
                   <a:schemeClr val="bg1"/>
                 </a:solidFill>
                 <a:latin typeface="Arial" panose="020B0604020202020204" pitchFamily="34" charset="0"/>
                 <a:cs typeface="Arial" panose="020B0604020202020204" pitchFamily="34" charset="0"/>
               </a:rPr>
-              <a:t>Conclusion</a:t>
-            </a:r>
-          </a:p>
-        </p:txBody>
-      </p:sp>
-      <p:sp>
-        <p:nvSpPr>
-          <p:cNvPr id="10" name="TextBox 9">
-            <a:extLst>
-              <a:ext uri="{FF2B5EF4-FFF2-40B4-BE49-F238E27FC236}">
-                <a16:creationId xmlns:a16="http://schemas.microsoft.com/office/drawing/2014/main" id="{BC9B45D6-85F3-6EE1-A48D-1D12838504E4}"/>
+              <a:t>Analysis &amp; Outputs</a:t>
+            </a:r>
+          </a:p>
+        </p:txBody>
+      </p:sp>
+      <p:sp>
+        <p:nvSpPr>
+          <p:cNvPr id="15" name="TextBox 14">
+            <a:extLst>
+              <a:ext uri="{FF2B5EF4-FFF2-40B4-BE49-F238E27FC236}">
+                <a16:creationId xmlns:a16="http://schemas.microsoft.com/office/drawing/2014/main" id="{FCBFDD02-51CC-AC9F-F897-ED1643C6B457}"/>
               </a:ext>
             </a:extLst>
           </p:cNvPr>
@@ -8935,8 +9223,8 @@
         </p:nvSpPr>
         <p:spPr>
           <a:xfrm>
-            <a:off x="2857495" y="2690336"/>
-            <a:ext cx="6757988" cy="1938992"/>
+            <a:off x="7886700" y="112991"/>
+            <a:ext cx="4186239" cy="738664"/>
           </a:xfrm>
           <a:prstGeom prst="rect">
             <a:avLst/>
@@ -8944,17 +9232,14 @@
           <a:noFill/>
         </p:spPr>
         <p:txBody>
-          <a:bodyPr wrap="square">
+          <a:bodyPr wrap="square" rtlCol="0">
             <a:spAutoFit/>
           </a:bodyPr>
           <a:lstStyle/>
           <a:p>
-            <a:pPr marL="285750" indent="-285750">
-              <a:buFont typeface="Arial" panose="020B0604020202020204" pitchFamily="34" charset="0"/>
-              <a:buChar char="•"/>
-            </a:pPr>
-            <a:r>
-              <a:rPr lang="en-US" sz="2000" dirty="0">
+            <a:pPr algn="r"/>
+            <a:r>
+              <a:rPr lang="en-US" sz="1400" i="1" dirty="0">
                 <a:solidFill>
                   <a:schemeClr val="bg1">
                     <a:lumMod val="75000"/>
@@ -8963,31 +9248,10 @@
                 <a:latin typeface="Arial" panose="020B0604020202020204" pitchFamily="34" charset="0"/>
                 <a:cs typeface="Arial" panose="020B0604020202020204" pitchFamily="34" charset="0"/>
               </a:rPr>
-              <a:t>The MACD is just one tool in technical analysis, and it's often used in conjunction with other indicators for more reliable signals. </a:t>
-            </a:r>
-          </a:p>
-          <a:p>
-            <a:pPr marL="285750" indent="-285750">
-              <a:buFont typeface="Arial" panose="020B0604020202020204" pitchFamily="34" charset="0"/>
-              <a:buChar char="•"/>
-            </a:pPr>
-            <a:endParaRPr lang="en-US" sz="2000" dirty="0">
-              <a:solidFill>
-                <a:schemeClr val="bg1">
-                  <a:lumMod val="75000"/>
-                </a:schemeClr>
-              </a:solidFill>
-              <a:latin typeface="Arial" panose="020B0604020202020204" pitchFamily="34" charset="0"/>
-              <a:cs typeface="Arial" panose="020B0604020202020204" pitchFamily="34" charset="0"/>
-            </a:endParaRPr>
-          </a:p>
-          <a:p>
-            <a:pPr marL="285750" indent="-285750">
-              <a:buFont typeface="Arial" panose="020B0604020202020204" pitchFamily="34" charset="0"/>
-              <a:buChar char="•"/>
-            </a:pPr>
-            <a:r>
-              <a:rPr lang="en-US" sz="2000" dirty="0">
+              <a:t>Briefer: Michael </a:t>
+            </a:r>
+            <a:r>
+              <a:rPr lang="en-US" sz="1400" i="1" dirty="0" err="1">
                 <a:solidFill>
                   <a:schemeClr val="bg1">
                     <a:lumMod val="75000"/>
@@ -8996,73 +9260,7 @@
                 <a:latin typeface="Arial" panose="020B0604020202020204" pitchFamily="34" charset="0"/>
                 <a:cs typeface="Arial" panose="020B0604020202020204" pitchFamily="34" charset="0"/>
               </a:rPr>
-              <a:t>Always consider the broader context and conduct thorough analysis before making any trading decisions</a:t>
-            </a:r>
-            <a:r>
-              <a:rPr lang="en-US" dirty="0">
-                <a:solidFill>
-                  <a:schemeClr val="bg1"/>
-                </a:solidFill>
-                <a:latin typeface="Arial" panose="020B0604020202020204" pitchFamily="34" charset="0"/>
-                <a:cs typeface="Arial" panose="020B0604020202020204" pitchFamily="34" charset="0"/>
-              </a:rPr>
-              <a:t>.</a:t>
-            </a:r>
-          </a:p>
-        </p:txBody>
-      </p:sp>
-      <p:sp>
-        <p:nvSpPr>
-          <p:cNvPr id="12" name="TextBox 11">
-            <a:extLst>
-              <a:ext uri="{FF2B5EF4-FFF2-40B4-BE49-F238E27FC236}">
-                <a16:creationId xmlns:a16="http://schemas.microsoft.com/office/drawing/2014/main" id="{434F395C-29B2-0C7C-4A0C-B2570FD40E1E}"/>
-              </a:ext>
-            </a:extLst>
-          </p:cNvPr>
-          <p:cNvSpPr txBox="1"/>
-          <p:nvPr/>
-        </p:nvSpPr>
-        <p:spPr>
-          <a:xfrm>
-            <a:off x="7886700" y="112991"/>
-            <a:ext cx="4186239" cy="523220"/>
-          </a:xfrm>
-          <a:prstGeom prst="rect">
-            <a:avLst/>
-          </a:prstGeom>
-          <a:noFill/>
-        </p:spPr>
-        <p:txBody>
-          <a:bodyPr wrap="square" rtlCol="0">
-            <a:spAutoFit/>
-          </a:bodyPr>
-          <a:lstStyle/>
-          <a:p>
-            <a:pPr algn="r"/>
-            <a:r>
-              <a:rPr lang="en-US" sz="1400" i="1" dirty="0">
-                <a:solidFill>
-                  <a:schemeClr val="bg1">
-                    <a:lumMod val="75000"/>
-                  </a:schemeClr>
-                </a:solidFill>
-                <a:latin typeface="Arial" panose="020B0604020202020204" pitchFamily="34" charset="0"/>
-                <a:cs typeface="Arial" panose="020B0604020202020204" pitchFamily="34" charset="0"/>
-              </a:rPr>
-              <a:t>Briefer: Harith </a:t>
-            </a:r>
-            <a:r>
-              <a:rPr lang="en-US" sz="1400" i="1" dirty="0" err="1">
-                <a:solidFill>
-                  <a:schemeClr val="bg1">
-                    <a:lumMod val="75000"/>
-                  </a:schemeClr>
-                </a:solidFill>
-                <a:latin typeface="Arial" panose="020B0604020202020204" pitchFamily="34" charset="0"/>
-                <a:cs typeface="Arial" panose="020B0604020202020204" pitchFamily="34" charset="0"/>
-              </a:rPr>
-              <a:t>Alshuwaykh</a:t>
+              <a:t>Drinkard</a:t>
             </a:r>
             <a:endParaRPr lang="en-US" sz="1400" i="1" dirty="0">
               <a:solidFill>
@@ -9078,6 +9276,18 @@
             <a:pPr algn="r"/>
             <a:endParaRPr lang="en-US" sz="1400" dirty="0">
               <a:solidFill>
+                <a:schemeClr val="bg1">
+                  <a:lumMod val="75000"/>
+                </a:schemeClr>
+              </a:solidFill>
+              <a:latin typeface="Arial" panose="020B0604020202020204" pitchFamily="34" charset="0"/>
+              <a:cs typeface="Arial" panose="020B0604020202020204" pitchFamily="34" charset="0"/>
+            </a:endParaRPr>
+          </a:p>
+          <a:p>
+            <a:pPr algn="r"/>
+            <a:endParaRPr lang="en-US" sz="1400" dirty="0">
+              <a:solidFill>
                 <a:schemeClr val="bg1"/>
               </a:solidFill>
               <a:latin typeface="Arial" panose="020B0604020202020204" pitchFamily="34" charset="0"/>
@@ -9086,10 +9296,212 @@
           </a:p>
         </p:txBody>
       </p:sp>
+      <p:sp>
+        <p:nvSpPr>
+          <p:cNvPr id="6" name="TextBox 5">
+            <a:extLst>
+              <a:ext uri="{FF2B5EF4-FFF2-40B4-BE49-F238E27FC236}">
+                <a16:creationId xmlns:a16="http://schemas.microsoft.com/office/drawing/2014/main" id="{26096104-3AB8-C326-EFD0-6D5223ADAE2A}"/>
+              </a:ext>
+            </a:extLst>
+          </p:cNvPr>
+          <p:cNvSpPr txBox="1"/>
+          <p:nvPr/>
+        </p:nvSpPr>
+        <p:spPr>
+          <a:xfrm>
+            <a:off x="3872508" y="1845822"/>
+            <a:ext cx="8924330" cy="3954929"/>
+          </a:xfrm>
+          <a:prstGeom prst="rect">
+            <a:avLst/>
+          </a:prstGeom>
+          <a:noFill/>
+        </p:spPr>
+        <p:txBody>
+          <a:bodyPr wrap="square">
+            <a:spAutoFit/>
+          </a:bodyPr>
+          <a:lstStyle/>
+          <a:p>
+            <a:pPr marL="285750" indent="-285750">
+              <a:buFont typeface="Arial" panose="020B0604020202020204" pitchFamily="34" charset="0"/>
+              <a:buChar char="•"/>
+            </a:pPr>
+            <a:r>
+              <a:rPr lang="en-US" sz="2400" dirty="0">
+                <a:solidFill>
+                  <a:schemeClr val="bg1">
+                    <a:lumMod val="75000"/>
+                  </a:schemeClr>
+                </a:solidFill>
+                <a:latin typeface="Arial" panose="020B0604020202020204" pitchFamily="34" charset="0"/>
+                <a:cs typeface="Arial" panose="020B0604020202020204" pitchFamily="34" charset="0"/>
+              </a:rPr>
+              <a:t>What did we see?</a:t>
+            </a:r>
+          </a:p>
+          <a:p>
+            <a:pPr marL="285750" indent="-285750">
+              <a:buFont typeface="Arial" panose="020B0604020202020204" pitchFamily="34" charset="0"/>
+              <a:buChar char="•"/>
+            </a:pPr>
+            <a:endParaRPr lang="en-US" sz="2400" dirty="0">
+              <a:solidFill>
+                <a:schemeClr val="bg1">
+                  <a:lumMod val="75000"/>
+                </a:schemeClr>
+              </a:solidFill>
+              <a:latin typeface="Arial" panose="020B0604020202020204" pitchFamily="34" charset="0"/>
+              <a:cs typeface="Arial" panose="020B0604020202020204" pitchFamily="34" charset="0"/>
+            </a:endParaRPr>
+          </a:p>
+          <a:p>
+            <a:pPr marL="285750" indent="-285750">
+              <a:buFont typeface="Arial" panose="020B0604020202020204" pitchFamily="34" charset="0"/>
+              <a:buChar char="•"/>
+            </a:pPr>
+            <a:endParaRPr lang="en-US" sz="2400" dirty="0">
+              <a:solidFill>
+                <a:schemeClr val="bg1">
+                  <a:lumMod val="75000"/>
+                </a:schemeClr>
+              </a:solidFill>
+              <a:latin typeface="Arial" panose="020B0604020202020204" pitchFamily="34" charset="0"/>
+              <a:cs typeface="Arial" panose="020B0604020202020204" pitchFamily="34" charset="0"/>
+            </a:endParaRPr>
+          </a:p>
+          <a:p>
+            <a:pPr marL="285750" indent="-285750">
+              <a:buFont typeface="Arial" panose="020B0604020202020204" pitchFamily="34" charset="0"/>
+              <a:buChar char="•"/>
+            </a:pPr>
+            <a:r>
+              <a:rPr lang="en-US" sz="2400" dirty="0">
+                <a:solidFill>
+                  <a:schemeClr val="bg1">
+                    <a:lumMod val="75000"/>
+                  </a:schemeClr>
+                </a:solidFill>
+                <a:latin typeface="Arial" panose="020B0604020202020204" pitchFamily="34" charset="0"/>
+                <a:cs typeface="Arial" panose="020B0604020202020204" pitchFamily="34" charset="0"/>
+              </a:rPr>
+              <a:t>Why did we see it? </a:t>
+            </a:r>
+          </a:p>
+          <a:p>
+            <a:pPr marL="285750" indent="-285750">
+              <a:buFont typeface="Arial" panose="020B0604020202020204" pitchFamily="34" charset="0"/>
+              <a:buChar char="•"/>
+            </a:pPr>
+            <a:endParaRPr lang="en-US" sz="2400" dirty="0">
+              <a:solidFill>
+                <a:schemeClr val="bg1">
+                  <a:lumMod val="75000"/>
+                </a:schemeClr>
+              </a:solidFill>
+              <a:latin typeface="Arial" panose="020B0604020202020204" pitchFamily="34" charset="0"/>
+              <a:cs typeface="Arial" panose="020B0604020202020204" pitchFamily="34" charset="0"/>
+            </a:endParaRPr>
+          </a:p>
+          <a:p>
+            <a:pPr marL="285750" indent="-285750">
+              <a:buFont typeface="Arial" panose="020B0604020202020204" pitchFamily="34" charset="0"/>
+              <a:buChar char="•"/>
+            </a:pPr>
+            <a:endParaRPr lang="en-US" sz="2400" dirty="0">
+              <a:solidFill>
+                <a:schemeClr val="bg1">
+                  <a:lumMod val="75000"/>
+                </a:schemeClr>
+              </a:solidFill>
+              <a:latin typeface="Arial" panose="020B0604020202020204" pitchFamily="34" charset="0"/>
+              <a:cs typeface="Arial" panose="020B0604020202020204" pitchFamily="34" charset="0"/>
+            </a:endParaRPr>
+          </a:p>
+          <a:p>
+            <a:pPr marL="285750" indent="-285750">
+              <a:buFont typeface="Arial" panose="020B0604020202020204" pitchFamily="34" charset="0"/>
+              <a:buChar char="•"/>
+            </a:pPr>
+            <a:r>
+              <a:rPr lang="en-US" sz="2400" dirty="0">
+                <a:solidFill>
+                  <a:schemeClr val="bg1">
+                    <a:lumMod val="75000"/>
+                  </a:schemeClr>
+                </a:solidFill>
+                <a:latin typeface="Arial" panose="020B0604020202020204" pitchFamily="34" charset="0"/>
+                <a:cs typeface="Arial" panose="020B0604020202020204" pitchFamily="34" charset="0"/>
+              </a:rPr>
+              <a:t>Did we make money?</a:t>
+            </a:r>
+          </a:p>
+          <a:p>
+            <a:pPr marL="285750" indent="-285750">
+              <a:buFont typeface="Arial" panose="020B0604020202020204" pitchFamily="34" charset="0"/>
+              <a:buChar char="•"/>
+            </a:pPr>
+            <a:endParaRPr lang="en-US" sz="2400" dirty="0">
+              <a:solidFill>
+                <a:schemeClr val="bg1">
+                  <a:lumMod val="75000"/>
+                </a:schemeClr>
+              </a:solidFill>
+              <a:latin typeface="Arial" panose="020B0604020202020204" pitchFamily="34" charset="0"/>
+              <a:cs typeface="Arial" panose="020B0604020202020204" pitchFamily="34" charset="0"/>
+            </a:endParaRPr>
+          </a:p>
+          <a:p>
+            <a:pPr marL="285750" indent="-285750">
+              <a:buFont typeface="Arial" panose="020B0604020202020204" pitchFamily="34" charset="0"/>
+              <a:buChar char="•"/>
+            </a:pPr>
+            <a:endParaRPr lang="en-US" sz="2400" dirty="0">
+              <a:solidFill>
+                <a:schemeClr val="bg1">
+                  <a:lumMod val="75000"/>
+                </a:schemeClr>
+              </a:solidFill>
+              <a:latin typeface="Arial" panose="020B0604020202020204" pitchFamily="34" charset="0"/>
+              <a:cs typeface="Arial" panose="020B0604020202020204" pitchFamily="34" charset="0"/>
+            </a:endParaRPr>
+          </a:p>
+          <a:p>
+            <a:pPr marL="285750" indent="-285750">
+              <a:buFont typeface="Arial" panose="020B0604020202020204" pitchFamily="34" charset="0"/>
+              <a:buChar char="•"/>
+            </a:pPr>
+            <a:r>
+              <a:rPr lang="en-US" sz="2400" dirty="0">
+                <a:solidFill>
+                  <a:schemeClr val="bg1">
+                    <a:lumMod val="75000"/>
+                  </a:schemeClr>
+                </a:solidFill>
+                <a:latin typeface="Arial" panose="020B0604020202020204" pitchFamily="34" charset="0"/>
+                <a:cs typeface="Arial" panose="020B0604020202020204" pitchFamily="34" charset="0"/>
+              </a:rPr>
+              <a:t>Why did we make money or lose money?</a:t>
+            </a:r>
+          </a:p>
+          <a:p>
+            <a:endParaRPr lang="en-US" sz="1100" dirty="0">
+              <a:solidFill>
+                <a:schemeClr val="bg1">
+                  <a:lumMod val="85000"/>
+                </a:schemeClr>
+              </a:solidFill>
+              <a:latin typeface="Arial" panose="020B0604020202020204" pitchFamily="34" charset="0"/>
+              <a:cs typeface="Arial" panose="020B0604020202020204" pitchFamily="34" charset="0"/>
+            </a:endParaRPr>
+          </a:p>
+        </p:txBody>
+      </p:sp>
     </p:spTree>
     <p:extLst>
       <p:ext uri="{BB962C8B-B14F-4D97-AF65-F5344CB8AC3E}">
-        <p14:creationId xmlns:p14="http://schemas.microsoft.com/office/powerpoint/2010/main" val="2114306519"/>
+        <p14:creationId xmlns:p14="http://schemas.microsoft.com/office/powerpoint/2010/main" val="817477383"/>
       </p:ext>
     </p:extLst>
   </p:cSld>
@@ -9274,6 +9686,51 @@
           </a:p>
         </p:txBody>
       </p:sp>
+      <p:cxnSp>
+        <p:nvCxnSpPr>
+          <p:cNvPr id="9" name="Straight Connector 8">
+            <a:extLst>
+              <a:ext uri="{FF2B5EF4-FFF2-40B4-BE49-F238E27FC236}">
+                <a16:creationId xmlns:a16="http://schemas.microsoft.com/office/drawing/2014/main" id="{1AC673B1-26F6-4416-3E21-C88A8DB70859}"/>
+              </a:ext>
+            </a:extLst>
+          </p:cNvPr>
+          <p:cNvCxnSpPr>
+            <a:cxnSpLocks/>
+          </p:cNvCxnSpPr>
+          <p:nvPr/>
+        </p:nvCxnSpPr>
+        <p:spPr>
+          <a:xfrm>
+            <a:off x="126206" y="1285868"/>
+            <a:ext cx="5220940" cy="11802"/>
+          </a:xfrm>
+          <a:prstGeom prst="line">
+            <a:avLst/>
+          </a:prstGeom>
+          <a:ln w="12700">
+            <a:solidFill>
+              <a:schemeClr val="accent2">
+                <a:lumMod val="75000"/>
+              </a:schemeClr>
+            </a:solidFill>
+          </a:ln>
+        </p:spPr>
+        <p:style>
+          <a:lnRef idx="1">
+            <a:schemeClr val="accent1"/>
+          </a:lnRef>
+          <a:fillRef idx="0">
+            <a:schemeClr val="accent1"/>
+          </a:fillRef>
+          <a:effectRef idx="0">
+            <a:schemeClr val="accent1"/>
+          </a:effectRef>
+          <a:fontRef idx="minor">
+            <a:schemeClr val="tx1"/>
+          </a:fontRef>
+        </p:style>
+      </p:cxnSp>
       <p:sp>
         <p:nvSpPr>
           <p:cNvPr id="11" name="TextBox 10">
@@ -9288,8 +9745,8 @@
         </p:nvSpPr>
         <p:spPr>
           <a:xfrm>
-            <a:off x="128592" y="2967037"/>
-            <a:ext cx="11958638" cy="646331"/>
+            <a:off x="126205" y="541869"/>
+            <a:ext cx="5220941" cy="646331"/>
           </a:xfrm>
           <a:prstGeom prst="rect">
             <a:avLst/>
@@ -9302,7 +9759,7 @@
           </a:bodyPr>
           <a:lstStyle/>
           <a:p>
-            <a:pPr algn="ctr"/>
+            <a:pPr algn="r"/>
             <a:r>
               <a:rPr lang="en-US" sz="3600" dirty="0">
                 <a:solidFill>
@@ -9311,15 +9768,264 @@
                 <a:latin typeface="Arial" panose="020B0604020202020204" pitchFamily="34" charset="0"/>
                 <a:cs typeface="Arial" panose="020B0604020202020204" pitchFamily="34" charset="0"/>
               </a:rPr>
-              <a:t>Questions?</a:t>
-            </a:r>
+              <a:t>Lessons Learned</a:t>
+            </a:r>
+          </a:p>
+        </p:txBody>
+      </p:sp>
+      <p:sp>
+        <p:nvSpPr>
+          <p:cNvPr id="6" name="TextBox 5">
+            <a:extLst>
+              <a:ext uri="{FF2B5EF4-FFF2-40B4-BE49-F238E27FC236}">
+                <a16:creationId xmlns:a16="http://schemas.microsoft.com/office/drawing/2014/main" id="{B31D4CA7-C4C5-98E5-6FA6-41CDEC2E70A7}"/>
+              </a:ext>
+            </a:extLst>
+          </p:cNvPr>
+          <p:cNvSpPr txBox="1"/>
+          <p:nvPr/>
+        </p:nvSpPr>
+        <p:spPr>
+          <a:xfrm>
+            <a:off x="7886700" y="112991"/>
+            <a:ext cx="4186239" cy="523220"/>
+          </a:xfrm>
+          <a:prstGeom prst="rect">
+            <a:avLst/>
+          </a:prstGeom>
+          <a:noFill/>
+        </p:spPr>
+        <p:txBody>
+          <a:bodyPr wrap="square" rtlCol="0">
+            <a:spAutoFit/>
+          </a:bodyPr>
+          <a:lstStyle/>
+          <a:p>
+            <a:pPr algn="r"/>
+            <a:r>
+              <a:rPr lang="en-US" sz="1400" i="1" dirty="0">
+                <a:solidFill>
+                  <a:schemeClr val="bg1">
+                    <a:lumMod val="75000"/>
+                  </a:schemeClr>
+                </a:solidFill>
+                <a:latin typeface="Arial" panose="020B0604020202020204" pitchFamily="34" charset="0"/>
+                <a:cs typeface="Arial" panose="020B0604020202020204" pitchFamily="34" charset="0"/>
+              </a:rPr>
+              <a:t>Briefer: Michael </a:t>
+            </a:r>
+            <a:r>
+              <a:rPr lang="en-US" sz="1400" i="1" dirty="0" err="1">
+                <a:solidFill>
+                  <a:schemeClr val="bg1">
+                    <a:lumMod val="75000"/>
+                  </a:schemeClr>
+                </a:solidFill>
+                <a:latin typeface="Arial" panose="020B0604020202020204" pitchFamily="34" charset="0"/>
+                <a:cs typeface="Arial" panose="020B0604020202020204" pitchFamily="34" charset="0"/>
+              </a:rPr>
+              <a:t>Drinkard</a:t>
+            </a:r>
+            <a:endParaRPr lang="en-US" sz="1400" i="1" dirty="0">
+              <a:solidFill>
+                <a:schemeClr val="bg1">
+                  <a:lumMod val="75000"/>
+                </a:schemeClr>
+              </a:solidFill>
+              <a:latin typeface="Arial" panose="020B0604020202020204" pitchFamily="34" charset="0"/>
+              <a:cs typeface="Arial" panose="020B0604020202020204" pitchFamily="34" charset="0"/>
+            </a:endParaRPr>
+          </a:p>
+          <a:p>
+            <a:pPr algn="r"/>
+            <a:endParaRPr lang="en-US" sz="1400" dirty="0">
+              <a:solidFill>
+                <a:schemeClr val="bg1"/>
+              </a:solidFill>
+              <a:latin typeface="Arial" panose="020B0604020202020204" pitchFamily="34" charset="0"/>
+              <a:cs typeface="Arial" panose="020B0604020202020204" pitchFamily="34" charset="0"/>
+            </a:endParaRPr>
+          </a:p>
+        </p:txBody>
+      </p:sp>
+      <p:sp>
+        <p:nvSpPr>
+          <p:cNvPr id="10" name="TextBox 9">
+            <a:extLst>
+              <a:ext uri="{FF2B5EF4-FFF2-40B4-BE49-F238E27FC236}">
+                <a16:creationId xmlns:a16="http://schemas.microsoft.com/office/drawing/2014/main" id="{BD950A60-DECC-F2E1-1C7F-BB10521448F5}"/>
+              </a:ext>
+            </a:extLst>
+          </p:cNvPr>
+          <p:cNvSpPr txBox="1"/>
+          <p:nvPr/>
+        </p:nvSpPr>
+        <p:spPr>
+          <a:xfrm>
+            <a:off x="870347" y="2150566"/>
+            <a:ext cx="11321654" cy="3477875"/>
+          </a:xfrm>
+          <a:prstGeom prst="rect">
+            <a:avLst/>
+          </a:prstGeom>
+          <a:noFill/>
+        </p:spPr>
+        <p:txBody>
+          <a:bodyPr wrap="square" rtlCol="0">
+            <a:spAutoFit/>
+          </a:bodyPr>
+          <a:lstStyle/>
+          <a:p>
+            <a:r>
+              <a:rPr lang="en-US" sz="2000" b="1" i="1" dirty="0">
+                <a:solidFill>
+                  <a:schemeClr val="bg1">
+                    <a:lumMod val="75000"/>
+                  </a:schemeClr>
+                </a:solidFill>
+                <a:latin typeface="Arial" panose="020B0604020202020204" pitchFamily="34" charset="0"/>
+                <a:cs typeface="Arial" panose="020B0604020202020204" pitchFamily="34" charset="0"/>
+              </a:rPr>
+              <a:t>What we did well:  </a:t>
+            </a:r>
+          </a:p>
+          <a:p>
+            <a:endParaRPr lang="en-US" sz="2000" dirty="0">
+              <a:solidFill>
+                <a:schemeClr val="bg1">
+                  <a:lumMod val="75000"/>
+                </a:schemeClr>
+              </a:solidFill>
+              <a:latin typeface="Arial" panose="020B0604020202020204" pitchFamily="34" charset="0"/>
+              <a:cs typeface="Arial" panose="020B0604020202020204" pitchFamily="34" charset="0"/>
+            </a:endParaRPr>
+          </a:p>
+          <a:p>
+            <a:pPr marL="742950" lvl="1" indent="-285750">
+              <a:buFont typeface="Arial" panose="020B0604020202020204" pitchFamily="34" charset="0"/>
+              <a:buChar char="•"/>
+            </a:pPr>
+            <a:r>
+              <a:rPr lang="en-US" sz="2000" dirty="0">
+                <a:solidFill>
+                  <a:schemeClr val="bg1">
+                    <a:lumMod val="75000"/>
+                  </a:schemeClr>
+                </a:solidFill>
+                <a:latin typeface="Arial" panose="020B0604020202020204" pitchFamily="34" charset="0"/>
+                <a:cs typeface="Arial" panose="020B0604020202020204" pitchFamily="34" charset="0"/>
+              </a:rPr>
+              <a:t>We successfully created a signal that tells the computer to buy or sell</a:t>
+            </a:r>
+          </a:p>
+          <a:p>
+            <a:endParaRPr lang="en-US" sz="2000" dirty="0">
+              <a:solidFill>
+                <a:schemeClr val="bg1">
+                  <a:lumMod val="75000"/>
+                </a:schemeClr>
+              </a:solidFill>
+              <a:latin typeface="Arial" panose="020B0604020202020204" pitchFamily="34" charset="0"/>
+              <a:cs typeface="Arial" panose="020B0604020202020204" pitchFamily="34" charset="0"/>
+            </a:endParaRPr>
+          </a:p>
+          <a:p>
+            <a:endParaRPr lang="en-US" sz="2000" dirty="0">
+              <a:solidFill>
+                <a:schemeClr val="bg1">
+                  <a:lumMod val="75000"/>
+                </a:schemeClr>
+              </a:solidFill>
+              <a:latin typeface="Arial" panose="020B0604020202020204" pitchFamily="34" charset="0"/>
+              <a:cs typeface="Arial" panose="020B0604020202020204" pitchFamily="34" charset="0"/>
+            </a:endParaRPr>
+          </a:p>
+          <a:p>
+            <a:endParaRPr lang="en-US" sz="2000" b="1" i="1" dirty="0">
+              <a:solidFill>
+                <a:schemeClr val="bg1">
+                  <a:lumMod val="75000"/>
+                </a:schemeClr>
+              </a:solidFill>
+              <a:latin typeface="Arial" panose="020B0604020202020204" pitchFamily="34" charset="0"/>
+              <a:cs typeface="Arial" panose="020B0604020202020204" pitchFamily="34" charset="0"/>
+            </a:endParaRPr>
+          </a:p>
+          <a:p>
+            <a:r>
+              <a:rPr lang="en-US" sz="2000" b="1" i="1" dirty="0">
+                <a:solidFill>
+                  <a:schemeClr val="bg1">
+                    <a:lumMod val="75000"/>
+                  </a:schemeClr>
+                </a:solidFill>
+                <a:latin typeface="Arial" panose="020B0604020202020204" pitchFamily="34" charset="0"/>
+                <a:cs typeface="Arial" panose="020B0604020202020204" pitchFamily="34" charset="0"/>
+              </a:rPr>
+              <a:t>What we can do better:</a:t>
+            </a:r>
+          </a:p>
+          <a:p>
+            <a:pPr marL="742950" lvl="1" indent="-285750">
+              <a:buFont typeface="Arial" panose="020B0604020202020204" pitchFamily="34" charset="0"/>
+              <a:buChar char="•"/>
+            </a:pPr>
+            <a:endParaRPr lang="en-US" sz="2000" dirty="0">
+              <a:solidFill>
+                <a:schemeClr val="bg1">
+                  <a:lumMod val="75000"/>
+                </a:schemeClr>
+              </a:solidFill>
+              <a:latin typeface="Arial" panose="020B0604020202020204" pitchFamily="34" charset="0"/>
+              <a:cs typeface="Arial" panose="020B0604020202020204" pitchFamily="34" charset="0"/>
+            </a:endParaRPr>
+          </a:p>
+          <a:p>
+            <a:pPr marL="742950" lvl="1" indent="-285750">
+              <a:buFont typeface="Arial" panose="020B0604020202020204" pitchFamily="34" charset="0"/>
+              <a:buChar char="•"/>
+            </a:pPr>
+            <a:r>
+              <a:rPr lang="en-US" sz="2000" dirty="0">
+                <a:solidFill>
+                  <a:schemeClr val="bg1">
+                    <a:lumMod val="75000"/>
+                  </a:schemeClr>
+                </a:solidFill>
+                <a:latin typeface="Arial" panose="020B0604020202020204" pitchFamily="34" charset="0"/>
+                <a:cs typeface="Arial" panose="020B0604020202020204" pitchFamily="34" charset="0"/>
+              </a:rPr>
+              <a:t>Add more indicators and make the code do multiple stock analysis at the same time</a:t>
+            </a:r>
+          </a:p>
+          <a:p>
+            <a:endParaRPr lang="en-US" sz="2000" dirty="0">
+              <a:solidFill>
+                <a:schemeClr val="bg1">
+                  <a:lumMod val="75000"/>
+                </a:schemeClr>
+              </a:solidFill>
+              <a:latin typeface="Arial" panose="020B0604020202020204" pitchFamily="34" charset="0"/>
+              <a:cs typeface="Arial" panose="020B0604020202020204" pitchFamily="34" charset="0"/>
+            </a:endParaRPr>
+          </a:p>
+          <a:p>
+            <a:endParaRPr lang="en-US" sz="2000" dirty="0">
+              <a:solidFill>
+                <a:schemeClr val="bg1">
+                  <a:lumMod val="85000"/>
+                </a:schemeClr>
+              </a:solidFill>
+              <a:latin typeface="Arial" panose="020B0604020202020204" pitchFamily="34" charset="0"/>
+              <a:cs typeface="Arial" panose="020B0604020202020204" pitchFamily="34" charset="0"/>
+            </a:endParaRPr>
           </a:p>
         </p:txBody>
       </p:sp>
     </p:spTree>
     <p:extLst>
       <p:ext uri="{BB962C8B-B14F-4D97-AF65-F5344CB8AC3E}">
-        <p14:creationId xmlns:p14="http://schemas.microsoft.com/office/powerpoint/2010/main" val="2630554423"/>
+        <p14:creationId xmlns:p14="http://schemas.microsoft.com/office/powerpoint/2010/main" val="2524113624"/>
       </p:ext>
     </p:extLst>
   </p:cSld>
@@ -9570,34 +10276,6 @@
                 <a:latin typeface="Arial" panose="020B0604020202020204" pitchFamily="34" charset="0"/>
                 <a:cs typeface="Arial" panose="020B0604020202020204" pitchFamily="34" charset="0"/>
               </a:rPr>
-              <a:t>Problem</a:t>
-            </a:r>
-          </a:p>
-          <a:p>
-            <a:r>
-              <a:rPr lang="en-US" sz="2400" dirty="0">
-                <a:solidFill>
-                  <a:schemeClr val="bg1">
-                    <a:lumMod val="75000"/>
-                  </a:schemeClr>
-                </a:solidFill>
-                <a:latin typeface="Arial" panose="020B0604020202020204" pitchFamily="34" charset="0"/>
-                <a:cs typeface="Arial" panose="020B0604020202020204" pitchFamily="34" charset="0"/>
-              </a:rPr>
-              <a:t>Solution</a:t>
-            </a:r>
-          </a:p>
-          <a:p>
-            <a:r>
-              <a:rPr lang="en-US" sz="2400" dirty="0">
-                <a:solidFill>
-                  <a:schemeClr val="bg1">
-                    <a:lumMod val="75000"/>
-                  </a:schemeClr>
-                </a:solidFill>
-                <a:latin typeface="Arial" panose="020B0604020202020204" pitchFamily="34" charset="0"/>
-                <a:cs typeface="Arial" panose="020B0604020202020204" pitchFamily="34" charset="0"/>
-              </a:rPr>
               <a:t>Materials &amp; Methods</a:t>
             </a:r>
           </a:p>
@@ -9726,6 +10404,676 @@
     <p:extLst>
       <p:ext uri="{BB962C8B-B14F-4D97-AF65-F5344CB8AC3E}">
         <p14:creationId xmlns:p14="http://schemas.microsoft.com/office/powerpoint/2010/main" val="2116123690"/>
+      </p:ext>
+    </p:extLst>
+  </p:cSld>
+  <p:clrMapOvr>
+    <a:masterClrMapping/>
+  </p:clrMapOvr>
+</p:sld>
+</file>
+
+<file path=ppt/slides/slide20.xml><?xml version="1.0" encoding="utf-8"?>
+<p:sld xmlns:a="http://schemas.openxmlformats.org/drawingml/2006/main" xmlns:r="http://schemas.openxmlformats.org/officeDocument/2006/relationships" xmlns:p="http://schemas.openxmlformats.org/presentationml/2006/main">
+  <p:cSld>
+    <p:spTree>
+      <p:nvGrpSpPr>
+        <p:cNvPr id="1" name=""/>
+        <p:cNvGrpSpPr/>
+        <p:nvPr/>
+      </p:nvGrpSpPr>
+      <p:grpSpPr>
+        <a:xfrm>
+          <a:off x="0" y="0"/>
+          <a:ext cx="0" cy="0"/>
+          <a:chOff x="0" y="0"/>
+          <a:chExt cx="0" cy="0"/>
+        </a:xfrm>
+      </p:grpSpPr>
+      <p:sp>
+        <p:nvSpPr>
+          <p:cNvPr id="2" name="Title 1">
+            <a:extLst>
+              <a:ext uri="{FF2B5EF4-FFF2-40B4-BE49-F238E27FC236}">
+                <a16:creationId xmlns:a16="http://schemas.microsoft.com/office/drawing/2014/main" id="{2C01C7FB-7974-6495-C221-8D11C0475C24}"/>
+              </a:ext>
+            </a:extLst>
+          </p:cNvPr>
+          <p:cNvSpPr>
+            <a:spLocks noGrp="1"/>
+          </p:cNvSpPr>
+          <p:nvPr>
+            <p:ph type="title"/>
+          </p:nvPr>
+        </p:nvSpPr>
+        <p:spPr/>
+        <p:txBody>
+          <a:bodyPr/>
+          <a:lstStyle/>
+          <a:p>
+            <a:endParaRPr lang="en-US"/>
+          </a:p>
+        </p:txBody>
+      </p:sp>
+      <p:sp>
+        <p:nvSpPr>
+          <p:cNvPr id="3" name="Content Placeholder 2">
+            <a:extLst>
+              <a:ext uri="{FF2B5EF4-FFF2-40B4-BE49-F238E27FC236}">
+                <a16:creationId xmlns:a16="http://schemas.microsoft.com/office/drawing/2014/main" id="{4733FF64-B905-CF6F-BFC1-107D49805FEA}"/>
+              </a:ext>
+            </a:extLst>
+          </p:cNvPr>
+          <p:cNvSpPr>
+            <a:spLocks noGrp="1"/>
+          </p:cNvSpPr>
+          <p:nvPr>
+            <p:ph idx="1"/>
+          </p:nvPr>
+        </p:nvSpPr>
+        <p:spPr/>
+        <p:txBody>
+          <a:bodyPr/>
+          <a:lstStyle/>
+          <a:p>
+            <a:endParaRPr lang="en-US"/>
+          </a:p>
+        </p:txBody>
+      </p:sp>
+      <p:sp>
+        <p:nvSpPr>
+          <p:cNvPr id="4" name="Rectangle 3">
+            <a:extLst>
+              <a:ext uri="{FF2B5EF4-FFF2-40B4-BE49-F238E27FC236}">
+                <a16:creationId xmlns:a16="http://schemas.microsoft.com/office/drawing/2014/main" id="{1D65FFF8-FDBD-9E73-6E91-C79F67CA9122}"/>
+              </a:ext>
+            </a:extLst>
+          </p:cNvPr>
+          <p:cNvSpPr/>
+          <p:nvPr/>
+        </p:nvSpPr>
+        <p:spPr>
+          <a:xfrm>
+            <a:off x="0" y="0"/>
+            <a:ext cx="12192000" cy="6858000"/>
+          </a:xfrm>
+          <a:prstGeom prst="rect">
+            <a:avLst/>
+          </a:prstGeom>
+          <a:solidFill>
+            <a:schemeClr val="tx1"/>
+          </a:solidFill>
+          <a:ln>
+            <a:noFill/>
+          </a:ln>
+        </p:spPr>
+        <p:style>
+          <a:lnRef idx="2">
+            <a:schemeClr val="accent1">
+              <a:shade val="15000"/>
+            </a:schemeClr>
+          </a:lnRef>
+          <a:fillRef idx="1">
+            <a:schemeClr val="accent1"/>
+          </a:fillRef>
+          <a:effectRef idx="0">
+            <a:schemeClr val="accent1"/>
+          </a:effectRef>
+          <a:fontRef idx="minor">
+            <a:schemeClr val="lt1"/>
+          </a:fontRef>
+        </p:style>
+        <p:txBody>
+          <a:bodyPr rtlCol="0" anchor="ctr"/>
+          <a:lstStyle/>
+          <a:p>
+            <a:pPr algn="ctr"/>
+            <a:endParaRPr lang="en-US"/>
+          </a:p>
+        </p:txBody>
+      </p:sp>
+      <p:sp>
+        <p:nvSpPr>
+          <p:cNvPr id="5" name="Rectangle 4">
+            <a:extLst>
+              <a:ext uri="{FF2B5EF4-FFF2-40B4-BE49-F238E27FC236}">
+                <a16:creationId xmlns:a16="http://schemas.microsoft.com/office/drawing/2014/main" id="{03EBA741-66CB-37F4-E061-7AF35B5FC633}"/>
+              </a:ext>
+            </a:extLst>
+          </p:cNvPr>
+          <p:cNvSpPr/>
+          <p:nvPr/>
+        </p:nvSpPr>
+        <p:spPr>
+          <a:xfrm>
+            <a:off x="114300" y="128587"/>
+            <a:ext cx="11958638" cy="6600825"/>
+          </a:xfrm>
+          <a:prstGeom prst="rect">
+            <a:avLst/>
+          </a:prstGeom>
+          <a:solidFill>
+            <a:schemeClr val="tx1"/>
+          </a:solidFill>
+          <a:ln w="12700">
+            <a:solidFill>
+              <a:schemeClr val="accent2">
+                <a:lumMod val="75000"/>
+              </a:schemeClr>
+            </a:solidFill>
+          </a:ln>
+        </p:spPr>
+        <p:style>
+          <a:lnRef idx="2">
+            <a:schemeClr val="accent1">
+              <a:shade val="15000"/>
+            </a:schemeClr>
+          </a:lnRef>
+          <a:fillRef idx="1">
+            <a:schemeClr val="accent1"/>
+          </a:fillRef>
+          <a:effectRef idx="0">
+            <a:schemeClr val="accent1"/>
+          </a:effectRef>
+          <a:fontRef idx="minor">
+            <a:schemeClr val="lt1"/>
+          </a:fontRef>
+        </p:style>
+        <p:txBody>
+          <a:bodyPr rtlCol="0" anchor="ctr"/>
+          <a:lstStyle/>
+          <a:p>
+            <a:pPr algn="ctr"/>
+            <a:endParaRPr lang="en-US"/>
+          </a:p>
+        </p:txBody>
+      </p:sp>
+      <p:cxnSp>
+        <p:nvCxnSpPr>
+          <p:cNvPr id="9" name="Straight Connector 8">
+            <a:extLst>
+              <a:ext uri="{FF2B5EF4-FFF2-40B4-BE49-F238E27FC236}">
+                <a16:creationId xmlns:a16="http://schemas.microsoft.com/office/drawing/2014/main" id="{1AC673B1-26F6-4416-3E21-C88A8DB70859}"/>
+              </a:ext>
+            </a:extLst>
+          </p:cNvPr>
+          <p:cNvCxnSpPr>
+            <a:cxnSpLocks/>
+          </p:cNvCxnSpPr>
+          <p:nvPr/>
+        </p:nvCxnSpPr>
+        <p:spPr>
+          <a:xfrm>
+            <a:off x="126206" y="1285868"/>
+            <a:ext cx="5220940" cy="11802"/>
+          </a:xfrm>
+          <a:prstGeom prst="line">
+            <a:avLst/>
+          </a:prstGeom>
+          <a:ln w="12700">
+            <a:solidFill>
+              <a:schemeClr val="accent2">
+                <a:lumMod val="75000"/>
+              </a:schemeClr>
+            </a:solidFill>
+          </a:ln>
+        </p:spPr>
+        <p:style>
+          <a:lnRef idx="1">
+            <a:schemeClr val="accent1"/>
+          </a:lnRef>
+          <a:fillRef idx="0">
+            <a:schemeClr val="accent1"/>
+          </a:fillRef>
+          <a:effectRef idx="0">
+            <a:schemeClr val="accent1"/>
+          </a:effectRef>
+          <a:fontRef idx="minor">
+            <a:schemeClr val="tx1"/>
+          </a:fontRef>
+        </p:style>
+      </p:cxnSp>
+      <p:sp>
+        <p:nvSpPr>
+          <p:cNvPr id="11" name="TextBox 10">
+            <a:extLst>
+              <a:ext uri="{FF2B5EF4-FFF2-40B4-BE49-F238E27FC236}">
+                <a16:creationId xmlns:a16="http://schemas.microsoft.com/office/drawing/2014/main" id="{7196FC43-75B8-DCA5-B6C2-A2B4E1C6188B}"/>
+              </a:ext>
+            </a:extLst>
+          </p:cNvPr>
+          <p:cNvSpPr txBox="1"/>
+          <p:nvPr/>
+        </p:nvSpPr>
+        <p:spPr>
+          <a:xfrm>
+            <a:off x="126205" y="541869"/>
+            <a:ext cx="5220941" cy="707886"/>
+          </a:xfrm>
+          <a:prstGeom prst="rect">
+            <a:avLst/>
+          </a:prstGeom>
+          <a:noFill/>
+        </p:spPr>
+        <p:txBody>
+          <a:bodyPr wrap="square">
+            <a:spAutoFit/>
+          </a:bodyPr>
+          <a:lstStyle/>
+          <a:p>
+            <a:pPr algn="r"/>
+            <a:r>
+              <a:rPr lang="en-US" sz="4000" dirty="0">
+                <a:solidFill>
+                  <a:schemeClr val="bg1"/>
+                </a:solidFill>
+                <a:latin typeface="Arial" panose="020B0604020202020204" pitchFamily="34" charset="0"/>
+                <a:cs typeface="Arial" panose="020B0604020202020204" pitchFamily="34" charset="0"/>
+              </a:rPr>
+              <a:t>Conclusion</a:t>
+            </a:r>
+          </a:p>
+        </p:txBody>
+      </p:sp>
+      <p:sp>
+        <p:nvSpPr>
+          <p:cNvPr id="10" name="TextBox 9">
+            <a:extLst>
+              <a:ext uri="{FF2B5EF4-FFF2-40B4-BE49-F238E27FC236}">
+                <a16:creationId xmlns:a16="http://schemas.microsoft.com/office/drawing/2014/main" id="{BC9B45D6-85F3-6EE1-A48D-1D12838504E4}"/>
+              </a:ext>
+            </a:extLst>
+          </p:cNvPr>
+          <p:cNvSpPr txBox="1"/>
+          <p:nvPr/>
+        </p:nvSpPr>
+        <p:spPr>
+          <a:xfrm>
+            <a:off x="2857495" y="2690336"/>
+            <a:ext cx="6757988" cy="1938992"/>
+          </a:xfrm>
+          <a:prstGeom prst="rect">
+            <a:avLst/>
+          </a:prstGeom>
+          <a:noFill/>
+        </p:spPr>
+        <p:txBody>
+          <a:bodyPr wrap="square">
+            <a:spAutoFit/>
+          </a:bodyPr>
+          <a:lstStyle/>
+          <a:p>
+            <a:pPr marL="285750" indent="-285750">
+              <a:buFont typeface="Arial" panose="020B0604020202020204" pitchFamily="34" charset="0"/>
+              <a:buChar char="•"/>
+            </a:pPr>
+            <a:r>
+              <a:rPr lang="en-US" sz="2000" dirty="0">
+                <a:solidFill>
+                  <a:schemeClr val="bg1">
+                    <a:lumMod val="75000"/>
+                  </a:schemeClr>
+                </a:solidFill>
+                <a:latin typeface="Arial" panose="020B0604020202020204" pitchFamily="34" charset="0"/>
+                <a:cs typeface="Arial" panose="020B0604020202020204" pitchFamily="34" charset="0"/>
+              </a:rPr>
+              <a:t>The MACD is just one tool in technical analysis, and it's often used in conjunction with other indicators for more reliable signals. </a:t>
+            </a:r>
+          </a:p>
+          <a:p>
+            <a:pPr marL="285750" indent="-285750">
+              <a:buFont typeface="Arial" panose="020B0604020202020204" pitchFamily="34" charset="0"/>
+              <a:buChar char="•"/>
+            </a:pPr>
+            <a:endParaRPr lang="en-US" sz="2000" dirty="0">
+              <a:solidFill>
+                <a:schemeClr val="bg1">
+                  <a:lumMod val="75000"/>
+                </a:schemeClr>
+              </a:solidFill>
+              <a:latin typeface="Arial" panose="020B0604020202020204" pitchFamily="34" charset="0"/>
+              <a:cs typeface="Arial" panose="020B0604020202020204" pitchFamily="34" charset="0"/>
+            </a:endParaRPr>
+          </a:p>
+          <a:p>
+            <a:pPr marL="285750" indent="-285750">
+              <a:buFont typeface="Arial" panose="020B0604020202020204" pitchFamily="34" charset="0"/>
+              <a:buChar char="•"/>
+            </a:pPr>
+            <a:r>
+              <a:rPr lang="en-US" sz="2000" dirty="0">
+                <a:solidFill>
+                  <a:schemeClr val="bg1">
+                    <a:lumMod val="75000"/>
+                  </a:schemeClr>
+                </a:solidFill>
+                <a:latin typeface="Arial" panose="020B0604020202020204" pitchFamily="34" charset="0"/>
+                <a:cs typeface="Arial" panose="020B0604020202020204" pitchFamily="34" charset="0"/>
+              </a:rPr>
+              <a:t>Always consider the broader context and conduct thorough analysis before making any trading decisions</a:t>
+            </a:r>
+            <a:r>
+              <a:rPr lang="en-US" dirty="0">
+                <a:solidFill>
+                  <a:schemeClr val="bg1"/>
+                </a:solidFill>
+                <a:latin typeface="Arial" panose="020B0604020202020204" pitchFamily="34" charset="0"/>
+                <a:cs typeface="Arial" panose="020B0604020202020204" pitchFamily="34" charset="0"/>
+              </a:rPr>
+              <a:t>.</a:t>
+            </a:r>
+          </a:p>
+        </p:txBody>
+      </p:sp>
+      <p:sp>
+        <p:nvSpPr>
+          <p:cNvPr id="12" name="TextBox 11">
+            <a:extLst>
+              <a:ext uri="{FF2B5EF4-FFF2-40B4-BE49-F238E27FC236}">
+                <a16:creationId xmlns:a16="http://schemas.microsoft.com/office/drawing/2014/main" id="{434F395C-29B2-0C7C-4A0C-B2570FD40E1E}"/>
+              </a:ext>
+            </a:extLst>
+          </p:cNvPr>
+          <p:cNvSpPr txBox="1"/>
+          <p:nvPr/>
+        </p:nvSpPr>
+        <p:spPr>
+          <a:xfrm>
+            <a:off x="7886700" y="112991"/>
+            <a:ext cx="4186239" cy="523220"/>
+          </a:xfrm>
+          <a:prstGeom prst="rect">
+            <a:avLst/>
+          </a:prstGeom>
+          <a:noFill/>
+        </p:spPr>
+        <p:txBody>
+          <a:bodyPr wrap="square" rtlCol="0">
+            <a:spAutoFit/>
+          </a:bodyPr>
+          <a:lstStyle/>
+          <a:p>
+            <a:pPr algn="r"/>
+            <a:r>
+              <a:rPr lang="en-US" sz="1400" i="1" dirty="0">
+                <a:solidFill>
+                  <a:schemeClr val="bg1">
+                    <a:lumMod val="75000"/>
+                  </a:schemeClr>
+                </a:solidFill>
+                <a:latin typeface="Arial" panose="020B0604020202020204" pitchFamily="34" charset="0"/>
+                <a:cs typeface="Arial" panose="020B0604020202020204" pitchFamily="34" charset="0"/>
+              </a:rPr>
+              <a:t>Briefer: Michael </a:t>
+            </a:r>
+            <a:r>
+              <a:rPr lang="en-US" sz="1400" i="1" dirty="0" err="1">
+                <a:solidFill>
+                  <a:schemeClr val="bg1">
+                    <a:lumMod val="75000"/>
+                  </a:schemeClr>
+                </a:solidFill>
+                <a:latin typeface="Arial" panose="020B0604020202020204" pitchFamily="34" charset="0"/>
+                <a:cs typeface="Arial" panose="020B0604020202020204" pitchFamily="34" charset="0"/>
+              </a:rPr>
+              <a:t>Drinkard</a:t>
+            </a:r>
+            <a:endParaRPr lang="en-US" sz="1400" i="1" dirty="0">
+              <a:solidFill>
+                <a:schemeClr val="bg1">
+                  <a:lumMod val="75000"/>
+                </a:schemeClr>
+              </a:solidFill>
+              <a:latin typeface="Arial" panose="020B0604020202020204" pitchFamily="34" charset="0"/>
+              <a:cs typeface="Arial" panose="020B0604020202020204" pitchFamily="34" charset="0"/>
+            </a:endParaRPr>
+          </a:p>
+          <a:p>
+            <a:pPr algn="r"/>
+            <a:endParaRPr lang="en-US" sz="1400" dirty="0">
+              <a:solidFill>
+                <a:schemeClr val="bg1"/>
+              </a:solidFill>
+              <a:latin typeface="Arial" panose="020B0604020202020204" pitchFamily="34" charset="0"/>
+              <a:cs typeface="Arial" panose="020B0604020202020204" pitchFamily="34" charset="0"/>
+            </a:endParaRPr>
+          </a:p>
+        </p:txBody>
+      </p:sp>
+    </p:spTree>
+    <p:extLst>
+      <p:ext uri="{BB962C8B-B14F-4D97-AF65-F5344CB8AC3E}">
+        <p14:creationId xmlns:p14="http://schemas.microsoft.com/office/powerpoint/2010/main" val="2114306519"/>
+      </p:ext>
+    </p:extLst>
+  </p:cSld>
+  <p:clrMapOvr>
+    <a:masterClrMapping/>
+  </p:clrMapOvr>
+</p:sld>
+</file>
+
+<file path=ppt/slides/slide21.xml><?xml version="1.0" encoding="utf-8"?>
+<p:sld xmlns:a="http://schemas.openxmlformats.org/drawingml/2006/main" xmlns:r="http://schemas.openxmlformats.org/officeDocument/2006/relationships" xmlns:p="http://schemas.openxmlformats.org/presentationml/2006/main">
+  <p:cSld>
+    <p:spTree>
+      <p:nvGrpSpPr>
+        <p:cNvPr id="1" name=""/>
+        <p:cNvGrpSpPr/>
+        <p:nvPr/>
+      </p:nvGrpSpPr>
+      <p:grpSpPr>
+        <a:xfrm>
+          <a:off x="0" y="0"/>
+          <a:ext cx="0" cy="0"/>
+          <a:chOff x="0" y="0"/>
+          <a:chExt cx="0" cy="0"/>
+        </a:xfrm>
+      </p:grpSpPr>
+      <p:sp>
+        <p:nvSpPr>
+          <p:cNvPr id="2" name="Title 1">
+            <a:extLst>
+              <a:ext uri="{FF2B5EF4-FFF2-40B4-BE49-F238E27FC236}">
+                <a16:creationId xmlns:a16="http://schemas.microsoft.com/office/drawing/2014/main" id="{2C01C7FB-7974-6495-C221-8D11C0475C24}"/>
+              </a:ext>
+            </a:extLst>
+          </p:cNvPr>
+          <p:cNvSpPr>
+            <a:spLocks noGrp="1"/>
+          </p:cNvSpPr>
+          <p:nvPr>
+            <p:ph type="title"/>
+          </p:nvPr>
+        </p:nvSpPr>
+        <p:spPr/>
+        <p:txBody>
+          <a:bodyPr/>
+          <a:lstStyle/>
+          <a:p>
+            <a:endParaRPr lang="en-US"/>
+          </a:p>
+        </p:txBody>
+      </p:sp>
+      <p:sp>
+        <p:nvSpPr>
+          <p:cNvPr id="3" name="Content Placeholder 2">
+            <a:extLst>
+              <a:ext uri="{FF2B5EF4-FFF2-40B4-BE49-F238E27FC236}">
+                <a16:creationId xmlns:a16="http://schemas.microsoft.com/office/drawing/2014/main" id="{4733FF64-B905-CF6F-BFC1-107D49805FEA}"/>
+              </a:ext>
+            </a:extLst>
+          </p:cNvPr>
+          <p:cNvSpPr>
+            <a:spLocks noGrp="1"/>
+          </p:cNvSpPr>
+          <p:nvPr>
+            <p:ph idx="1"/>
+          </p:nvPr>
+        </p:nvSpPr>
+        <p:spPr/>
+        <p:txBody>
+          <a:bodyPr/>
+          <a:lstStyle/>
+          <a:p>
+            <a:endParaRPr lang="en-US"/>
+          </a:p>
+        </p:txBody>
+      </p:sp>
+      <p:sp>
+        <p:nvSpPr>
+          <p:cNvPr id="4" name="Rectangle 3">
+            <a:extLst>
+              <a:ext uri="{FF2B5EF4-FFF2-40B4-BE49-F238E27FC236}">
+                <a16:creationId xmlns:a16="http://schemas.microsoft.com/office/drawing/2014/main" id="{1D65FFF8-FDBD-9E73-6E91-C79F67CA9122}"/>
+              </a:ext>
+            </a:extLst>
+          </p:cNvPr>
+          <p:cNvSpPr/>
+          <p:nvPr/>
+        </p:nvSpPr>
+        <p:spPr>
+          <a:xfrm>
+            <a:off x="0" y="0"/>
+            <a:ext cx="12192000" cy="6858000"/>
+          </a:xfrm>
+          <a:prstGeom prst="rect">
+            <a:avLst/>
+          </a:prstGeom>
+          <a:solidFill>
+            <a:schemeClr val="tx1"/>
+          </a:solidFill>
+          <a:ln>
+            <a:noFill/>
+          </a:ln>
+        </p:spPr>
+        <p:style>
+          <a:lnRef idx="2">
+            <a:schemeClr val="accent1">
+              <a:shade val="15000"/>
+            </a:schemeClr>
+          </a:lnRef>
+          <a:fillRef idx="1">
+            <a:schemeClr val="accent1"/>
+          </a:fillRef>
+          <a:effectRef idx="0">
+            <a:schemeClr val="accent1"/>
+          </a:effectRef>
+          <a:fontRef idx="minor">
+            <a:schemeClr val="lt1"/>
+          </a:fontRef>
+        </p:style>
+        <p:txBody>
+          <a:bodyPr rtlCol="0" anchor="ctr"/>
+          <a:lstStyle/>
+          <a:p>
+            <a:pPr algn="ctr"/>
+            <a:endParaRPr lang="en-US"/>
+          </a:p>
+        </p:txBody>
+      </p:sp>
+      <p:sp>
+        <p:nvSpPr>
+          <p:cNvPr id="5" name="Rectangle 4">
+            <a:extLst>
+              <a:ext uri="{FF2B5EF4-FFF2-40B4-BE49-F238E27FC236}">
+                <a16:creationId xmlns:a16="http://schemas.microsoft.com/office/drawing/2014/main" id="{03EBA741-66CB-37F4-E061-7AF35B5FC633}"/>
+              </a:ext>
+            </a:extLst>
+          </p:cNvPr>
+          <p:cNvSpPr/>
+          <p:nvPr/>
+        </p:nvSpPr>
+        <p:spPr>
+          <a:xfrm>
+            <a:off x="114300" y="128587"/>
+            <a:ext cx="11958638" cy="6600825"/>
+          </a:xfrm>
+          <a:prstGeom prst="rect">
+            <a:avLst/>
+          </a:prstGeom>
+          <a:solidFill>
+            <a:schemeClr val="tx1"/>
+          </a:solidFill>
+          <a:ln w="12700">
+            <a:solidFill>
+              <a:schemeClr val="accent2">
+                <a:lumMod val="75000"/>
+              </a:schemeClr>
+            </a:solidFill>
+          </a:ln>
+        </p:spPr>
+        <p:style>
+          <a:lnRef idx="2">
+            <a:schemeClr val="accent1">
+              <a:shade val="15000"/>
+            </a:schemeClr>
+          </a:lnRef>
+          <a:fillRef idx="1">
+            <a:schemeClr val="accent1"/>
+          </a:fillRef>
+          <a:effectRef idx="0">
+            <a:schemeClr val="accent1"/>
+          </a:effectRef>
+          <a:fontRef idx="minor">
+            <a:schemeClr val="lt1"/>
+          </a:fontRef>
+        </p:style>
+        <p:txBody>
+          <a:bodyPr rtlCol="0" anchor="ctr"/>
+          <a:lstStyle/>
+          <a:p>
+            <a:pPr algn="ctr"/>
+            <a:endParaRPr lang="en-US"/>
+          </a:p>
+        </p:txBody>
+      </p:sp>
+      <p:sp>
+        <p:nvSpPr>
+          <p:cNvPr id="11" name="TextBox 10">
+            <a:extLst>
+              <a:ext uri="{FF2B5EF4-FFF2-40B4-BE49-F238E27FC236}">
+                <a16:creationId xmlns:a16="http://schemas.microsoft.com/office/drawing/2014/main" id="{7196FC43-75B8-DCA5-B6C2-A2B4E1C6188B}"/>
+              </a:ext>
+            </a:extLst>
+          </p:cNvPr>
+          <p:cNvSpPr txBox="1"/>
+          <p:nvPr/>
+        </p:nvSpPr>
+        <p:spPr>
+          <a:xfrm>
+            <a:off x="128592" y="2967037"/>
+            <a:ext cx="11958638" cy="646331"/>
+          </a:xfrm>
+          <a:prstGeom prst="rect">
+            <a:avLst/>
+          </a:prstGeom>
+          <a:noFill/>
+        </p:spPr>
+        <p:txBody>
+          <a:bodyPr wrap="square">
+            <a:spAutoFit/>
+          </a:bodyPr>
+          <a:lstStyle/>
+          <a:p>
+            <a:pPr algn="ctr"/>
+            <a:r>
+              <a:rPr lang="en-US" sz="3600" dirty="0">
+                <a:solidFill>
+                  <a:schemeClr val="bg1"/>
+                </a:solidFill>
+                <a:latin typeface="Arial" panose="020B0604020202020204" pitchFamily="34" charset="0"/>
+                <a:cs typeface="Arial" panose="020B0604020202020204" pitchFamily="34" charset="0"/>
+              </a:rPr>
+              <a:t>Questions?</a:t>
+            </a:r>
+          </a:p>
+        </p:txBody>
+      </p:sp>
+    </p:spTree>
+    <p:extLst>
+      <p:ext uri="{BB962C8B-B14F-4D97-AF65-F5344CB8AC3E}">
+        <p14:creationId xmlns:p14="http://schemas.microsoft.com/office/powerpoint/2010/main" val="2630554423"/>
       </p:ext>
     </p:extLst>
   </p:cSld>
@@ -10065,8 +11413,8 @@
         </p:nvSpPr>
         <p:spPr>
           <a:xfrm>
-            <a:off x="620935" y="1593552"/>
-            <a:ext cx="10945368" cy="4524315"/>
+            <a:off x="838200" y="1967021"/>
+            <a:ext cx="10945368" cy="4031873"/>
           </a:xfrm>
           <a:prstGeom prst="rect">
             <a:avLst/>
@@ -10082,48 +11430,75 @@
             <a:r>
               <a:rPr lang="en-US" sz="1600" b="1" i="0" dirty="0">
                 <a:solidFill>
+                  <a:srgbClr val="00B0F0"/>
+                </a:solidFill>
+                <a:effectLst/>
+                <a:latin typeface="Arial" panose="020B0604020202020204" pitchFamily="34" charset="0"/>
+                <a:cs typeface="Arial" panose="020B0604020202020204" pitchFamily="34" charset="0"/>
+              </a:rPr>
+              <a:t>Moving Average Convergence and Divergence (MACD):  </a:t>
+            </a:r>
+            <a:r>
+              <a:rPr lang="en-US" sz="1600" b="0" i="0" dirty="0">
+                <a:solidFill>
                   <a:schemeClr val="bg1">
                     <a:lumMod val="75000"/>
                   </a:schemeClr>
                 </a:solidFill>
                 <a:effectLst/>
-                <a:latin typeface="Arial" panose="020B0604020202020204" pitchFamily="34" charset="0"/>
-                <a:cs typeface="Arial" panose="020B0604020202020204" pitchFamily="34" charset="0"/>
-              </a:rPr>
-              <a:t>Moving Average Convergence and Divergence (MACD):  </a:t>
-            </a:r>
-            <a:r>
-              <a:rPr lang="en-US" sz="1600" b="0" i="0" dirty="0">
-                <a:solidFill>
-                  <a:schemeClr val="bg1">
-                    <a:lumMod val="75000"/>
-                  </a:schemeClr>
-                </a:solidFill>
-                <a:effectLst/>
                 <a:latin typeface="Roboto" panose="02000000000000000000" pitchFamily="2" charset="0"/>
               </a:rPr>
-              <a:t>a trend-following momentum indicator that shows the relationship between two exponential moving averages (EMAs) of a security's price, designed to reveal changes in the strength, direction, momentum, and duration of a trend in a stock's price</a:t>
-            </a:r>
-            <a:r>
-              <a:rPr lang="en-US" sz="1600" dirty="0">
-                <a:solidFill>
-                  <a:schemeClr val="bg1">
-                    <a:lumMod val="75000"/>
-                  </a:schemeClr>
-                </a:solidFill>
-                <a:latin typeface="Roboto" panose="02000000000000000000" pitchFamily="2" charset="0"/>
-              </a:rPr>
-              <a:t>. calculated by subtracting the 26-period exponential moving average (EMA) from the 12-period EMA</a:t>
-            </a:r>
-            <a:endParaRPr lang="en-US" sz="1600" b="0" i="0" dirty="0">
+              <a:t>a trend-following momentum indicator that shows the relationship between two exponential moving averages (EMAs) of a security's price</a:t>
+            </a:r>
+          </a:p>
+          <a:p>
+            <a:endParaRPr lang="en-US" sz="1600" dirty="0">
               <a:solidFill>
                 <a:schemeClr val="bg1">
                   <a:lumMod val="75000"/>
                 </a:schemeClr>
               </a:solidFill>
-              <a:effectLst/>
+              <a:latin typeface="Roboto" panose="02000000000000000000" pitchFamily="2" charset="0"/>
+            </a:endParaRPr>
+          </a:p>
+          <a:p>
+            <a:endParaRPr lang="en-US" sz="1600" dirty="0">
+              <a:solidFill>
+                <a:srgbClr val="00B0F0"/>
+              </a:solidFill>
               <a:latin typeface="Arial" panose="020B0604020202020204" pitchFamily="34" charset="0"/>
               <a:cs typeface="Arial" panose="020B0604020202020204" pitchFamily="34" charset="0"/>
+            </a:endParaRPr>
+          </a:p>
+          <a:p>
+            <a:r>
+              <a:rPr lang="en-US" sz="1600" b="1" dirty="0">
+                <a:solidFill>
+                  <a:srgbClr val="00B0F0"/>
+                </a:solidFill>
+                <a:latin typeface="Arial" panose="020B0604020202020204" pitchFamily="34" charset="0"/>
+                <a:cs typeface="Arial" panose="020B0604020202020204" pitchFamily="34" charset="0"/>
+              </a:rPr>
+              <a:t>Exponentially Weighted Moving Average (EWMA):  </a:t>
+            </a:r>
+            <a:r>
+              <a:rPr lang="en-US" sz="1600" dirty="0">
+                <a:solidFill>
+                  <a:schemeClr val="bg1">
+                    <a:lumMod val="75000"/>
+                  </a:schemeClr>
+                </a:solidFill>
+                <a:latin typeface="Arial" panose="020B0604020202020204" pitchFamily="34" charset="0"/>
+                <a:cs typeface="Arial" panose="020B0604020202020204" pitchFamily="34" charset="0"/>
+              </a:rPr>
+              <a:t>quantitative/statistical measure used to model a time series</a:t>
+            </a:r>
+            <a:endParaRPr lang="en-US" sz="1600" b="0" i="0" dirty="0">
+              <a:solidFill>
+                <a:srgbClr val="636E72"/>
+              </a:solidFill>
+              <a:effectLst/>
+              <a:latin typeface="Inter"/>
             </a:endParaRPr>
           </a:p>
           <a:p>
@@ -10138,8 +11513,29 @@
             </a:endParaRPr>
           </a:p>
           <a:p>
+            <a:endParaRPr lang="en-US" sz="1600" b="1" dirty="0">
+              <a:solidFill>
+                <a:schemeClr val="bg1">
+                  <a:lumMod val="75000"/>
+                </a:schemeClr>
+              </a:solidFill>
+              <a:latin typeface="Arial" panose="020B0604020202020204" pitchFamily="34" charset="0"/>
+              <a:cs typeface="Arial" panose="020B0604020202020204" pitchFamily="34" charset="0"/>
+            </a:endParaRPr>
+          </a:p>
+          <a:p>
             <a:r>
               <a:rPr lang="en-US" sz="1600" b="1" dirty="0">
+                <a:solidFill>
+                  <a:srgbClr val="00B0F0"/>
+                </a:solidFill>
+                <a:latin typeface="Arial" panose="020B0604020202020204" pitchFamily="34" charset="0"/>
+                <a:cs typeface="Arial" panose="020B0604020202020204" pitchFamily="34" charset="0"/>
+              </a:rPr>
+              <a:t>Signal line:  </a:t>
+            </a:r>
+            <a:r>
+              <a:rPr lang="en-US" sz="1600" dirty="0">
                 <a:solidFill>
                   <a:schemeClr val="bg1">
                     <a:lumMod val="75000"/>
@@ -10148,7 +11544,7 @@
                 <a:latin typeface="Arial" panose="020B0604020202020204" pitchFamily="34" charset="0"/>
                 <a:cs typeface="Arial" panose="020B0604020202020204" pitchFamily="34" charset="0"/>
               </a:rPr>
-              <a:t>Exponentially Weighted Moving Average (EWMA):  </a:t>
+              <a:t>a nine-period EMA of the MACD line; n</a:t>
             </a:r>
             <a:r>
               <a:rPr lang="en-US" sz="1600" dirty="0">
@@ -10157,18 +11553,10 @@
                     <a:lumMod val="75000"/>
                   </a:schemeClr>
                 </a:solidFill>
-                <a:latin typeface="Arial" panose="020B0604020202020204" pitchFamily="34" charset="0"/>
-                <a:cs typeface="Arial" panose="020B0604020202020204" pitchFamily="34" charset="0"/>
-              </a:rPr>
-              <a:t>a quantitative or statistical measure used to model or describe a time series</a:t>
-            </a:r>
-            <a:endParaRPr lang="en-US" sz="1600" b="0" i="0" dirty="0">
-              <a:solidFill>
-                <a:srgbClr val="636E72"/>
-              </a:solidFill>
-              <a:effectLst/>
-              <a:latin typeface="Inter"/>
-            </a:endParaRPr>
+                <a:latin typeface="Roboto" panose="02000000000000000000" pitchFamily="2" charset="0"/>
+              </a:rPr>
+              <a:t>ormally consist of moving averages used in combination with other technical indicators to generate buy or sell signals</a:t>
+            </a:r>
           </a:p>
           <a:p>
             <a:endParaRPr lang="en-US" sz="1600" dirty="0">
@@ -10182,80 +11570,6 @@
             </a:endParaRPr>
           </a:p>
           <a:p>
-            <a:r>
-              <a:rPr lang="en-US" sz="1600" b="1" dirty="0">
-                <a:solidFill>
-                  <a:schemeClr val="bg1">
-                    <a:lumMod val="75000"/>
-                  </a:schemeClr>
-                </a:solidFill>
-                <a:latin typeface="Arial" panose="020B0604020202020204" pitchFamily="34" charset="0"/>
-                <a:cs typeface="Arial" panose="020B0604020202020204" pitchFamily="34" charset="0"/>
-              </a:rPr>
-              <a:t>Signal line:  </a:t>
-            </a:r>
-            <a:r>
-              <a:rPr lang="en-US" sz="1600" dirty="0">
-                <a:solidFill>
-                  <a:schemeClr val="bg1">
-                    <a:lumMod val="75000"/>
-                  </a:schemeClr>
-                </a:solidFill>
-                <a:latin typeface="Arial" panose="020B0604020202020204" pitchFamily="34" charset="0"/>
-                <a:cs typeface="Arial" panose="020B0604020202020204" pitchFamily="34" charset="0"/>
-              </a:rPr>
-              <a:t>a nine-period EMA of the MACD line; n</a:t>
-            </a:r>
-            <a:r>
-              <a:rPr lang="en-US" sz="1600" dirty="0">
-                <a:solidFill>
-                  <a:schemeClr val="bg1">
-                    <a:lumMod val="75000"/>
-                  </a:schemeClr>
-                </a:solidFill>
-                <a:latin typeface="Roboto" panose="02000000000000000000" pitchFamily="2" charset="0"/>
-              </a:rPr>
-              <a:t>ormally consist of moving averages used in combination with other technical indicators in order to generate buy or sell signals. Buy signals are usually triggered when a signal line is crossed upwards by the indicator in question and sell signals are triggered when it is crossed downward</a:t>
-            </a:r>
-          </a:p>
-          <a:p>
-            <a:endParaRPr lang="en-US" sz="1600" dirty="0">
-              <a:solidFill>
-                <a:schemeClr val="bg1">
-                  <a:lumMod val="75000"/>
-                </a:schemeClr>
-              </a:solidFill>
-              <a:latin typeface="Arial" panose="020B0604020202020204" pitchFamily="34" charset="0"/>
-              <a:cs typeface="Arial" panose="020B0604020202020204" pitchFamily="34" charset="0"/>
-            </a:endParaRPr>
-          </a:p>
-          <a:p>
-            <a:r>
-              <a:rPr lang="en-US" sz="1600" b="1" dirty="0">
-                <a:solidFill>
-                  <a:schemeClr val="bg1">
-                    <a:lumMod val="75000"/>
-                  </a:schemeClr>
-                </a:solidFill>
-                <a:latin typeface="Arial" panose="020B0604020202020204" pitchFamily="34" charset="0"/>
-                <a:cs typeface="Arial" panose="020B0604020202020204" pitchFamily="34" charset="0"/>
-              </a:rPr>
-              <a:t>Short – “shorting” / “short selling”: </a:t>
-            </a:r>
-            <a:r>
-              <a:rPr lang="en-US" sz="1600" dirty="0">
-                <a:solidFill>
-                  <a:schemeClr val="bg1">
-                    <a:lumMod val="75000"/>
-                  </a:schemeClr>
-                </a:solidFill>
-                <a:latin typeface="Arial" panose="020B0604020202020204" pitchFamily="34" charset="0"/>
-                <a:cs typeface="Arial" panose="020B0604020202020204" pitchFamily="34" charset="0"/>
-              </a:rPr>
-              <a:t>an investment or trading strategy that speculates on the decline in a stock or other security’s price; involves borrowing a security whose price you think is going to fall from your brokerage and selling it on the open market</a:t>
-            </a:r>
-          </a:p>
-          <a:p>
             <a:endParaRPr lang="en-US" sz="1600" b="1" dirty="0">
               <a:solidFill>
                 <a:schemeClr val="bg1">
@@ -10270,6 +11584,16 @@
             <a:r>
               <a:rPr lang="en-US" sz="1600" b="1" dirty="0">
                 <a:solidFill>
+                  <a:srgbClr val="00B0F0"/>
+                </a:solidFill>
+                <a:latin typeface="Arial" panose="020B0604020202020204" pitchFamily="34" charset="0"/>
+                <a:cs typeface="Arial" panose="020B0604020202020204" pitchFamily="34" charset="0"/>
+              </a:rPr>
+              <a:t>Short – “shorting” / “short selling”: </a:t>
+            </a:r>
+            <a:r>
+              <a:rPr lang="en-US" sz="1600" dirty="0">
+                <a:solidFill>
                   <a:schemeClr val="bg1">
                     <a:lumMod val="75000"/>
                   </a:schemeClr>
@@ -10277,10 +11601,44 @@
                 <a:latin typeface="Arial" panose="020B0604020202020204" pitchFamily="34" charset="0"/>
                 <a:cs typeface="Arial" panose="020B0604020202020204" pitchFamily="34" charset="0"/>
               </a:rPr>
+              <a:t>an investment or trading strategy that speculates on the decline in a stock price; involves borrowing a security whose price you think is going to fall from your brokerage and selling</a:t>
+            </a:r>
+          </a:p>
+          <a:p>
+            <a:endParaRPr lang="en-US" sz="1600" b="1" dirty="0">
+              <a:solidFill>
+                <a:schemeClr val="bg1">
+                  <a:lumMod val="75000"/>
+                </a:schemeClr>
+              </a:solidFill>
+              <a:latin typeface="Arial" panose="020B0604020202020204" pitchFamily="34" charset="0"/>
+              <a:cs typeface="Arial" panose="020B0604020202020204" pitchFamily="34" charset="0"/>
+            </a:endParaRPr>
+          </a:p>
+          <a:p>
+            <a:endParaRPr lang="en-US" sz="1600" b="1" dirty="0">
+              <a:solidFill>
+                <a:schemeClr val="bg1">
+                  <a:lumMod val="75000"/>
+                </a:schemeClr>
+              </a:solidFill>
+              <a:latin typeface="Arial" panose="020B0604020202020204" pitchFamily="34" charset="0"/>
+              <a:cs typeface="Arial" panose="020B0604020202020204" pitchFamily="34" charset="0"/>
+            </a:endParaRPr>
+          </a:p>
+          <a:p>
+            <a:r>
+              <a:rPr lang="en-US" sz="1600" b="1" dirty="0">
+                <a:solidFill>
+                  <a:srgbClr val="00B0F0"/>
+                </a:solidFill>
+                <a:latin typeface="Arial" panose="020B0604020202020204" pitchFamily="34" charset="0"/>
+                <a:cs typeface="Arial" panose="020B0604020202020204" pitchFamily="34" charset="0"/>
+              </a:rPr>
               <a:t>Long – “taking a long position”:  </a:t>
             </a:r>
             <a:r>
-              <a:rPr lang="en-US" sz="1600" dirty="0">
+              <a:rPr lang="en-US" sz="1600" b="1" dirty="0">
                 <a:solidFill>
                   <a:schemeClr val="bg1">
                     <a:lumMod val="75000"/>
@@ -10289,46 +11647,20 @@
                 <a:latin typeface="Arial" panose="020B0604020202020204" pitchFamily="34" charset="0"/>
                 <a:cs typeface="Arial" panose="020B0604020202020204" pitchFamily="34" charset="0"/>
               </a:rPr>
-              <a:t>Having a “long” position in a security means that you own the security. Investors maintain “long” security positions in the expectation that the stock will rise in value in the future.</a:t>
-            </a:r>
-          </a:p>
-        </p:txBody>
-      </p:sp>
-      <p:sp>
-        <p:nvSpPr>
-          <p:cNvPr id="14" name="TextBox 13">
-            <a:extLst>
-              <a:ext uri="{FF2B5EF4-FFF2-40B4-BE49-F238E27FC236}">
-                <a16:creationId xmlns:a16="http://schemas.microsoft.com/office/drawing/2014/main" id="{1228D691-48D3-4217-3B0D-D26B1FBA5B59}"/>
-              </a:ext>
-            </a:extLst>
-          </p:cNvPr>
-          <p:cNvSpPr txBox="1"/>
-          <p:nvPr/>
-        </p:nvSpPr>
-        <p:spPr>
-          <a:xfrm>
-            <a:off x="3046810" y="3244334"/>
-            <a:ext cx="6093618" cy="369332"/>
-          </a:xfrm>
-          <a:prstGeom prst="rect">
-            <a:avLst/>
-          </a:prstGeom>
-          <a:noFill/>
-        </p:spPr>
-        <p:txBody>
-          <a:bodyPr wrap="square">
-            <a:spAutoFit/>
-          </a:bodyPr>
-          <a:lstStyle/>
-          <a:p>
-            <a:r>
-              <a:rPr lang="en-US">
-                <a:hlinkClick r:id="rId3"/>
-              </a:rPr>
-              <a:t>Upload files </a:t>
-            </a:r>
-            <a:endParaRPr lang="en-US"/>
+              <a:t>h</a:t>
+            </a:r>
+            <a:r>
+              <a:rPr lang="en-US" sz="1600" dirty="0">
+                <a:solidFill>
+                  <a:schemeClr val="bg1">
+                    <a:lumMod val="75000"/>
+                  </a:schemeClr>
+                </a:solidFill>
+                <a:latin typeface="Arial" panose="020B0604020202020204" pitchFamily="34" charset="0"/>
+                <a:cs typeface="Arial" panose="020B0604020202020204" pitchFamily="34" charset="0"/>
+              </a:rPr>
+              <a:t>aving a “long” position in a security means that you own the security</a:t>
+            </a:r>
           </a:p>
         </p:txBody>
       </p:sp>
@@ -10802,29 +12134,8 @@
                 <a:latin typeface="Arial" panose="020B0604020202020204" pitchFamily="34" charset="0"/>
                 <a:cs typeface="Arial" panose="020B0604020202020204" pitchFamily="34" charset="0"/>
               </a:rPr>
-              <a:t>Briefer: Harith </a:t>
-            </a:r>
-            <a:r>
-              <a:rPr lang="en-US" sz="1400" i="1" dirty="0" err="1">
-                <a:solidFill>
-                  <a:schemeClr val="bg1">
-                    <a:lumMod val="75000"/>
-                  </a:schemeClr>
-                </a:solidFill>
-                <a:latin typeface="Arial" panose="020B0604020202020204" pitchFamily="34" charset="0"/>
-                <a:cs typeface="Arial" panose="020B0604020202020204" pitchFamily="34" charset="0"/>
-              </a:rPr>
-              <a:t>Alshuwaykh</a:t>
-            </a:r>
-            <a:endParaRPr lang="en-US" sz="1400" i="1" dirty="0">
-              <a:solidFill>
-                <a:schemeClr val="bg1">
-                  <a:lumMod val="75000"/>
-                </a:schemeClr>
-              </a:solidFill>
-              <a:latin typeface="Arial" panose="020B0604020202020204" pitchFamily="34" charset="0"/>
-              <a:cs typeface="Arial" panose="020B0604020202020204" pitchFamily="34" charset="0"/>
-            </a:endParaRPr>
+              <a:t>Briefer: Erin O’Leary</a:t>
+            </a:r>
           </a:p>
           <a:p>
             <a:pPr algn="r"/>
@@ -11073,10 +12384,10 @@
       </p:cxnSp>
       <p:sp>
         <p:nvSpPr>
-          <p:cNvPr id="6" name="TextBox 5">
-            <a:extLst>
-              <a:ext uri="{FF2B5EF4-FFF2-40B4-BE49-F238E27FC236}">
-                <a16:creationId xmlns:a16="http://schemas.microsoft.com/office/drawing/2014/main" id="{90BAC1A3-E33E-AC95-5A48-AA88945DD79B}"/>
+          <p:cNvPr id="11" name="TextBox 10">
+            <a:extLst>
+              <a:ext uri="{FF2B5EF4-FFF2-40B4-BE49-F238E27FC236}">
+                <a16:creationId xmlns:a16="http://schemas.microsoft.com/office/drawing/2014/main" id="{7196FC43-75B8-DCA5-B6C2-A2B4E1C6188B}"/>
               </a:ext>
             </a:extLst>
           </p:cNvPr>
@@ -11085,7 +12396,7 @@
         </p:nvSpPr>
         <p:spPr>
           <a:xfrm>
-            <a:off x="126206" y="569684"/>
+            <a:off x="126205" y="541869"/>
             <a:ext cx="5220941" cy="646331"/>
           </a:xfrm>
           <a:prstGeom prst="rect">
@@ -11108,17 +12419,17 @@
                 <a:latin typeface="Arial" panose="020B0604020202020204" pitchFamily="34" charset="0"/>
                 <a:cs typeface="Arial" panose="020B0604020202020204" pitchFamily="34" charset="0"/>
               </a:rPr>
-              <a:t>Explain the Solution</a:t>
-            </a:r>
-          </a:p>
-        </p:txBody>
-      </p:sp>
-      <p:sp>
-        <p:nvSpPr>
-          <p:cNvPr id="8" name="TextBox 7">
-            <a:extLst>
-              <a:ext uri="{FF2B5EF4-FFF2-40B4-BE49-F238E27FC236}">
-                <a16:creationId xmlns:a16="http://schemas.microsoft.com/office/drawing/2014/main" id="{DF161E08-E621-AEC3-BA04-312E24909C70}"/>
+              <a:t>So What?</a:t>
+            </a:r>
+          </a:p>
+        </p:txBody>
+      </p:sp>
+      <p:sp>
+        <p:nvSpPr>
+          <p:cNvPr id="10" name="TextBox 9">
+            <a:extLst>
+              <a:ext uri="{FF2B5EF4-FFF2-40B4-BE49-F238E27FC236}">
+                <a16:creationId xmlns:a16="http://schemas.microsoft.com/office/drawing/2014/main" id="{387ED061-CD0A-AA1C-6DB7-AE84826EC15D}"/>
               </a:ext>
             </a:extLst>
           </p:cNvPr>
@@ -11127,8 +12438,8 @@
         </p:nvSpPr>
         <p:spPr>
           <a:xfrm>
-            <a:off x="446485" y="1531620"/>
-            <a:ext cx="6093618" cy="1200329"/>
+            <a:off x="1414463" y="1720840"/>
+            <a:ext cx="9286875" cy="2585323"/>
           </a:xfrm>
           <a:prstGeom prst="rect">
             <a:avLst/>
@@ -11141,57 +12452,257 @@
           </a:bodyPr>
           <a:lstStyle/>
           <a:p>
-            <a:pPr algn="l"/>
-            <a:r>
+            <a:br>
               <a:rPr lang="en-US" b="0" i="0" dirty="0">
                 <a:solidFill>
-                  <a:schemeClr val="bg1"/>
+                  <a:schemeClr val="bg1">
+                    <a:lumMod val="75000"/>
+                  </a:schemeClr>
                 </a:solidFill>
                 <a:effectLst/>
                 <a:latin typeface="Arial" panose="020B0604020202020204" pitchFamily="34" charset="0"/>
-                <a:cs typeface="Arial" panose="020B0604020202020204" pitchFamily="34" charset="0"/>
-              </a:rPr>
-              <a:t>What is our solution?</a:t>
-            </a:r>
-            <a:br>
+              </a:rPr>
+            </a:br>
+            <a:r>
               <a:rPr lang="en-US" b="0" i="0" dirty="0">
                 <a:solidFill>
-                  <a:schemeClr val="bg1"/>
+                  <a:srgbClr val="FF0000"/>
                 </a:solidFill>
                 <a:effectLst/>
                 <a:latin typeface="Arial" panose="020B0604020202020204" pitchFamily="34" charset="0"/>
-                <a:cs typeface="Arial" panose="020B0604020202020204" pitchFamily="34" charset="0"/>
+              </a:rPr>
+              <a:t>Crossovers: </a:t>
+            </a:r>
+            <a:r>
+              <a:rPr lang="en-US" b="0" i="0" dirty="0">
+                <a:solidFill>
+                  <a:schemeClr val="bg1">
+                    <a:lumMod val="75000"/>
+                  </a:schemeClr>
+                </a:solidFill>
+                <a:effectLst/>
+                <a:latin typeface="Arial" panose="020B0604020202020204" pitchFamily="34" charset="0"/>
+              </a:rPr>
+              <a:t>When the </a:t>
+            </a:r>
+            <a:r>
+              <a:rPr lang="en-US" b="0" i="0" dirty="0">
+                <a:solidFill>
+                  <a:srgbClr val="FF0000"/>
+                </a:solidFill>
+                <a:effectLst/>
+                <a:latin typeface="Arial" panose="020B0604020202020204" pitchFamily="34" charset="0"/>
+              </a:rPr>
+              <a:t>MACD line crosses above the signal line</a:t>
+            </a:r>
+            <a:r>
+              <a:rPr lang="en-US" b="0" i="0" dirty="0">
+                <a:solidFill>
+                  <a:schemeClr val="bg1">
+                    <a:lumMod val="75000"/>
+                  </a:schemeClr>
+                </a:solidFill>
+                <a:effectLst/>
+                <a:latin typeface="Arial" panose="020B0604020202020204" pitchFamily="34" charset="0"/>
+              </a:rPr>
+              <a:t>, it generates a </a:t>
+            </a:r>
+            <a:r>
+              <a:rPr lang="en-US" b="0" i="0" dirty="0">
+                <a:solidFill>
+                  <a:srgbClr val="FF0000"/>
+                </a:solidFill>
+                <a:effectLst/>
+                <a:latin typeface="Arial" panose="020B0604020202020204" pitchFamily="34" charset="0"/>
+              </a:rPr>
+              <a:t>bullish signal</a:t>
+            </a:r>
+            <a:r>
+              <a:rPr lang="en-US" b="0" i="0" dirty="0">
+                <a:solidFill>
+                  <a:schemeClr val="bg1">
+                    <a:lumMod val="75000"/>
+                  </a:schemeClr>
+                </a:solidFill>
+                <a:effectLst/>
+                <a:latin typeface="Arial" panose="020B0604020202020204" pitchFamily="34" charset="0"/>
+              </a:rPr>
+              <a:t>, indicating a potential buying opportunity. Conversely, when the </a:t>
+            </a:r>
+            <a:r>
+              <a:rPr lang="en-US" b="0" i="0" dirty="0">
+                <a:solidFill>
+                  <a:schemeClr val="accent1"/>
+                </a:solidFill>
+                <a:effectLst/>
+                <a:latin typeface="Arial" panose="020B0604020202020204" pitchFamily="34" charset="0"/>
+              </a:rPr>
+              <a:t>MACD line crosses below the signal line</a:t>
+            </a:r>
+            <a:r>
+              <a:rPr lang="en-US" b="0" i="0" dirty="0">
+                <a:solidFill>
+                  <a:schemeClr val="bg1">
+                    <a:lumMod val="75000"/>
+                  </a:schemeClr>
+                </a:solidFill>
+                <a:effectLst/>
+                <a:latin typeface="Arial" panose="020B0604020202020204" pitchFamily="34" charset="0"/>
+              </a:rPr>
+              <a:t>, it generates a </a:t>
+            </a:r>
+            <a:r>
+              <a:rPr lang="en-US" b="0" i="0" dirty="0">
+                <a:solidFill>
+                  <a:schemeClr val="accent1"/>
+                </a:solidFill>
+                <a:effectLst/>
+                <a:latin typeface="Arial" panose="020B0604020202020204" pitchFamily="34" charset="0"/>
+              </a:rPr>
+              <a:t>bearish signal</a:t>
+            </a:r>
+            <a:r>
+              <a:rPr lang="en-US" b="0" i="0" dirty="0">
+                <a:solidFill>
+                  <a:schemeClr val="bg1">
+                    <a:lumMod val="75000"/>
+                  </a:schemeClr>
+                </a:solidFill>
+                <a:effectLst/>
+                <a:latin typeface="Arial" panose="020B0604020202020204" pitchFamily="34" charset="0"/>
+              </a:rPr>
+              <a:t>, suggesting a possible selling </a:t>
+            </a:r>
+            <a:br>
+              <a:rPr lang="en-US" dirty="0">
+                <a:solidFill>
+                  <a:schemeClr val="bg1">
+                    <a:lumMod val="75000"/>
+                  </a:schemeClr>
+                </a:solidFill>
               </a:rPr>
             </a:br>
-            <a:endParaRPr lang="en-US" b="0" i="0" dirty="0">
+            <a:r>
+              <a:rPr lang="en-US" b="0" i="0" dirty="0">
+                <a:solidFill>
+                  <a:schemeClr val="bg1">
+                    <a:lumMod val="75000"/>
+                  </a:schemeClr>
+                </a:solidFill>
+                <a:effectLst/>
+                <a:latin typeface="Arial" panose="020B0604020202020204" pitchFamily="34" charset="0"/>
+              </a:rPr>
+              <a:t>opportunity.</a:t>
+            </a:r>
+          </a:p>
+          <a:p>
+            <a:br>
+              <a:rPr lang="en-US" dirty="0">
+                <a:solidFill>
+                  <a:schemeClr val="bg1">
+                    <a:lumMod val="75000"/>
+                  </a:schemeClr>
+                </a:solidFill>
+              </a:rPr>
+            </a:br>
+            <a:r>
+              <a:rPr lang="en-US" b="0" i="0" dirty="0">
+                <a:solidFill>
+                  <a:srgbClr val="FF0000"/>
+                </a:solidFill>
+                <a:effectLst/>
+                <a:latin typeface="Arial" panose="020B0604020202020204" pitchFamily="34" charset="0"/>
+              </a:rPr>
+              <a:t>Divergences: </a:t>
+            </a:r>
+            <a:r>
+              <a:rPr lang="en-US" b="0" i="0" dirty="0">
+                <a:solidFill>
+                  <a:schemeClr val="bg1">
+                    <a:lumMod val="75000"/>
+                  </a:schemeClr>
+                </a:solidFill>
+                <a:effectLst/>
+                <a:latin typeface="Arial" panose="020B0604020202020204" pitchFamily="34" charset="0"/>
+              </a:rPr>
+              <a:t>Pay attention to divergences between the MACD and the price action. If the price is making higher highs, but the MACD is making lower highs, it could </a:t>
+            </a:r>
+            <a:br>
+              <a:rPr lang="en-US" dirty="0">
+                <a:solidFill>
+                  <a:schemeClr val="bg1">
+                    <a:lumMod val="75000"/>
+                  </a:schemeClr>
+                </a:solidFill>
+              </a:rPr>
+            </a:br>
+            <a:r>
+              <a:rPr lang="en-US" b="0" i="0" dirty="0">
+                <a:solidFill>
+                  <a:schemeClr val="bg1">
+                    <a:lumMod val="75000"/>
+                  </a:schemeClr>
+                </a:solidFill>
+                <a:effectLst/>
+                <a:latin typeface="Arial" panose="020B0604020202020204" pitchFamily="34" charset="0"/>
+              </a:rPr>
+              <a:t>indicate a </a:t>
+            </a:r>
+            <a:r>
+              <a:rPr lang="en-US" b="0" i="0" dirty="0">
+                <a:solidFill>
+                  <a:schemeClr val="accent4">
+                    <a:lumMod val="60000"/>
+                    <a:lumOff val="40000"/>
+                  </a:schemeClr>
+                </a:solidFill>
+                <a:effectLst/>
+                <a:latin typeface="Arial" panose="020B0604020202020204" pitchFamily="34" charset="0"/>
+              </a:rPr>
+              <a:t>weakening trend </a:t>
+            </a:r>
+            <a:r>
+              <a:rPr lang="en-US" b="0" i="0" dirty="0">
+                <a:solidFill>
+                  <a:schemeClr val="bg1">
+                    <a:lumMod val="75000"/>
+                  </a:schemeClr>
+                </a:solidFill>
+                <a:effectLst/>
+                <a:latin typeface="Arial" panose="020B0604020202020204" pitchFamily="34" charset="0"/>
+              </a:rPr>
+              <a:t>and a possible </a:t>
+            </a:r>
+            <a:r>
+              <a:rPr lang="en-US" b="0" i="0" dirty="0">
+                <a:solidFill>
+                  <a:schemeClr val="accent4">
+                    <a:lumMod val="60000"/>
+                    <a:lumOff val="40000"/>
+                  </a:schemeClr>
+                </a:solidFill>
+                <a:effectLst/>
+                <a:latin typeface="Arial" panose="020B0604020202020204" pitchFamily="34" charset="0"/>
+              </a:rPr>
+              <a:t>trend reversal.</a:t>
+            </a:r>
+            <a:endParaRPr lang="en-US" dirty="0">
               <a:solidFill>
-                <a:schemeClr val="bg1"/>
+                <a:schemeClr val="accent4">
+                  <a:lumMod val="60000"/>
+                  <a:lumOff val="40000"/>
+                </a:schemeClr>
               </a:solidFill>
-              <a:effectLst/>
-              <a:latin typeface="Arial" panose="020B0604020202020204" pitchFamily="34" charset="0"/>
-              <a:cs typeface="Arial" panose="020B0604020202020204" pitchFamily="34" charset="0"/>
             </a:endParaRPr>
           </a:p>
-          <a:p>
-            <a:br>
-              <a:rPr lang="en-US" b="0" i="0" dirty="0">
-                <a:solidFill>
-                  <a:srgbClr val="1D1C1D"/>
-                </a:solidFill>
-                <a:effectLst/>
-                <a:latin typeface="Slack-Lato"/>
-              </a:rPr>
-            </a:br>
-            <a:endParaRPr lang="en-US" dirty="0"/>
-          </a:p>
-        </p:txBody>
-      </p:sp>
-      <p:sp>
-        <p:nvSpPr>
-          <p:cNvPr id="10" name="TextBox 9">
-            <a:extLst>
-              <a:ext uri="{FF2B5EF4-FFF2-40B4-BE49-F238E27FC236}">
-                <a16:creationId xmlns:a16="http://schemas.microsoft.com/office/drawing/2014/main" id="{1DBF9502-735C-7CA5-B569-F21841713C34}"/>
+        </p:txBody>
+      </p:sp>
+      <p:sp>
+        <p:nvSpPr>
+          <p:cNvPr id="12" name="TextBox 11">
+            <a:extLst>
+              <a:ext uri="{FF2B5EF4-FFF2-40B4-BE49-F238E27FC236}">
+                <a16:creationId xmlns:a16="http://schemas.microsoft.com/office/drawing/2014/main" id="{2A592B42-F315-3190-CB5D-8C1DCCA1B6DA}"/>
               </a:ext>
             </a:extLst>
           </p:cNvPr>
@@ -11200,7 +12711,7 @@
         </p:nvSpPr>
         <p:spPr>
           <a:xfrm>
-            <a:off x="7886700" y="112991"/>
+            <a:off x="7886699" y="128587"/>
             <a:ext cx="4186239" cy="523220"/>
           </a:xfrm>
           <a:prstGeom prst="rect">
@@ -11225,7 +12736,7 @@
                 <a:latin typeface="Arial" panose="020B0604020202020204" pitchFamily="34" charset="0"/>
                 <a:cs typeface="Arial" panose="020B0604020202020204" pitchFamily="34" charset="0"/>
               </a:rPr>
-              <a:t>Briefer: Michael </a:t>
+              <a:t>Briefer: Harith </a:t>
             </a:r>
             <a:r>
               <a:rPr lang="en-US" sz="1400" i="1" dirty="0" err="1">
@@ -11237,7 +12748,7 @@
                 <a:latin typeface="Arial" panose="020B0604020202020204" pitchFamily="34" charset="0"/>
                 <a:cs typeface="Arial" panose="020B0604020202020204" pitchFamily="34" charset="0"/>
               </a:rPr>
-              <a:t>Drinkard</a:t>
+              <a:t>Alshuwaykh</a:t>
             </a:r>
             <a:endParaRPr lang="en-US" sz="1400" i="1" dirty="0">
               <a:solidFill>
@@ -11264,7 +12775,7 @@
     </p:spTree>
     <p:extLst>
       <p:ext uri="{BB962C8B-B14F-4D97-AF65-F5344CB8AC3E}">
-        <p14:creationId xmlns:p14="http://schemas.microsoft.com/office/powerpoint/2010/main" val="3013314296"/>
+        <p14:creationId xmlns:p14="http://schemas.microsoft.com/office/powerpoint/2010/main" val="4073138166"/>
       </p:ext>
     </p:extLst>
   </p:cSld>
@@ -11596,10 +13107,10 @@
       </p:sp>
       <p:sp>
         <p:nvSpPr>
-          <p:cNvPr id="12" name="TextBox 11">
-            <a:extLst>
-              <a:ext uri="{FF2B5EF4-FFF2-40B4-BE49-F238E27FC236}">
-                <a16:creationId xmlns:a16="http://schemas.microsoft.com/office/drawing/2014/main" id="{71E95032-214D-0FF8-37A2-AA93BACC2AA6}"/>
+          <p:cNvPr id="10" name="TextBox 9">
+            <a:extLst>
+              <a:ext uri="{FF2B5EF4-FFF2-40B4-BE49-F238E27FC236}">
+                <a16:creationId xmlns:a16="http://schemas.microsoft.com/office/drawing/2014/main" id="{6E406BAA-833B-B14F-A462-6FDF937754D8}"/>
               </a:ext>
             </a:extLst>
           </p:cNvPr>
@@ -11608,7 +13119,360 @@
         </p:nvSpPr>
         <p:spPr>
           <a:xfrm>
-            <a:off x="7886700" y="112991"/>
+            <a:off x="154781" y="1316429"/>
+            <a:ext cx="4114796" cy="369332"/>
+          </a:xfrm>
+          <a:prstGeom prst="rect">
+            <a:avLst/>
+          </a:prstGeom>
+          <a:noFill/>
+        </p:spPr>
+        <p:txBody>
+          <a:bodyPr wrap="square">
+            <a:spAutoFit/>
+          </a:bodyPr>
+          <a:lstStyle/>
+          <a:p>
+            <a:r>
+              <a:rPr lang="en-US" b="1" dirty="0">
+                <a:solidFill>
+                  <a:schemeClr val="bg1">
+                    <a:lumMod val="85000"/>
+                  </a:schemeClr>
+                </a:solidFill>
+                <a:latin typeface="Arial" panose="020B0604020202020204" pitchFamily="34" charset="0"/>
+                <a:cs typeface="Arial" panose="020B0604020202020204" pitchFamily="34" charset="0"/>
+              </a:rPr>
+              <a:t>MACD line signal formula: </a:t>
+            </a:r>
+          </a:p>
+        </p:txBody>
+      </p:sp>
+      <p:sp>
+        <p:nvSpPr>
+          <p:cNvPr id="8" name="TextBox 7">
+            <a:extLst>
+              <a:ext uri="{FF2B5EF4-FFF2-40B4-BE49-F238E27FC236}">
+                <a16:creationId xmlns:a16="http://schemas.microsoft.com/office/drawing/2014/main" id="{CFC47641-E628-0BD2-BBE6-2DE07263858E}"/>
+              </a:ext>
+            </a:extLst>
+          </p:cNvPr>
+          <p:cNvSpPr txBox="1"/>
+          <p:nvPr/>
+        </p:nvSpPr>
+        <p:spPr>
+          <a:xfrm>
+            <a:off x="2032397" y="1726678"/>
+            <a:ext cx="8868966" cy="4555093"/>
+          </a:xfrm>
+          <a:prstGeom prst="rect">
+            <a:avLst/>
+          </a:prstGeom>
+          <a:noFill/>
+        </p:spPr>
+        <p:txBody>
+          <a:bodyPr wrap="square">
+            <a:spAutoFit/>
+          </a:bodyPr>
+          <a:lstStyle/>
+          <a:p>
+            <a:endParaRPr lang="en-US" sz="2000" dirty="0">
+              <a:solidFill>
+                <a:schemeClr val="bg1">
+                  <a:lumMod val="75000"/>
+                </a:schemeClr>
+              </a:solidFill>
+              <a:latin typeface="Arial" panose="020B0604020202020204" pitchFamily="34" charset="0"/>
+              <a:cs typeface="Arial" panose="020B0604020202020204" pitchFamily="34" charset="0"/>
+            </a:endParaRPr>
+          </a:p>
+          <a:p>
+            <a:pPr marL="342900" indent="-342900">
+              <a:buFont typeface="+mj-lt"/>
+              <a:buAutoNum type="arabicPeriod"/>
+            </a:pPr>
+            <a:r>
+              <a:rPr lang="en-US" b="0" i="0" dirty="0">
+                <a:solidFill>
+                  <a:schemeClr val="bg1">
+                    <a:lumMod val="75000"/>
+                  </a:schemeClr>
+                </a:solidFill>
+                <a:effectLst/>
+                <a:latin typeface="Arial" panose="020B0604020202020204" pitchFamily="34" charset="0"/>
+                <a:cs typeface="Arial" panose="020B0604020202020204" pitchFamily="34" charset="0"/>
+              </a:rPr>
+              <a:t>Select a time period (commonly 12 or 26 periods) for the MACD line. </a:t>
+            </a:r>
+            <a:br>
+              <a:rPr lang="en-US" b="0" i="0" dirty="0">
+                <a:solidFill>
+                  <a:schemeClr val="bg1">
+                    <a:lumMod val="75000"/>
+                  </a:schemeClr>
+                </a:solidFill>
+                <a:effectLst/>
+                <a:latin typeface="Arial" panose="020B0604020202020204" pitchFamily="34" charset="0"/>
+                <a:cs typeface="Arial" panose="020B0604020202020204" pitchFamily="34" charset="0"/>
+              </a:rPr>
+            </a:br>
+            <a:r>
+              <a:rPr lang="en-US" b="0" i="0" dirty="0">
+                <a:solidFill>
+                  <a:schemeClr val="bg1">
+                    <a:lumMod val="75000"/>
+                  </a:schemeClr>
+                </a:solidFill>
+                <a:effectLst/>
+                <a:latin typeface="Arial" panose="020B0604020202020204" pitchFamily="34" charset="0"/>
+                <a:cs typeface="Arial" panose="020B0604020202020204" pitchFamily="34" charset="0"/>
+              </a:rPr>
+              <a:t>Let's assume we choose 12 periods.</a:t>
+            </a:r>
+          </a:p>
+          <a:p>
+            <a:pPr marL="342900" indent="-342900">
+              <a:buFont typeface="+mj-lt"/>
+              <a:buAutoNum type="arabicPeriod"/>
+            </a:pPr>
+            <a:endParaRPr lang="en-US" b="0" i="0" dirty="0">
+              <a:solidFill>
+                <a:schemeClr val="bg1">
+                  <a:lumMod val="75000"/>
+                </a:schemeClr>
+              </a:solidFill>
+              <a:effectLst/>
+              <a:latin typeface="Arial" panose="020B0604020202020204" pitchFamily="34" charset="0"/>
+              <a:cs typeface="Arial" panose="020B0604020202020204" pitchFamily="34" charset="0"/>
+            </a:endParaRPr>
+          </a:p>
+          <a:p>
+            <a:pPr marL="342900" indent="-342900">
+              <a:buFont typeface="+mj-lt"/>
+              <a:buAutoNum type="arabicPeriod"/>
+            </a:pPr>
+            <a:r>
+              <a:rPr lang="en-US" b="0" i="0" dirty="0">
+                <a:solidFill>
+                  <a:schemeClr val="bg1">
+                    <a:lumMod val="75000"/>
+                  </a:schemeClr>
+                </a:solidFill>
+                <a:effectLst/>
+                <a:latin typeface="Arial" panose="020B0604020202020204" pitchFamily="34" charset="0"/>
+                <a:cs typeface="Arial" panose="020B0604020202020204" pitchFamily="34" charset="0"/>
+              </a:rPr>
+              <a:t>Calculate the 12-period exponential moving average (EMA) of  the asset's closing prices.</a:t>
+            </a:r>
+          </a:p>
+          <a:p>
+            <a:pPr marL="342900" indent="-342900">
+              <a:buFont typeface="+mj-lt"/>
+              <a:buAutoNum type="arabicPeriod"/>
+            </a:pPr>
+            <a:endParaRPr lang="en-US" dirty="0">
+              <a:solidFill>
+                <a:schemeClr val="bg1">
+                  <a:lumMod val="75000"/>
+                </a:schemeClr>
+              </a:solidFill>
+              <a:latin typeface="Arial" panose="020B0604020202020204" pitchFamily="34" charset="0"/>
+              <a:cs typeface="Arial" panose="020B0604020202020204" pitchFamily="34" charset="0"/>
+            </a:endParaRPr>
+          </a:p>
+          <a:p>
+            <a:pPr marL="342900" indent="-342900">
+              <a:buFont typeface="+mj-lt"/>
+              <a:buAutoNum type="arabicPeriod"/>
+            </a:pPr>
+            <a:r>
+              <a:rPr lang="en-US" b="0" i="0" dirty="0">
+                <a:solidFill>
+                  <a:schemeClr val="bg1">
+                    <a:lumMod val="75000"/>
+                  </a:schemeClr>
+                </a:solidFill>
+                <a:effectLst/>
+                <a:latin typeface="Arial" panose="020B0604020202020204" pitchFamily="34" charset="0"/>
+                <a:cs typeface="Arial" panose="020B0604020202020204" pitchFamily="34" charset="0"/>
+              </a:rPr>
+              <a:t>Next, select another time period (often 26 periods) for the signal line. </a:t>
+            </a:r>
+            <a:br>
+              <a:rPr lang="en-US" b="0" i="0" dirty="0">
+                <a:solidFill>
+                  <a:schemeClr val="bg1">
+                    <a:lumMod val="75000"/>
+                  </a:schemeClr>
+                </a:solidFill>
+                <a:effectLst/>
+                <a:latin typeface="Arial" panose="020B0604020202020204" pitchFamily="34" charset="0"/>
+                <a:cs typeface="Arial" panose="020B0604020202020204" pitchFamily="34" charset="0"/>
+              </a:rPr>
+            </a:br>
+            <a:r>
+              <a:rPr lang="en-US" b="0" i="0" dirty="0">
+                <a:solidFill>
+                  <a:schemeClr val="bg1">
+                    <a:lumMod val="75000"/>
+                  </a:schemeClr>
+                </a:solidFill>
+                <a:effectLst/>
+                <a:latin typeface="Arial" panose="020B0604020202020204" pitchFamily="34" charset="0"/>
+                <a:cs typeface="Arial" panose="020B0604020202020204" pitchFamily="34" charset="0"/>
+              </a:rPr>
+              <a:t>In this case, we'll use 26 periods.</a:t>
+            </a:r>
+            <a:endParaRPr lang="en-US" dirty="0">
+              <a:solidFill>
+                <a:schemeClr val="bg1">
+                  <a:lumMod val="75000"/>
+                </a:schemeClr>
+              </a:solidFill>
+              <a:latin typeface="Arial" panose="020B0604020202020204" pitchFamily="34" charset="0"/>
+              <a:cs typeface="Arial" panose="020B0604020202020204" pitchFamily="34" charset="0"/>
+            </a:endParaRPr>
+          </a:p>
+          <a:p>
+            <a:pPr marL="342900" indent="-342900">
+              <a:buFont typeface="+mj-lt"/>
+              <a:buAutoNum type="arabicPeriod"/>
+            </a:pPr>
+            <a:endParaRPr lang="en-US" b="0" i="0" dirty="0">
+              <a:solidFill>
+                <a:schemeClr val="bg1">
+                  <a:lumMod val="75000"/>
+                </a:schemeClr>
+              </a:solidFill>
+              <a:effectLst/>
+              <a:latin typeface="Arial" panose="020B0604020202020204" pitchFamily="34" charset="0"/>
+              <a:cs typeface="Arial" panose="020B0604020202020204" pitchFamily="34" charset="0"/>
+            </a:endParaRPr>
+          </a:p>
+          <a:p>
+            <a:pPr marL="342900" indent="-342900">
+              <a:buFont typeface="+mj-lt"/>
+              <a:buAutoNum type="arabicPeriod"/>
+            </a:pPr>
+            <a:r>
+              <a:rPr lang="en-US" b="0" i="0" dirty="0">
+                <a:solidFill>
+                  <a:schemeClr val="bg1">
+                    <a:lumMod val="75000"/>
+                  </a:schemeClr>
+                </a:solidFill>
+                <a:effectLst/>
+                <a:latin typeface="Arial" panose="020B0604020202020204" pitchFamily="34" charset="0"/>
+                <a:cs typeface="Arial" panose="020B0604020202020204" pitchFamily="34" charset="0"/>
+              </a:rPr>
+              <a:t>Calculate the 26-period EMA of the closing prices.</a:t>
+            </a:r>
+          </a:p>
+          <a:p>
+            <a:pPr marL="342900" indent="-342900">
+              <a:buFont typeface="+mj-lt"/>
+              <a:buAutoNum type="arabicPeriod"/>
+            </a:pPr>
+            <a:endParaRPr lang="en-US" dirty="0">
+              <a:solidFill>
+                <a:schemeClr val="bg1">
+                  <a:lumMod val="75000"/>
+                </a:schemeClr>
+              </a:solidFill>
+              <a:latin typeface="Arial" panose="020B0604020202020204" pitchFamily="34" charset="0"/>
+              <a:cs typeface="Arial" panose="020B0604020202020204" pitchFamily="34" charset="0"/>
+            </a:endParaRPr>
+          </a:p>
+          <a:p>
+            <a:pPr marL="342900" indent="-342900">
+              <a:buFont typeface="+mj-lt"/>
+              <a:buAutoNum type="arabicPeriod"/>
+            </a:pPr>
+            <a:r>
+              <a:rPr lang="en-US" b="0" i="0" dirty="0">
+                <a:solidFill>
+                  <a:schemeClr val="bg1">
+                    <a:lumMod val="75000"/>
+                  </a:schemeClr>
+                </a:solidFill>
+                <a:effectLst/>
+                <a:latin typeface="Arial" panose="020B0604020202020204" pitchFamily="34" charset="0"/>
+                <a:cs typeface="Arial" panose="020B0604020202020204" pitchFamily="34" charset="0"/>
+              </a:rPr>
+              <a:t>Subtract the 26-period EMA from the 12-period EMA to get the MACD line value.</a:t>
+            </a:r>
+          </a:p>
+          <a:p>
+            <a:pPr marL="342900" indent="-342900">
+              <a:buFont typeface="+mj-lt"/>
+              <a:buAutoNum type="arabicPeriod"/>
+            </a:pPr>
+            <a:endParaRPr lang="en-US" dirty="0">
+              <a:solidFill>
+                <a:schemeClr val="bg1">
+                  <a:lumMod val="75000"/>
+                </a:schemeClr>
+              </a:solidFill>
+              <a:latin typeface="Arial" panose="020B0604020202020204" pitchFamily="34" charset="0"/>
+              <a:cs typeface="Arial" panose="020B0604020202020204" pitchFamily="34" charset="0"/>
+            </a:endParaRPr>
+          </a:p>
+          <a:p>
+            <a:pPr marL="342900" indent="-342900">
+              <a:buFont typeface="+mj-lt"/>
+              <a:buAutoNum type="arabicPeriod"/>
+            </a:pPr>
+            <a:r>
+              <a:rPr lang="en-US" b="0" i="0" dirty="0">
+                <a:solidFill>
+                  <a:schemeClr val="bg1">
+                    <a:lumMod val="75000"/>
+                  </a:schemeClr>
+                </a:solidFill>
+                <a:effectLst/>
+                <a:latin typeface="Arial" panose="020B0604020202020204" pitchFamily="34" charset="0"/>
+                <a:cs typeface="Arial" panose="020B0604020202020204" pitchFamily="34" charset="0"/>
+              </a:rPr>
+              <a:t>Finally, calculate a 9-period EMA of the MACD line to obtain the signal line.</a:t>
+            </a:r>
+            <a:br>
+              <a:rPr lang="en-US" dirty="0">
+                <a:solidFill>
+                  <a:schemeClr val="bg1">
+                    <a:lumMod val="75000"/>
+                  </a:schemeClr>
+                </a:solidFill>
+                <a:latin typeface="Arial" panose="020B0604020202020204" pitchFamily="34" charset="0"/>
+                <a:cs typeface="Arial" panose="020B0604020202020204" pitchFamily="34" charset="0"/>
+              </a:rPr>
+            </a:br>
+            <a:endParaRPr lang="en-US" dirty="0">
+              <a:solidFill>
+                <a:schemeClr val="bg1">
+                  <a:lumMod val="75000"/>
+                </a:schemeClr>
+              </a:solidFill>
+              <a:latin typeface="Arial" panose="020B0604020202020204" pitchFamily="34" charset="0"/>
+              <a:cs typeface="Arial" panose="020B0604020202020204" pitchFamily="34" charset="0"/>
+            </a:endParaRPr>
+          </a:p>
+        </p:txBody>
+      </p:sp>
+      <p:sp>
+        <p:nvSpPr>
+          <p:cNvPr id="13" name="TextBox 12">
+            <a:extLst>
+              <a:ext uri="{FF2B5EF4-FFF2-40B4-BE49-F238E27FC236}">
+                <a16:creationId xmlns:a16="http://schemas.microsoft.com/office/drawing/2014/main" id="{AE6111B1-391C-6CB8-8E97-97B8E9F0081C}"/>
+              </a:ext>
+            </a:extLst>
+          </p:cNvPr>
+          <p:cNvSpPr txBox="1"/>
+          <p:nvPr/>
+        </p:nvSpPr>
+        <p:spPr>
+          <a:xfrm>
+            <a:off x="7886699" y="128587"/>
             <a:ext cx="4186239" cy="523220"/>
           </a:xfrm>
           <a:prstGeom prst="rect">
@@ -11633,8 +13497,29 @@
                 <a:latin typeface="Arial" panose="020B0604020202020204" pitchFamily="34" charset="0"/>
                 <a:cs typeface="Arial" panose="020B0604020202020204" pitchFamily="34" charset="0"/>
               </a:rPr>
-              <a:t>Briefer: Sam Muslin</a:t>
-            </a:r>
+              <a:t>Briefer: Harith </a:t>
+            </a:r>
+            <a:r>
+              <a:rPr lang="en-US" sz="1400" i="1" dirty="0" err="1">
+                <a:solidFill>
+                  <a:schemeClr val="bg1">
+                    <a:lumMod val="75000"/>
+                  </a:schemeClr>
+                </a:solidFill>
+                <a:latin typeface="Arial" panose="020B0604020202020204" pitchFamily="34" charset="0"/>
+                <a:cs typeface="Arial" panose="020B0604020202020204" pitchFamily="34" charset="0"/>
+              </a:rPr>
+              <a:t>Alshuwaykh</a:t>
+            </a:r>
+            <a:endParaRPr lang="en-US" sz="1400" i="1" dirty="0">
+              <a:solidFill>
+                <a:schemeClr val="bg1">
+                  <a:lumMod val="75000"/>
+                </a:schemeClr>
+              </a:solidFill>
+              <a:latin typeface="Arial" panose="020B0604020202020204" pitchFamily="34" charset="0"/>
+              <a:cs typeface="Arial" panose="020B0604020202020204" pitchFamily="34" charset="0"/>
+            </a:endParaRPr>
           </a:p>
           <a:p>
             <a:pPr algn="r"/>
@@ -11648,129 +13533,10 @@
           </a:p>
         </p:txBody>
       </p:sp>
-      <p:pic>
-        <p:nvPicPr>
-          <p:cNvPr id="6" name="Picture 5">
-            <a:extLst>
-              <a:ext uri="{FF2B5EF4-FFF2-40B4-BE49-F238E27FC236}">
-                <a16:creationId xmlns:a16="http://schemas.microsoft.com/office/drawing/2014/main" id="{FA4CB755-B693-ACC0-0458-5A0D41CA6C6B}"/>
-              </a:ext>
-            </a:extLst>
-          </p:cNvPr>
-          <p:cNvPicPr>
-            <a:picLocks noChangeAspect="1"/>
-          </p:cNvPicPr>
-          <p:nvPr/>
-        </p:nvPicPr>
-        <p:blipFill>
-          <a:blip r:embed="rId2"/>
-          <a:stretch>
-            <a:fillRect/>
-          </a:stretch>
-        </p:blipFill>
-        <p:spPr>
-          <a:xfrm>
-            <a:off x="2059787" y="2317343"/>
-            <a:ext cx="8077200" cy="4131087"/>
-          </a:xfrm>
-          <a:prstGeom prst="rect">
-            <a:avLst/>
-          </a:prstGeom>
-        </p:spPr>
-      </p:pic>
-      <p:sp>
-        <p:nvSpPr>
-          <p:cNvPr id="10" name="TextBox 9">
-            <a:extLst>
-              <a:ext uri="{FF2B5EF4-FFF2-40B4-BE49-F238E27FC236}">
-                <a16:creationId xmlns:a16="http://schemas.microsoft.com/office/drawing/2014/main" id="{6E406BAA-833B-B14F-A462-6FDF937754D8}"/>
-              </a:ext>
-            </a:extLst>
-          </p:cNvPr>
-          <p:cNvSpPr txBox="1"/>
-          <p:nvPr/>
-        </p:nvSpPr>
-        <p:spPr>
-          <a:xfrm>
-            <a:off x="242892" y="1372666"/>
-            <a:ext cx="2240756" cy="369332"/>
-          </a:xfrm>
-          <a:prstGeom prst="rect">
-            <a:avLst/>
-          </a:prstGeom>
-          <a:noFill/>
-        </p:spPr>
-        <p:txBody>
-          <a:bodyPr wrap="square">
-            <a:spAutoFit/>
-          </a:bodyPr>
-          <a:lstStyle/>
-          <a:p>
-            <a:r>
-              <a:rPr lang="en-US" b="1" dirty="0">
-                <a:solidFill>
-                  <a:schemeClr val="bg1">
-                    <a:lumMod val="85000"/>
-                  </a:schemeClr>
-                </a:solidFill>
-                <a:latin typeface="Arial" panose="020B0604020202020204" pitchFamily="34" charset="0"/>
-                <a:cs typeface="Arial" panose="020B0604020202020204" pitchFamily="34" charset="0"/>
-              </a:rPr>
-              <a:t>Data manipulation: </a:t>
-            </a:r>
-          </a:p>
-        </p:txBody>
-      </p:sp>
-      <p:sp>
-        <p:nvSpPr>
-          <p:cNvPr id="14" name="TextBox 13">
-            <a:extLst>
-              <a:ext uri="{FF2B5EF4-FFF2-40B4-BE49-F238E27FC236}">
-                <a16:creationId xmlns:a16="http://schemas.microsoft.com/office/drawing/2014/main" id="{60E261D6-F75F-3D15-6B4D-B5FEDDA8CB80}"/>
-              </a:ext>
-            </a:extLst>
-          </p:cNvPr>
-          <p:cNvSpPr txBox="1"/>
-          <p:nvPr/>
-        </p:nvSpPr>
-        <p:spPr>
-          <a:xfrm>
-            <a:off x="2021681" y="1729489"/>
-            <a:ext cx="8922543" cy="369332"/>
-          </a:xfrm>
-          <a:prstGeom prst="rect">
-            <a:avLst/>
-          </a:prstGeom>
-          <a:noFill/>
-        </p:spPr>
-        <p:txBody>
-          <a:bodyPr wrap="square">
-            <a:spAutoFit/>
-          </a:bodyPr>
-          <a:lstStyle/>
-          <a:p>
-            <a:pPr marL="45720" indent="0">
-              <a:buNone/>
-            </a:pPr>
-            <a:r>
-              <a:rPr lang="en-US" dirty="0">
-                <a:solidFill>
-                  <a:schemeClr val="bg1">
-                    <a:lumMod val="85000"/>
-                  </a:schemeClr>
-                </a:solidFill>
-                <a:latin typeface="Arial" panose="020B0604020202020204" pitchFamily="34" charset="0"/>
-                <a:cs typeface="Arial" panose="020B0604020202020204" pitchFamily="34" charset="0"/>
-              </a:rPr>
-              <a:t>To begin checking our program we  pulled historical stock data for Apple from Alpaca </a:t>
-            </a:r>
-          </a:p>
-        </p:txBody>
-      </p:sp>
     </p:spTree>
     <p:extLst>
       <p:ext uri="{BB962C8B-B14F-4D97-AF65-F5344CB8AC3E}">
-        <p14:creationId xmlns:p14="http://schemas.microsoft.com/office/powerpoint/2010/main" val="3755655264"/>
+        <p14:creationId xmlns:p14="http://schemas.microsoft.com/office/powerpoint/2010/main" val="1605886943"/>
       </p:ext>
     </p:extLst>
   </p:cSld>
@@ -12168,8 +13934,8 @@
         </p:nvSpPr>
         <p:spPr>
           <a:xfrm>
-            <a:off x="242892" y="1372666"/>
-            <a:ext cx="2971796" cy="369332"/>
+            <a:off x="242891" y="1372666"/>
+            <a:ext cx="7000871" cy="369332"/>
           </a:xfrm>
           <a:prstGeom prst="rect">
             <a:avLst/>
@@ -12186,13 +13952,13 @@
               <a:rPr lang="en-US" b="1" dirty="0">
                 <a:solidFill>
                   <a:schemeClr val="bg1">
-                    <a:lumMod val="85000"/>
+                    <a:lumMod val="75000"/>
                   </a:schemeClr>
                 </a:solidFill>
                 <a:latin typeface="Arial" panose="020B0604020202020204" pitchFamily="34" charset="0"/>
                 <a:cs typeface="Arial" panose="020B0604020202020204" pitchFamily="34" charset="0"/>
               </a:rPr>
-              <a:t>Data format continued: </a:t>
+              <a:t>What data did we use and how did we get it?: </a:t>
             </a:r>
           </a:p>
         </p:txBody>
@@ -12211,8 +13977,8 @@
         </p:nvSpPr>
         <p:spPr>
           <a:xfrm>
-            <a:off x="1685937" y="1991163"/>
-            <a:ext cx="8615361" cy="646331"/>
+            <a:off x="1926432" y="1757594"/>
+            <a:ext cx="8922543" cy="369332"/>
           </a:xfrm>
           <a:prstGeom prst="rect">
             <a:avLst/>
@@ -12238,46 +14004,7 @@
                 <a:latin typeface="Arial" panose="020B0604020202020204" pitchFamily="34" charset="0"/>
                 <a:cs typeface="Arial" panose="020B0604020202020204" pitchFamily="34" charset="0"/>
               </a:rPr>
-              <a:t>We then cleaned the data by dropping columns that do not relate to our function such as </a:t>
-            </a:r>
-            <a:r>
-              <a:rPr lang="en-US" b="0" dirty="0">
-                <a:solidFill>
-                  <a:schemeClr val="bg1">
-                    <a:lumMod val="85000"/>
-                  </a:schemeClr>
-                </a:solidFill>
-                <a:effectLst/>
-                <a:latin typeface="Arial" panose="020B0604020202020204" pitchFamily="34" charset="0"/>
-                <a:cs typeface="Arial" panose="020B0604020202020204" pitchFamily="34" charset="0"/>
-              </a:rPr>
-              <a:t>'high','low','trade_count','open','volume','</a:t>
-            </a:r>
-            <a:r>
-              <a:rPr lang="en-US" b="0" dirty="0" err="1">
-                <a:solidFill>
-                  <a:schemeClr val="bg1">
-                    <a:lumMod val="85000"/>
-                  </a:schemeClr>
-                </a:solidFill>
-                <a:effectLst/>
-                <a:latin typeface="Arial" panose="020B0604020202020204" pitchFamily="34" charset="0"/>
-                <a:cs typeface="Arial" panose="020B0604020202020204" pitchFamily="34" charset="0"/>
-              </a:rPr>
-              <a:t>vwap</a:t>
-            </a:r>
-            <a:r>
-              <a:rPr lang="en-US" b="0" dirty="0">
-                <a:solidFill>
-                  <a:schemeClr val="bg1">
-                    <a:lumMod val="85000"/>
-                  </a:schemeClr>
-                </a:solidFill>
-                <a:effectLst/>
-                <a:latin typeface="Arial" panose="020B0604020202020204" pitchFamily="34" charset="0"/>
-                <a:cs typeface="Arial" panose="020B0604020202020204" pitchFamily="34" charset="0"/>
-              </a:rPr>
-              <a:t>','symbol'</a:t>
+              <a:t>To begin checking our program we  pulled historical stock data for Apple from Alpaca </a:t>
             </a:r>
           </a:p>
         </p:txBody>
@@ -12287,7 +14014,7 @@
           <p:cNvPr id="13" name="Picture 12">
             <a:extLst>
               <a:ext uri="{FF2B5EF4-FFF2-40B4-BE49-F238E27FC236}">
-                <a16:creationId xmlns:a16="http://schemas.microsoft.com/office/drawing/2014/main" id="{69FAC53D-7472-919B-5292-2BA2E0B1D884}"/>
+                <a16:creationId xmlns:a16="http://schemas.microsoft.com/office/drawing/2014/main" id="{73F065CF-1C94-B580-F088-ECEFCB59BE5A}"/>
               </a:ext>
             </a:extLst>
           </p:cNvPr>
@@ -12297,107 +14024,38 @@
           <p:nvPr/>
         </p:nvPicPr>
         <p:blipFill>
-          <a:blip r:embed="rId2"/>
+          <a:blip r:embed="rId2">
+            <a:clrChange>
+              <a:clrFrom>
+                <a:srgbClr val="181818"/>
+              </a:clrFrom>
+              <a:clrTo>
+                <a:srgbClr val="181818">
+                  <a:alpha val="0"/>
+                </a:srgbClr>
+              </a:clrTo>
+            </a:clrChange>
+          </a:blip>
           <a:stretch>
             <a:fillRect/>
           </a:stretch>
         </p:blipFill>
         <p:spPr>
           <a:xfrm>
-            <a:off x="1614497" y="2687427"/>
-            <a:ext cx="9144000" cy="1070255"/>
+            <a:off x="2443162" y="2142522"/>
+            <a:ext cx="5200651" cy="2619512"/>
           </a:xfrm>
           <a:prstGeom prst="rect">
             <a:avLst/>
           </a:prstGeom>
         </p:spPr>
       </p:pic>
-      <p:sp>
-        <p:nvSpPr>
-          <p:cNvPr id="16" name="TextBox 15">
-            <a:extLst>
-              <a:ext uri="{FF2B5EF4-FFF2-40B4-BE49-F238E27FC236}">
-                <a16:creationId xmlns:a16="http://schemas.microsoft.com/office/drawing/2014/main" id="{772F1DD8-B1DF-169B-EAF2-3E2A885B2ABA}"/>
-              </a:ext>
-            </a:extLst>
-          </p:cNvPr>
-          <p:cNvSpPr txBox="1"/>
-          <p:nvPr/>
-        </p:nvSpPr>
-        <p:spPr>
-          <a:xfrm>
-            <a:off x="1685937" y="4466430"/>
-            <a:ext cx="8143874" cy="646331"/>
-          </a:xfrm>
-          <a:prstGeom prst="rect">
-            <a:avLst/>
-          </a:prstGeom>
-          <a:noFill/>
-        </p:spPr>
-        <p:txBody>
-          <a:bodyPr wrap="square">
-            <a:spAutoFit/>
-          </a:bodyPr>
-          <a:lstStyle/>
-          <a:p>
-            <a:pPr marL="45720" indent="0">
-              <a:buNone/>
-            </a:pPr>
-            <a:r>
-              <a:rPr lang="en-US" dirty="0">
-                <a:solidFill>
-                  <a:schemeClr val="bg1">
-                    <a:lumMod val="85000"/>
-                  </a:schemeClr>
-                </a:solidFill>
-                <a:latin typeface="Arial" panose="020B0604020202020204" pitchFamily="34" charset="0"/>
-                <a:cs typeface="Arial" panose="020B0604020202020204" pitchFamily="34" charset="0"/>
-              </a:rPr>
-              <a:t>We then used our cleaned data to make our different exponential moving averages in order to create our </a:t>
-            </a:r>
-            <a:r>
-              <a:rPr lang="en-US" dirty="0" err="1">
-                <a:solidFill>
-                  <a:schemeClr val="bg1">
-                    <a:lumMod val="85000"/>
-                  </a:schemeClr>
-                </a:solidFill>
-                <a:latin typeface="Arial" panose="020B0604020202020204" pitchFamily="34" charset="0"/>
-                <a:cs typeface="Arial" panose="020B0604020202020204" pitchFamily="34" charset="0"/>
-              </a:rPr>
-              <a:t>macd</a:t>
-            </a:r>
-            <a:r>
-              <a:rPr lang="en-US" dirty="0">
-                <a:solidFill>
-                  <a:schemeClr val="bg1">
-                    <a:lumMod val="85000"/>
-                  </a:schemeClr>
-                </a:solidFill>
-                <a:latin typeface="Arial" panose="020B0604020202020204" pitchFamily="34" charset="0"/>
-                <a:cs typeface="Arial" panose="020B0604020202020204" pitchFamily="34" charset="0"/>
-              </a:rPr>
-              <a:t> line .</a:t>
-            </a:r>
-            <a:endParaRPr lang="en-US" b="0" dirty="0">
-              <a:solidFill>
-                <a:schemeClr val="bg1">
-                  <a:lumMod val="85000"/>
-                </a:schemeClr>
-              </a:solidFill>
-              <a:effectLst/>
-              <a:latin typeface="Arial" panose="020B0604020202020204" pitchFamily="34" charset="0"/>
-              <a:cs typeface="Arial" panose="020B0604020202020204" pitchFamily="34" charset="0"/>
-            </a:endParaRPr>
-          </a:p>
-        </p:txBody>
-      </p:sp>
       <p:pic>
         <p:nvPicPr>
-          <p:cNvPr id="17" name="Picture 16">
-            <a:extLst>
-              <a:ext uri="{FF2B5EF4-FFF2-40B4-BE49-F238E27FC236}">
-                <a16:creationId xmlns:a16="http://schemas.microsoft.com/office/drawing/2014/main" id="{3E5FCD0F-EDC3-E048-FBA3-603034F03E13}"/>
+          <p:cNvPr id="18" name="Picture 17">
+            <a:extLst>
+              <a:ext uri="{FF2B5EF4-FFF2-40B4-BE49-F238E27FC236}">
+                <a16:creationId xmlns:a16="http://schemas.microsoft.com/office/drawing/2014/main" id="{B6B73E85-2566-046C-91A8-8ADFFCEF6861}"/>
               </a:ext>
             </a:extLst>
           </p:cNvPr>
@@ -12407,15 +14065,26 @@
           <p:nvPr/>
         </p:nvPicPr>
         <p:blipFill>
-          <a:blip r:embed="rId3"/>
+          <a:blip r:embed="rId3">
+            <a:clrChange>
+              <a:clrFrom>
+                <a:srgbClr val="181818"/>
+              </a:clrFrom>
+              <a:clrTo>
+                <a:srgbClr val="181818">
+                  <a:alpha val="0"/>
+                </a:srgbClr>
+              </a:clrTo>
+            </a:clrChange>
+          </a:blip>
           <a:stretch>
             <a:fillRect/>
           </a:stretch>
         </p:blipFill>
         <p:spPr>
           <a:xfrm>
-            <a:off x="1500193" y="5186217"/>
-            <a:ext cx="8629649" cy="731550"/>
+            <a:off x="2543178" y="4659947"/>
+            <a:ext cx="7616550" cy="2292481"/>
           </a:xfrm>
           <a:prstGeom prst="rect">
             <a:avLst/>
@@ -12425,7 +14094,7 @@
     </p:spTree>
     <p:extLst>
       <p:ext uri="{BB962C8B-B14F-4D97-AF65-F5344CB8AC3E}">
-        <p14:creationId xmlns:p14="http://schemas.microsoft.com/office/powerpoint/2010/main" val="4114163725"/>
+        <p14:creationId xmlns:p14="http://schemas.microsoft.com/office/powerpoint/2010/main" val="3755655264"/>
       </p:ext>
     </p:extLst>
   </p:cSld>
@@ -12824,7 +14493,7 @@
         <p:spPr>
           <a:xfrm>
             <a:off x="242892" y="1372666"/>
-            <a:ext cx="2971796" cy="369332"/>
+            <a:ext cx="4114796" cy="369332"/>
           </a:xfrm>
           <a:prstGeom prst="rect">
             <a:avLst/>
@@ -12841,13 +14510,13 @@
               <a:rPr lang="en-US" b="1" dirty="0">
                 <a:solidFill>
                   <a:schemeClr val="bg1">
-                    <a:lumMod val="85000"/>
+                    <a:lumMod val="75000"/>
                   </a:schemeClr>
                 </a:solidFill>
                 <a:latin typeface="Arial" panose="020B0604020202020204" pitchFamily="34" charset="0"/>
                 <a:cs typeface="Arial" panose="020B0604020202020204" pitchFamily="34" charset="0"/>
               </a:rPr>
-              <a:t>Data format continued: </a:t>
+              <a:t>How did we process the data? </a:t>
             </a:r>
           </a:p>
         </p:txBody>
@@ -12866,8 +14535,8 @@
         </p:nvSpPr>
         <p:spPr>
           <a:xfrm>
-            <a:off x="1643073" y="1919723"/>
-            <a:ext cx="8615361" cy="369332"/>
+            <a:off x="616756" y="1887194"/>
+            <a:ext cx="11515713" cy="369332"/>
           </a:xfrm>
           <a:prstGeom prst="rect">
             <a:avLst/>
@@ -12893,44 +14562,10 @@
                 <a:latin typeface="Arial" panose="020B0604020202020204" pitchFamily="34" charset="0"/>
                 <a:cs typeface="Arial" panose="020B0604020202020204" pitchFamily="34" charset="0"/>
               </a:rPr>
-              <a:t>We then added our EWMs back to the data frame</a:t>
-            </a:r>
-          </a:p>
-        </p:txBody>
-      </p:sp>
-      <p:sp>
-        <p:nvSpPr>
-          <p:cNvPr id="16" name="TextBox 15">
-            <a:extLst>
-              <a:ext uri="{FF2B5EF4-FFF2-40B4-BE49-F238E27FC236}">
-                <a16:creationId xmlns:a16="http://schemas.microsoft.com/office/drawing/2014/main" id="{772F1DD8-B1DF-169B-EAF2-3E2A885B2ABA}"/>
-              </a:ext>
-            </a:extLst>
-          </p:cNvPr>
-          <p:cNvSpPr txBox="1"/>
-          <p:nvPr/>
-        </p:nvSpPr>
-        <p:spPr>
-          <a:xfrm>
-            <a:off x="1643073" y="3709678"/>
-            <a:ext cx="5143489" cy="369332"/>
-          </a:xfrm>
-          <a:prstGeom prst="rect">
-            <a:avLst/>
-          </a:prstGeom>
-          <a:noFill/>
-        </p:spPr>
-        <p:txBody>
-          <a:bodyPr wrap="square">
-            <a:spAutoFit/>
-          </a:bodyPr>
-          <a:lstStyle/>
-          <a:p>
-            <a:pPr marL="45720" indent="0">
-              <a:buNone/>
-            </a:pPr>
-            <a:r>
-              <a:rPr lang="en-US" dirty="0">
+              <a:t>After creating the Alpaca </a:t>
+            </a:r>
+            <a:r>
+              <a:rPr lang="en-US" dirty="0" err="1">
                 <a:solidFill>
                   <a:schemeClr val="bg1">
                     <a:lumMod val="85000"/>
@@ -12939,39 +14574,8 @@
                 <a:latin typeface="Arial" panose="020B0604020202020204" pitchFamily="34" charset="0"/>
                 <a:cs typeface="Arial" panose="020B0604020202020204" pitchFamily="34" charset="0"/>
               </a:rPr>
-              <a:t>We then added our MACD line to the data frame </a:t>
-            </a:r>
-          </a:p>
-        </p:txBody>
-      </p:sp>
-      <p:sp>
-        <p:nvSpPr>
-          <p:cNvPr id="8" name="TextBox 7">
-            <a:extLst>
-              <a:ext uri="{FF2B5EF4-FFF2-40B4-BE49-F238E27FC236}">
-                <a16:creationId xmlns:a16="http://schemas.microsoft.com/office/drawing/2014/main" id="{2A354E05-1687-9D67-4046-07796943CE9C}"/>
-              </a:ext>
-            </a:extLst>
-          </p:cNvPr>
-          <p:cNvSpPr txBox="1"/>
-          <p:nvPr/>
-        </p:nvSpPr>
-        <p:spPr>
-          <a:xfrm>
-            <a:off x="1643073" y="5083298"/>
-            <a:ext cx="8143874" cy="369332"/>
-          </a:xfrm>
-          <a:prstGeom prst="rect">
-            <a:avLst/>
-          </a:prstGeom>
-          <a:noFill/>
-        </p:spPr>
-        <p:txBody>
-          <a:bodyPr wrap="square">
-            <a:spAutoFit/>
-          </a:bodyPr>
-          <a:lstStyle/>
-          <a:p>
+              <a:t>dataframe</a:t>
+            </a:r>
             <a:r>
               <a:rPr lang="en-US" dirty="0">
                 <a:solidFill>
@@ -12982,17 +14586,27 @@
                 <a:latin typeface="Arial" panose="020B0604020202020204" pitchFamily="34" charset="0"/>
                 <a:cs typeface="Arial" panose="020B0604020202020204" pitchFamily="34" charset="0"/>
               </a:rPr>
-              <a:t>We then added our signal line to the data frame</a:t>
-            </a:r>
+              <a:t>, we defined functions to calculate the MACD and Signal Line</a:t>
+            </a:r>
+            <a:endParaRPr lang="en-US" b="0" dirty="0">
+              <a:solidFill>
+                <a:schemeClr val="bg1">
+                  <a:lumMod val="85000"/>
+                </a:schemeClr>
+              </a:solidFill>
+              <a:effectLst/>
+              <a:latin typeface="Arial" panose="020B0604020202020204" pitchFamily="34" charset="0"/>
+              <a:cs typeface="Arial" panose="020B0604020202020204" pitchFamily="34" charset="0"/>
+            </a:endParaRPr>
           </a:p>
         </p:txBody>
       </p:sp>
       <p:pic>
         <p:nvPicPr>
-          <p:cNvPr id="18" name="Picture 17">
-            <a:extLst>
-              <a:ext uri="{FF2B5EF4-FFF2-40B4-BE49-F238E27FC236}">
-                <a16:creationId xmlns:a16="http://schemas.microsoft.com/office/drawing/2014/main" id="{DBC1BD11-C69A-4983-1EE8-50C28953F7BD}"/>
+          <p:cNvPr id="8" name="Picture 7">
+            <a:extLst>
+              <a:ext uri="{FF2B5EF4-FFF2-40B4-BE49-F238E27FC236}">
+                <a16:creationId xmlns:a16="http://schemas.microsoft.com/office/drawing/2014/main" id="{0A847F1D-CFDB-6892-D7C5-C6967DF17E0A}"/>
               </a:ext>
             </a:extLst>
           </p:cNvPr>
@@ -13002,75 +14616,26 @@
           <p:nvPr/>
         </p:nvPicPr>
         <p:blipFill>
-          <a:blip r:embed="rId2"/>
+          <a:blip r:embed="rId2">
+            <a:clrChange>
+              <a:clrFrom>
+                <a:srgbClr val="181818"/>
+              </a:clrFrom>
+              <a:clrTo>
+                <a:srgbClr val="181818">
+                  <a:alpha val="0"/>
+                </a:srgbClr>
+              </a:clrTo>
+            </a:clrChange>
+          </a:blip>
           <a:stretch>
             <a:fillRect/>
           </a:stretch>
         </p:blipFill>
         <p:spPr>
           <a:xfrm>
-            <a:off x="1643073" y="2318939"/>
-            <a:ext cx="9840698" cy="895475"/>
-          </a:xfrm>
-          <a:prstGeom prst="rect">
-            <a:avLst/>
-          </a:prstGeom>
-        </p:spPr>
-      </p:pic>
-      <p:pic>
-        <p:nvPicPr>
-          <p:cNvPr id="20" name="Picture 19">
-            <a:extLst>
-              <a:ext uri="{FF2B5EF4-FFF2-40B4-BE49-F238E27FC236}">
-                <a16:creationId xmlns:a16="http://schemas.microsoft.com/office/drawing/2014/main" id="{370361FF-5672-3068-0DF5-F6821E140978}"/>
-              </a:ext>
-            </a:extLst>
-          </p:cNvPr>
-          <p:cNvPicPr>
-            <a:picLocks noChangeAspect="1"/>
-          </p:cNvPicPr>
-          <p:nvPr/>
-        </p:nvPicPr>
-        <p:blipFill>
-          <a:blip r:embed="rId3"/>
-          <a:stretch>
-            <a:fillRect/>
-          </a:stretch>
-        </p:blipFill>
-        <p:spPr>
-          <a:xfrm>
-            <a:off x="1643073" y="4083112"/>
-            <a:ext cx="5582429" cy="447737"/>
-          </a:xfrm>
-          <a:prstGeom prst="rect">
-            <a:avLst/>
-          </a:prstGeom>
-        </p:spPr>
-      </p:pic>
-      <p:pic>
-        <p:nvPicPr>
-          <p:cNvPr id="22" name="Picture 21">
-            <a:extLst>
-              <a:ext uri="{FF2B5EF4-FFF2-40B4-BE49-F238E27FC236}">
-                <a16:creationId xmlns:a16="http://schemas.microsoft.com/office/drawing/2014/main" id="{FDF93EAA-E790-657F-CEA7-147C1AA66749}"/>
-              </a:ext>
-            </a:extLst>
-          </p:cNvPr>
-          <p:cNvPicPr>
-            <a:picLocks noChangeAspect="1"/>
-          </p:cNvPicPr>
-          <p:nvPr/>
-        </p:nvPicPr>
-        <p:blipFill>
-          <a:blip r:embed="rId4"/>
-          <a:stretch>
-            <a:fillRect/>
-          </a:stretch>
-        </p:blipFill>
-        <p:spPr>
-          <a:xfrm>
-            <a:off x="1643073" y="5480681"/>
-            <a:ext cx="6020640" cy="390580"/>
+            <a:off x="1325139" y="2523405"/>
+            <a:ext cx="9536960" cy="3385257"/>
           </a:xfrm>
           <a:prstGeom prst="rect">
             <a:avLst/>
@@ -13080,7 +14645,7 @@
     </p:spTree>
     <p:extLst>
       <p:ext uri="{BB962C8B-B14F-4D97-AF65-F5344CB8AC3E}">
-        <p14:creationId xmlns:p14="http://schemas.microsoft.com/office/powerpoint/2010/main" val="1997918932"/>
+        <p14:creationId xmlns:p14="http://schemas.microsoft.com/office/powerpoint/2010/main" val="4114163725"/>
       </p:ext>
     </p:extLst>
   </p:cSld>
@@ -13466,10 +15031,10 @@
       </p:sp>
       <p:sp>
         <p:nvSpPr>
-          <p:cNvPr id="10" name="TextBox 9">
-            <a:extLst>
-              <a:ext uri="{FF2B5EF4-FFF2-40B4-BE49-F238E27FC236}">
-                <a16:creationId xmlns:a16="http://schemas.microsoft.com/office/drawing/2014/main" id="{6E406BAA-833B-B14F-A462-6FDF937754D8}"/>
+          <p:cNvPr id="14" name="TextBox 13">
+            <a:extLst>
+              <a:ext uri="{FF2B5EF4-FFF2-40B4-BE49-F238E27FC236}">
+                <a16:creationId xmlns:a16="http://schemas.microsoft.com/office/drawing/2014/main" id="{60E261D6-F75F-3D15-6B4D-B5FEDDA8CB80}"/>
               </a:ext>
             </a:extLst>
           </p:cNvPr>
@@ -13478,8 +15043,8 @@
         </p:nvSpPr>
         <p:spPr>
           <a:xfrm>
-            <a:off x="242892" y="1372666"/>
-            <a:ext cx="2971796" cy="369332"/>
+            <a:off x="335761" y="1380945"/>
+            <a:ext cx="11515713" cy="646331"/>
           </a:xfrm>
           <a:prstGeom prst="rect">
             <a:avLst/>
@@ -13493,79 +15058,26 @@
           <a:lstStyle/>
           <a:p>
             <a:r>
-              <a:rPr lang="en-US" b="1" dirty="0">
+              <a:rPr lang="en-US" dirty="0">
                 <a:solidFill>
                   <a:schemeClr val="bg1">
-                    <a:lumMod val="85000"/>
+                    <a:lumMod val="75000"/>
                   </a:schemeClr>
                 </a:solidFill>
                 <a:latin typeface="Arial" panose="020B0604020202020204" pitchFamily="34" charset="0"/>
                 <a:cs typeface="Arial" panose="020B0604020202020204" pitchFamily="34" charset="0"/>
               </a:rPr>
-              <a:t>Data format continued: </a:t>
-            </a:r>
-          </a:p>
-        </p:txBody>
-      </p:sp>
-      <p:sp>
-        <p:nvSpPr>
-          <p:cNvPr id="13" name="TextBox 12">
-            <a:extLst>
-              <a:ext uri="{FF2B5EF4-FFF2-40B4-BE49-F238E27FC236}">
-                <a16:creationId xmlns:a16="http://schemas.microsoft.com/office/drawing/2014/main" id="{5DDB1CC4-D43D-406A-711F-08AF02AF1E39}"/>
-              </a:ext>
-            </a:extLst>
-          </p:cNvPr>
-          <p:cNvSpPr txBox="1"/>
-          <p:nvPr/>
-        </p:nvSpPr>
-        <p:spPr>
-          <a:xfrm>
-            <a:off x="1728790" y="1927226"/>
-            <a:ext cx="8143874" cy="646331"/>
-          </a:xfrm>
-          <a:prstGeom prst="rect">
-            <a:avLst/>
-          </a:prstGeom>
-          <a:noFill/>
-        </p:spPr>
-        <p:txBody>
-          <a:bodyPr wrap="square">
-            <a:spAutoFit/>
-          </a:bodyPr>
-          <a:lstStyle/>
-          <a:p>
-            <a:r>
-              <a:rPr lang="en-US" dirty="0">
-                <a:solidFill>
-                  <a:schemeClr val="bg1">
-                    <a:lumMod val="85000"/>
-                  </a:schemeClr>
-                </a:solidFill>
-                <a:latin typeface="Arial" panose="020B0604020202020204" pitchFamily="34" charset="0"/>
-                <a:cs typeface="Arial" panose="020B0604020202020204" pitchFamily="34" charset="0"/>
-              </a:rPr>
-              <a:t>We then created a returns column in our data frame by calculating the percent change of the close price for each time period. </a:t>
-            </a:r>
-            <a:endParaRPr lang="en-US" b="0" dirty="0">
-              <a:solidFill>
-                <a:schemeClr val="bg1">
-                  <a:lumMod val="85000"/>
-                </a:schemeClr>
-              </a:solidFill>
-              <a:effectLst/>
-              <a:latin typeface="Arial" panose="020B0604020202020204" pitchFamily="34" charset="0"/>
-              <a:cs typeface="Arial" panose="020B0604020202020204" pitchFamily="34" charset="0"/>
-            </a:endParaRPr>
+              <a:t>Using a loop to Calculate buy and sell signals based on MACD Line indicator and defining the total cashflow for that period. This shows if we made a profit or not.</a:t>
+            </a:r>
           </a:p>
         </p:txBody>
       </p:sp>
       <p:pic>
         <p:nvPicPr>
-          <p:cNvPr id="17" name="Picture 16">
-            <a:extLst>
-              <a:ext uri="{FF2B5EF4-FFF2-40B4-BE49-F238E27FC236}">
-                <a16:creationId xmlns:a16="http://schemas.microsoft.com/office/drawing/2014/main" id="{5B182838-A603-41B8-2391-B83DDD350126}"/>
+          <p:cNvPr id="13" name="Picture 12">
+            <a:extLst>
+              <a:ext uri="{FF2B5EF4-FFF2-40B4-BE49-F238E27FC236}">
+                <a16:creationId xmlns:a16="http://schemas.microsoft.com/office/drawing/2014/main" id="{AC96E97B-1769-6CA4-C372-502596501358}"/>
               </a:ext>
             </a:extLst>
           </p:cNvPr>
@@ -13574,16 +15086,26 @@
           </p:cNvPicPr>
           <p:nvPr/>
         </p:nvPicPr>
-        <p:blipFill>
-          <a:blip r:embed="rId2"/>
-          <a:stretch>
-            <a:fillRect/>
-          </a:stretch>
+        <p:blipFill rotWithShape="1">
+          <a:blip r:embed="rId3">
+            <a:clrChange>
+              <a:clrFrom>
+                <a:srgbClr val="181818"/>
+              </a:clrFrom>
+              <a:clrTo>
+                <a:srgbClr val="181818">
+                  <a:alpha val="0"/>
+                </a:srgbClr>
+              </a:clrTo>
+            </a:clrChange>
+          </a:blip>
+          <a:srcRect t="1394"/>
+          <a:stretch/>
         </p:blipFill>
         <p:spPr>
           <a:xfrm>
-            <a:off x="1728790" y="2702144"/>
-            <a:ext cx="6687483" cy="419158"/>
+            <a:off x="838199" y="2103970"/>
+            <a:ext cx="10910386" cy="4413386"/>
           </a:xfrm>
           <a:prstGeom prst="rect">
             <a:avLst/>
@@ -13593,7 +15115,7 @@
     </p:spTree>
     <p:extLst>
       <p:ext uri="{BB962C8B-B14F-4D97-AF65-F5344CB8AC3E}">
-        <p14:creationId xmlns:p14="http://schemas.microsoft.com/office/powerpoint/2010/main" val="2903743940"/>
+        <p14:creationId xmlns:p14="http://schemas.microsoft.com/office/powerpoint/2010/main" val="3111644339"/>
       </p:ext>
     </p:extLst>
   </p:cSld>

--- a/MACD_Indicators_Group_2.pptx
+++ b/MACD_Indicators_Group_2.pptx
@@ -5,7 +5,7 @@
     <p:sldMasterId id="2147483648" r:id="rId1"/>
   </p:sldMasterIdLst>
   <p:notesMasterIdLst>
-    <p:notesMasterId r:id="rId23"/>
+    <p:notesMasterId r:id="rId24"/>
   </p:notesMasterIdLst>
   <p:sldIdLst>
     <p:sldId id="256" r:id="rId2"/>
@@ -24,11 +24,12 @@
     <p:sldId id="270" r:id="rId15"/>
     <p:sldId id="262" r:id="rId16"/>
     <p:sldId id="274" r:id="rId17"/>
-    <p:sldId id="273" r:id="rId18"/>
-    <p:sldId id="266" r:id="rId19"/>
-    <p:sldId id="263" r:id="rId20"/>
-    <p:sldId id="264" r:id="rId21"/>
-    <p:sldId id="265" r:id="rId22"/>
+    <p:sldId id="280" r:id="rId18"/>
+    <p:sldId id="273" r:id="rId19"/>
+    <p:sldId id="266" r:id="rId20"/>
+    <p:sldId id="263" r:id="rId21"/>
+    <p:sldId id="264" r:id="rId22"/>
+    <p:sldId id="265" r:id="rId23"/>
   </p:sldIdLst>
   <p:sldSz cx="12192000" cy="6858000"/>
   <p:notesSz cx="6858000" cy="9144000"/>
@@ -217,7 +218,7 @@
           <a:p>
             <a:fld id="{439B18EF-0913-4D1F-A602-DE1ED3B7DBAF}" type="datetimeFigureOut">
               <a:rPr lang="en-US" smtClean="0"/>
-              <a:t>11/12/2023</a:t>
+              <a:t>11/13/2023</a:t>
             </a:fld>
             <a:endParaRPr lang="en-US"/>
           </a:p>
@@ -905,7 +906,7 @@
           <a:p>
             <a:fld id="{C5FB7A86-EF25-4381-A128-19BA6E5932CE}" type="datetimeFigureOut">
               <a:rPr lang="en-US" smtClean="0"/>
-              <a:t>11/12/2023</a:t>
+              <a:t>11/13/2023</a:t>
             </a:fld>
             <a:endParaRPr lang="en-US"/>
           </a:p>
@@ -1103,7 +1104,7 @@
           <a:p>
             <a:fld id="{C5FB7A86-EF25-4381-A128-19BA6E5932CE}" type="datetimeFigureOut">
               <a:rPr lang="en-US" smtClean="0"/>
-              <a:t>11/12/2023</a:t>
+              <a:t>11/13/2023</a:t>
             </a:fld>
             <a:endParaRPr lang="en-US"/>
           </a:p>
@@ -1311,7 +1312,7 @@
           <a:p>
             <a:fld id="{C5FB7A86-EF25-4381-A128-19BA6E5932CE}" type="datetimeFigureOut">
               <a:rPr lang="en-US" smtClean="0"/>
-              <a:t>11/12/2023</a:t>
+              <a:t>11/13/2023</a:t>
             </a:fld>
             <a:endParaRPr lang="en-US"/>
           </a:p>
@@ -1509,7 +1510,7 @@
           <a:p>
             <a:fld id="{C5FB7A86-EF25-4381-A128-19BA6E5932CE}" type="datetimeFigureOut">
               <a:rPr lang="en-US" smtClean="0"/>
-              <a:t>11/12/2023</a:t>
+              <a:t>11/13/2023</a:t>
             </a:fld>
             <a:endParaRPr lang="en-US"/>
           </a:p>
@@ -1784,7 +1785,7 @@
           <a:p>
             <a:fld id="{C5FB7A86-EF25-4381-A128-19BA6E5932CE}" type="datetimeFigureOut">
               <a:rPr lang="en-US" smtClean="0"/>
-              <a:t>11/12/2023</a:t>
+              <a:t>11/13/2023</a:t>
             </a:fld>
             <a:endParaRPr lang="en-US"/>
           </a:p>
@@ -2049,7 +2050,7 @@
           <a:p>
             <a:fld id="{C5FB7A86-EF25-4381-A128-19BA6E5932CE}" type="datetimeFigureOut">
               <a:rPr lang="en-US" smtClean="0"/>
-              <a:t>11/12/2023</a:t>
+              <a:t>11/13/2023</a:t>
             </a:fld>
             <a:endParaRPr lang="en-US"/>
           </a:p>
@@ -2461,7 +2462,7 @@
           <a:p>
             <a:fld id="{C5FB7A86-EF25-4381-A128-19BA6E5932CE}" type="datetimeFigureOut">
               <a:rPr lang="en-US" smtClean="0"/>
-              <a:t>11/12/2023</a:t>
+              <a:t>11/13/2023</a:t>
             </a:fld>
             <a:endParaRPr lang="en-US"/>
           </a:p>
@@ -2602,7 +2603,7 @@
           <a:p>
             <a:fld id="{C5FB7A86-EF25-4381-A128-19BA6E5932CE}" type="datetimeFigureOut">
               <a:rPr lang="en-US" smtClean="0"/>
-              <a:t>11/12/2023</a:t>
+              <a:t>11/13/2023</a:t>
             </a:fld>
             <a:endParaRPr lang="en-US"/>
           </a:p>
@@ -2715,7 +2716,7 @@
           <a:p>
             <a:fld id="{C5FB7A86-EF25-4381-A128-19BA6E5932CE}" type="datetimeFigureOut">
               <a:rPr lang="en-US" smtClean="0"/>
-              <a:t>11/12/2023</a:t>
+              <a:t>11/13/2023</a:t>
             </a:fld>
             <a:endParaRPr lang="en-US"/>
           </a:p>
@@ -3026,7 +3027,7 @@
           <a:p>
             <a:fld id="{C5FB7A86-EF25-4381-A128-19BA6E5932CE}" type="datetimeFigureOut">
               <a:rPr lang="en-US" smtClean="0"/>
-              <a:t>11/12/2023</a:t>
+              <a:t>11/13/2023</a:t>
             </a:fld>
             <a:endParaRPr lang="en-US"/>
           </a:p>
@@ -3314,7 +3315,7 @@
           <a:p>
             <a:fld id="{C5FB7A86-EF25-4381-A128-19BA6E5932CE}" type="datetimeFigureOut">
               <a:rPr lang="en-US" smtClean="0"/>
-              <a:t>11/12/2023</a:t>
+              <a:t>11/13/2023</a:t>
             </a:fld>
             <a:endParaRPr lang="en-US"/>
           </a:p>
@@ -3555,7 +3556,7 @@
           <a:p>
             <a:fld id="{C5FB7A86-EF25-4381-A128-19BA6E5932CE}" type="datetimeFigureOut">
               <a:rPr lang="en-US" smtClean="0"/>
-              <a:t>11/12/2023</a:t>
+              <a:t>11/13/2023</a:t>
             </a:fld>
             <a:endParaRPr lang="en-US"/>
           </a:p>
@@ -4197,7 +4198,7 @@
               <a:t>MACD Indicator as a Trading Strategy</a:t>
             </a:r>
             <a:br>
-              <a:rPr lang="en-US" sz="3700" b="1" dirty="0">
+              <a:rPr lang="en-US" sz="3700" b="1">
                 <a:solidFill>
                   <a:schemeClr val="bg1"/>
                 </a:solidFill>
@@ -4207,7 +4208,7 @@
               </a:rPr>
             </a:br>
             <a:r>
-              <a:rPr lang="en-US" sz="1400" b="1" i="1" dirty="0">
+              <a:rPr lang="en-US" sz="1400" b="1" i="1">
                 <a:solidFill>
                   <a:schemeClr val="bg1">
                     <a:lumMod val="75000"/>
@@ -4217,7 +4218,20 @@
                 <a:ea typeface="Cambria" panose="02040503050406030204" pitchFamily="18" charset="0"/>
                 <a:cs typeface="Arial" panose="020B0604020202020204" pitchFamily="34" charset="0"/>
               </a:rPr>
-              <a:t>14 November 2023</a:t>
+              <a:t>13 </a:t>
+            </a:r>
+            <a:r>
+              <a:rPr lang="en-US" sz="1400" b="1" i="1" dirty="0">
+                <a:solidFill>
+                  <a:schemeClr val="bg1">
+                    <a:lumMod val="75000"/>
+                  </a:schemeClr>
+                </a:solidFill>
+                <a:latin typeface="Arial" panose="020B0604020202020204" pitchFamily="34" charset="0"/>
+                <a:ea typeface="Cambria" panose="02040503050406030204" pitchFamily="18" charset="0"/>
+                <a:cs typeface="Arial" panose="020B0604020202020204" pitchFamily="34" charset="0"/>
+              </a:rPr>
+              <a:t>November 2023</a:t>
             </a:r>
             <a:endParaRPr lang="en-US" sz="3700" b="1" i="1" dirty="0">
               <a:solidFill>
@@ -7820,10 +7834,10 @@
       </p:sp>
       <p:pic>
         <p:nvPicPr>
-          <p:cNvPr id="15" name="Picture 14">
-            <a:extLst>
-              <a:ext uri="{FF2B5EF4-FFF2-40B4-BE49-F238E27FC236}">
-                <a16:creationId xmlns:a16="http://schemas.microsoft.com/office/drawing/2014/main" id="{56D44CFA-DF69-9C42-AFDE-C1AA560CF521}"/>
+          <p:cNvPr id="10" name="Picture 9">
+            <a:extLst>
+              <a:ext uri="{FF2B5EF4-FFF2-40B4-BE49-F238E27FC236}">
+                <a16:creationId xmlns:a16="http://schemas.microsoft.com/office/drawing/2014/main" id="{DDD7F135-0BFD-EADE-6AF2-C3DE6D5EA351}"/>
               </a:ext>
             </a:extLst>
           </p:cNvPr>
@@ -7840,8 +7854,8 @@
         </p:blipFill>
         <p:spPr>
           <a:xfrm>
-            <a:off x="897731" y="1857374"/>
-            <a:ext cx="10515600" cy="4662657"/>
+            <a:off x="2514601" y="1927226"/>
+            <a:ext cx="6815722" cy="4623848"/>
           </a:xfrm>
           <a:prstGeom prst="rect">
             <a:avLst/>
@@ -8125,147 +8139,6 @@
       </p:sp>
       <p:sp>
         <p:nvSpPr>
-          <p:cNvPr id="7" name="TextBox 6">
-            <a:extLst>
-              <a:ext uri="{FF2B5EF4-FFF2-40B4-BE49-F238E27FC236}">
-                <a16:creationId xmlns:a16="http://schemas.microsoft.com/office/drawing/2014/main" id="{24C484EF-37A4-616D-7805-4B1637442430}"/>
-              </a:ext>
-            </a:extLst>
-          </p:cNvPr>
-          <p:cNvSpPr txBox="1"/>
-          <p:nvPr/>
-        </p:nvSpPr>
-        <p:spPr>
-          <a:xfrm>
-            <a:off x="-3525441" y="3306927"/>
-            <a:ext cx="3406379" cy="1477328"/>
-          </a:xfrm>
-          <a:prstGeom prst="rect">
-            <a:avLst/>
-          </a:prstGeom>
-          <a:noFill/>
-        </p:spPr>
-        <p:txBody>
-          <a:bodyPr wrap="square">
-            <a:spAutoFit/>
-          </a:bodyPr>
-          <a:lstStyle/>
-          <a:p>
-            <a:pPr algn="l"/>
-            <a:r>
-              <a:rPr lang="en-US" b="0" i="0" dirty="0">
-                <a:solidFill>
-                  <a:schemeClr val="bg1"/>
-                </a:solidFill>
-                <a:effectLst/>
-                <a:latin typeface="Slack-Lato"/>
-              </a:rPr>
-              <a:t>Analysis – Michael[SPY] Ryan[AAPL]</a:t>
-            </a:r>
-            <a:br>
-              <a:rPr lang="en-US" b="0" i="0" dirty="0">
-                <a:solidFill>
-                  <a:schemeClr val="bg1"/>
-                </a:solidFill>
-                <a:effectLst/>
-                <a:latin typeface="Slack-Lato"/>
-              </a:rPr>
-            </a:br>
-            <a:endParaRPr lang="en-US" b="0" i="0" dirty="0">
-              <a:solidFill>
-                <a:schemeClr val="bg1"/>
-              </a:solidFill>
-              <a:effectLst/>
-              <a:latin typeface="Slack-Lato"/>
-            </a:endParaRPr>
-          </a:p>
-          <a:p>
-            <a:br>
-              <a:rPr lang="en-US" b="0" i="0" dirty="0">
-                <a:solidFill>
-                  <a:srgbClr val="1D1C1D"/>
-                </a:solidFill>
-                <a:effectLst/>
-                <a:latin typeface="Slack-Lato"/>
-              </a:rPr>
-            </a:br>
-            <a:endParaRPr lang="en-US" dirty="0"/>
-          </a:p>
-        </p:txBody>
-      </p:sp>
-      <p:sp>
-        <p:nvSpPr>
-          <p:cNvPr id="8" name="TextBox 7">
-            <a:extLst>
-              <a:ext uri="{FF2B5EF4-FFF2-40B4-BE49-F238E27FC236}">
-                <a16:creationId xmlns:a16="http://schemas.microsoft.com/office/drawing/2014/main" id="{38413B10-3FC5-14EC-7CFD-B97C2E54EE71}"/>
-              </a:ext>
-            </a:extLst>
-          </p:cNvPr>
-          <p:cNvSpPr txBox="1"/>
-          <p:nvPr/>
-        </p:nvSpPr>
-        <p:spPr>
-          <a:xfrm>
-            <a:off x="-2999234" y="2103970"/>
-            <a:ext cx="6093618" cy="923330"/>
-          </a:xfrm>
-          <a:prstGeom prst="rect">
-            <a:avLst/>
-          </a:prstGeom>
-          <a:noFill/>
-        </p:spPr>
-        <p:txBody>
-          <a:bodyPr wrap="square">
-            <a:spAutoFit/>
-          </a:bodyPr>
-          <a:lstStyle/>
-          <a:p>
-            <a:pPr algn="l"/>
-            <a:r>
-              <a:rPr lang="en-US" b="0" i="0" dirty="0">
-                <a:solidFill>
-                  <a:schemeClr val="bg1"/>
-                </a:solidFill>
-                <a:effectLst/>
-                <a:latin typeface="Slack-Lato"/>
-              </a:rPr>
-              <a:t>What were the outputs?</a:t>
-            </a:r>
-            <a:br>
-              <a:rPr lang="en-US" b="0" i="0" dirty="0">
-                <a:solidFill>
-                  <a:schemeClr val="bg1"/>
-                </a:solidFill>
-                <a:effectLst/>
-                <a:latin typeface="Slack-Lato"/>
-              </a:rPr>
-            </a:br>
-            <a:endParaRPr lang="en-US" b="0" i="0" dirty="0">
-              <a:solidFill>
-                <a:schemeClr val="bg1"/>
-              </a:solidFill>
-              <a:effectLst/>
-              <a:latin typeface="Slack-Lato"/>
-            </a:endParaRPr>
-          </a:p>
-          <a:p>
-            <a:pPr algn="l"/>
-            <a:r>
-              <a:rPr lang="en-US" b="0" i="0" dirty="0">
-                <a:solidFill>
-                  <a:schemeClr val="bg1"/>
-                </a:solidFill>
-                <a:effectLst/>
-                <a:latin typeface="Slack-Lato"/>
-              </a:rPr>
-              <a:t>What did the outputs tell us?</a:t>
-            </a:r>
-          </a:p>
-        </p:txBody>
-      </p:sp>
-      <p:sp>
-        <p:nvSpPr>
           <p:cNvPr id="12" name="TextBox 11">
             <a:extLst>
               <a:ext uri="{FF2B5EF4-FFF2-40B4-BE49-F238E27FC236}">
@@ -8363,10 +8236,10 @@
       </p:sp>
       <p:pic>
         <p:nvPicPr>
-          <p:cNvPr id="14" name="Picture 13">
-            <a:extLst>
-              <a:ext uri="{FF2B5EF4-FFF2-40B4-BE49-F238E27FC236}">
-                <a16:creationId xmlns:a16="http://schemas.microsoft.com/office/drawing/2014/main" id="{40D3834F-3113-E019-F14C-5910E9FD6646}"/>
+          <p:cNvPr id="10" name="Picture 9">
+            <a:extLst>
+              <a:ext uri="{FF2B5EF4-FFF2-40B4-BE49-F238E27FC236}">
+                <a16:creationId xmlns:a16="http://schemas.microsoft.com/office/drawing/2014/main" id="{193CABCB-71D4-37C0-81CD-532B0EA12B82}"/>
               </a:ext>
             </a:extLst>
           </p:cNvPr>
@@ -8383,8 +8256,8 @@
         </p:blipFill>
         <p:spPr>
           <a:xfrm>
-            <a:off x="1709737" y="2061349"/>
-            <a:ext cx="8767762" cy="4519250"/>
+            <a:off x="1705217" y="1955339"/>
+            <a:ext cx="8644644" cy="4635416"/>
           </a:xfrm>
           <a:prstGeom prst="rect">
             <a:avLst/>
@@ -8668,147 +8541,6 @@
       </p:sp>
       <p:sp>
         <p:nvSpPr>
-          <p:cNvPr id="7" name="TextBox 6">
-            <a:extLst>
-              <a:ext uri="{FF2B5EF4-FFF2-40B4-BE49-F238E27FC236}">
-                <a16:creationId xmlns:a16="http://schemas.microsoft.com/office/drawing/2014/main" id="{24C484EF-37A4-616D-7805-4B1637442430}"/>
-              </a:ext>
-            </a:extLst>
-          </p:cNvPr>
-          <p:cNvSpPr txBox="1"/>
-          <p:nvPr/>
-        </p:nvSpPr>
-        <p:spPr>
-          <a:xfrm>
-            <a:off x="-3525441" y="3306927"/>
-            <a:ext cx="3406379" cy="1477328"/>
-          </a:xfrm>
-          <a:prstGeom prst="rect">
-            <a:avLst/>
-          </a:prstGeom>
-          <a:noFill/>
-        </p:spPr>
-        <p:txBody>
-          <a:bodyPr wrap="square">
-            <a:spAutoFit/>
-          </a:bodyPr>
-          <a:lstStyle/>
-          <a:p>
-            <a:pPr algn="l"/>
-            <a:r>
-              <a:rPr lang="en-US" b="0" i="0" dirty="0">
-                <a:solidFill>
-                  <a:schemeClr val="bg1"/>
-                </a:solidFill>
-                <a:effectLst/>
-                <a:latin typeface="Slack-Lato"/>
-              </a:rPr>
-              <a:t>Analysis – Michael[SPY] Ryan[AAPL]</a:t>
-            </a:r>
-            <a:br>
-              <a:rPr lang="en-US" b="0" i="0" dirty="0">
-                <a:solidFill>
-                  <a:schemeClr val="bg1"/>
-                </a:solidFill>
-                <a:effectLst/>
-                <a:latin typeface="Slack-Lato"/>
-              </a:rPr>
-            </a:br>
-            <a:endParaRPr lang="en-US" b="0" i="0" dirty="0">
-              <a:solidFill>
-                <a:schemeClr val="bg1"/>
-              </a:solidFill>
-              <a:effectLst/>
-              <a:latin typeface="Slack-Lato"/>
-            </a:endParaRPr>
-          </a:p>
-          <a:p>
-            <a:br>
-              <a:rPr lang="en-US" b="0" i="0" dirty="0">
-                <a:solidFill>
-                  <a:srgbClr val="1D1C1D"/>
-                </a:solidFill>
-                <a:effectLst/>
-                <a:latin typeface="Slack-Lato"/>
-              </a:rPr>
-            </a:br>
-            <a:endParaRPr lang="en-US" dirty="0"/>
-          </a:p>
-        </p:txBody>
-      </p:sp>
-      <p:sp>
-        <p:nvSpPr>
-          <p:cNvPr id="8" name="TextBox 7">
-            <a:extLst>
-              <a:ext uri="{FF2B5EF4-FFF2-40B4-BE49-F238E27FC236}">
-                <a16:creationId xmlns:a16="http://schemas.microsoft.com/office/drawing/2014/main" id="{38413B10-3FC5-14EC-7CFD-B97C2E54EE71}"/>
-              </a:ext>
-            </a:extLst>
-          </p:cNvPr>
-          <p:cNvSpPr txBox="1"/>
-          <p:nvPr/>
-        </p:nvSpPr>
-        <p:spPr>
-          <a:xfrm>
-            <a:off x="-2999234" y="2103970"/>
-            <a:ext cx="6093618" cy="923330"/>
-          </a:xfrm>
-          <a:prstGeom prst="rect">
-            <a:avLst/>
-          </a:prstGeom>
-          <a:noFill/>
-        </p:spPr>
-        <p:txBody>
-          <a:bodyPr wrap="square">
-            <a:spAutoFit/>
-          </a:bodyPr>
-          <a:lstStyle/>
-          <a:p>
-            <a:pPr algn="l"/>
-            <a:r>
-              <a:rPr lang="en-US" b="0" i="0" dirty="0">
-                <a:solidFill>
-                  <a:schemeClr val="bg1"/>
-                </a:solidFill>
-                <a:effectLst/>
-                <a:latin typeface="Slack-Lato"/>
-              </a:rPr>
-              <a:t>What were the outputs?</a:t>
-            </a:r>
-            <a:br>
-              <a:rPr lang="en-US" b="0" i="0" dirty="0">
-                <a:solidFill>
-                  <a:schemeClr val="bg1"/>
-                </a:solidFill>
-                <a:effectLst/>
-                <a:latin typeface="Slack-Lato"/>
-              </a:rPr>
-            </a:br>
-            <a:endParaRPr lang="en-US" b="0" i="0" dirty="0">
-              <a:solidFill>
-                <a:schemeClr val="bg1"/>
-              </a:solidFill>
-              <a:effectLst/>
-              <a:latin typeface="Slack-Lato"/>
-            </a:endParaRPr>
-          </a:p>
-          <a:p>
-            <a:pPr algn="l"/>
-            <a:r>
-              <a:rPr lang="en-US" b="0" i="0" dirty="0">
-                <a:solidFill>
-                  <a:schemeClr val="bg1"/>
-                </a:solidFill>
-                <a:effectLst/>
-                <a:latin typeface="Slack-Lato"/>
-              </a:rPr>
-              <a:t>What did the outputs tell us?</a:t>
-            </a:r>
-          </a:p>
-        </p:txBody>
-      </p:sp>
-      <p:sp>
-        <p:nvSpPr>
           <p:cNvPr id="12" name="TextBox 11">
             <a:extLst>
               <a:ext uri="{FF2B5EF4-FFF2-40B4-BE49-F238E27FC236}">
@@ -8875,8 +8607,8 @@
         </p:nvSpPr>
         <p:spPr>
           <a:xfrm>
-            <a:off x="318492" y="1378036"/>
-            <a:ext cx="11240096" cy="923330"/>
+            <a:off x="282178" y="1309008"/>
+            <a:ext cx="11490722" cy="646331"/>
           </a:xfrm>
           <a:prstGeom prst="rect">
             <a:avLst/>
@@ -8899,17 +8631,17 @@
                 <a:latin typeface="Arial" panose="020B0604020202020204" pitchFamily="34" charset="0"/>
                 <a:cs typeface="Arial" panose="020B0604020202020204" pitchFamily="34" charset="0"/>
               </a:rPr>
-              <a:t>In this last graph you can see a better picture of when we buy and sell.  For example, we started with buying at the open, then the MACD passes the signal line we sell until it passes it again. At approximately 1:45 the signal line is indicating a upwards trend where we buy until it crosses again to indicate that we sell. </a:t>
+              <a:t>This is the signal line. We start off buying at the open, then when the MACD line pass the signal line we sell because the signal line is indicating a downwards trend.</a:t>
             </a:r>
           </a:p>
         </p:txBody>
       </p:sp>
       <p:pic>
         <p:nvPicPr>
-          <p:cNvPr id="14" name="Picture 13">
-            <a:extLst>
-              <a:ext uri="{FF2B5EF4-FFF2-40B4-BE49-F238E27FC236}">
-                <a16:creationId xmlns:a16="http://schemas.microsoft.com/office/drawing/2014/main" id="{91BFAFC5-6049-8A56-A7C9-67686C0F4FDD}"/>
+          <p:cNvPr id="7" name="Picture 6">
+            <a:extLst>
+              <a:ext uri="{FF2B5EF4-FFF2-40B4-BE49-F238E27FC236}">
+                <a16:creationId xmlns:a16="http://schemas.microsoft.com/office/drawing/2014/main" id="{F58A42AF-9850-CA0C-37A2-61780B2D26F5}"/>
               </a:ext>
             </a:extLst>
           </p:cNvPr>
@@ -8926,8 +8658,8 @@
         </p:blipFill>
         <p:spPr>
           <a:xfrm>
-            <a:off x="1984370" y="2381732"/>
-            <a:ext cx="8218495" cy="4189884"/>
+            <a:off x="2312435" y="2012951"/>
+            <a:ext cx="7430208" cy="4621227"/>
           </a:xfrm>
           <a:prstGeom prst="rect">
             <a:avLst/>
@@ -8937,7 +8669,7 @@
     </p:spTree>
     <p:extLst>
       <p:ext uri="{BB962C8B-B14F-4D97-AF65-F5344CB8AC3E}">
-        <p14:creationId xmlns:p14="http://schemas.microsoft.com/office/powerpoint/2010/main" val="2179045673"/>
+        <p14:creationId xmlns:p14="http://schemas.microsoft.com/office/powerpoint/2010/main" val="1598778529"/>
       </p:ext>
     </p:extLst>
   </p:cSld>
@@ -8948,7 +8680,7 @@
 </file>
 
 <file path=ppt/slides/slide18.xml><?xml version="1.0" encoding="utf-8"?>
-<p:sld xmlns:a="http://schemas.openxmlformats.org/drawingml/2006/main" xmlns:r="http://schemas.openxmlformats.org/officeDocument/2006/relationships" xmlns:p="http://schemas.openxmlformats.org/presentationml/2006/main">
+<p:sld xmlns:a="http://schemas.openxmlformats.org/drawingml/2006/main" xmlns:r="http://schemas.openxmlformats.org/officeDocument/2006/relationships" xmlns:p="http://schemas.openxmlformats.org/presentationml/2006/main" show="0">
   <p:cSld>
     <p:spTree>
       <p:nvGrpSpPr>
@@ -9211,10 +8943,10 @@
       </p:sp>
       <p:sp>
         <p:nvSpPr>
-          <p:cNvPr id="15" name="TextBox 14">
-            <a:extLst>
-              <a:ext uri="{FF2B5EF4-FFF2-40B4-BE49-F238E27FC236}">
-                <a16:creationId xmlns:a16="http://schemas.microsoft.com/office/drawing/2014/main" id="{FCBFDD02-51CC-AC9F-F897-ED1643C6B457}"/>
+          <p:cNvPr id="7" name="TextBox 6">
+            <a:extLst>
+              <a:ext uri="{FF2B5EF4-FFF2-40B4-BE49-F238E27FC236}">
+                <a16:creationId xmlns:a16="http://schemas.microsoft.com/office/drawing/2014/main" id="{24C484EF-37A4-616D-7805-4B1637442430}"/>
               </a:ext>
             </a:extLst>
           </p:cNvPr>
@@ -9223,8 +8955,149 @@
         </p:nvSpPr>
         <p:spPr>
           <a:xfrm>
+            <a:off x="-3525441" y="3306927"/>
+            <a:ext cx="3406379" cy="1477328"/>
+          </a:xfrm>
+          <a:prstGeom prst="rect">
+            <a:avLst/>
+          </a:prstGeom>
+          <a:noFill/>
+        </p:spPr>
+        <p:txBody>
+          <a:bodyPr wrap="square">
+            <a:spAutoFit/>
+          </a:bodyPr>
+          <a:lstStyle/>
+          <a:p>
+            <a:pPr algn="l"/>
+            <a:r>
+              <a:rPr lang="en-US" b="0" i="0" dirty="0">
+                <a:solidFill>
+                  <a:schemeClr val="bg1"/>
+                </a:solidFill>
+                <a:effectLst/>
+                <a:latin typeface="Slack-Lato"/>
+              </a:rPr>
+              <a:t>Analysis – Michael[SPY] Ryan[AAPL]</a:t>
+            </a:r>
+            <a:br>
+              <a:rPr lang="en-US" b="0" i="0" dirty="0">
+                <a:solidFill>
+                  <a:schemeClr val="bg1"/>
+                </a:solidFill>
+                <a:effectLst/>
+                <a:latin typeface="Slack-Lato"/>
+              </a:rPr>
+            </a:br>
+            <a:endParaRPr lang="en-US" b="0" i="0" dirty="0">
+              <a:solidFill>
+                <a:schemeClr val="bg1"/>
+              </a:solidFill>
+              <a:effectLst/>
+              <a:latin typeface="Slack-Lato"/>
+            </a:endParaRPr>
+          </a:p>
+          <a:p>
+            <a:br>
+              <a:rPr lang="en-US" b="0" i="0" dirty="0">
+                <a:solidFill>
+                  <a:srgbClr val="1D1C1D"/>
+                </a:solidFill>
+                <a:effectLst/>
+                <a:latin typeface="Slack-Lato"/>
+              </a:rPr>
+            </a:br>
+            <a:endParaRPr lang="en-US" dirty="0"/>
+          </a:p>
+        </p:txBody>
+      </p:sp>
+      <p:sp>
+        <p:nvSpPr>
+          <p:cNvPr id="8" name="TextBox 7">
+            <a:extLst>
+              <a:ext uri="{FF2B5EF4-FFF2-40B4-BE49-F238E27FC236}">
+                <a16:creationId xmlns:a16="http://schemas.microsoft.com/office/drawing/2014/main" id="{38413B10-3FC5-14EC-7CFD-B97C2E54EE71}"/>
+              </a:ext>
+            </a:extLst>
+          </p:cNvPr>
+          <p:cNvSpPr txBox="1"/>
+          <p:nvPr/>
+        </p:nvSpPr>
+        <p:spPr>
+          <a:xfrm>
+            <a:off x="-2999234" y="2103970"/>
+            <a:ext cx="6093618" cy="923330"/>
+          </a:xfrm>
+          <a:prstGeom prst="rect">
+            <a:avLst/>
+          </a:prstGeom>
+          <a:noFill/>
+        </p:spPr>
+        <p:txBody>
+          <a:bodyPr wrap="square">
+            <a:spAutoFit/>
+          </a:bodyPr>
+          <a:lstStyle/>
+          <a:p>
+            <a:pPr algn="l"/>
+            <a:r>
+              <a:rPr lang="en-US" b="0" i="0" dirty="0">
+                <a:solidFill>
+                  <a:schemeClr val="bg1"/>
+                </a:solidFill>
+                <a:effectLst/>
+                <a:latin typeface="Slack-Lato"/>
+              </a:rPr>
+              <a:t>What were the outputs?</a:t>
+            </a:r>
+            <a:br>
+              <a:rPr lang="en-US" b="0" i="0" dirty="0">
+                <a:solidFill>
+                  <a:schemeClr val="bg1"/>
+                </a:solidFill>
+                <a:effectLst/>
+                <a:latin typeface="Slack-Lato"/>
+              </a:rPr>
+            </a:br>
+            <a:endParaRPr lang="en-US" b="0" i="0" dirty="0">
+              <a:solidFill>
+                <a:schemeClr val="bg1"/>
+              </a:solidFill>
+              <a:effectLst/>
+              <a:latin typeface="Slack-Lato"/>
+            </a:endParaRPr>
+          </a:p>
+          <a:p>
+            <a:pPr algn="l"/>
+            <a:r>
+              <a:rPr lang="en-US" b="0" i="0" dirty="0">
+                <a:solidFill>
+                  <a:schemeClr val="bg1"/>
+                </a:solidFill>
+                <a:effectLst/>
+                <a:latin typeface="Slack-Lato"/>
+              </a:rPr>
+              <a:t>What did the outputs tell us?</a:t>
+            </a:r>
+          </a:p>
+        </p:txBody>
+      </p:sp>
+      <p:sp>
+        <p:nvSpPr>
+          <p:cNvPr id="12" name="TextBox 11">
+            <a:extLst>
+              <a:ext uri="{FF2B5EF4-FFF2-40B4-BE49-F238E27FC236}">
+                <a16:creationId xmlns:a16="http://schemas.microsoft.com/office/drawing/2014/main" id="{0F3E3CE8-0878-0354-74CE-9ACDA279CCCD}"/>
+              </a:ext>
+            </a:extLst>
+          </p:cNvPr>
+          <p:cNvSpPr txBox="1"/>
+          <p:nvPr/>
+        </p:nvSpPr>
+        <p:spPr>
+          <a:xfrm>
             <a:off x="7886700" y="112991"/>
-            <a:ext cx="4186239" cy="738664"/>
+            <a:ext cx="4186239" cy="523220"/>
           </a:xfrm>
           <a:prstGeom prst="rect">
             <a:avLst/>
@@ -9248,41 +9121,8 @@
                 <a:latin typeface="Arial" panose="020B0604020202020204" pitchFamily="34" charset="0"/>
                 <a:cs typeface="Arial" panose="020B0604020202020204" pitchFamily="34" charset="0"/>
               </a:rPr>
-              <a:t>Briefer: Michael </a:t>
-            </a:r>
-            <a:r>
-              <a:rPr lang="en-US" sz="1400" i="1" dirty="0" err="1">
-                <a:solidFill>
-                  <a:schemeClr val="bg1">
-                    <a:lumMod val="75000"/>
-                  </a:schemeClr>
-                </a:solidFill>
-                <a:latin typeface="Arial" panose="020B0604020202020204" pitchFamily="34" charset="0"/>
-                <a:cs typeface="Arial" panose="020B0604020202020204" pitchFamily="34" charset="0"/>
-              </a:rPr>
-              <a:t>Drinkard</a:t>
-            </a:r>
-            <a:endParaRPr lang="en-US" sz="1400" i="1" dirty="0">
-              <a:solidFill>
-                <a:schemeClr val="bg1">
-                  <a:lumMod val="75000"/>
-                </a:schemeClr>
-              </a:solidFill>
-              <a:latin typeface="Arial" panose="020B0604020202020204" pitchFamily="34" charset="0"/>
-              <a:cs typeface="Arial" panose="020B0604020202020204" pitchFamily="34" charset="0"/>
-            </a:endParaRPr>
-          </a:p>
-          <a:p>
-            <a:pPr algn="r"/>
-            <a:endParaRPr lang="en-US" sz="1400" dirty="0">
-              <a:solidFill>
-                <a:schemeClr val="bg1">
-                  <a:lumMod val="75000"/>
-                </a:schemeClr>
-              </a:solidFill>
-              <a:latin typeface="Arial" panose="020B0604020202020204" pitchFamily="34" charset="0"/>
-              <a:cs typeface="Arial" panose="020B0604020202020204" pitchFamily="34" charset="0"/>
-            </a:endParaRPr>
+              <a:t>Briefer: Ryan Stowers</a:t>
+            </a:r>
           </a:p>
           <a:p>
             <a:pPr algn="r"/>
@@ -9298,10 +9138,10 @@
       </p:sp>
       <p:sp>
         <p:nvSpPr>
-          <p:cNvPr id="6" name="TextBox 5">
-            <a:extLst>
-              <a:ext uri="{FF2B5EF4-FFF2-40B4-BE49-F238E27FC236}">
-                <a16:creationId xmlns:a16="http://schemas.microsoft.com/office/drawing/2014/main" id="{26096104-3AB8-C326-EFD0-6D5223ADAE2A}"/>
+          <p:cNvPr id="13" name="TextBox 12">
+            <a:extLst>
+              <a:ext uri="{FF2B5EF4-FFF2-40B4-BE49-F238E27FC236}">
+                <a16:creationId xmlns:a16="http://schemas.microsoft.com/office/drawing/2014/main" id="{5934E4D6-40A6-1091-2230-929980990F95}"/>
               </a:ext>
             </a:extLst>
           </p:cNvPr>
@@ -9310,8 +9150,8 @@
         </p:nvSpPr>
         <p:spPr>
           <a:xfrm>
-            <a:off x="3872508" y="1845822"/>
-            <a:ext cx="8924330" cy="3954929"/>
+            <a:off x="318492" y="1378036"/>
+            <a:ext cx="11240096" cy="923330"/>
           </a:xfrm>
           <a:prstGeom prst="rect">
             <a:avLst/>
@@ -9324,184 +9164,55 @@
           </a:bodyPr>
           <a:lstStyle/>
           <a:p>
-            <a:pPr marL="285750" indent="-285750">
-              <a:buFont typeface="Arial" panose="020B0604020202020204" pitchFamily="34" charset="0"/>
-              <a:buChar char="•"/>
-            </a:pPr>
-            <a:r>
-              <a:rPr lang="en-US" sz="2400" dirty="0">
+            <a:r>
+              <a:rPr lang="en-US" dirty="0">
                 <a:solidFill>
                   <a:schemeClr val="bg1">
-                    <a:lumMod val="75000"/>
+                    <a:lumMod val="85000"/>
                   </a:schemeClr>
                 </a:solidFill>
                 <a:latin typeface="Arial" panose="020B0604020202020204" pitchFamily="34" charset="0"/>
                 <a:cs typeface="Arial" panose="020B0604020202020204" pitchFamily="34" charset="0"/>
               </a:rPr>
-              <a:t>What did we see?</a:t>
-            </a:r>
-          </a:p>
-          <a:p>
-            <a:pPr marL="285750" indent="-285750">
-              <a:buFont typeface="Arial" panose="020B0604020202020204" pitchFamily="34" charset="0"/>
-              <a:buChar char="•"/>
-            </a:pPr>
-            <a:endParaRPr lang="en-US" sz="2400" dirty="0">
-              <a:solidFill>
-                <a:schemeClr val="bg1">
-                  <a:lumMod val="75000"/>
-                </a:schemeClr>
-              </a:solidFill>
-              <a:latin typeface="Arial" panose="020B0604020202020204" pitchFamily="34" charset="0"/>
-              <a:cs typeface="Arial" panose="020B0604020202020204" pitchFamily="34" charset="0"/>
-            </a:endParaRPr>
-          </a:p>
-          <a:p>
-            <a:pPr marL="285750" indent="-285750">
-              <a:buFont typeface="Arial" panose="020B0604020202020204" pitchFamily="34" charset="0"/>
-              <a:buChar char="•"/>
-            </a:pPr>
-            <a:endParaRPr lang="en-US" sz="2400" dirty="0">
-              <a:solidFill>
-                <a:schemeClr val="bg1">
-                  <a:lumMod val="75000"/>
-                </a:schemeClr>
-              </a:solidFill>
-              <a:latin typeface="Arial" panose="020B0604020202020204" pitchFamily="34" charset="0"/>
-              <a:cs typeface="Arial" panose="020B0604020202020204" pitchFamily="34" charset="0"/>
-            </a:endParaRPr>
-          </a:p>
-          <a:p>
-            <a:pPr marL="285750" indent="-285750">
-              <a:buFont typeface="Arial" panose="020B0604020202020204" pitchFamily="34" charset="0"/>
-              <a:buChar char="•"/>
-            </a:pPr>
-            <a:r>
-              <a:rPr lang="en-US" sz="2400" dirty="0">
-                <a:solidFill>
-                  <a:schemeClr val="bg1">
-                    <a:lumMod val="75000"/>
-                  </a:schemeClr>
-                </a:solidFill>
-                <a:latin typeface="Arial" panose="020B0604020202020204" pitchFamily="34" charset="0"/>
-                <a:cs typeface="Arial" panose="020B0604020202020204" pitchFamily="34" charset="0"/>
-              </a:rPr>
-              <a:t>Why did we see it? </a:t>
-            </a:r>
-          </a:p>
-          <a:p>
-            <a:pPr marL="285750" indent="-285750">
-              <a:buFont typeface="Arial" panose="020B0604020202020204" pitchFamily="34" charset="0"/>
-              <a:buChar char="•"/>
-            </a:pPr>
-            <a:endParaRPr lang="en-US" sz="2400" dirty="0">
-              <a:solidFill>
-                <a:schemeClr val="bg1">
-                  <a:lumMod val="75000"/>
-                </a:schemeClr>
-              </a:solidFill>
-              <a:latin typeface="Arial" panose="020B0604020202020204" pitchFamily="34" charset="0"/>
-              <a:cs typeface="Arial" panose="020B0604020202020204" pitchFamily="34" charset="0"/>
-            </a:endParaRPr>
-          </a:p>
-          <a:p>
-            <a:pPr marL="285750" indent="-285750">
-              <a:buFont typeface="Arial" panose="020B0604020202020204" pitchFamily="34" charset="0"/>
-              <a:buChar char="•"/>
-            </a:pPr>
-            <a:endParaRPr lang="en-US" sz="2400" dirty="0">
-              <a:solidFill>
-                <a:schemeClr val="bg1">
-                  <a:lumMod val="75000"/>
-                </a:schemeClr>
-              </a:solidFill>
-              <a:latin typeface="Arial" panose="020B0604020202020204" pitchFamily="34" charset="0"/>
-              <a:cs typeface="Arial" panose="020B0604020202020204" pitchFamily="34" charset="0"/>
-            </a:endParaRPr>
-          </a:p>
-          <a:p>
-            <a:pPr marL="285750" indent="-285750">
-              <a:buFont typeface="Arial" panose="020B0604020202020204" pitchFamily="34" charset="0"/>
-              <a:buChar char="•"/>
-            </a:pPr>
-            <a:r>
-              <a:rPr lang="en-US" sz="2400" dirty="0">
-                <a:solidFill>
-                  <a:schemeClr val="bg1">
-                    <a:lumMod val="75000"/>
-                  </a:schemeClr>
-                </a:solidFill>
-                <a:latin typeface="Arial" panose="020B0604020202020204" pitchFamily="34" charset="0"/>
-                <a:cs typeface="Arial" panose="020B0604020202020204" pitchFamily="34" charset="0"/>
-              </a:rPr>
-              <a:t>Did we make money?</a:t>
-            </a:r>
-          </a:p>
-          <a:p>
-            <a:pPr marL="285750" indent="-285750">
-              <a:buFont typeface="Arial" panose="020B0604020202020204" pitchFamily="34" charset="0"/>
-              <a:buChar char="•"/>
-            </a:pPr>
-            <a:endParaRPr lang="en-US" sz="2400" dirty="0">
-              <a:solidFill>
-                <a:schemeClr val="bg1">
-                  <a:lumMod val="75000"/>
-                </a:schemeClr>
-              </a:solidFill>
-              <a:latin typeface="Arial" panose="020B0604020202020204" pitchFamily="34" charset="0"/>
-              <a:cs typeface="Arial" panose="020B0604020202020204" pitchFamily="34" charset="0"/>
-            </a:endParaRPr>
-          </a:p>
-          <a:p>
-            <a:pPr marL="285750" indent="-285750">
-              <a:buFont typeface="Arial" panose="020B0604020202020204" pitchFamily="34" charset="0"/>
-              <a:buChar char="•"/>
-            </a:pPr>
-            <a:endParaRPr lang="en-US" sz="2400" dirty="0">
-              <a:solidFill>
-                <a:schemeClr val="bg1">
-                  <a:lumMod val="75000"/>
-                </a:schemeClr>
-              </a:solidFill>
-              <a:latin typeface="Arial" panose="020B0604020202020204" pitchFamily="34" charset="0"/>
-              <a:cs typeface="Arial" panose="020B0604020202020204" pitchFamily="34" charset="0"/>
-            </a:endParaRPr>
-          </a:p>
-          <a:p>
-            <a:pPr marL="285750" indent="-285750">
-              <a:buFont typeface="Arial" panose="020B0604020202020204" pitchFamily="34" charset="0"/>
-              <a:buChar char="•"/>
-            </a:pPr>
-            <a:r>
-              <a:rPr lang="en-US" sz="2400" dirty="0">
-                <a:solidFill>
-                  <a:schemeClr val="bg1">
-                    <a:lumMod val="75000"/>
-                  </a:schemeClr>
-                </a:solidFill>
-                <a:latin typeface="Arial" panose="020B0604020202020204" pitchFamily="34" charset="0"/>
-                <a:cs typeface="Arial" panose="020B0604020202020204" pitchFamily="34" charset="0"/>
-              </a:rPr>
-              <a:t>Why did we make money or lose money?</a:t>
-            </a:r>
-          </a:p>
-          <a:p>
-            <a:endParaRPr lang="en-US" sz="1100" dirty="0">
-              <a:solidFill>
-                <a:schemeClr val="bg1">
-                  <a:lumMod val="85000"/>
-                </a:schemeClr>
-              </a:solidFill>
-              <a:latin typeface="Arial" panose="020B0604020202020204" pitchFamily="34" charset="0"/>
-              <a:cs typeface="Arial" panose="020B0604020202020204" pitchFamily="34" charset="0"/>
-            </a:endParaRPr>
-          </a:p>
-        </p:txBody>
-      </p:sp>
+              <a:t>In this last graph you can see a better picture of when we buy and sell.  For example, we started with buying at the open, then the MACD passes the signal line we sell until it passes it again. At approximately 1:45 the signal line is indicating a upwards trend where we buy until it crosses again to indicate that we sell. </a:t>
+            </a:r>
+          </a:p>
+        </p:txBody>
+      </p:sp>
+      <p:pic>
+        <p:nvPicPr>
+          <p:cNvPr id="14" name="Picture 13">
+            <a:extLst>
+              <a:ext uri="{FF2B5EF4-FFF2-40B4-BE49-F238E27FC236}">
+                <a16:creationId xmlns:a16="http://schemas.microsoft.com/office/drawing/2014/main" id="{91BFAFC5-6049-8A56-A7C9-67686C0F4FDD}"/>
+              </a:ext>
+            </a:extLst>
+          </p:cNvPr>
+          <p:cNvPicPr>
+            <a:picLocks noChangeAspect="1"/>
+          </p:cNvPicPr>
+          <p:nvPr/>
+        </p:nvPicPr>
+        <p:blipFill>
+          <a:blip r:embed="rId2"/>
+          <a:stretch>
+            <a:fillRect/>
+          </a:stretch>
+        </p:blipFill>
+        <p:spPr>
+          <a:xfrm>
+            <a:off x="1984370" y="2381732"/>
+            <a:ext cx="8218495" cy="4189884"/>
+          </a:xfrm>
+          <a:prstGeom prst="rect">
+            <a:avLst/>
+          </a:prstGeom>
+        </p:spPr>
+      </p:pic>
     </p:spTree>
     <p:extLst>
       <p:ext uri="{BB962C8B-B14F-4D97-AF65-F5344CB8AC3E}">
-        <p14:creationId xmlns:p14="http://schemas.microsoft.com/office/powerpoint/2010/main" val="817477383"/>
+        <p14:creationId xmlns:p14="http://schemas.microsoft.com/office/powerpoint/2010/main" val="2179045673"/>
       </p:ext>
     </p:extLst>
   </p:cSld>
@@ -9768,17 +9479,17 @@
                 <a:latin typeface="Arial" panose="020B0604020202020204" pitchFamily="34" charset="0"/>
                 <a:cs typeface="Arial" panose="020B0604020202020204" pitchFamily="34" charset="0"/>
               </a:rPr>
-              <a:t>Lessons Learned</a:t>
-            </a:r>
-          </a:p>
-        </p:txBody>
-      </p:sp>
-      <p:sp>
-        <p:nvSpPr>
-          <p:cNvPr id="6" name="TextBox 5">
-            <a:extLst>
-              <a:ext uri="{FF2B5EF4-FFF2-40B4-BE49-F238E27FC236}">
-                <a16:creationId xmlns:a16="http://schemas.microsoft.com/office/drawing/2014/main" id="{B31D4CA7-C4C5-98E5-6FA6-41CDEC2E70A7}"/>
+              <a:t>Analysis &amp; Outputs</a:t>
+            </a:r>
+          </a:p>
+        </p:txBody>
+      </p:sp>
+      <p:sp>
+        <p:nvSpPr>
+          <p:cNvPr id="15" name="TextBox 14">
+            <a:extLst>
+              <a:ext uri="{FF2B5EF4-FFF2-40B4-BE49-F238E27FC236}">
+                <a16:creationId xmlns:a16="http://schemas.microsoft.com/office/drawing/2014/main" id="{FCBFDD02-51CC-AC9F-F897-ED1643C6B457}"/>
               </a:ext>
             </a:extLst>
           </p:cNvPr>
@@ -9788,7 +9499,7 @@
         <p:spPr>
           <a:xfrm>
             <a:off x="7886700" y="112991"/>
-            <a:ext cx="4186239" cy="523220"/>
+            <a:ext cx="4186239" cy="738664"/>
           </a:xfrm>
           <a:prstGeom prst="rect">
             <a:avLst/>
@@ -9840,6 +9551,18 @@
             <a:pPr algn="r"/>
             <a:endParaRPr lang="en-US" sz="1400" dirty="0">
               <a:solidFill>
+                <a:schemeClr val="bg1">
+                  <a:lumMod val="75000"/>
+                </a:schemeClr>
+              </a:solidFill>
+              <a:latin typeface="Arial" panose="020B0604020202020204" pitchFamily="34" charset="0"/>
+              <a:cs typeface="Arial" panose="020B0604020202020204" pitchFamily="34" charset="0"/>
+            </a:endParaRPr>
+          </a:p>
+          <a:p>
+            <a:pPr algn="r"/>
+            <a:endParaRPr lang="en-US" sz="1400" dirty="0">
+              <a:solidFill>
                 <a:schemeClr val="bg1"/>
               </a:solidFill>
               <a:latin typeface="Arial" panose="020B0604020202020204" pitchFamily="34" charset="0"/>
@@ -9850,10 +9573,10 @@
       </p:sp>
       <p:sp>
         <p:nvSpPr>
-          <p:cNvPr id="10" name="TextBox 9">
-            <a:extLst>
-              <a:ext uri="{FF2B5EF4-FFF2-40B4-BE49-F238E27FC236}">
-                <a16:creationId xmlns:a16="http://schemas.microsoft.com/office/drawing/2014/main" id="{BD950A60-DECC-F2E1-1C7F-BB10521448F5}"/>
+          <p:cNvPr id="6" name="TextBox 5">
+            <a:extLst>
+              <a:ext uri="{FF2B5EF4-FFF2-40B4-BE49-F238E27FC236}">
+                <a16:creationId xmlns:a16="http://schemas.microsoft.com/office/drawing/2014/main" id="{26096104-3AB8-C326-EFD0-6D5223ADAE2A}"/>
               </a:ext>
             </a:extLst>
           </p:cNvPr>
@@ -9862,8 +9585,8 @@
         </p:nvSpPr>
         <p:spPr>
           <a:xfrm>
-            <a:off x="870347" y="2150566"/>
-            <a:ext cx="11321654" cy="3477875"/>
+            <a:off x="3872508" y="1845822"/>
+            <a:ext cx="8924330" cy="3954929"/>
           </a:xfrm>
           <a:prstGeom prst="rect">
             <a:avLst/>
@@ -9871,13 +9594,17 @@
           <a:noFill/>
         </p:spPr>
         <p:txBody>
-          <a:bodyPr wrap="square" rtlCol="0">
+          <a:bodyPr wrap="square">
             <a:spAutoFit/>
           </a:bodyPr>
           <a:lstStyle/>
           <a:p>
-            <a:r>
-              <a:rPr lang="en-US" sz="2000" b="1" i="1" dirty="0">
+            <a:pPr marL="285750" indent="-285750">
+              <a:buFont typeface="Arial" panose="020B0604020202020204" pitchFamily="34" charset="0"/>
+              <a:buChar char="•"/>
+            </a:pPr>
+            <a:r>
+              <a:rPr lang="en-US" sz="2400" dirty="0">
                 <a:solidFill>
                   <a:schemeClr val="bg1">
                     <a:lumMod val="75000"/>
@@ -9886,11 +9613,15 @@
                 <a:latin typeface="Arial" panose="020B0604020202020204" pitchFamily="34" charset="0"/>
                 <a:cs typeface="Arial" panose="020B0604020202020204" pitchFamily="34" charset="0"/>
               </a:rPr>
-              <a:t>What we did well:  </a:t>
-            </a:r>
-          </a:p>
-          <a:p>
-            <a:endParaRPr lang="en-US" sz="2000" dirty="0">
+              <a:t>What did we see?</a:t>
+            </a:r>
+          </a:p>
+          <a:p>
+            <a:pPr marL="285750" indent="-285750">
+              <a:buFont typeface="Arial" panose="020B0604020202020204" pitchFamily="34" charset="0"/>
+              <a:buChar char="•"/>
+            </a:pPr>
+            <a:endParaRPr lang="en-US" sz="2400" dirty="0">
               <a:solidFill>
                 <a:schemeClr val="bg1">
                   <a:lumMod val="75000"/>
@@ -9901,25 +9632,11 @@
             </a:endParaRPr>
           </a:p>
           <a:p>
-            <a:pPr marL="742950" lvl="1" indent="-285750">
+            <a:pPr marL="285750" indent="-285750">
               <a:buFont typeface="Arial" panose="020B0604020202020204" pitchFamily="34" charset="0"/>
               <a:buChar char="•"/>
             </a:pPr>
-            <a:r>
-              <a:rPr lang="en-US" sz="2000" dirty="0">
-                <a:solidFill>
-                  <a:schemeClr val="bg1">
-                    <a:lumMod val="75000"/>
-                  </a:schemeClr>
-                </a:solidFill>
-                <a:latin typeface="Arial" panose="020B0604020202020204" pitchFamily="34" charset="0"/>
-                <a:cs typeface="Arial" panose="020B0604020202020204" pitchFamily="34" charset="0"/>
-              </a:rPr>
-              <a:t>We successfully created a signal that tells the computer to buy or sell</a:t>
-            </a:r>
-          </a:p>
-          <a:p>
-            <a:endParaRPr lang="en-US" sz="2000" dirty="0">
+            <a:endParaRPr lang="en-US" sz="2400" dirty="0">
               <a:solidFill>
                 <a:schemeClr val="bg1">
                   <a:lumMod val="75000"/>
@@ -9930,7 +9647,29 @@
             </a:endParaRPr>
           </a:p>
           <a:p>
-            <a:endParaRPr lang="en-US" sz="2000" dirty="0">
+            <a:pPr marL="285750" indent="-285750">
+              <a:buFont typeface="Arial" panose="020B0604020202020204" pitchFamily="34" charset="0"/>
+              <a:buChar char="•"/>
+            </a:pPr>
+            <a:r>
+              <a:rPr lang="en-US" sz="2400" dirty="0">
+                <a:solidFill>
+                  <a:schemeClr val="bg1">
+                    <a:lumMod val="75000"/>
+                  </a:schemeClr>
+                </a:solidFill>
+                <a:latin typeface="Arial" panose="020B0604020202020204" pitchFamily="34" charset="0"/>
+                <a:cs typeface="Arial" panose="020B0604020202020204" pitchFamily="34" charset="0"/>
+              </a:rPr>
+              <a:t>Why did we see it? </a:t>
+            </a:r>
+          </a:p>
+          <a:p>
+            <a:pPr marL="285750" indent="-285750">
+              <a:buFont typeface="Arial" panose="020B0604020202020204" pitchFamily="34" charset="0"/>
+              <a:buChar char="•"/>
+            </a:pPr>
+            <a:endParaRPr lang="en-US" sz="2400" dirty="0">
               <a:solidFill>
                 <a:schemeClr val="bg1">
                   <a:lumMod val="75000"/>
@@ -9941,7 +9680,11 @@
             </a:endParaRPr>
           </a:p>
           <a:p>
-            <a:endParaRPr lang="en-US" sz="2000" b="1" i="1" dirty="0">
+            <a:pPr marL="285750" indent="-285750">
+              <a:buFont typeface="Arial" panose="020B0604020202020204" pitchFamily="34" charset="0"/>
+              <a:buChar char="•"/>
+            </a:pPr>
+            <a:endParaRPr lang="en-US" sz="2400" dirty="0">
               <a:solidFill>
                 <a:schemeClr val="bg1">
                   <a:lumMod val="75000"/>
@@ -9952,8 +9695,12 @@
             </a:endParaRPr>
           </a:p>
           <a:p>
-            <a:r>
-              <a:rPr lang="en-US" sz="2000" b="1" i="1" dirty="0">
+            <a:pPr marL="285750" indent="-285750">
+              <a:buFont typeface="Arial" panose="020B0604020202020204" pitchFamily="34" charset="0"/>
+              <a:buChar char="•"/>
+            </a:pPr>
+            <a:r>
+              <a:rPr lang="en-US" sz="2400" dirty="0">
                 <a:solidFill>
                   <a:schemeClr val="bg1">
                     <a:lumMod val="75000"/>
@@ -9962,15 +9709,15 @@
                 <a:latin typeface="Arial" panose="020B0604020202020204" pitchFamily="34" charset="0"/>
                 <a:cs typeface="Arial" panose="020B0604020202020204" pitchFamily="34" charset="0"/>
               </a:rPr>
-              <a:t>What we can do better:</a:t>
-            </a:r>
-          </a:p>
-          <a:p>
-            <a:pPr marL="742950" lvl="1" indent="-285750">
+              <a:t>Did we make money?</a:t>
+            </a:r>
+          </a:p>
+          <a:p>
+            <a:pPr marL="285750" indent="-285750">
               <a:buFont typeface="Arial" panose="020B0604020202020204" pitchFamily="34" charset="0"/>
               <a:buChar char="•"/>
             </a:pPr>
-            <a:endParaRPr lang="en-US" sz="2000" dirty="0">
+            <a:endParaRPr lang="en-US" sz="2400" dirty="0">
               <a:solidFill>
                 <a:schemeClr val="bg1">
                   <a:lumMod val="75000"/>
@@ -9981,25 +9728,11 @@
             </a:endParaRPr>
           </a:p>
           <a:p>
-            <a:pPr marL="742950" lvl="1" indent="-285750">
+            <a:pPr marL="285750" indent="-285750">
               <a:buFont typeface="Arial" panose="020B0604020202020204" pitchFamily="34" charset="0"/>
               <a:buChar char="•"/>
             </a:pPr>
-            <a:r>
-              <a:rPr lang="en-US" sz="2000" dirty="0">
-                <a:solidFill>
-                  <a:schemeClr val="bg1">
-                    <a:lumMod val="75000"/>
-                  </a:schemeClr>
-                </a:solidFill>
-                <a:latin typeface="Arial" panose="020B0604020202020204" pitchFamily="34" charset="0"/>
-                <a:cs typeface="Arial" panose="020B0604020202020204" pitchFamily="34" charset="0"/>
-              </a:rPr>
-              <a:t>Add more indicators and make the code do multiple stock analysis at the same time</a:t>
-            </a:r>
-          </a:p>
-          <a:p>
-            <a:endParaRPr lang="en-US" sz="2000" dirty="0">
+            <a:endParaRPr lang="en-US" sz="2400" dirty="0">
               <a:solidFill>
                 <a:schemeClr val="bg1">
                   <a:lumMod val="75000"/>
@@ -10010,7 +9743,25 @@
             </a:endParaRPr>
           </a:p>
           <a:p>
-            <a:endParaRPr lang="en-US" sz="2000" dirty="0">
+            <a:pPr marL="285750" indent="-285750">
+              <a:buFont typeface="Arial" panose="020B0604020202020204" pitchFamily="34" charset="0"/>
+              <a:buChar char="•"/>
+            </a:pPr>
+            <a:r>
+              <a:rPr lang="en-US" sz="2400" dirty="0">
+                <a:solidFill>
+                  <a:schemeClr val="bg1">
+                    <a:lumMod val="75000"/>
+                  </a:schemeClr>
+                </a:solidFill>
+                <a:latin typeface="Arial" panose="020B0604020202020204" pitchFamily="34" charset="0"/>
+                <a:cs typeface="Arial" panose="020B0604020202020204" pitchFamily="34" charset="0"/>
+              </a:rPr>
+              <a:t>Why did we make money or lose money?</a:t>
+            </a:r>
+          </a:p>
+          <a:p>
+            <a:endParaRPr lang="en-US" sz="1100" dirty="0">
               <a:solidFill>
                 <a:schemeClr val="bg1">
                   <a:lumMod val="85000"/>
@@ -10025,7 +9776,7 @@
     </p:spTree>
     <p:extLst>
       <p:ext uri="{BB962C8B-B14F-4D97-AF65-F5344CB8AC3E}">
-        <p14:creationId xmlns:p14="http://schemas.microsoft.com/office/powerpoint/2010/main" val="2524113624"/>
+        <p14:creationId xmlns:p14="http://schemas.microsoft.com/office/powerpoint/2010/main" val="817477383"/>
       </p:ext>
     </p:extLst>
   </p:cSld>
@@ -10648,6 +10399,530 @@
         <p:spPr>
           <a:xfrm>
             <a:off x="126205" y="541869"/>
+            <a:ext cx="5220941" cy="646331"/>
+          </a:xfrm>
+          <a:prstGeom prst="rect">
+            <a:avLst/>
+          </a:prstGeom>
+          <a:noFill/>
+        </p:spPr>
+        <p:txBody>
+          <a:bodyPr wrap="square">
+            <a:spAutoFit/>
+          </a:bodyPr>
+          <a:lstStyle/>
+          <a:p>
+            <a:pPr algn="r"/>
+            <a:r>
+              <a:rPr lang="en-US" sz="3600" dirty="0">
+                <a:solidFill>
+                  <a:schemeClr val="bg1"/>
+                </a:solidFill>
+                <a:latin typeface="Arial" panose="020B0604020202020204" pitchFamily="34" charset="0"/>
+                <a:cs typeface="Arial" panose="020B0604020202020204" pitchFamily="34" charset="0"/>
+              </a:rPr>
+              <a:t>Lessons Learned</a:t>
+            </a:r>
+          </a:p>
+        </p:txBody>
+      </p:sp>
+      <p:sp>
+        <p:nvSpPr>
+          <p:cNvPr id="6" name="TextBox 5">
+            <a:extLst>
+              <a:ext uri="{FF2B5EF4-FFF2-40B4-BE49-F238E27FC236}">
+                <a16:creationId xmlns:a16="http://schemas.microsoft.com/office/drawing/2014/main" id="{B31D4CA7-C4C5-98E5-6FA6-41CDEC2E70A7}"/>
+              </a:ext>
+            </a:extLst>
+          </p:cNvPr>
+          <p:cNvSpPr txBox="1"/>
+          <p:nvPr/>
+        </p:nvSpPr>
+        <p:spPr>
+          <a:xfrm>
+            <a:off x="7886700" y="112991"/>
+            <a:ext cx="4186239" cy="523220"/>
+          </a:xfrm>
+          <a:prstGeom prst="rect">
+            <a:avLst/>
+          </a:prstGeom>
+          <a:noFill/>
+        </p:spPr>
+        <p:txBody>
+          <a:bodyPr wrap="square" rtlCol="0">
+            <a:spAutoFit/>
+          </a:bodyPr>
+          <a:lstStyle/>
+          <a:p>
+            <a:pPr algn="r"/>
+            <a:r>
+              <a:rPr lang="en-US" sz="1400" i="1" dirty="0">
+                <a:solidFill>
+                  <a:schemeClr val="bg1">
+                    <a:lumMod val="75000"/>
+                  </a:schemeClr>
+                </a:solidFill>
+                <a:latin typeface="Arial" panose="020B0604020202020204" pitchFamily="34" charset="0"/>
+                <a:cs typeface="Arial" panose="020B0604020202020204" pitchFamily="34" charset="0"/>
+              </a:rPr>
+              <a:t>Briefer: Michael </a:t>
+            </a:r>
+            <a:r>
+              <a:rPr lang="en-US" sz="1400" i="1" dirty="0" err="1">
+                <a:solidFill>
+                  <a:schemeClr val="bg1">
+                    <a:lumMod val="75000"/>
+                  </a:schemeClr>
+                </a:solidFill>
+                <a:latin typeface="Arial" panose="020B0604020202020204" pitchFamily="34" charset="0"/>
+                <a:cs typeface="Arial" panose="020B0604020202020204" pitchFamily="34" charset="0"/>
+              </a:rPr>
+              <a:t>Drinkard</a:t>
+            </a:r>
+            <a:endParaRPr lang="en-US" sz="1400" i="1" dirty="0">
+              <a:solidFill>
+                <a:schemeClr val="bg1">
+                  <a:lumMod val="75000"/>
+                </a:schemeClr>
+              </a:solidFill>
+              <a:latin typeface="Arial" panose="020B0604020202020204" pitchFamily="34" charset="0"/>
+              <a:cs typeface="Arial" panose="020B0604020202020204" pitchFamily="34" charset="0"/>
+            </a:endParaRPr>
+          </a:p>
+          <a:p>
+            <a:pPr algn="r"/>
+            <a:endParaRPr lang="en-US" sz="1400" dirty="0">
+              <a:solidFill>
+                <a:schemeClr val="bg1"/>
+              </a:solidFill>
+              <a:latin typeface="Arial" panose="020B0604020202020204" pitchFamily="34" charset="0"/>
+              <a:cs typeface="Arial" panose="020B0604020202020204" pitchFamily="34" charset="0"/>
+            </a:endParaRPr>
+          </a:p>
+        </p:txBody>
+      </p:sp>
+      <p:sp>
+        <p:nvSpPr>
+          <p:cNvPr id="10" name="TextBox 9">
+            <a:extLst>
+              <a:ext uri="{FF2B5EF4-FFF2-40B4-BE49-F238E27FC236}">
+                <a16:creationId xmlns:a16="http://schemas.microsoft.com/office/drawing/2014/main" id="{BD950A60-DECC-F2E1-1C7F-BB10521448F5}"/>
+              </a:ext>
+            </a:extLst>
+          </p:cNvPr>
+          <p:cNvSpPr txBox="1"/>
+          <p:nvPr/>
+        </p:nvSpPr>
+        <p:spPr>
+          <a:xfrm>
+            <a:off x="870347" y="2150566"/>
+            <a:ext cx="11321654" cy="3477875"/>
+          </a:xfrm>
+          <a:prstGeom prst="rect">
+            <a:avLst/>
+          </a:prstGeom>
+          <a:noFill/>
+        </p:spPr>
+        <p:txBody>
+          <a:bodyPr wrap="square" rtlCol="0">
+            <a:spAutoFit/>
+          </a:bodyPr>
+          <a:lstStyle/>
+          <a:p>
+            <a:r>
+              <a:rPr lang="en-US" sz="2000" b="1" i="1" dirty="0">
+                <a:solidFill>
+                  <a:schemeClr val="bg1">
+                    <a:lumMod val="75000"/>
+                  </a:schemeClr>
+                </a:solidFill>
+                <a:latin typeface="Arial" panose="020B0604020202020204" pitchFamily="34" charset="0"/>
+                <a:cs typeface="Arial" panose="020B0604020202020204" pitchFamily="34" charset="0"/>
+              </a:rPr>
+              <a:t>What we did well:  </a:t>
+            </a:r>
+          </a:p>
+          <a:p>
+            <a:endParaRPr lang="en-US" sz="2000" dirty="0">
+              <a:solidFill>
+                <a:schemeClr val="bg1">
+                  <a:lumMod val="75000"/>
+                </a:schemeClr>
+              </a:solidFill>
+              <a:latin typeface="Arial" panose="020B0604020202020204" pitchFamily="34" charset="0"/>
+              <a:cs typeface="Arial" panose="020B0604020202020204" pitchFamily="34" charset="0"/>
+            </a:endParaRPr>
+          </a:p>
+          <a:p>
+            <a:pPr marL="742950" lvl="1" indent="-285750">
+              <a:buFont typeface="Arial" panose="020B0604020202020204" pitchFamily="34" charset="0"/>
+              <a:buChar char="•"/>
+            </a:pPr>
+            <a:r>
+              <a:rPr lang="en-US" sz="2000" dirty="0">
+                <a:solidFill>
+                  <a:schemeClr val="bg1">
+                    <a:lumMod val="75000"/>
+                  </a:schemeClr>
+                </a:solidFill>
+                <a:latin typeface="Arial" panose="020B0604020202020204" pitchFamily="34" charset="0"/>
+                <a:cs typeface="Arial" panose="020B0604020202020204" pitchFamily="34" charset="0"/>
+              </a:rPr>
+              <a:t>We successfully created a signal that tells the computer to buy or sell</a:t>
+            </a:r>
+          </a:p>
+          <a:p>
+            <a:endParaRPr lang="en-US" sz="2000" dirty="0">
+              <a:solidFill>
+                <a:schemeClr val="bg1">
+                  <a:lumMod val="75000"/>
+                </a:schemeClr>
+              </a:solidFill>
+              <a:latin typeface="Arial" panose="020B0604020202020204" pitchFamily="34" charset="0"/>
+              <a:cs typeface="Arial" panose="020B0604020202020204" pitchFamily="34" charset="0"/>
+            </a:endParaRPr>
+          </a:p>
+          <a:p>
+            <a:endParaRPr lang="en-US" sz="2000" dirty="0">
+              <a:solidFill>
+                <a:schemeClr val="bg1">
+                  <a:lumMod val="75000"/>
+                </a:schemeClr>
+              </a:solidFill>
+              <a:latin typeface="Arial" panose="020B0604020202020204" pitchFamily="34" charset="0"/>
+              <a:cs typeface="Arial" panose="020B0604020202020204" pitchFamily="34" charset="0"/>
+            </a:endParaRPr>
+          </a:p>
+          <a:p>
+            <a:endParaRPr lang="en-US" sz="2000" b="1" i="1" dirty="0">
+              <a:solidFill>
+                <a:schemeClr val="bg1">
+                  <a:lumMod val="75000"/>
+                </a:schemeClr>
+              </a:solidFill>
+              <a:latin typeface="Arial" panose="020B0604020202020204" pitchFamily="34" charset="0"/>
+              <a:cs typeface="Arial" panose="020B0604020202020204" pitchFamily="34" charset="0"/>
+            </a:endParaRPr>
+          </a:p>
+          <a:p>
+            <a:r>
+              <a:rPr lang="en-US" sz="2000" b="1" i="1" dirty="0">
+                <a:solidFill>
+                  <a:schemeClr val="bg1">
+                    <a:lumMod val="75000"/>
+                  </a:schemeClr>
+                </a:solidFill>
+                <a:latin typeface="Arial" panose="020B0604020202020204" pitchFamily="34" charset="0"/>
+                <a:cs typeface="Arial" panose="020B0604020202020204" pitchFamily="34" charset="0"/>
+              </a:rPr>
+              <a:t>What we can do better:</a:t>
+            </a:r>
+          </a:p>
+          <a:p>
+            <a:pPr marL="742950" lvl="1" indent="-285750">
+              <a:buFont typeface="Arial" panose="020B0604020202020204" pitchFamily="34" charset="0"/>
+              <a:buChar char="•"/>
+            </a:pPr>
+            <a:endParaRPr lang="en-US" sz="2000" dirty="0">
+              <a:solidFill>
+                <a:schemeClr val="bg1">
+                  <a:lumMod val="75000"/>
+                </a:schemeClr>
+              </a:solidFill>
+              <a:latin typeface="Arial" panose="020B0604020202020204" pitchFamily="34" charset="0"/>
+              <a:cs typeface="Arial" panose="020B0604020202020204" pitchFamily="34" charset="0"/>
+            </a:endParaRPr>
+          </a:p>
+          <a:p>
+            <a:pPr marL="742950" lvl="1" indent="-285750">
+              <a:buFont typeface="Arial" panose="020B0604020202020204" pitchFamily="34" charset="0"/>
+              <a:buChar char="•"/>
+            </a:pPr>
+            <a:r>
+              <a:rPr lang="en-US" sz="2000" dirty="0">
+                <a:solidFill>
+                  <a:schemeClr val="bg1">
+                    <a:lumMod val="75000"/>
+                  </a:schemeClr>
+                </a:solidFill>
+                <a:latin typeface="Arial" panose="020B0604020202020204" pitchFamily="34" charset="0"/>
+                <a:cs typeface="Arial" panose="020B0604020202020204" pitchFamily="34" charset="0"/>
+              </a:rPr>
+              <a:t>Add more indicators and make the code do multiple stock analysis at the same time</a:t>
+            </a:r>
+          </a:p>
+          <a:p>
+            <a:endParaRPr lang="en-US" sz="2000" dirty="0">
+              <a:solidFill>
+                <a:schemeClr val="bg1">
+                  <a:lumMod val="75000"/>
+                </a:schemeClr>
+              </a:solidFill>
+              <a:latin typeface="Arial" panose="020B0604020202020204" pitchFamily="34" charset="0"/>
+              <a:cs typeface="Arial" panose="020B0604020202020204" pitchFamily="34" charset="0"/>
+            </a:endParaRPr>
+          </a:p>
+          <a:p>
+            <a:endParaRPr lang="en-US" sz="2000" dirty="0">
+              <a:solidFill>
+                <a:schemeClr val="bg1">
+                  <a:lumMod val="85000"/>
+                </a:schemeClr>
+              </a:solidFill>
+              <a:latin typeface="Arial" panose="020B0604020202020204" pitchFamily="34" charset="0"/>
+              <a:cs typeface="Arial" panose="020B0604020202020204" pitchFamily="34" charset="0"/>
+            </a:endParaRPr>
+          </a:p>
+        </p:txBody>
+      </p:sp>
+    </p:spTree>
+    <p:extLst>
+      <p:ext uri="{BB962C8B-B14F-4D97-AF65-F5344CB8AC3E}">
+        <p14:creationId xmlns:p14="http://schemas.microsoft.com/office/powerpoint/2010/main" val="2524113624"/>
+      </p:ext>
+    </p:extLst>
+  </p:cSld>
+  <p:clrMapOvr>
+    <a:masterClrMapping/>
+  </p:clrMapOvr>
+</p:sld>
+</file>
+
+<file path=ppt/slides/slide21.xml><?xml version="1.0" encoding="utf-8"?>
+<p:sld xmlns:a="http://schemas.openxmlformats.org/drawingml/2006/main" xmlns:r="http://schemas.openxmlformats.org/officeDocument/2006/relationships" xmlns:p="http://schemas.openxmlformats.org/presentationml/2006/main">
+  <p:cSld>
+    <p:spTree>
+      <p:nvGrpSpPr>
+        <p:cNvPr id="1" name=""/>
+        <p:cNvGrpSpPr/>
+        <p:nvPr/>
+      </p:nvGrpSpPr>
+      <p:grpSpPr>
+        <a:xfrm>
+          <a:off x="0" y="0"/>
+          <a:ext cx="0" cy="0"/>
+          <a:chOff x="0" y="0"/>
+          <a:chExt cx="0" cy="0"/>
+        </a:xfrm>
+      </p:grpSpPr>
+      <p:sp>
+        <p:nvSpPr>
+          <p:cNvPr id="2" name="Title 1">
+            <a:extLst>
+              <a:ext uri="{FF2B5EF4-FFF2-40B4-BE49-F238E27FC236}">
+                <a16:creationId xmlns:a16="http://schemas.microsoft.com/office/drawing/2014/main" id="{2C01C7FB-7974-6495-C221-8D11C0475C24}"/>
+              </a:ext>
+            </a:extLst>
+          </p:cNvPr>
+          <p:cNvSpPr>
+            <a:spLocks noGrp="1"/>
+          </p:cNvSpPr>
+          <p:nvPr>
+            <p:ph type="title"/>
+          </p:nvPr>
+        </p:nvSpPr>
+        <p:spPr/>
+        <p:txBody>
+          <a:bodyPr/>
+          <a:lstStyle/>
+          <a:p>
+            <a:endParaRPr lang="en-US"/>
+          </a:p>
+        </p:txBody>
+      </p:sp>
+      <p:sp>
+        <p:nvSpPr>
+          <p:cNvPr id="3" name="Content Placeholder 2">
+            <a:extLst>
+              <a:ext uri="{FF2B5EF4-FFF2-40B4-BE49-F238E27FC236}">
+                <a16:creationId xmlns:a16="http://schemas.microsoft.com/office/drawing/2014/main" id="{4733FF64-B905-CF6F-BFC1-107D49805FEA}"/>
+              </a:ext>
+            </a:extLst>
+          </p:cNvPr>
+          <p:cNvSpPr>
+            <a:spLocks noGrp="1"/>
+          </p:cNvSpPr>
+          <p:nvPr>
+            <p:ph idx="1"/>
+          </p:nvPr>
+        </p:nvSpPr>
+        <p:spPr/>
+        <p:txBody>
+          <a:bodyPr/>
+          <a:lstStyle/>
+          <a:p>
+            <a:endParaRPr lang="en-US"/>
+          </a:p>
+        </p:txBody>
+      </p:sp>
+      <p:sp>
+        <p:nvSpPr>
+          <p:cNvPr id="4" name="Rectangle 3">
+            <a:extLst>
+              <a:ext uri="{FF2B5EF4-FFF2-40B4-BE49-F238E27FC236}">
+                <a16:creationId xmlns:a16="http://schemas.microsoft.com/office/drawing/2014/main" id="{1D65FFF8-FDBD-9E73-6E91-C79F67CA9122}"/>
+              </a:ext>
+            </a:extLst>
+          </p:cNvPr>
+          <p:cNvSpPr/>
+          <p:nvPr/>
+        </p:nvSpPr>
+        <p:spPr>
+          <a:xfrm>
+            <a:off x="0" y="0"/>
+            <a:ext cx="12192000" cy="6858000"/>
+          </a:xfrm>
+          <a:prstGeom prst="rect">
+            <a:avLst/>
+          </a:prstGeom>
+          <a:solidFill>
+            <a:schemeClr val="tx1"/>
+          </a:solidFill>
+          <a:ln>
+            <a:noFill/>
+          </a:ln>
+        </p:spPr>
+        <p:style>
+          <a:lnRef idx="2">
+            <a:schemeClr val="accent1">
+              <a:shade val="15000"/>
+            </a:schemeClr>
+          </a:lnRef>
+          <a:fillRef idx="1">
+            <a:schemeClr val="accent1"/>
+          </a:fillRef>
+          <a:effectRef idx="0">
+            <a:schemeClr val="accent1"/>
+          </a:effectRef>
+          <a:fontRef idx="minor">
+            <a:schemeClr val="lt1"/>
+          </a:fontRef>
+        </p:style>
+        <p:txBody>
+          <a:bodyPr rtlCol="0" anchor="ctr"/>
+          <a:lstStyle/>
+          <a:p>
+            <a:pPr algn="ctr"/>
+            <a:endParaRPr lang="en-US"/>
+          </a:p>
+        </p:txBody>
+      </p:sp>
+      <p:sp>
+        <p:nvSpPr>
+          <p:cNvPr id="5" name="Rectangle 4">
+            <a:extLst>
+              <a:ext uri="{FF2B5EF4-FFF2-40B4-BE49-F238E27FC236}">
+                <a16:creationId xmlns:a16="http://schemas.microsoft.com/office/drawing/2014/main" id="{03EBA741-66CB-37F4-E061-7AF35B5FC633}"/>
+              </a:ext>
+            </a:extLst>
+          </p:cNvPr>
+          <p:cNvSpPr/>
+          <p:nvPr/>
+        </p:nvSpPr>
+        <p:spPr>
+          <a:xfrm>
+            <a:off x="114300" y="128587"/>
+            <a:ext cx="11958638" cy="6600825"/>
+          </a:xfrm>
+          <a:prstGeom prst="rect">
+            <a:avLst/>
+          </a:prstGeom>
+          <a:solidFill>
+            <a:schemeClr val="tx1"/>
+          </a:solidFill>
+          <a:ln w="12700">
+            <a:solidFill>
+              <a:schemeClr val="accent2">
+                <a:lumMod val="75000"/>
+              </a:schemeClr>
+            </a:solidFill>
+          </a:ln>
+        </p:spPr>
+        <p:style>
+          <a:lnRef idx="2">
+            <a:schemeClr val="accent1">
+              <a:shade val="15000"/>
+            </a:schemeClr>
+          </a:lnRef>
+          <a:fillRef idx="1">
+            <a:schemeClr val="accent1"/>
+          </a:fillRef>
+          <a:effectRef idx="0">
+            <a:schemeClr val="accent1"/>
+          </a:effectRef>
+          <a:fontRef idx="minor">
+            <a:schemeClr val="lt1"/>
+          </a:fontRef>
+        </p:style>
+        <p:txBody>
+          <a:bodyPr rtlCol="0" anchor="ctr"/>
+          <a:lstStyle/>
+          <a:p>
+            <a:pPr algn="ctr"/>
+            <a:endParaRPr lang="en-US"/>
+          </a:p>
+        </p:txBody>
+      </p:sp>
+      <p:cxnSp>
+        <p:nvCxnSpPr>
+          <p:cNvPr id="9" name="Straight Connector 8">
+            <a:extLst>
+              <a:ext uri="{FF2B5EF4-FFF2-40B4-BE49-F238E27FC236}">
+                <a16:creationId xmlns:a16="http://schemas.microsoft.com/office/drawing/2014/main" id="{1AC673B1-26F6-4416-3E21-C88A8DB70859}"/>
+              </a:ext>
+            </a:extLst>
+          </p:cNvPr>
+          <p:cNvCxnSpPr>
+            <a:cxnSpLocks/>
+          </p:cNvCxnSpPr>
+          <p:nvPr/>
+        </p:nvCxnSpPr>
+        <p:spPr>
+          <a:xfrm>
+            <a:off x="126206" y="1285868"/>
+            <a:ext cx="5220940" cy="11802"/>
+          </a:xfrm>
+          <a:prstGeom prst="line">
+            <a:avLst/>
+          </a:prstGeom>
+          <a:ln w="12700">
+            <a:solidFill>
+              <a:schemeClr val="accent2">
+                <a:lumMod val="75000"/>
+              </a:schemeClr>
+            </a:solidFill>
+          </a:ln>
+        </p:spPr>
+        <p:style>
+          <a:lnRef idx="1">
+            <a:schemeClr val="accent1"/>
+          </a:lnRef>
+          <a:fillRef idx="0">
+            <a:schemeClr val="accent1"/>
+          </a:fillRef>
+          <a:effectRef idx="0">
+            <a:schemeClr val="accent1"/>
+          </a:effectRef>
+          <a:fontRef idx="minor">
+            <a:schemeClr val="tx1"/>
+          </a:fontRef>
+        </p:style>
+      </p:cxnSp>
+      <p:sp>
+        <p:nvSpPr>
+          <p:cNvPr id="11" name="TextBox 10">
+            <a:extLst>
+              <a:ext uri="{FF2B5EF4-FFF2-40B4-BE49-F238E27FC236}">
+                <a16:creationId xmlns:a16="http://schemas.microsoft.com/office/drawing/2014/main" id="{7196FC43-75B8-DCA5-B6C2-A2B4E1C6188B}"/>
+              </a:ext>
+            </a:extLst>
+          </p:cNvPr>
+          <p:cNvSpPr txBox="1"/>
+          <p:nvPr/>
+        </p:nvSpPr>
+        <p:spPr>
+          <a:xfrm>
+            <a:off x="126205" y="541869"/>
             <a:ext cx="5220941" cy="707886"/>
           </a:xfrm>
           <a:prstGeom prst="rect">
@@ -10853,7 +11128,7 @@
 </p:sld>
 </file>
 
-<file path=ppt/slides/slide21.xml><?xml version="1.0" encoding="utf-8"?>
+<file path=ppt/slides/slide22.xml><?xml version="1.0" encoding="utf-8"?>
 <p:sld xmlns:a="http://schemas.openxmlformats.org/drawingml/2006/main" xmlns:r="http://schemas.openxmlformats.org/officeDocument/2006/relationships" xmlns:p="http://schemas.openxmlformats.org/presentationml/2006/main">
   <p:cSld>
     <p:spTree>

--- a/MACD_Indicators_Group_2.pptx
+++ b/MACD_Indicators_Group_2.pptx
@@ -10,8 +10,8 @@
   <p:sldIdLst>
     <p:sldId id="256" r:id="rId2"/>
     <p:sldId id="257" r:id="rId3"/>
-    <p:sldId id="258" r:id="rId4"/>
-    <p:sldId id="259" r:id="rId5"/>
+    <p:sldId id="259" r:id="rId4"/>
+    <p:sldId id="258" r:id="rId5"/>
     <p:sldId id="268" r:id="rId6"/>
     <p:sldId id="275" r:id="rId7"/>
     <p:sldId id="261" r:id="rId8"/>
@@ -529,6 +529,28 @@
           <a:bodyPr/>
           <a:lstStyle/>
           <a:p>
+            <a:pPr marL="285750" indent="-285750">
+              <a:buFont typeface="Arial" panose="020B0604020202020204" pitchFamily="34" charset="0"/>
+              <a:buChar char="•"/>
+            </a:pPr>
+            <a:br>
+              <a:rPr lang="en-US" dirty="0">
+                <a:solidFill>
+                  <a:schemeClr val="bg1">
+                    <a:lumMod val="75000"/>
+                  </a:schemeClr>
+                </a:solidFill>
+              </a:rPr>
+            </a:br>
+            <a:endParaRPr lang="en-US" dirty="0">
+              <a:solidFill>
+                <a:schemeClr val="bg1">
+                  <a:lumMod val="75000"/>
+                </a:schemeClr>
+              </a:solidFill>
+            </a:endParaRPr>
+          </a:p>
+          <a:p>
             <a:endParaRPr lang="en-US" dirty="0"/>
           </a:p>
         </p:txBody>
@@ -559,7 +581,7 @@
     </p:spTree>
     <p:extLst>
       <p:ext uri="{BB962C8B-B14F-4D97-AF65-F5344CB8AC3E}">
-        <p14:creationId xmlns:p14="http://schemas.microsoft.com/office/powerpoint/2010/main" val="2569627304"/>
+        <p14:creationId xmlns:p14="http://schemas.microsoft.com/office/powerpoint/2010/main" val="3074608467"/>
       </p:ext>
     </p:extLst>
   </p:cSld>
@@ -613,28 +635,6 @@
           <a:bodyPr/>
           <a:lstStyle/>
           <a:p>
-            <a:pPr marL="285750" indent="-285750">
-              <a:buFont typeface="Arial" panose="020B0604020202020204" pitchFamily="34" charset="0"/>
-              <a:buChar char="•"/>
-            </a:pPr>
-            <a:br>
-              <a:rPr lang="en-US" dirty="0">
-                <a:solidFill>
-                  <a:schemeClr val="bg1">
-                    <a:lumMod val="75000"/>
-                  </a:schemeClr>
-                </a:solidFill>
-              </a:rPr>
-            </a:br>
-            <a:endParaRPr lang="en-US" dirty="0">
-              <a:solidFill>
-                <a:schemeClr val="bg1">
-                  <a:lumMod val="75000"/>
-                </a:schemeClr>
-              </a:solidFill>
-            </a:endParaRPr>
-          </a:p>
-          <a:p>
             <a:endParaRPr lang="en-US" dirty="0"/>
           </a:p>
         </p:txBody>
@@ -665,7 +665,7 @@
     </p:spTree>
     <p:extLst>
       <p:ext uri="{BB962C8B-B14F-4D97-AF65-F5344CB8AC3E}">
-        <p14:creationId xmlns:p14="http://schemas.microsoft.com/office/powerpoint/2010/main" val="3074608467"/>
+        <p14:creationId xmlns:p14="http://schemas.microsoft.com/office/powerpoint/2010/main" val="2569627304"/>
       </p:ext>
     </p:extLst>
   </p:cSld>
@@ -11615,17 +11615,173 @@
                 <a:latin typeface="Arial" panose="020B0604020202020204" pitchFamily="34" charset="0"/>
                 <a:cs typeface="Arial" panose="020B0604020202020204" pitchFamily="34" charset="0"/>
               </a:rPr>
-              <a:t>Terms Defined</a:t>
-            </a:r>
-          </a:p>
-        </p:txBody>
-      </p:sp>
-      <p:sp>
-        <p:nvSpPr>
-          <p:cNvPr id="13" name="TextBox 12">
-            <a:extLst>
-              <a:ext uri="{FF2B5EF4-FFF2-40B4-BE49-F238E27FC236}">
-                <a16:creationId xmlns:a16="http://schemas.microsoft.com/office/drawing/2014/main" id="{C6953872-7153-48AC-A7C8-56CD5742EB34}"/>
+              <a:t>Frame the Problem</a:t>
+            </a:r>
+          </a:p>
+        </p:txBody>
+      </p:sp>
+      <p:sp>
+        <p:nvSpPr>
+          <p:cNvPr id="8" name="TextBox 7">
+            <a:extLst>
+              <a:ext uri="{FF2B5EF4-FFF2-40B4-BE49-F238E27FC236}">
+                <a16:creationId xmlns:a16="http://schemas.microsoft.com/office/drawing/2014/main" id="{A52CF821-9288-CE2D-732A-450345E1ED3B}"/>
+              </a:ext>
+            </a:extLst>
+          </p:cNvPr>
+          <p:cNvSpPr txBox="1"/>
+          <p:nvPr/>
+        </p:nvSpPr>
+        <p:spPr>
+          <a:xfrm>
+            <a:off x="2819397" y="2213313"/>
+            <a:ext cx="6924676" cy="2862322"/>
+          </a:xfrm>
+          <a:prstGeom prst="rect">
+            <a:avLst/>
+          </a:prstGeom>
+          <a:noFill/>
+        </p:spPr>
+        <p:txBody>
+          <a:bodyPr wrap="square">
+            <a:spAutoFit/>
+          </a:bodyPr>
+          <a:lstStyle/>
+          <a:p>
+            <a:pPr marL="285750" indent="-285750">
+              <a:buFont typeface="Arial" panose="020B0604020202020204" pitchFamily="34" charset="0"/>
+              <a:buChar char="•"/>
+            </a:pPr>
+            <a:r>
+              <a:rPr lang="en-US" b="0" i="0" dirty="0">
+                <a:solidFill>
+                  <a:schemeClr val="bg1">
+                    <a:lumMod val="75000"/>
+                  </a:schemeClr>
+                </a:solidFill>
+                <a:effectLst/>
+                <a:latin typeface="Arial" panose="020B0604020202020204" pitchFamily="34" charset="0"/>
+                <a:cs typeface="Arial" panose="020B0604020202020204" pitchFamily="34" charset="0"/>
+              </a:rPr>
+              <a:t>Our project aims at establishing security trading recommendations depending on moving average convergence and divergence, using exponential moving averages of closing prices of time series data frame.</a:t>
+            </a:r>
+          </a:p>
+          <a:p>
+            <a:endParaRPr lang="en-US" b="0" i="0" dirty="0">
+              <a:solidFill>
+                <a:schemeClr val="bg1">
+                  <a:lumMod val="75000"/>
+                </a:schemeClr>
+              </a:solidFill>
+              <a:effectLst/>
+              <a:latin typeface="Arial" panose="020B0604020202020204" pitchFamily="34" charset="0"/>
+              <a:cs typeface="Arial" panose="020B0604020202020204" pitchFamily="34" charset="0"/>
+            </a:endParaRPr>
+          </a:p>
+          <a:p>
+            <a:pPr marL="285750" indent="-285750">
+              <a:buFont typeface="Arial" panose="020B0604020202020204" pitchFamily="34" charset="0"/>
+              <a:buChar char="•"/>
+            </a:pPr>
+            <a:r>
+              <a:rPr lang="en-US" b="0" i="0" dirty="0">
+                <a:solidFill>
+                  <a:schemeClr val="bg1">
+                    <a:lumMod val="75000"/>
+                  </a:schemeClr>
+                </a:solidFill>
+                <a:effectLst/>
+                <a:latin typeface="Arial" panose="020B0604020202020204" pitchFamily="34" charset="0"/>
+                <a:cs typeface="Arial" panose="020B0604020202020204" pitchFamily="34" charset="0"/>
+              </a:rPr>
+              <a:t>The “MACD</a:t>
+            </a:r>
+            <a:r>
+              <a:rPr lang="en-US" dirty="0">
+                <a:solidFill>
+                  <a:schemeClr val="bg1">
+                    <a:lumMod val="75000"/>
+                  </a:schemeClr>
+                </a:solidFill>
+                <a:latin typeface="Arial" panose="020B0604020202020204" pitchFamily="34" charset="0"/>
+                <a:cs typeface="Arial" panose="020B0604020202020204" pitchFamily="34" charset="0"/>
+              </a:rPr>
+              <a:t>”</a:t>
+            </a:r>
+            <a:r>
+              <a:rPr lang="en-US" b="0" i="0" dirty="0">
+                <a:solidFill>
+                  <a:schemeClr val="bg1">
+                    <a:lumMod val="75000"/>
+                  </a:schemeClr>
+                </a:solidFill>
+                <a:effectLst/>
+                <a:latin typeface="Arial" panose="020B0604020202020204" pitchFamily="34" charset="0"/>
+                <a:cs typeface="Arial" panose="020B0604020202020204" pitchFamily="34" charset="0"/>
+              </a:rPr>
+              <a:t> is a popular technical indicator used in trading and investing to identify potential  trend reversals, generate buy or sell signals, and  assess the overall momentum of an asset.</a:t>
+            </a:r>
+            <a:endParaRPr lang="en-US" dirty="0">
+              <a:solidFill>
+                <a:schemeClr val="bg1">
+                  <a:lumMod val="75000"/>
+                </a:schemeClr>
+              </a:solidFill>
+              <a:latin typeface="Arial" panose="020B0604020202020204" pitchFamily="34" charset="0"/>
+              <a:cs typeface="Arial" panose="020B0604020202020204" pitchFamily="34" charset="0"/>
+            </a:endParaRPr>
+          </a:p>
+          <a:p>
+            <a:r>
+              <a:rPr lang="en-US" dirty="0">
+                <a:solidFill>
+                  <a:schemeClr val="bg1">
+                    <a:lumMod val="75000"/>
+                  </a:schemeClr>
+                </a:solidFill>
+                <a:latin typeface="Arial" panose="020B0604020202020204" pitchFamily="34" charset="0"/>
+                <a:cs typeface="Arial" panose="020B0604020202020204" pitchFamily="34" charset="0"/>
+              </a:rPr>
+              <a:t>     </a:t>
+            </a:r>
+            <a:r>
+              <a:rPr lang="en-US" b="0" dirty="0">
+                <a:solidFill>
+                  <a:schemeClr val="bg1">
+                    <a:lumMod val="75000"/>
+                  </a:schemeClr>
+                </a:solidFill>
+                <a:effectLst/>
+                <a:latin typeface="Arial" panose="020B0604020202020204" pitchFamily="34" charset="0"/>
+                <a:cs typeface="Arial" panose="020B0604020202020204" pitchFamily="34" charset="0"/>
+              </a:rPr>
+              <a:t>It  consists of two lines: the MACD line and the signal line.</a:t>
+            </a:r>
+            <a:br>
+              <a:rPr lang="en-US" dirty="0">
+                <a:solidFill>
+                  <a:schemeClr val="bg1">
+                    <a:lumMod val="75000"/>
+                  </a:schemeClr>
+                </a:solidFill>
+              </a:rPr>
+            </a:br>
+            <a:endParaRPr lang="en-US" dirty="0">
+              <a:solidFill>
+                <a:schemeClr val="bg1">
+                  <a:lumMod val="75000"/>
+                </a:schemeClr>
+              </a:solidFill>
+            </a:endParaRPr>
+          </a:p>
+        </p:txBody>
+      </p:sp>
+      <p:sp>
+        <p:nvSpPr>
+          <p:cNvPr id="10" name="TextBox 9">
+            <a:extLst>
+              <a:ext uri="{FF2B5EF4-FFF2-40B4-BE49-F238E27FC236}">
+                <a16:creationId xmlns:a16="http://schemas.microsoft.com/office/drawing/2014/main" id="{991DB775-62CE-BC9F-AD32-1DEE38E317B0}"/>
               </a:ext>
             </a:extLst>
           </p:cNvPr>
@@ -11674,275 +11830,10 @@
           </a:p>
         </p:txBody>
       </p:sp>
-      <p:sp>
-        <p:nvSpPr>
-          <p:cNvPr id="7" name="TextBox 6">
-            <a:extLst>
-              <a:ext uri="{FF2B5EF4-FFF2-40B4-BE49-F238E27FC236}">
-                <a16:creationId xmlns:a16="http://schemas.microsoft.com/office/drawing/2014/main" id="{C4DAEBEA-FD9A-DB8D-F134-7A2EA15C144B}"/>
-              </a:ext>
-            </a:extLst>
-          </p:cNvPr>
-          <p:cNvSpPr txBox="1"/>
-          <p:nvPr/>
-        </p:nvSpPr>
-        <p:spPr>
-          <a:xfrm>
-            <a:off x="838200" y="1967021"/>
-            <a:ext cx="10945368" cy="4031873"/>
-          </a:xfrm>
-          <a:prstGeom prst="rect">
-            <a:avLst/>
-          </a:prstGeom>
-          <a:noFill/>
-        </p:spPr>
-        <p:txBody>
-          <a:bodyPr wrap="square">
-            <a:spAutoFit/>
-          </a:bodyPr>
-          <a:lstStyle/>
-          <a:p>
-            <a:r>
-              <a:rPr lang="en-US" sz="1600" b="1" i="0" dirty="0">
-                <a:solidFill>
-                  <a:srgbClr val="00B0F0"/>
-                </a:solidFill>
-                <a:effectLst/>
-                <a:latin typeface="Arial" panose="020B0604020202020204" pitchFamily="34" charset="0"/>
-                <a:cs typeface="Arial" panose="020B0604020202020204" pitchFamily="34" charset="0"/>
-              </a:rPr>
-              <a:t>Moving Average Convergence and Divergence (MACD):  </a:t>
-            </a:r>
-            <a:r>
-              <a:rPr lang="en-US" sz="1600" b="0" i="0" dirty="0">
-                <a:solidFill>
-                  <a:schemeClr val="bg1">
-                    <a:lumMod val="75000"/>
-                  </a:schemeClr>
-                </a:solidFill>
-                <a:effectLst/>
-                <a:latin typeface="Roboto" panose="02000000000000000000" pitchFamily="2" charset="0"/>
-              </a:rPr>
-              <a:t>a trend-following momentum indicator that shows the relationship between two exponential moving averages (EMAs) of a security's price</a:t>
-            </a:r>
-          </a:p>
-          <a:p>
-            <a:endParaRPr lang="en-US" sz="1600" dirty="0">
-              <a:solidFill>
-                <a:schemeClr val="bg1">
-                  <a:lumMod val="75000"/>
-                </a:schemeClr>
-              </a:solidFill>
-              <a:latin typeface="Roboto" panose="02000000000000000000" pitchFamily="2" charset="0"/>
-            </a:endParaRPr>
-          </a:p>
-          <a:p>
-            <a:endParaRPr lang="en-US" sz="1600" dirty="0">
-              <a:solidFill>
-                <a:srgbClr val="00B0F0"/>
-              </a:solidFill>
-              <a:latin typeface="Arial" panose="020B0604020202020204" pitchFamily="34" charset="0"/>
-              <a:cs typeface="Arial" panose="020B0604020202020204" pitchFamily="34" charset="0"/>
-            </a:endParaRPr>
-          </a:p>
-          <a:p>
-            <a:r>
-              <a:rPr lang="en-US" sz="1600" b="1" dirty="0">
-                <a:solidFill>
-                  <a:srgbClr val="00B0F0"/>
-                </a:solidFill>
-                <a:latin typeface="Arial" panose="020B0604020202020204" pitchFamily="34" charset="0"/>
-                <a:cs typeface="Arial" panose="020B0604020202020204" pitchFamily="34" charset="0"/>
-              </a:rPr>
-              <a:t>Exponentially Weighted Moving Average (EWMA):  </a:t>
-            </a:r>
-            <a:r>
-              <a:rPr lang="en-US" sz="1600" dirty="0">
-                <a:solidFill>
-                  <a:schemeClr val="bg1">
-                    <a:lumMod val="75000"/>
-                  </a:schemeClr>
-                </a:solidFill>
-                <a:latin typeface="Arial" panose="020B0604020202020204" pitchFamily="34" charset="0"/>
-                <a:cs typeface="Arial" panose="020B0604020202020204" pitchFamily="34" charset="0"/>
-              </a:rPr>
-              <a:t>quantitative/statistical measure used to model a time series</a:t>
-            </a:r>
-            <a:endParaRPr lang="en-US" sz="1600" b="0" i="0" dirty="0">
-              <a:solidFill>
-                <a:srgbClr val="636E72"/>
-              </a:solidFill>
-              <a:effectLst/>
-              <a:latin typeface="Inter"/>
-            </a:endParaRPr>
-          </a:p>
-          <a:p>
-            <a:endParaRPr lang="en-US" sz="1600" dirty="0">
-              <a:solidFill>
-                <a:schemeClr val="bg1">
-                  <a:lumMod val="75000"/>
-                </a:schemeClr>
-              </a:solidFill>
-              <a:latin typeface="Arial" panose="020B0604020202020204" pitchFamily="34" charset="0"/>
-              <a:cs typeface="Arial" panose="020B0604020202020204" pitchFamily="34" charset="0"/>
-            </a:endParaRPr>
-          </a:p>
-          <a:p>
-            <a:endParaRPr lang="en-US" sz="1600" b="1" dirty="0">
-              <a:solidFill>
-                <a:schemeClr val="bg1">
-                  <a:lumMod val="75000"/>
-                </a:schemeClr>
-              </a:solidFill>
-              <a:latin typeface="Arial" panose="020B0604020202020204" pitchFamily="34" charset="0"/>
-              <a:cs typeface="Arial" panose="020B0604020202020204" pitchFamily="34" charset="0"/>
-            </a:endParaRPr>
-          </a:p>
-          <a:p>
-            <a:r>
-              <a:rPr lang="en-US" sz="1600" b="1" dirty="0">
-                <a:solidFill>
-                  <a:srgbClr val="00B0F0"/>
-                </a:solidFill>
-                <a:latin typeface="Arial" panose="020B0604020202020204" pitchFamily="34" charset="0"/>
-                <a:cs typeface="Arial" panose="020B0604020202020204" pitchFamily="34" charset="0"/>
-              </a:rPr>
-              <a:t>Signal line:  </a:t>
-            </a:r>
-            <a:r>
-              <a:rPr lang="en-US" sz="1600" dirty="0">
-                <a:solidFill>
-                  <a:schemeClr val="bg1">
-                    <a:lumMod val="75000"/>
-                  </a:schemeClr>
-                </a:solidFill>
-                <a:latin typeface="Arial" panose="020B0604020202020204" pitchFamily="34" charset="0"/>
-                <a:cs typeface="Arial" panose="020B0604020202020204" pitchFamily="34" charset="0"/>
-              </a:rPr>
-              <a:t>a nine-period EMA of the MACD line; n</a:t>
-            </a:r>
-            <a:r>
-              <a:rPr lang="en-US" sz="1600" dirty="0">
-                <a:solidFill>
-                  <a:schemeClr val="bg1">
-                    <a:lumMod val="75000"/>
-                  </a:schemeClr>
-                </a:solidFill>
-                <a:latin typeface="Roboto" panose="02000000000000000000" pitchFamily="2" charset="0"/>
-              </a:rPr>
-              <a:t>ormally consist of moving averages used in combination with other technical indicators to generate buy or sell signals</a:t>
-            </a:r>
-          </a:p>
-          <a:p>
-            <a:endParaRPr lang="en-US" sz="1600" dirty="0">
-              <a:solidFill>
-                <a:schemeClr val="bg1">
-                  <a:lumMod val="75000"/>
-                </a:schemeClr>
-              </a:solidFill>
-              <a:latin typeface="Arial" panose="020B0604020202020204" pitchFamily="34" charset="0"/>
-              <a:cs typeface="Arial" panose="020B0604020202020204" pitchFamily="34" charset="0"/>
-            </a:endParaRPr>
-          </a:p>
-          <a:p>
-            <a:endParaRPr lang="en-US" sz="1600" b="1" dirty="0">
-              <a:solidFill>
-                <a:schemeClr val="bg1">
-                  <a:lumMod val="75000"/>
-                </a:schemeClr>
-              </a:solidFill>
-              <a:latin typeface="Arial" panose="020B0604020202020204" pitchFamily="34" charset="0"/>
-              <a:cs typeface="Arial" panose="020B0604020202020204" pitchFamily="34" charset="0"/>
-            </a:endParaRPr>
-          </a:p>
-          <a:p>
-            <a:r>
-              <a:rPr lang="en-US" sz="1600" b="1" dirty="0">
-                <a:solidFill>
-                  <a:srgbClr val="00B0F0"/>
-                </a:solidFill>
-                <a:latin typeface="Arial" panose="020B0604020202020204" pitchFamily="34" charset="0"/>
-                <a:cs typeface="Arial" panose="020B0604020202020204" pitchFamily="34" charset="0"/>
-              </a:rPr>
-              <a:t>Short – “shorting” / “short selling”: </a:t>
-            </a:r>
-            <a:r>
-              <a:rPr lang="en-US" sz="1600" dirty="0">
-                <a:solidFill>
-                  <a:schemeClr val="bg1">
-                    <a:lumMod val="75000"/>
-                  </a:schemeClr>
-                </a:solidFill>
-                <a:latin typeface="Arial" panose="020B0604020202020204" pitchFamily="34" charset="0"/>
-                <a:cs typeface="Arial" panose="020B0604020202020204" pitchFamily="34" charset="0"/>
-              </a:rPr>
-              <a:t>an investment or trading strategy that speculates on the decline in a stock price; involves borrowing a security whose price you think is going to fall from your brokerage and selling</a:t>
-            </a:r>
-          </a:p>
-          <a:p>
-            <a:endParaRPr lang="en-US" sz="1600" b="1" dirty="0">
-              <a:solidFill>
-                <a:schemeClr val="bg1">
-                  <a:lumMod val="75000"/>
-                </a:schemeClr>
-              </a:solidFill>
-              <a:latin typeface="Arial" panose="020B0604020202020204" pitchFamily="34" charset="0"/>
-              <a:cs typeface="Arial" panose="020B0604020202020204" pitchFamily="34" charset="0"/>
-            </a:endParaRPr>
-          </a:p>
-          <a:p>
-            <a:endParaRPr lang="en-US" sz="1600" b="1" dirty="0">
-              <a:solidFill>
-                <a:schemeClr val="bg1">
-                  <a:lumMod val="75000"/>
-                </a:schemeClr>
-              </a:solidFill>
-              <a:latin typeface="Arial" panose="020B0604020202020204" pitchFamily="34" charset="0"/>
-              <a:cs typeface="Arial" panose="020B0604020202020204" pitchFamily="34" charset="0"/>
-            </a:endParaRPr>
-          </a:p>
-          <a:p>
-            <a:r>
-              <a:rPr lang="en-US" sz="1600" b="1" dirty="0">
-                <a:solidFill>
-                  <a:srgbClr val="00B0F0"/>
-                </a:solidFill>
-                <a:latin typeface="Arial" panose="020B0604020202020204" pitchFamily="34" charset="0"/>
-                <a:cs typeface="Arial" panose="020B0604020202020204" pitchFamily="34" charset="0"/>
-              </a:rPr>
-              <a:t>Long – “taking a long position”:  </a:t>
-            </a:r>
-            <a:r>
-              <a:rPr lang="en-US" sz="1600" b="1" dirty="0">
-                <a:solidFill>
-                  <a:schemeClr val="bg1">
-                    <a:lumMod val="75000"/>
-                  </a:schemeClr>
-                </a:solidFill>
-                <a:latin typeface="Arial" panose="020B0604020202020204" pitchFamily="34" charset="0"/>
-                <a:cs typeface="Arial" panose="020B0604020202020204" pitchFamily="34" charset="0"/>
-              </a:rPr>
-              <a:t>h</a:t>
-            </a:r>
-            <a:r>
-              <a:rPr lang="en-US" sz="1600" dirty="0">
-                <a:solidFill>
-                  <a:schemeClr val="bg1">
-                    <a:lumMod val="75000"/>
-                  </a:schemeClr>
-                </a:solidFill>
-                <a:latin typeface="Arial" panose="020B0604020202020204" pitchFamily="34" charset="0"/>
-                <a:cs typeface="Arial" panose="020B0604020202020204" pitchFamily="34" charset="0"/>
-              </a:rPr>
-              <a:t>aving a “long” position in a security means that you own the security</a:t>
-            </a:r>
-          </a:p>
-        </p:txBody>
-      </p:sp>
     </p:spTree>
     <p:extLst>
       <p:ext uri="{BB962C8B-B14F-4D97-AF65-F5344CB8AC3E}">
-        <p14:creationId xmlns:p14="http://schemas.microsoft.com/office/powerpoint/2010/main" val="743792969"/>
+        <p14:creationId xmlns:p14="http://schemas.microsoft.com/office/powerpoint/2010/main" val="1689103088"/>
       </p:ext>
     </p:extLst>
   </p:cSld>
@@ -12209,17 +12100,17 @@
                 <a:latin typeface="Arial" panose="020B0604020202020204" pitchFamily="34" charset="0"/>
                 <a:cs typeface="Arial" panose="020B0604020202020204" pitchFamily="34" charset="0"/>
               </a:rPr>
-              <a:t>Frame the Problem</a:t>
-            </a:r>
-          </a:p>
-        </p:txBody>
-      </p:sp>
-      <p:sp>
-        <p:nvSpPr>
-          <p:cNvPr id="8" name="TextBox 7">
-            <a:extLst>
-              <a:ext uri="{FF2B5EF4-FFF2-40B4-BE49-F238E27FC236}">
-                <a16:creationId xmlns:a16="http://schemas.microsoft.com/office/drawing/2014/main" id="{A52CF821-9288-CE2D-732A-450345E1ED3B}"/>
+              <a:t>Terms Defined</a:t>
+            </a:r>
+          </a:p>
+        </p:txBody>
+      </p:sp>
+      <p:sp>
+        <p:nvSpPr>
+          <p:cNvPr id="13" name="TextBox 12">
+            <a:extLst>
+              <a:ext uri="{FF2B5EF4-FFF2-40B4-BE49-F238E27FC236}">
+                <a16:creationId xmlns:a16="http://schemas.microsoft.com/office/drawing/2014/main" id="{C6953872-7153-48AC-A7C8-56CD5742EB34}"/>
               </a:ext>
             </a:extLst>
           </p:cNvPr>
@@ -12228,8 +12119,62 @@
         </p:nvSpPr>
         <p:spPr>
           <a:xfrm>
-            <a:off x="2819397" y="2213313"/>
-            <a:ext cx="6924676" cy="2862322"/>
+            <a:off x="7886700" y="112991"/>
+            <a:ext cx="4186239" cy="523220"/>
+          </a:xfrm>
+          <a:prstGeom prst="rect">
+            <a:avLst/>
+          </a:prstGeom>
+          <a:noFill/>
+        </p:spPr>
+        <p:txBody>
+          <a:bodyPr wrap="square" rtlCol="0">
+            <a:spAutoFit/>
+          </a:bodyPr>
+          <a:lstStyle/>
+          <a:p>
+            <a:pPr algn="r"/>
+            <a:r>
+              <a:rPr lang="en-US" sz="1400" i="1" dirty="0">
+                <a:solidFill>
+                  <a:schemeClr val="bg1">
+                    <a:lumMod val="75000"/>
+                  </a:schemeClr>
+                </a:solidFill>
+                <a:latin typeface="Arial" panose="020B0604020202020204" pitchFamily="34" charset="0"/>
+                <a:cs typeface="Arial" panose="020B0604020202020204" pitchFamily="34" charset="0"/>
+              </a:rPr>
+              <a:t>Briefer: Erin O’Leary</a:t>
+            </a:r>
+          </a:p>
+          <a:p>
+            <a:pPr algn="r"/>
+            <a:endParaRPr lang="en-US" sz="1400" dirty="0">
+              <a:solidFill>
+                <a:schemeClr val="bg1"/>
+              </a:solidFill>
+              <a:latin typeface="Arial" panose="020B0604020202020204" pitchFamily="34" charset="0"/>
+              <a:cs typeface="Arial" panose="020B0604020202020204" pitchFamily="34" charset="0"/>
+            </a:endParaRPr>
+          </a:p>
+        </p:txBody>
+      </p:sp>
+      <p:sp>
+        <p:nvSpPr>
+          <p:cNvPr id="7" name="TextBox 6">
+            <a:extLst>
+              <a:ext uri="{FF2B5EF4-FFF2-40B4-BE49-F238E27FC236}">
+                <a16:creationId xmlns:a16="http://schemas.microsoft.com/office/drawing/2014/main" id="{C4DAEBEA-FD9A-DB8D-F134-7A2EA15C144B}"/>
+              </a:ext>
+            </a:extLst>
+          </p:cNvPr>
+          <p:cNvSpPr txBox="1"/>
+          <p:nvPr/>
+        </p:nvSpPr>
+        <p:spPr>
+          <a:xfrm>
+            <a:off x="838200" y="1967021"/>
+            <a:ext cx="10945368" cy="4031873"/>
           </a:xfrm>
           <a:prstGeom prst="rect">
             <a:avLst/>
@@ -12242,80 +12187,82 @@
           </a:bodyPr>
           <a:lstStyle/>
           <a:p>
-            <a:pPr marL="285750" indent="-285750">
-              <a:buFont typeface="Arial" panose="020B0604020202020204" pitchFamily="34" charset="0"/>
-              <a:buChar char="•"/>
-            </a:pPr>
-            <a:r>
-              <a:rPr lang="en-US" b="0" i="0" dirty="0">
+            <a:r>
+              <a:rPr lang="en-US" sz="1600" b="1" i="0" dirty="0">
+                <a:solidFill>
+                  <a:srgbClr val="00B0F0"/>
+                </a:solidFill>
+                <a:effectLst/>
+                <a:latin typeface="Arial" panose="020B0604020202020204" pitchFamily="34" charset="0"/>
+                <a:cs typeface="Arial" panose="020B0604020202020204" pitchFamily="34" charset="0"/>
+              </a:rPr>
+              <a:t>Moving Average Convergence and Divergence (MACD):  </a:t>
+            </a:r>
+            <a:r>
+              <a:rPr lang="en-US" sz="1600" b="0" i="0" dirty="0">
                 <a:solidFill>
                   <a:schemeClr val="bg1">
                     <a:lumMod val="75000"/>
                   </a:schemeClr>
                 </a:solidFill>
                 <a:effectLst/>
-                <a:latin typeface="Arial" panose="020B0604020202020204" pitchFamily="34" charset="0"/>
-                <a:cs typeface="Arial" panose="020B0604020202020204" pitchFamily="34" charset="0"/>
-              </a:rPr>
-              <a:t>Our project aims at establishing security trading recommendations depending on moving average convergence and divergence, using exponential moving averages of closing prices of time series data frame.</a:t>
-            </a:r>
-          </a:p>
-          <a:p>
-            <a:endParaRPr lang="en-US" b="0" i="0" dirty="0">
+                <a:latin typeface="Roboto" panose="02000000000000000000" pitchFamily="2" charset="0"/>
+              </a:rPr>
+              <a:t>a trend-following momentum indicator that shows the relationship between two exponential moving averages (EMAs) of a security's price</a:t>
+            </a:r>
+          </a:p>
+          <a:p>
+            <a:endParaRPr lang="en-US" sz="1600" dirty="0">
               <a:solidFill>
                 <a:schemeClr val="bg1">
                   <a:lumMod val="75000"/>
                 </a:schemeClr>
               </a:solidFill>
-              <a:effectLst/>
+              <a:latin typeface="Roboto" panose="02000000000000000000" pitchFamily="2" charset="0"/>
+            </a:endParaRPr>
+          </a:p>
+          <a:p>
+            <a:endParaRPr lang="en-US" sz="1600" dirty="0">
+              <a:solidFill>
+                <a:srgbClr val="00B0F0"/>
+              </a:solidFill>
               <a:latin typeface="Arial" panose="020B0604020202020204" pitchFamily="34" charset="0"/>
               <a:cs typeface="Arial" panose="020B0604020202020204" pitchFamily="34" charset="0"/>
             </a:endParaRPr>
           </a:p>
           <a:p>
-            <a:pPr marL="285750" indent="-285750">
-              <a:buFont typeface="Arial" panose="020B0604020202020204" pitchFamily="34" charset="0"/>
-              <a:buChar char="•"/>
-            </a:pPr>
-            <a:r>
-              <a:rPr lang="en-US" b="0" i="0" dirty="0">
+            <a:r>
+              <a:rPr lang="en-US" sz="1600" b="1" dirty="0">
+                <a:solidFill>
+                  <a:srgbClr val="00B0F0"/>
+                </a:solidFill>
+                <a:latin typeface="Arial" panose="020B0604020202020204" pitchFamily="34" charset="0"/>
+                <a:cs typeface="Arial" panose="020B0604020202020204" pitchFamily="34" charset="0"/>
+              </a:rPr>
+              <a:t>Exponentially Weighted Moving Average (EWMA):  </a:t>
+            </a:r>
+            <a:r>
+              <a:rPr lang="en-US" sz="1600" dirty="0">
                 <a:solidFill>
                   <a:schemeClr val="bg1">
                     <a:lumMod val="75000"/>
                   </a:schemeClr>
                 </a:solidFill>
-                <a:effectLst/>
                 <a:latin typeface="Arial" panose="020B0604020202020204" pitchFamily="34" charset="0"/>
                 <a:cs typeface="Arial" panose="020B0604020202020204" pitchFamily="34" charset="0"/>
               </a:rPr>
-              <a:t>The “MACD</a:t>
-            </a:r>
-            <a:r>
-              <a:rPr lang="en-US" dirty="0">
-                <a:solidFill>
-                  <a:schemeClr val="bg1">
-                    <a:lumMod val="75000"/>
-                  </a:schemeClr>
-                </a:solidFill>
-                <a:latin typeface="Arial" panose="020B0604020202020204" pitchFamily="34" charset="0"/>
-                <a:cs typeface="Arial" panose="020B0604020202020204" pitchFamily="34" charset="0"/>
-              </a:rPr>
-              <a:t>”</a:t>
-            </a:r>
-            <a:r>
-              <a:rPr lang="en-US" b="0" i="0" dirty="0">
-                <a:solidFill>
-                  <a:schemeClr val="bg1">
-                    <a:lumMod val="75000"/>
-                  </a:schemeClr>
-                </a:solidFill>
-                <a:effectLst/>
-                <a:latin typeface="Arial" panose="020B0604020202020204" pitchFamily="34" charset="0"/>
-                <a:cs typeface="Arial" panose="020B0604020202020204" pitchFamily="34" charset="0"/>
-              </a:rPr>
-              <a:t> is a popular technical indicator used in trading and investing to identify potential  trend reversals, generate buy or sell signals, and  assess the overall momentum of an asset.</a:t>
-            </a:r>
-            <a:endParaRPr lang="en-US" dirty="0">
+              <a:t>quantitative/statistical measure used to model a time series</a:t>
+            </a:r>
+            <a:endParaRPr lang="en-US" sz="1600" b="0" i="0" dirty="0">
+              <a:solidFill>
+                <a:srgbClr val="636E72"/>
+              </a:solidFill>
+              <a:effectLst/>
+              <a:latin typeface="Inter"/>
+            </a:endParaRPr>
+          </a:p>
+          <a:p>
+            <a:endParaRPr lang="en-US" sz="1600" dirty="0">
               <a:solidFill>
                 <a:schemeClr val="bg1">
                   <a:lumMod val="75000"/>
@@ -12326,81 +12273,29 @@
             </a:endParaRPr>
           </a:p>
           <a:p>
-            <a:r>
-              <a:rPr lang="en-US" dirty="0">
-                <a:solidFill>
-                  <a:schemeClr val="bg1">
-                    <a:lumMod val="75000"/>
-                  </a:schemeClr>
-                </a:solidFill>
-                <a:latin typeface="Arial" panose="020B0604020202020204" pitchFamily="34" charset="0"/>
-                <a:cs typeface="Arial" panose="020B0604020202020204" pitchFamily="34" charset="0"/>
-              </a:rPr>
-              <a:t>     </a:t>
-            </a:r>
-            <a:r>
-              <a:rPr lang="en-US" b="0" dirty="0">
-                <a:solidFill>
-                  <a:schemeClr val="bg1">
-                    <a:lumMod val="75000"/>
-                  </a:schemeClr>
-                </a:solidFill>
-                <a:effectLst/>
-                <a:latin typeface="Arial" panose="020B0604020202020204" pitchFamily="34" charset="0"/>
-                <a:cs typeface="Arial" panose="020B0604020202020204" pitchFamily="34" charset="0"/>
-              </a:rPr>
-              <a:t>It  consists of two lines: the MACD line and the signal line.</a:t>
-            </a:r>
-            <a:br>
-              <a:rPr lang="en-US" dirty="0">
-                <a:solidFill>
-                  <a:schemeClr val="bg1">
-                    <a:lumMod val="75000"/>
-                  </a:schemeClr>
-                </a:solidFill>
-              </a:rPr>
-            </a:br>
-            <a:endParaRPr lang="en-US" dirty="0">
+            <a:endParaRPr lang="en-US" sz="1600" b="1" dirty="0">
               <a:solidFill>
                 <a:schemeClr val="bg1">
                   <a:lumMod val="75000"/>
                 </a:schemeClr>
               </a:solidFill>
+              <a:latin typeface="Arial" panose="020B0604020202020204" pitchFamily="34" charset="0"/>
+              <a:cs typeface="Arial" panose="020B0604020202020204" pitchFamily="34" charset="0"/>
             </a:endParaRPr>
           </a:p>
-        </p:txBody>
-      </p:sp>
-      <p:sp>
-        <p:nvSpPr>
-          <p:cNvPr id="10" name="TextBox 9">
-            <a:extLst>
-              <a:ext uri="{FF2B5EF4-FFF2-40B4-BE49-F238E27FC236}">
-                <a16:creationId xmlns:a16="http://schemas.microsoft.com/office/drawing/2014/main" id="{991DB775-62CE-BC9F-AD32-1DEE38E317B0}"/>
-              </a:ext>
-            </a:extLst>
-          </p:cNvPr>
-          <p:cNvSpPr txBox="1"/>
-          <p:nvPr/>
-        </p:nvSpPr>
-        <p:spPr>
-          <a:xfrm>
-            <a:off x="7886700" y="112991"/>
-            <a:ext cx="4186239" cy="523220"/>
-          </a:xfrm>
-          <a:prstGeom prst="rect">
-            <a:avLst/>
-          </a:prstGeom>
-          <a:noFill/>
-        </p:spPr>
-        <p:txBody>
-          <a:bodyPr wrap="square" rtlCol="0">
-            <a:spAutoFit/>
-          </a:bodyPr>
-          <a:lstStyle/>
-          <a:p>
-            <a:pPr algn="r"/>
-            <a:r>
-              <a:rPr lang="en-US" sz="1400" i="1" dirty="0">
+          <a:p>
+            <a:r>
+              <a:rPr lang="en-US" sz="1600" b="1" dirty="0">
+                <a:solidFill>
+                  <a:srgbClr val="00B0F0"/>
+                </a:solidFill>
+                <a:latin typeface="Arial" panose="020B0604020202020204" pitchFamily="34" charset="0"/>
+                <a:cs typeface="Arial" panose="020B0604020202020204" pitchFamily="34" charset="0"/>
+              </a:rPr>
+              <a:t>Signal line:  </a:t>
+            </a:r>
+            <a:r>
+              <a:rPr lang="en-US" sz="1600" dirty="0">
                 <a:solidFill>
                   <a:schemeClr val="bg1">
                     <a:lumMod val="75000"/>
@@ -12409,25 +12304,130 @@
                 <a:latin typeface="Arial" panose="020B0604020202020204" pitchFamily="34" charset="0"/>
                 <a:cs typeface="Arial" panose="020B0604020202020204" pitchFamily="34" charset="0"/>
               </a:rPr>
-              <a:t>Briefer: Erin O’Leary</a:t>
-            </a:r>
-          </a:p>
-          <a:p>
-            <a:pPr algn="r"/>
-            <a:endParaRPr lang="en-US" sz="1400" dirty="0">
+              <a:t>a nine-period EMA of the MACD line; n</a:t>
+            </a:r>
+            <a:r>
+              <a:rPr lang="en-US" sz="1600" dirty="0">
+                <a:solidFill>
+                  <a:schemeClr val="bg1">
+                    <a:lumMod val="75000"/>
+                  </a:schemeClr>
+                </a:solidFill>
+                <a:latin typeface="Roboto" panose="02000000000000000000" pitchFamily="2" charset="0"/>
+              </a:rPr>
+              <a:t>ormally consist of moving averages used in combination with other technical indicators to generate buy or sell signals</a:t>
+            </a:r>
+          </a:p>
+          <a:p>
+            <a:endParaRPr lang="en-US" sz="1600" dirty="0">
               <a:solidFill>
-                <a:schemeClr val="bg1"/>
+                <a:schemeClr val="bg1">
+                  <a:lumMod val="75000"/>
+                </a:schemeClr>
               </a:solidFill>
               <a:latin typeface="Arial" panose="020B0604020202020204" pitchFamily="34" charset="0"/>
               <a:cs typeface="Arial" panose="020B0604020202020204" pitchFamily="34" charset="0"/>
             </a:endParaRPr>
           </a:p>
+          <a:p>
+            <a:endParaRPr lang="en-US" sz="1600" b="1" dirty="0">
+              <a:solidFill>
+                <a:schemeClr val="bg1">
+                  <a:lumMod val="75000"/>
+                </a:schemeClr>
+              </a:solidFill>
+              <a:latin typeface="Arial" panose="020B0604020202020204" pitchFamily="34" charset="0"/>
+              <a:cs typeface="Arial" panose="020B0604020202020204" pitchFamily="34" charset="0"/>
+            </a:endParaRPr>
+          </a:p>
+          <a:p>
+            <a:r>
+              <a:rPr lang="en-US" sz="1600" b="1" dirty="0">
+                <a:solidFill>
+                  <a:srgbClr val="00B0F0"/>
+                </a:solidFill>
+                <a:latin typeface="Arial" panose="020B0604020202020204" pitchFamily="34" charset="0"/>
+                <a:cs typeface="Arial" panose="020B0604020202020204" pitchFamily="34" charset="0"/>
+              </a:rPr>
+              <a:t>Short – “shorting” / “short selling”: </a:t>
+            </a:r>
+            <a:r>
+              <a:rPr lang="en-US" sz="1600" dirty="0">
+                <a:solidFill>
+                  <a:schemeClr val="bg1">
+                    <a:lumMod val="75000"/>
+                  </a:schemeClr>
+                </a:solidFill>
+                <a:latin typeface="Arial" panose="020B0604020202020204" pitchFamily="34" charset="0"/>
+                <a:cs typeface="Arial" panose="020B0604020202020204" pitchFamily="34" charset="0"/>
+              </a:rPr>
+              <a:t>an investment or trading strategy that speculates on the decline in a stock price; involves borrowing a security whose price you think is going to fall from your brokerage and selling</a:t>
+            </a:r>
+          </a:p>
+          <a:p>
+            <a:endParaRPr lang="en-US" sz="1600" b="1" dirty="0">
+              <a:solidFill>
+                <a:schemeClr val="bg1">
+                  <a:lumMod val="75000"/>
+                </a:schemeClr>
+              </a:solidFill>
+              <a:latin typeface="Arial" panose="020B0604020202020204" pitchFamily="34" charset="0"/>
+              <a:cs typeface="Arial" panose="020B0604020202020204" pitchFamily="34" charset="0"/>
+            </a:endParaRPr>
+          </a:p>
+          <a:p>
+            <a:endParaRPr lang="en-US" sz="1600" b="1" dirty="0">
+              <a:solidFill>
+                <a:schemeClr val="bg1">
+                  <a:lumMod val="75000"/>
+                </a:schemeClr>
+              </a:solidFill>
+              <a:latin typeface="Arial" panose="020B0604020202020204" pitchFamily="34" charset="0"/>
+              <a:cs typeface="Arial" panose="020B0604020202020204" pitchFamily="34" charset="0"/>
+            </a:endParaRPr>
+          </a:p>
+          <a:p>
+            <a:r>
+              <a:rPr lang="en-US" sz="1600" b="1" dirty="0">
+                <a:solidFill>
+                  <a:srgbClr val="00B0F0"/>
+                </a:solidFill>
+                <a:latin typeface="Arial" panose="020B0604020202020204" pitchFamily="34" charset="0"/>
+                <a:cs typeface="Arial" panose="020B0604020202020204" pitchFamily="34" charset="0"/>
+              </a:rPr>
+              <a:t>Long – “taking a long position”:  </a:t>
+            </a:r>
+            <a:r>
+              <a:rPr lang="en-US" sz="1600" b="1" dirty="0">
+                <a:solidFill>
+                  <a:schemeClr val="bg1">
+                    <a:lumMod val="75000"/>
+                  </a:schemeClr>
+                </a:solidFill>
+                <a:latin typeface="Arial" panose="020B0604020202020204" pitchFamily="34" charset="0"/>
+                <a:cs typeface="Arial" panose="020B0604020202020204" pitchFamily="34" charset="0"/>
+              </a:rPr>
+              <a:t>h</a:t>
+            </a:r>
+            <a:r>
+              <a:rPr lang="en-US" sz="1600" dirty="0">
+                <a:solidFill>
+                  <a:schemeClr val="bg1">
+                    <a:lumMod val="75000"/>
+                  </a:schemeClr>
+                </a:solidFill>
+                <a:latin typeface="Arial" panose="020B0604020202020204" pitchFamily="34" charset="0"/>
+                <a:cs typeface="Arial" panose="020B0604020202020204" pitchFamily="34" charset="0"/>
+              </a:rPr>
+              <a:t>aving a “long” position in a security means that you own the security</a:t>
+            </a:r>
+          </a:p>
         </p:txBody>
       </p:sp>
     </p:spTree>
     <p:extLst>
       <p:ext uri="{BB962C8B-B14F-4D97-AF65-F5344CB8AC3E}">
-        <p14:creationId xmlns:p14="http://schemas.microsoft.com/office/powerpoint/2010/main" val="1689103088"/>
+        <p14:creationId xmlns:p14="http://schemas.microsoft.com/office/powerpoint/2010/main" val="743792969"/>
       </p:ext>
     </p:extLst>
   </p:cSld>

--- a/MACD_Indicators_Group_2.pptx
+++ b/MACD_Indicators_Group_2.pptx
@@ -7774,8 +7774,29 @@
                 <a:latin typeface="Arial" panose="020B0604020202020204" pitchFamily="34" charset="0"/>
                 <a:cs typeface="Arial" panose="020B0604020202020204" pitchFamily="34" charset="0"/>
               </a:rPr>
-              <a:t>Briefer: Ryan Stowers</a:t>
-            </a:r>
+              <a:t>Briefer: Michael </a:t>
+            </a:r>
+            <a:r>
+              <a:rPr lang="en-US" sz="1400" i="1" dirty="0" err="1">
+                <a:solidFill>
+                  <a:schemeClr val="bg1">
+                    <a:lumMod val="75000"/>
+                  </a:schemeClr>
+                </a:solidFill>
+                <a:latin typeface="Arial" panose="020B0604020202020204" pitchFamily="34" charset="0"/>
+                <a:cs typeface="Arial" panose="020B0604020202020204" pitchFamily="34" charset="0"/>
+              </a:rPr>
+              <a:t>Drinkard</a:t>
+            </a:r>
+            <a:endParaRPr lang="en-US" sz="1400" i="1" dirty="0">
+              <a:solidFill>
+                <a:schemeClr val="bg1">
+                  <a:lumMod val="75000"/>
+                </a:schemeClr>
+              </a:solidFill>
+              <a:latin typeface="Arial" panose="020B0604020202020204" pitchFamily="34" charset="0"/>
+              <a:cs typeface="Arial" panose="020B0604020202020204" pitchFamily="34" charset="0"/>
+            </a:endParaRPr>
           </a:p>
           <a:p>
             <a:pPr algn="r"/>
@@ -8176,8 +8197,29 @@
                 <a:latin typeface="Arial" panose="020B0604020202020204" pitchFamily="34" charset="0"/>
                 <a:cs typeface="Arial" panose="020B0604020202020204" pitchFamily="34" charset="0"/>
               </a:rPr>
-              <a:t>Briefer: Ryan Stowers</a:t>
-            </a:r>
+              <a:t>Briefer: Michael </a:t>
+            </a:r>
+            <a:r>
+              <a:rPr lang="en-US" sz="1400" i="1" dirty="0" err="1">
+                <a:solidFill>
+                  <a:schemeClr val="bg1">
+                    <a:lumMod val="75000"/>
+                  </a:schemeClr>
+                </a:solidFill>
+                <a:latin typeface="Arial" panose="020B0604020202020204" pitchFamily="34" charset="0"/>
+                <a:cs typeface="Arial" panose="020B0604020202020204" pitchFamily="34" charset="0"/>
+              </a:rPr>
+              <a:t>Drinkard</a:t>
+            </a:r>
+            <a:endParaRPr lang="en-US" sz="1400" i="1" dirty="0">
+              <a:solidFill>
+                <a:schemeClr val="bg1">
+                  <a:lumMod val="75000"/>
+                </a:schemeClr>
+              </a:solidFill>
+              <a:latin typeface="Arial" panose="020B0604020202020204" pitchFamily="34" charset="0"/>
+              <a:cs typeface="Arial" panose="020B0604020202020204" pitchFamily="34" charset="0"/>
+            </a:endParaRPr>
           </a:p>
           <a:p>
             <a:pPr algn="r"/>
@@ -8278,7 +8320,7 @@
 </file>
 
 <file path=ppt/slides/slide17.xml><?xml version="1.0" encoding="utf-8"?>
-<p:sld xmlns:a="http://schemas.openxmlformats.org/drawingml/2006/main" xmlns:r="http://schemas.openxmlformats.org/officeDocument/2006/relationships" xmlns:p="http://schemas.openxmlformats.org/presentationml/2006/main">
+<p:sld xmlns:a="http://schemas.openxmlformats.org/drawingml/2006/main" xmlns:r="http://schemas.openxmlformats.org/officeDocument/2006/relationships" xmlns:p="http://schemas.openxmlformats.org/presentationml/2006/main" show="0">
   <p:cSld>
     <p:spTree>
       <p:nvGrpSpPr>

--- a/MACD_Indicators_Group_2.pptx
+++ b/MACD_Indicators_Group_2.pptx
@@ -24,9 +24,9 @@
     <p:sldId id="270" r:id="rId15"/>
     <p:sldId id="262" r:id="rId16"/>
     <p:sldId id="274" r:id="rId17"/>
-    <p:sldId id="280" r:id="rId18"/>
-    <p:sldId id="273" r:id="rId19"/>
-    <p:sldId id="266" r:id="rId20"/>
+    <p:sldId id="281" r:id="rId18"/>
+    <p:sldId id="280" r:id="rId19"/>
+    <p:sldId id="273" r:id="rId20"/>
     <p:sldId id="263" r:id="rId21"/>
     <p:sldId id="264" r:id="rId22"/>
     <p:sldId id="265" r:id="rId23"/>
@@ -8320,7 +8320,7 @@
 </file>
 
 <file path=ppt/slides/slide17.xml><?xml version="1.0" encoding="utf-8"?>
-<p:sld xmlns:a="http://schemas.openxmlformats.org/drawingml/2006/main" xmlns:r="http://schemas.openxmlformats.org/officeDocument/2006/relationships" xmlns:p="http://schemas.openxmlformats.org/presentationml/2006/main" show="0">
+<p:sld xmlns:a="http://schemas.openxmlformats.org/drawingml/2006/main" xmlns:r="http://schemas.openxmlformats.org/officeDocument/2006/relationships" xmlns:p="http://schemas.openxmlformats.org/presentationml/2006/main">
   <p:cSld>
     <p:spTree>
       <p:nvGrpSpPr>
@@ -8620,8 +8620,29 @@
                 <a:latin typeface="Arial" panose="020B0604020202020204" pitchFamily="34" charset="0"/>
                 <a:cs typeface="Arial" panose="020B0604020202020204" pitchFamily="34" charset="0"/>
               </a:rPr>
-              <a:t>Briefer: Ryan Stowers</a:t>
-            </a:r>
+              <a:t>Briefer: Michael </a:t>
+            </a:r>
+            <a:r>
+              <a:rPr lang="en-US" sz="1400" i="1" dirty="0" err="1">
+                <a:solidFill>
+                  <a:schemeClr val="bg1">
+                    <a:lumMod val="75000"/>
+                  </a:schemeClr>
+                </a:solidFill>
+                <a:latin typeface="Arial" panose="020B0604020202020204" pitchFamily="34" charset="0"/>
+                <a:cs typeface="Arial" panose="020B0604020202020204" pitchFamily="34" charset="0"/>
+              </a:rPr>
+              <a:t>Drinkard</a:t>
+            </a:r>
+            <a:endParaRPr lang="en-US" sz="1400" i="1" dirty="0">
+              <a:solidFill>
+                <a:schemeClr val="bg1">
+                  <a:lumMod val="75000"/>
+                </a:schemeClr>
+              </a:solidFill>
+              <a:latin typeface="Arial" panose="020B0604020202020204" pitchFamily="34" charset="0"/>
+              <a:cs typeface="Arial" panose="020B0604020202020204" pitchFamily="34" charset="0"/>
+            </a:endParaRPr>
           </a:p>
           <a:p>
             <a:pPr algn="r"/>
@@ -8673,45 +8694,94 @@
                 <a:latin typeface="Arial" panose="020B0604020202020204" pitchFamily="34" charset="0"/>
                 <a:cs typeface="Arial" panose="020B0604020202020204" pitchFamily="34" charset="0"/>
               </a:rPr>
-              <a:t>This is the signal line. We start off buying at the open, then when the MACD line pass the signal line we sell because the signal line is indicating a downwards trend.</a:t>
-            </a:r>
-          </a:p>
-        </p:txBody>
-      </p:sp>
-      <p:pic>
-        <p:nvPicPr>
-          <p:cNvPr id="7" name="Picture 6">
-            <a:extLst>
-              <a:ext uri="{FF2B5EF4-FFF2-40B4-BE49-F238E27FC236}">
-                <a16:creationId xmlns:a16="http://schemas.microsoft.com/office/drawing/2014/main" id="{F58A42AF-9850-CA0C-37A2-61780B2D26F5}"/>
-              </a:ext>
-            </a:extLst>
-          </p:cNvPr>
-          <p:cNvPicPr>
-            <a:picLocks noChangeAspect="1"/>
-          </p:cNvPicPr>
+              <a:t>This is a short example of what the trades look like as time stamps.  We start off buying at the open, then when the MACD line pass the signal line we sell because the signal line is indicating a downwards trend.</a:t>
+            </a:r>
+          </a:p>
+        </p:txBody>
+      </p:sp>
+      <p:grpSp>
+        <p:nvGrpSpPr>
+          <p:cNvPr id="16" name="Group 15">
+            <a:extLst>
+              <a:ext uri="{FF2B5EF4-FFF2-40B4-BE49-F238E27FC236}">
+                <a16:creationId xmlns:a16="http://schemas.microsoft.com/office/drawing/2014/main" id="{821680B3-8D51-7FC1-831C-79328DD68062}"/>
+              </a:ext>
+            </a:extLst>
+          </p:cNvPr>
+          <p:cNvGrpSpPr/>
           <p:nvPr/>
-        </p:nvPicPr>
-        <p:blipFill>
-          <a:blip r:embed="rId2"/>
-          <a:stretch>
-            <a:fillRect/>
-          </a:stretch>
-        </p:blipFill>
-        <p:spPr>
-          <a:xfrm>
-            <a:off x="2312435" y="2012951"/>
-            <a:ext cx="7430208" cy="4621227"/>
-          </a:xfrm>
-          <a:prstGeom prst="rect">
-            <a:avLst/>
-          </a:prstGeom>
-        </p:spPr>
-      </p:pic>
+        </p:nvGrpSpPr>
+        <p:grpSpPr>
+          <a:xfrm>
+            <a:off x="1001592" y="2636332"/>
+            <a:ext cx="10155740" cy="3032686"/>
+            <a:chOff x="1298772" y="2899222"/>
+            <a:chExt cx="10155740" cy="3032686"/>
+          </a:xfrm>
+        </p:grpSpPr>
+        <p:pic>
+          <p:nvPicPr>
+            <p:cNvPr id="7" name="Picture 6">
+              <a:extLst>
+                <a:ext uri="{FF2B5EF4-FFF2-40B4-BE49-F238E27FC236}">
+                  <a16:creationId xmlns:a16="http://schemas.microsoft.com/office/drawing/2014/main" id="{571CE30E-10EA-AC7B-6C0A-FAF8F7208729}"/>
+                </a:ext>
+              </a:extLst>
+            </p:cNvPr>
+            <p:cNvPicPr>
+              <a:picLocks noChangeAspect="1"/>
+            </p:cNvPicPr>
+            <p:nvPr/>
+          </p:nvPicPr>
+          <p:blipFill rotWithShape="1">
+            <a:blip r:embed="rId2"/>
+            <a:srcRect t="2399"/>
+            <a:stretch/>
+          </p:blipFill>
+          <p:spPr>
+            <a:xfrm>
+              <a:off x="1298772" y="2899222"/>
+              <a:ext cx="7402009" cy="3032685"/>
+            </a:xfrm>
+            <a:prstGeom prst="rect">
+              <a:avLst/>
+            </a:prstGeom>
+          </p:spPr>
+        </p:pic>
+        <p:pic>
+          <p:nvPicPr>
+            <p:cNvPr id="14" name="Picture 13">
+              <a:extLst>
+                <a:ext uri="{FF2B5EF4-FFF2-40B4-BE49-F238E27FC236}">
+                  <a16:creationId xmlns:a16="http://schemas.microsoft.com/office/drawing/2014/main" id="{E29454FD-0812-3AFC-6B9B-3567DCB761A1}"/>
+                </a:ext>
+              </a:extLst>
+            </p:cNvPr>
+            <p:cNvPicPr>
+              <a:picLocks noChangeAspect="1"/>
+            </p:cNvPicPr>
+            <p:nvPr/>
+          </p:nvPicPr>
+          <p:blipFill rotWithShape="1">
+            <a:blip r:embed="rId3"/>
+            <a:srcRect l="4277" t="1038" b="846"/>
+            <a:stretch/>
+          </p:blipFill>
+          <p:spPr>
+            <a:xfrm>
+              <a:off x="8698229" y="2899222"/>
+              <a:ext cx="2756283" cy="3032686"/>
+            </a:xfrm>
+            <a:prstGeom prst="rect">
+              <a:avLst/>
+            </a:prstGeom>
+          </p:spPr>
+        </p:pic>
+      </p:grpSp>
     </p:spTree>
     <p:extLst>
       <p:ext uri="{BB962C8B-B14F-4D97-AF65-F5344CB8AC3E}">
-        <p14:creationId xmlns:p14="http://schemas.microsoft.com/office/powerpoint/2010/main" val="1598778529"/>
+        <p14:creationId xmlns:p14="http://schemas.microsoft.com/office/powerpoint/2010/main" val="3530953962"/>
       </p:ext>
     </p:extLst>
   </p:cSld>
@@ -8985,147 +9055,6 @@
       </p:sp>
       <p:sp>
         <p:nvSpPr>
-          <p:cNvPr id="7" name="TextBox 6">
-            <a:extLst>
-              <a:ext uri="{FF2B5EF4-FFF2-40B4-BE49-F238E27FC236}">
-                <a16:creationId xmlns:a16="http://schemas.microsoft.com/office/drawing/2014/main" id="{24C484EF-37A4-616D-7805-4B1637442430}"/>
-              </a:ext>
-            </a:extLst>
-          </p:cNvPr>
-          <p:cNvSpPr txBox="1"/>
-          <p:nvPr/>
-        </p:nvSpPr>
-        <p:spPr>
-          <a:xfrm>
-            <a:off x="-3525441" y="3306927"/>
-            <a:ext cx="3406379" cy="1477328"/>
-          </a:xfrm>
-          <a:prstGeom prst="rect">
-            <a:avLst/>
-          </a:prstGeom>
-          <a:noFill/>
-        </p:spPr>
-        <p:txBody>
-          <a:bodyPr wrap="square">
-            <a:spAutoFit/>
-          </a:bodyPr>
-          <a:lstStyle/>
-          <a:p>
-            <a:pPr algn="l"/>
-            <a:r>
-              <a:rPr lang="en-US" b="0" i="0" dirty="0">
-                <a:solidFill>
-                  <a:schemeClr val="bg1"/>
-                </a:solidFill>
-                <a:effectLst/>
-                <a:latin typeface="Slack-Lato"/>
-              </a:rPr>
-              <a:t>Analysis – Michael[SPY] Ryan[AAPL]</a:t>
-            </a:r>
-            <a:br>
-              <a:rPr lang="en-US" b="0" i="0" dirty="0">
-                <a:solidFill>
-                  <a:schemeClr val="bg1"/>
-                </a:solidFill>
-                <a:effectLst/>
-                <a:latin typeface="Slack-Lato"/>
-              </a:rPr>
-            </a:br>
-            <a:endParaRPr lang="en-US" b="0" i="0" dirty="0">
-              <a:solidFill>
-                <a:schemeClr val="bg1"/>
-              </a:solidFill>
-              <a:effectLst/>
-              <a:latin typeface="Slack-Lato"/>
-            </a:endParaRPr>
-          </a:p>
-          <a:p>
-            <a:br>
-              <a:rPr lang="en-US" b="0" i="0" dirty="0">
-                <a:solidFill>
-                  <a:srgbClr val="1D1C1D"/>
-                </a:solidFill>
-                <a:effectLst/>
-                <a:latin typeface="Slack-Lato"/>
-              </a:rPr>
-            </a:br>
-            <a:endParaRPr lang="en-US" dirty="0"/>
-          </a:p>
-        </p:txBody>
-      </p:sp>
-      <p:sp>
-        <p:nvSpPr>
-          <p:cNvPr id="8" name="TextBox 7">
-            <a:extLst>
-              <a:ext uri="{FF2B5EF4-FFF2-40B4-BE49-F238E27FC236}">
-                <a16:creationId xmlns:a16="http://schemas.microsoft.com/office/drawing/2014/main" id="{38413B10-3FC5-14EC-7CFD-B97C2E54EE71}"/>
-              </a:ext>
-            </a:extLst>
-          </p:cNvPr>
-          <p:cNvSpPr txBox="1"/>
-          <p:nvPr/>
-        </p:nvSpPr>
-        <p:spPr>
-          <a:xfrm>
-            <a:off x="-2999234" y="2103970"/>
-            <a:ext cx="6093618" cy="923330"/>
-          </a:xfrm>
-          <a:prstGeom prst="rect">
-            <a:avLst/>
-          </a:prstGeom>
-          <a:noFill/>
-        </p:spPr>
-        <p:txBody>
-          <a:bodyPr wrap="square">
-            <a:spAutoFit/>
-          </a:bodyPr>
-          <a:lstStyle/>
-          <a:p>
-            <a:pPr algn="l"/>
-            <a:r>
-              <a:rPr lang="en-US" b="0" i="0" dirty="0">
-                <a:solidFill>
-                  <a:schemeClr val="bg1"/>
-                </a:solidFill>
-                <a:effectLst/>
-                <a:latin typeface="Slack-Lato"/>
-              </a:rPr>
-              <a:t>What were the outputs?</a:t>
-            </a:r>
-            <a:br>
-              <a:rPr lang="en-US" b="0" i="0" dirty="0">
-                <a:solidFill>
-                  <a:schemeClr val="bg1"/>
-                </a:solidFill>
-                <a:effectLst/>
-                <a:latin typeface="Slack-Lato"/>
-              </a:rPr>
-            </a:br>
-            <a:endParaRPr lang="en-US" b="0" i="0" dirty="0">
-              <a:solidFill>
-                <a:schemeClr val="bg1"/>
-              </a:solidFill>
-              <a:effectLst/>
-              <a:latin typeface="Slack-Lato"/>
-            </a:endParaRPr>
-          </a:p>
-          <a:p>
-            <a:pPr algn="l"/>
-            <a:r>
-              <a:rPr lang="en-US" b="0" i="0" dirty="0">
-                <a:solidFill>
-                  <a:schemeClr val="bg1"/>
-                </a:solidFill>
-                <a:effectLst/>
-                <a:latin typeface="Slack-Lato"/>
-              </a:rPr>
-              <a:t>What did the outputs tell us?</a:t>
-            </a:r>
-          </a:p>
-        </p:txBody>
-      </p:sp>
-      <p:sp>
-        <p:nvSpPr>
           <p:cNvPr id="12" name="TextBox 11">
             <a:extLst>
               <a:ext uri="{FF2B5EF4-FFF2-40B4-BE49-F238E27FC236}">
@@ -9192,8 +9121,8 @@
         </p:nvSpPr>
         <p:spPr>
           <a:xfrm>
-            <a:off x="318492" y="1378036"/>
-            <a:ext cx="11240096" cy="923330"/>
+            <a:off x="282178" y="1309008"/>
+            <a:ext cx="11490722" cy="646331"/>
           </a:xfrm>
           <a:prstGeom prst="rect">
             <a:avLst/>
@@ -9216,17 +9145,17 @@
                 <a:latin typeface="Arial" panose="020B0604020202020204" pitchFamily="34" charset="0"/>
                 <a:cs typeface="Arial" panose="020B0604020202020204" pitchFamily="34" charset="0"/>
               </a:rPr>
-              <a:t>In this last graph you can see a better picture of when we buy and sell.  For example, we started with buying at the open, then the MACD passes the signal line we sell until it passes it again. At approximately 1:45 the signal line is indicating a upwards trend where we buy until it crosses again to indicate that we sell. </a:t>
+              <a:t>This is the signal line. We start off buying at the open, then when the MACD line pass the signal line we sell because the signal line is indicating a downwards trend.</a:t>
             </a:r>
           </a:p>
         </p:txBody>
       </p:sp>
       <p:pic>
         <p:nvPicPr>
-          <p:cNvPr id="14" name="Picture 13">
-            <a:extLst>
-              <a:ext uri="{FF2B5EF4-FFF2-40B4-BE49-F238E27FC236}">
-                <a16:creationId xmlns:a16="http://schemas.microsoft.com/office/drawing/2014/main" id="{91BFAFC5-6049-8A56-A7C9-67686C0F4FDD}"/>
+          <p:cNvPr id="7" name="Picture 6">
+            <a:extLst>
+              <a:ext uri="{FF2B5EF4-FFF2-40B4-BE49-F238E27FC236}">
+                <a16:creationId xmlns:a16="http://schemas.microsoft.com/office/drawing/2014/main" id="{F58A42AF-9850-CA0C-37A2-61780B2D26F5}"/>
               </a:ext>
             </a:extLst>
           </p:cNvPr>
@@ -9243,8 +9172,8 @@
         </p:blipFill>
         <p:spPr>
           <a:xfrm>
-            <a:off x="1984370" y="2381732"/>
-            <a:ext cx="8218495" cy="4189884"/>
+            <a:off x="2312435" y="2012951"/>
+            <a:ext cx="7430208" cy="4621227"/>
           </a:xfrm>
           <a:prstGeom prst="rect">
             <a:avLst/>
@@ -9254,7 +9183,7 @@
     </p:spTree>
     <p:extLst>
       <p:ext uri="{BB962C8B-B14F-4D97-AF65-F5344CB8AC3E}">
-        <p14:creationId xmlns:p14="http://schemas.microsoft.com/office/powerpoint/2010/main" val="2179045673"/>
+        <p14:creationId xmlns:p14="http://schemas.microsoft.com/office/powerpoint/2010/main" val="1598778529"/>
       </p:ext>
     </p:extLst>
   </p:cSld>
@@ -9265,7 +9194,7 @@
 </file>
 
 <file path=ppt/slides/slide19.xml><?xml version="1.0" encoding="utf-8"?>
-<p:sld xmlns:a="http://schemas.openxmlformats.org/drawingml/2006/main" xmlns:r="http://schemas.openxmlformats.org/officeDocument/2006/relationships" xmlns:p="http://schemas.openxmlformats.org/presentationml/2006/main">
+<p:sld xmlns:a="http://schemas.openxmlformats.org/drawingml/2006/main" xmlns:r="http://schemas.openxmlformats.org/officeDocument/2006/relationships" xmlns:p="http://schemas.openxmlformats.org/presentationml/2006/main" show="0">
   <p:cSld>
     <p:spTree>
       <p:nvGrpSpPr>
@@ -9528,10 +9457,10 @@
       </p:sp>
       <p:sp>
         <p:nvSpPr>
-          <p:cNvPr id="15" name="TextBox 14">
-            <a:extLst>
-              <a:ext uri="{FF2B5EF4-FFF2-40B4-BE49-F238E27FC236}">
-                <a16:creationId xmlns:a16="http://schemas.microsoft.com/office/drawing/2014/main" id="{FCBFDD02-51CC-AC9F-F897-ED1643C6B457}"/>
+          <p:cNvPr id="7" name="TextBox 6">
+            <a:extLst>
+              <a:ext uri="{FF2B5EF4-FFF2-40B4-BE49-F238E27FC236}">
+                <a16:creationId xmlns:a16="http://schemas.microsoft.com/office/drawing/2014/main" id="{24C484EF-37A4-616D-7805-4B1637442430}"/>
               </a:ext>
             </a:extLst>
           </p:cNvPr>
@@ -9540,8 +9469,149 @@
         </p:nvSpPr>
         <p:spPr>
           <a:xfrm>
+            <a:off x="-3525441" y="3306927"/>
+            <a:ext cx="3406379" cy="1477328"/>
+          </a:xfrm>
+          <a:prstGeom prst="rect">
+            <a:avLst/>
+          </a:prstGeom>
+          <a:noFill/>
+        </p:spPr>
+        <p:txBody>
+          <a:bodyPr wrap="square">
+            <a:spAutoFit/>
+          </a:bodyPr>
+          <a:lstStyle/>
+          <a:p>
+            <a:pPr algn="l"/>
+            <a:r>
+              <a:rPr lang="en-US" b="0" i="0" dirty="0">
+                <a:solidFill>
+                  <a:schemeClr val="bg1"/>
+                </a:solidFill>
+                <a:effectLst/>
+                <a:latin typeface="Slack-Lato"/>
+              </a:rPr>
+              <a:t>Analysis – Michael[SPY] Ryan[AAPL]</a:t>
+            </a:r>
+            <a:br>
+              <a:rPr lang="en-US" b="0" i="0" dirty="0">
+                <a:solidFill>
+                  <a:schemeClr val="bg1"/>
+                </a:solidFill>
+                <a:effectLst/>
+                <a:latin typeface="Slack-Lato"/>
+              </a:rPr>
+            </a:br>
+            <a:endParaRPr lang="en-US" b="0" i="0" dirty="0">
+              <a:solidFill>
+                <a:schemeClr val="bg1"/>
+              </a:solidFill>
+              <a:effectLst/>
+              <a:latin typeface="Slack-Lato"/>
+            </a:endParaRPr>
+          </a:p>
+          <a:p>
+            <a:br>
+              <a:rPr lang="en-US" b="0" i="0" dirty="0">
+                <a:solidFill>
+                  <a:srgbClr val="1D1C1D"/>
+                </a:solidFill>
+                <a:effectLst/>
+                <a:latin typeface="Slack-Lato"/>
+              </a:rPr>
+            </a:br>
+            <a:endParaRPr lang="en-US" dirty="0"/>
+          </a:p>
+        </p:txBody>
+      </p:sp>
+      <p:sp>
+        <p:nvSpPr>
+          <p:cNvPr id="8" name="TextBox 7">
+            <a:extLst>
+              <a:ext uri="{FF2B5EF4-FFF2-40B4-BE49-F238E27FC236}">
+                <a16:creationId xmlns:a16="http://schemas.microsoft.com/office/drawing/2014/main" id="{38413B10-3FC5-14EC-7CFD-B97C2E54EE71}"/>
+              </a:ext>
+            </a:extLst>
+          </p:cNvPr>
+          <p:cNvSpPr txBox="1"/>
+          <p:nvPr/>
+        </p:nvSpPr>
+        <p:spPr>
+          <a:xfrm>
+            <a:off x="-2999234" y="2103970"/>
+            <a:ext cx="6093618" cy="923330"/>
+          </a:xfrm>
+          <a:prstGeom prst="rect">
+            <a:avLst/>
+          </a:prstGeom>
+          <a:noFill/>
+        </p:spPr>
+        <p:txBody>
+          <a:bodyPr wrap="square">
+            <a:spAutoFit/>
+          </a:bodyPr>
+          <a:lstStyle/>
+          <a:p>
+            <a:pPr algn="l"/>
+            <a:r>
+              <a:rPr lang="en-US" b="0" i="0" dirty="0">
+                <a:solidFill>
+                  <a:schemeClr val="bg1"/>
+                </a:solidFill>
+                <a:effectLst/>
+                <a:latin typeface="Slack-Lato"/>
+              </a:rPr>
+              <a:t>What were the outputs?</a:t>
+            </a:r>
+            <a:br>
+              <a:rPr lang="en-US" b="0" i="0" dirty="0">
+                <a:solidFill>
+                  <a:schemeClr val="bg1"/>
+                </a:solidFill>
+                <a:effectLst/>
+                <a:latin typeface="Slack-Lato"/>
+              </a:rPr>
+            </a:br>
+            <a:endParaRPr lang="en-US" b="0" i="0" dirty="0">
+              <a:solidFill>
+                <a:schemeClr val="bg1"/>
+              </a:solidFill>
+              <a:effectLst/>
+              <a:latin typeface="Slack-Lato"/>
+            </a:endParaRPr>
+          </a:p>
+          <a:p>
+            <a:pPr algn="l"/>
+            <a:r>
+              <a:rPr lang="en-US" b="0" i="0" dirty="0">
+                <a:solidFill>
+                  <a:schemeClr val="bg1"/>
+                </a:solidFill>
+                <a:effectLst/>
+                <a:latin typeface="Slack-Lato"/>
+              </a:rPr>
+              <a:t>What did the outputs tell us?</a:t>
+            </a:r>
+          </a:p>
+        </p:txBody>
+      </p:sp>
+      <p:sp>
+        <p:nvSpPr>
+          <p:cNvPr id="12" name="TextBox 11">
+            <a:extLst>
+              <a:ext uri="{FF2B5EF4-FFF2-40B4-BE49-F238E27FC236}">
+                <a16:creationId xmlns:a16="http://schemas.microsoft.com/office/drawing/2014/main" id="{0F3E3CE8-0878-0354-74CE-9ACDA279CCCD}"/>
+              </a:ext>
+            </a:extLst>
+          </p:cNvPr>
+          <p:cNvSpPr txBox="1"/>
+          <p:nvPr/>
+        </p:nvSpPr>
+        <p:spPr>
+          <a:xfrm>
             <a:off x="7886700" y="112991"/>
-            <a:ext cx="4186239" cy="738664"/>
+            <a:ext cx="4186239" cy="523220"/>
           </a:xfrm>
           <a:prstGeom prst="rect">
             <a:avLst/>
@@ -9565,41 +9635,8 @@
                 <a:latin typeface="Arial" panose="020B0604020202020204" pitchFamily="34" charset="0"/>
                 <a:cs typeface="Arial" panose="020B0604020202020204" pitchFamily="34" charset="0"/>
               </a:rPr>
-              <a:t>Briefer: Michael </a:t>
-            </a:r>
-            <a:r>
-              <a:rPr lang="en-US" sz="1400" i="1" dirty="0" err="1">
-                <a:solidFill>
-                  <a:schemeClr val="bg1">
-                    <a:lumMod val="75000"/>
-                  </a:schemeClr>
-                </a:solidFill>
-                <a:latin typeface="Arial" panose="020B0604020202020204" pitchFamily="34" charset="0"/>
-                <a:cs typeface="Arial" panose="020B0604020202020204" pitchFamily="34" charset="0"/>
-              </a:rPr>
-              <a:t>Drinkard</a:t>
-            </a:r>
-            <a:endParaRPr lang="en-US" sz="1400" i="1" dirty="0">
-              <a:solidFill>
-                <a:schemeClr val="bg1">
-                  <a:lumMod val="75000"/>
-                </a:schemeClr>
-              </a:solidFill>
-              <a:latin typeface="Arial" panose="020B0604020202020204" pitchFamily="34" charset="0"/>
-              <a:cs typeface="Arial" panose="020B0604020202020204" pitchFamily="34" charset="0"/>
-            </a:endParaRPr>
-          </a:p>
-          <a:p>
-            <a:pPr algn="r"/>
-            <a:endParaRPr lang="en-US" sz="1400" dirty="0">
-              <a:solidFill>
-                <a:schemeClr val="bg1">
-                  <a:lumMod val="75000"/>
-                </a:schemeClr>
-              </a:solidFill>
-              <a:latin typeface="Arial" panose="020B0604020202020204" pitchFamily="34" charset="0"/>
-              <a:cs typeface="Arial" panose="020B0604020202020204" pitchFamily="34" charset="0"/>
-            </a:endParaRPr>
+              <a:t>Briefer: Ryan Stowers</a:t>
+            </a:r>
           </a:p>
           <a:p>
             <a:pPr algn="r"/>
@@ -9615,10 +9652,10 @@
       </p:sp>
       <p:sp>
         <p:nvSpPr>
-          <p:cNvPr id="6" name="TextBox 5">
-            <a:extLst>
-              <a:ext uri="{FF2B5EF4-FFF2-40B4-BE49-F238E27FC236}">
-                <a16:creationId xmlns:a16="http://schemas.microsoft.com/office/drawing/2014/main" id="{26096104-3AB8-C326-EFD0-6D5223ADAE2A}"/>
+          <p:cNvPr id="13" name="TextBox 12">
+            <a:extLst>
+              <a:ext uri="{FF2B5EF4-FFF2-40B4-BE49-F238E27FC236}">
+                <a16:creationId xmlns:a16="http://schemas.microsoft.com/office/drawing/2014/main" id="{5934E4D6-40A6-1091-2230-929980990F95}"/>
               </a:ext>
             </a:extLst>
           </p:cNvPr>
@@ -9627,8 +9664,8 @@
         </p:nvSpPr>
         <p:spPr>
           <a:xfrm>
-            <a:off x="3872508" y="1845822"/>
-            <a:ext cx="8924330" cy="3954929"/>
+            <a:off x="318492" y="1378036"/>
+            <a:ext cx="11240096" cy="923330"/>
           </a:xfrm>
           <a:prstGeom prst="rect">
             <a:avLst/>
@@ -9641,184 +9678,55 @@
           </a:bodyPr>
           <a:lstStyle/>
           <a:p>
-            <a:pPr marL="285750" indent="-285750">
-              <a:buFont typeface="Arial" panose="020B0604020202020204" pitchFamily="34" charset="0"/>
-              <a:buChar char="•"/>
-            </a:pPr>
-            <a:r>
-              <a:rPr lang="en-US" sz="2400" dirty="0">
+            <a:r>
+              <a:rPr lang="en-US" dirty="0">
                 <a:solidFill>
                   <a:schemeClr val="bg1">
-                    <a:lumMod val="75000"/>
+                    <a:lumMod val="85000"/>
                   </a:schemeClr>
                 </a:solidFill>
                 <a:latin typeface="Arial" panose="020B0604020202020204" pitchFamily="34" charset="0"/>
                 <a:cs typeface="Arial" panose="020B0604020202020204" pitchFamily="34" charset="0"/>
               </a:rPr>
-              <a:t>What did we see?</a:t>
-            </a:r>
-          </a:p>
-          <a:p>
-            <a:pPr marL="285750" indent="-285750">
-              <a:buFont typeface="Arial" panose="020B0604020202020204" pitchFamily="34" charset="0"/>
-              <a:buChar char="•"/>
-            </a:pPr>
-            <a:endParaRPr lang="en-US" sz="2400" dirty="0">
-              <a:solidFill>
-                <a:schemeClr val="bg1">
-                  <a:lumMod val="75000"/>
-                </a:schemeClr>
-              </a:solidFill>
-              <a:latin typeface="Arial" panose="020B0604020202020204" pitchFamily="34" charset="0"/>
-              <a:cs typeface="Arial" panose="020B0604020202020204" pitchFamily="34" charset="0"/>
-            </a:endParaRPr>
-          </a:p>
-          <a:p>
-            <a:pPr marL="285750" indent="-285750">
-              <a:buFont typeface="Arial" panose="020B0604020202020204" pitchFamily="34" charset="0"/>
-              <a:buChar char="•"/>
-            </a:pPr>
-            <a:endParaRPr lang="en-US" sz="2400" dirty="0">
-              <a:solidFill>
-                <a:schemeClr val="bg1">
-                  <a:lumMod val="75000"/>
-                </a:schemeClr>
-              </a:solidFill>
-              <a:latin typeface="Arial" panose="020B0604020202020204" pitchFamily="34" charset="0"/>
-              <a:cs typeface="Arial" panose="020B0604020202020204" pitchFamily="34" charset="0"/>
-            </a:endParaRPr>
-          </a:p>
-          <a:p>
-            <a:pPr marL="285750" indent="-285750">
-              <a:buFont typeface="Arial" panose="020B0604020202020204" pitchFamily="34" charset="0"/>
-              <a:buChar char="•"/>
-            </a:pPr>
-            <a:r>
-              <a:rPr lang="en-US" sz="2400" dirty="0">
-                <a:solidFill>
-                  <a:schemeClr val="bg1">
-                    <a:lumMod val="75000"/>
-                  </a:schemeClr>
-                </a:solidFill>
-                <a:latin typeface="Arial" panose="020B0604020202020204" pitchFamily="34" charset="0"/>
-                <a:cs typeface="Arial" panose="020B0604020202020204" pitchFamily="34" charset="0"/>
-              </a:rPr>
-              <a:t>Why did we see it? </a:t>
-            </a:r>
-          </a:p>
-          <a:p>
-            <a:pPr marL="285750" indent="-285750">
-              <a:buFont typeface="Arial" panose="020B0604020202020204" pitchFamily="34" charset="0"/>
-              <a:buChar char="•"/>
-            </a:pPr>
-            <a:endParaRPr lang="en-US" sz="2400" dirty="0">
-              <a:solidFill>
-                <a:schemeClr val="bg1">
-                  <a:lumMod val="75000"/>
-                </a:schemeClr>
-              </a:solidFill>
-              <a:latin typeface="Arial" panose="020B0604020202020204" pitchFamily="34" charset="0"/>
-              <a:cs typeface="Arial" panose="020B0604020202020204" pitchFamily="34" charset="0"/>
-            </a:endParaRPr>
-          </a:p>
-          <a:p>
-            <a:pPr marL="285750" indent="-285750">
-              <a:buFont typeface="Arial" panose="020B0604020202020204" pitchFamily="34" charset="0"/>
-              <a:buChar char="•"/>
-            </a:pPr>
-            <a:endParaRPr lang="en-US" sz="2400" dirty="0">
-              <a:solidFill>
-                <a:schemeClr val="bg1">
-                  <a:lumMod val="75000"/>
-                </a:schemeClr>
-              </a:solidFill>
-              <a:latin typeface="Arial" panose="020B0604020202020204" pitchFamily="34" charset="0"/>
-              <a:cs typeface="Arial" panose="020B0604020202020204" pitchFamily="34" charset="0"/>
-            </a:endParaRPr>
-          </a:p>
-          <a:p>
-            <a:pPr marL="285750" indent="-285750">
-              <a:buFont typeface="Arial" panose="020B0604020202020204" pitchFamily="34" charset="0"/>
-              <a:buChar char="•"/>
-            </a:pPr>
-            <a:r>
-              <a:rPr lang="en-US" sz="2400" dirty="0">
-                <a:solidFill>
-                  <a:schemeClr val="bg1">
-                    <a:lumMod val="75000"/>
-                  </a:schemeClr>
-                </a:solidFill>
-                <a:latin typeface="Arial" panose="020B0604020202020204" pitchFamily="34" charset="0"/>
-                <a:cs typeface="Arial" panose="020B0604020202020204" pitchFamily="34" charset="0"/>
-              </a:rPr>
-              <a:t>Did we make money?</a:t>
-            </a:r>
-          </a:p>
-          <a:p>
-            <a:pPr marL="285750" indent="-285750">
-              <a:buFont typeface="Arial" panose="020B0604020202020204" pitchFamily="34" charset="0"/>
-              <a:buChar char="•"/>
-            </a:pPr>
-            <a:endParaRPr lang="en-US" sz="2400" dirty="0">
-              <a:solidFill>
-                <a:schemeClr val="bg1">
-                  <a:lumMod val="75000"/>
-                </a:schemeClr>
-              </a:solidFill>
-              <a:latin typeface="Arial" panose="020B0604020202020204" pitchFamily="34" charset="0"/>
-              <a:cs typeface="Arial" panose="020B0604020202020204" pitchFamily="34" charset="0"/>
-            </a:endParaRPr>
-          </a:p>
-          <a:p>
-            <a:pPr marL="285750" indent="-285750">
-              <a:buFont typeface="Arial" panose="020B0604020202020204" pitchFamily="34" charset="0"/>
-              <a:buChar char="•"/>
-            </a:pPr>
-            <a:endParaRPr lang="en-US" sz="2400" dirty="0">
-              <a:solidFill>
-                <a:schemeClr val="bg1">
-                  <a:lumMod val="75000"/>
-                </a:schemeClr>
-              </a:solidFill>
-              <a:latin typeface="Arial" panose="020B0604020202020204" pitchFamily="34" charset="0"/>
-              <a:cs typeface="Arial" panose="020B0604020202020204" pitchFamily="34" charset="0"/>
-            </a:endParaRPr>
-          </a:p>
-          <a:p>
-            <a:pPr marL="285750" indent="-285750">
-              <a:buFont typeface="Arial" panose="020B0604020202020204" pitchFamily="34" charset="0"/>
-              <a:buChar char="•"/>
-            </a:pPr>
-            <a:r>
-              <a:rPr lang="en-US" sz="2400" dirty="0">
-                <a:solidFill>
-                  <a:schemeClr val="bg1">
-                    <a:lumMod val="75000"/>
-                  </a:schemeClr>
-                </a:solidFill>
-                <a:latin typeface="Arial" panose="020B0604020202020204" pitchFamily="34" charset="0"/>
-                <a:cs typeface="Arial" panose="020B0604020202020204" pitchFamily="34" charset="0"/>
-              </a:rPr>
-              <a:t>Why did we make money or lose money?</a:t>
-            </a:r>
-          </a:p>
-          <a:p>
-            <a:endParaRPr lang="en-US" sz="1100" dirty="0">
-              <a:solidFill>
-                <a:schemeClr val="bg1">
-                  <a:lumMod val="85000"/>
-                </a:schemeClr>
-              </a:solidFill>
-              <a:latin typeface="Arial" panose="020B0604020202020204" pitchFamily="34" charset="0"/>
-              <a:cs typeface="Arial" panose="020B0604020202020204" pitchFamily="34" charset="0"/>
-            </a:endParaRPr>
-          </a:p>
-        </p:txBody>
-      </p:sp>
+              <a:t>In this last graph you can see a better picture of when we buy and sell.  For example, we started with buying at the open, then the MACD passes the signal line we sell until it passes it again. At approximately 1:45 the signal line is indicating a upwards trend where we buy until it crosses again to indicate that we sell. </a:t>
+            </a:r>
+          </a:p>
+        </p:txBody>
+      </p:sp>
+      <p:pic>
+        <p:nvPicPr>
+          <p:cNvPr id="14" name="Picture 13">
+            <a:extLst>
+              <a:ext uri="{FF2B5EF4-FFF2-40B4-BE49-F238E27FC236}">
+                <a16:creationId xmlns:a16="http://schemas.microsoft.com/office/drawing/2014/main" id="{91BFAFC5-6049-8A56-A7C9-67686C0F4FDD}"/>
+              </a:ext>
+            </a:extLst>
+          </p:cNvPr>
+          <p:cNvPicPr>
+            <a:picLocks noChangeAspect="1"/>
+          </p:cNvPicPr>
+          <p:nvPr/>
+        </p:nvPicPr>
+        <p:blipFill>
+          <a:blip r:embed="rId2"/>
+          <a:stretch>
+            <a:fillRect/>
+          </a:stretch>
+        </p:blipFill>
+        <p:spPr>
+          <a:xfrm>
+            <a:off x="1984370" y="2381732"/>
+            <a:ext cx="8218495" cy="4189884"/>
+          </a:xfrm>
+          <a:prstGeom prst="rect">
+            <a:avLst/>
+          </a:prstGeom>
+        </p:spPr>
+      </p:pic>
     </p:spTree>
     <p:extLst>
       <p:ext uri="{BB962C8B-B14F-4D97-AF65-F5344CB8AC3E}">
-        <p14:creationId xmlns:p14="http://schemas.microsoft.com/office/powerpoint/2010/main" val="817477383"/>
+        <p14:creationId xmlns:p14="http://schemas.microsoft.com/office/powerpoint/2010/main" val="2179045673"/>
       </p:ext>
     </p:extLst>
   </p:cSld>
